--- a/presentation/PAA_2025.pptx
+++ b/presentation/PAA_2025.pptx
@@ -5,30 +5,32 @@
     <p:sldMasterId id="2147483672" r:id="rId1"/>
   </p:sldMasterIdLst>
   <p:notesMasterIdLst>
-    <p:notesMasterId r:id="rId23"/>
+    <p:notesMasterId r:id="rId25"/>
   </p:notesMasterIdLst>
   <p:sldIdLst>
     <p:sldId id="256" r:id="rId2"/>
-    <p:sldId id="257" r:id="rId3"/>
-    <p:sldId id="279" r:id="rId4"/>
-    <p:sldId id="280" r:id="rId5"/>
-    <p:sldId id="275" r:id="rId6"/>
+    <p:sldId id="279" r:id="rId3"/>
+    <p:sldId id="260" r:id="rId4"/>
+    <p:sldId id="257" r:id="rId5"/>
+    <p:sldId id="264" r:id="rId6"/>
     <p:sldId id="259" r:id="rId7"/>
-    <p:sldId id="260" r:id="rId8"/>
-    <p:sldId id="276" r:id="rId9"/>
-    <p:sldId id="265" r:id="rId10"/>
-    <p:sldId id="264" r:id="rId11"/>
-    <p:sldId id="262" r:id="rId12"/>
-    <p:sldId id="263" r:id="rId13"/>
-    <p:sldId id="268" r:id="rId14"/>
-    <p:sldId id="261" r:id="rId15"/>
-    <p:sldId id="269" r:id="rId16"/>
-    <p:sldId id="270" r:id="rId17"/>
-    <p:sldId id="271" r:id="rId18"/>
-    <p:sldId id="272" r:id="rId19"/>
-    <p:sldId id="267" r:id="rId20"/>
-    <p:sldId id="278" r:id="rId21"/>
-    <p:sldId id="273" r:id="rId22"/>
+    <p:sldId id="261" r:id="rId8"/>
+    <p:sldId id="268" r:id="rId9"/>
+    <p:sldId id="262" r:id="rId10"/>
+    <p:sldId id="282" r:id="rId11"/>
+    <p:sldId id="281" r:id="rId12"/>
+    <p:sldId id="269" r:id="rId13"/>
+    <p:sldId id="263" r:id="rId14"/>
+    <p:sldId id="270" r:id="rId15"/>
+    <p:sldId id="271" r:id="rId16"/>
+    <p:sldId id="267" r:id="rId17"/>
+    <p:sldId id="272" r:id="rId18"/>
+    <p:sldId id="283" r:id="rId19"/>
+    <p:sldId id="278" r:id="rId20"/>
+    <p:sldId id="284" r:id="rId21"/>
+    <p:sldId id="276" r:id="rId22"/>
+    <p:sldId id="280" r:id="rId23"/>
+    <p:sldId id="273" r:id="rId24"/>
   </p:sldIdLst>
   <p:sldSz cx="12192000" cy="6858000"/>
   <p:notesSz cx="6858000" cy="9144000"/>
@@ -148,8 +150,8 @@
       <pc:docMk xmlns:pc="http://schemas.microsoft.com/office/powerpoint/2013/main/command"/>
       <pc:sldMk xmlns:pc="http://schemas.microsoft.com/office/powerpoint/2013/main/command" cId="369795164" sldId="257"/>
       <ac:spMk id="3" creationId="{DA531385-67C5-A489-E34A-2D6E8D37FEF0}"/>
-      <ac:txMk cp="172" len="113">
-        <ac:context len="286" hash="2644307973"/>
+      <ac:txMk cp="0">
+        <ac:context len="404" hash="3536195677"/>
       </ac:txMk>
     </ac:txMkLst>
     <p188:pos x="8849139" y="2309053"/>
@@ -159,7 +161,7 @@
       <a:p>
         <a:r>
           <a:rPr lang="en-US"/>
-          <a:t>Trim and be super descriptive</a:t>
+          <a:t>Animate in the points as you speak about them</a:t>
         </a:r>
       </a:p>
     </p188:txBody>
@@ -210,6 +212,28 @@
 </p188:cmLst>
 </file>
 
+<file path=ppt/comments/modernComment_10D_F4B31A49.xml><?xml version="1.0" encoding="utf-8"?>
+<p188:cmLst xmlns:a="http://schemas.openxmlformats.org/drawingml/2006/main" xmlns:r="http://schemas.openxmlformats.org/officeDocument/2006/relationships" xmlns:p188="http://schemas.microsoft.com/office/powerpoint/2018/8/main">
+  <p188:cm id="{4EBDC47E-9160-CD41-8601-CE99BC3D6A59}" authorId="{AFA1B2A6-432F-BDAD-8948-8605949700F2}" created="2025-04-07T22:21:57.209">
+    <ac:deMkLst xmlns:ac="http://schemas.microsoft.com/office/drawing/2013/main/command">
+      <pc:docMk xmlns:pc="http://schemas.microsoft.com/office/powerpoint/2013/main/command"/>
+      <pc:sldMk xmlns:pc="http://schemas.microsoft.com/office/powerpoint/2013/main/command" cId="4105378377" sldId="269"/>
+      <ac:picMk id="6" creationId="{69A9CC41-5B7D-2033-49D5-27821595BB79}"/>
+    </ac:deMkLst>
+    <p188:txBody>
+      <a:bodyPr/>
+      <a:lstStyle/>
+      <a:p>
+        <a:r>
+          <a:rPr lang="en-US"/>
+          <a:t>Two bars for country right next to each other</a:t>
+        </a:r>
+      </a:p>
+    </p188:txBody>
+  </p188:cm>
+</p188:cmLst>
+</file>
+
 <file path=ppt/notesMasters/notesMaster1.xml><?xml version="1.0" encoding="utf-8"?>
 <p:notesMaster xmlns:a="http://schemas.openxmlformats.org/drawingml/2006/main" xmlns:r="http://schemas.openxmlformats.org/officeDocument/2006/relationships" xmlns:p="http://schemas.openxmlformats.org/presentationml/2006/main">
   <p:cSld>
@@ -292,7 +316,7 @@
           <a:p>
             <a:fld id="{DF5B9BC8-40C9-7247-8BB6-EC27E5F94B01}" type="datetimeFigureOut">
               <a:rPr lang="en-US" smtClean="0"/>
-              <a:t>4/2/25</a:t>
+              <a:t>4/7/25</a:t>
             </a:fld>
             <a:endParaRPr lang="en-US"/>
           </a:p>
@@ -603,205 +627,15 @@
           <a:bodyPr/>
           <a:lstStyle/>
           <a:p>
-            <a:pPr marL="0" indent="0">
-              <a:buNone/>
-            </a:pPr>
-            <a:r>
-              <a:rPr lang="en-US" dirty="0"/>
-              <a:t>In this paper, we chose to focus on sociodemographic differences between migrants populations, specifically we were interested in comparing age 60 plus Mexican migrant populations to those from the Caribbean. </a:t>
-            </a:r>
-          </a:p>
-          <a:p>
-            <a:pPr marL="0" indent="0">
-              <a:buNone/>
-            </a:pPr>
             <a:endParaRPr lang="en-US" dirty="0"/>
           </a:p>
           <a:p>
-            <a:pPr marL="0" indent="0">
-              <a:buNone/>
-            </a:pPr>
-            <a:r>
-              <a:rPr lang="en-US" dirty="0"/>
-              <a:t>We chose sociodemographic differences because they’re important for understanding aging disparities between Hispanic migrant populations. </a:t>
-            </a:r>
-          </a:p>
-          <a:p>
-            <a:pPr marL="0" indent="0">
-              <a:buNone/>
-            </a:pPr>
             <a:endParaRPr lang="en-US" dirty="0"/>
           </a:p>
           <a:p>
-            <a:pPr marL="0" indent="0">
-              <a:buNone/>
-            </a:pPr>
-            <a:r>
-              <a:rPr lang="en-US" dirty="0"/>
-              <a:t>A couple of examples are education and social support. </a:t>
-            </a:r>
-          </a:p>
-          <a:p>
-            <a:pPr marL="0" indent="0">
-              <a:buNone/>
-            </a:pPr>
-            <a:endParaRPr lang="en-US" dirty="0"/>
-          </a:p>
-          <a:p>
-            <a:pPr marL="0" indent="0">
-              <a:buNone/>
-            </a:pPr>
-            <a:r>
-              <a:rPr lang="en-US" dirty="0"/>
-              <a:t>For example, it’s well known that education is positively correlated with cognitive health. Li and team, in 2021, found for example that people without a high school degree are more likely to get diagnosed with dementia. </a:t>
-            </a:r>
-          </a:p>
-          <a:p>
-            <a:pPr marL="0" indent="0">
-              <a:buNone/>
-            </a:pPr>
-            <a:endParaRPr lang="en-US" dirty="0"/>
-          </a:p>
-          <a:p>
-            <a:pPr marL="0" indent="0">
-              <a:buNone/>
-            </a:pPr>
-            <a:r>
-              <a:rPr lang="en-US" dirty="0"/>
-              <a:t>Another example is social isolation. </a:t>
-            </a:r>
-            <a:r>
-              <a:rPr lang="en-US" dirty="0" err="1"/>
-              <a:t>Rentscher</a:t>
-            </a:r>
-            <a:r>
-              <a:rPr lang="en-US" dirty="0"/>
-              <a:t> and collaborators in 2023 found that older socially isolated people were between biologically 1-2 years compared to people with stronger social support.</a:t>
-            </a:r>
-          </a:p>
-          <a:p>
-            <a:pPr marL="0" indent="0">
-              <a:buNone/>
-            </a:pPr>
-            <a:endParaRPr lang="en-US" dirty="0"/>
-          </a:p>
-          <a:p>
-            <a:pPr marL="0" indent="0">
-              <a:buNone/>
-            </a:pPr>
-            <a:r>
-              <a:rPr lang="en-US" dirty="0"/>
-              <a:t>And so, this is why if your goal is to understand aging health it’s so important to understand how migrants differ in things like education and social support</a:t>
-            </a:r>
-          </a:p>
-          <a:p>
-            <a:pPr marL="0" indent="0">
-              <a:buNone/>
-            </a:pPr>
-            <a:endParaRPr lang="en-US" dirty="0"/>
-          </a:p>
-          <a:p>
-            <a:pPr marL="0" indent="0">
-              <a:buNone/>
-            </a:pPr>
-            <a:r>
-              <a:rPr lang="en-US" dirty="0"/>
-              <a:t>Crimmins: https://</a:t>
-            </a:r>
-            <a:r>
-              <a:rPr lang="en-US" dirty="0" err="1"/>
-              <a:t>pubmed.ncbi.nlm.nih.gov</a:t>
-            </a:r>
-            <a:r>
-              <a:rPr lang="en-US" dirty="0"/>
-              <a:t>/32798771/</a:t>
-            </a:r>
-          </a:p>
-          <a:p>
-            <a:pPr marL="0" indent="0">
-              <a:buNone/>
-            </a:pPr>
-            <a:r>
-              <a:rPr lang="en-US" dirty="0" err="1"/>
-              <a:t>Rentsher</a:t>
-            </a:r>
-            <a:r>
-              <a:rPr lang="en-US" dirty="0"/>
-              <a:t>: https://www-</a:t>
-            </a:r>
-            <a:r>
-              <a:rPr lang="en-US" dirty="0" err="1"/>
-              <a:t>sciencedirect</a:t>
-            </a:r>
-            <a:r>
-              <a:rPr lang="en-US" dirty="0"/>
-              <a:t>-</a:t>
-            </a:r>
-            <a:r>
-              <a:rPr lang="en-US" dirty="0" err="1"/>
-              <a:t>com.libproxy.berkeley.edu</a:t>
-            </a:r>
-            <a:r>
-              <a:rPr lang="en-US" dirty="0"/>
-              <a:t>/science/article/</a:t>
-            </a:r>
-            <a:r>
-              <a:rPr lang="en-US" dirty="0" err="1"/>
-              <a:t>pii</a:t>
-            </a:r>
-            <a:r>
-              <a:rPr lang="en-US" dirty="0"/>
-              <a:t>/S0889159123002660?via%3Dihub</a:t>
-            </a:r>
-          </a:p>
-          <a:p>
-            <a:pPr marL="0" indent="0">
-              <a:buNone/>
-            </a:pPr>
-            <a:r>
-              <a:rPr lang="en-US" dirty="0"/>
-              <a:t>Barger (social support and telomere length): https://www-</a:t>
-            </a:r>
-            <a:r>
-              <a:rPr lang="en-US" dirty="0" err="1"/>
-              <a:t>sciencedirect</a:t>
-            </a:r>
-            <a:r>
-              <a:rPr lang="en-US" dirty="0"/>
-              <a:t>-</a:t>
-            </a:r>
-            <a:r>
-              <a:rPr lang="en-US" dirty="0" err="1"/>
-              <a:t>com.libproxy.berkeley.edu</a:t>
-            </a:r>
-            <a:r>
-              <a:rPr lang="en-US" dirty="0"/>
-              <a:t>/science/article/</a:t>
-            </a:r>
-            <a:r>
-              <a:rPr lang="en-US" dirty="0" err="1"/>
-              <a:t>pii</a:t>
-            </a:r>
-            <a:r>
-              <a:rPr lang="en-US" dirty="0"/>
-              <a:t>/S0301051116300035</a:t>
-            </a:r>
-          </a:p>
-          <a:p>
-            <a:pPr marL="0" indent="0">
-              <a:buNone/>
-            </a:pPr>
-            <a:r>
-              <a:rPr lang="en-US" dirty="0"/>
-              <a:t>Li: https://</a:t>
-            </a:r>
-            <a:r>
-              <a:rPr lang="en-US" dirty="0" err="1"/>
-              <a:t>pmc.ncbi.nlm.nih.gov</a:t>
-            </a:r>
-            <a:r>
-              <a:rPr lang="en-US" dirty="0"/>
-              <a:t>/articles/PMC8418669/pdf/TRC2-7-e12204.pdf</a:t>
+            <a:r>
+              <a:rPr lang="en-US" dirty="0"/>
+              <a:t>However, a lot of the research on Hispanic migrant health is focused on Mexicans, in part because they are such a large segment of the migrant population. In fact, Mexican immigrants are about 44% of the Hispanic migrant population. However, Hispanic Caribbean migrants are also a large group, and together make just about 30% of the Hispanic migrants. </a:t>
             </a:r>
           </a:p>
         </p:txBody>
@@ -832,7 +666,7 @@
     </p:spTree>
     <p:extLst>
       <p:ext uri="{BB962C8B-B14F-4D97-AF65-F5344CB8AC3E}">
-        <p14:creationId xmlns:p14="http://schemas.microsoft.com/office/powerpoint/2010/main" val="957753569"/>
+        <p14:creationId xmlns:p14="http://schemas.microsoft.com/office/powerpoint/2010/main" val="217471622"/>
       </p:ext>
     </p:extLst>
   </p:cSld>
@@ -888,7 +722,7 @@
           <a:p>
             <a:r>
               <a:rPr lang="en-US" dirty="0"/>
-              <a:t>These are really different groups, then how much of that is related to what’s going in their home countries </a:t>
+              <a:t>Education difference remains among those migrants who migrated after age 24 (also robust to regression controls)</a:t>
             </a:r>
           </a:p>
           <a:p>
@@ -897,20 +731,16 @@
           <a:p>
             <a:r>
               <a:rPr lang="en-US" dirty="0"/>
-              <a:t>What stands out</a:t>
-            </a:r>
-            <a:br>
-              <a:rPr lang="en-US" dirty="0"/>
-            </a:br>
-            <a:r>
-              <a:rPr lang="en-US" dirty="0"/>
-              <a:t>- Mexican migrants are the least likely to get at least a secondary degree, which is lower than the average for migrant from the Caribbean</a:t>
-            </a:r>
-          </a:p>
-          <a:p>
-            <a:r>
-              <a:rPr lang="en-US" dirty="0"/>
-              <a:t>- Specifically, Cuban migrants are the most likely to have at least a high school degree followed by Puerto Ricans, and lastly Dominicans</a:t>
+              <a:t>It’s not that certain groups are arriving at younger ages that explains the relationship</a:t>
+            </a:r>
+          </a:p>
+          <a:p>
+            <a:endParaRPr lang="en-US" dirty="0"/>
+          </a:p>
+          <a:p>
+            <a:r>
+              <a:rPr lang="en-US" dirty="0"/>
+              <a:t>Subtitle to the graph, results are changes when controlling </a:t>
             </a:r>
           </a:p>
         </p:txBody>
@@ -941,7 +771,7 @@
     </p:spTree>
     <p:extLst>
       <p:ext uri="{BB962C8B-B14F-4D97-AF65-F5344CB8AC3E}">
-        <p14:creationId xmlns:p14="http://schemas.microsoft.com/office/powerpoint/2010/main" val="884276519"/>
+        <p14:creationId xmlns:p14="http://schemas.microsoft.com/office/powerpoint/2010/main" val="2819453133"/>
       </p:ext>
     </p:extLst>
   </p:cSld>
@@ -997,7 +827,13 @@
           <a:p>
             <a:r>
               <a:rPr lang="en-US" dirty="0"/>
-              <a:t>When it comes to household composition, Mexican migrants again stand out compared to Caribbean migrants.</a:t>
+              <a:t>In the less than primary DR is the most selective</a:t>
+            </a:r>
+          </a:p>
+          <a:p>
+            <a:r>
+              <a:rPr lang="en-US" dirty="0"/>
+              <a:t>Looking at secondary, CU is bigger selection</a:t>
             </a:r>
           </a:p>
           <a:p>
@@ -1006,16 +842,37 @@
           <a:p>
             <a:r>
               <a:rPr lang="en-US" dirty="0"/>
-              <a:t>Only 16% of Mexican migrants above the age of 60 live alone. For comparison, Puerto Ricans are twice as likely to live alone.</a:t>
-            </a:r>
-          </a:p>
-          <a:p>
-            <a:endParaRPr lang="en-US" dirty="0"/>
-          </a:p>
-          <a:p>
-            <a:r>
-              <a:rPr lang="en-US" dirty="0"/>
-              <a:t>And a similar pattern shows for proportion married. The majority of Mexican migrants report being married, which is less common amongst the Caribbean migrants. </a:t>
+              <a:t>1 Mexicans in Mexica have lower education</a:t>
+            </a:r>
+          </a:p>
+          <a:p>
+            <a:r>
+              <a:rPr lang="en-US" dirty="0"/>
+              <a:t>2. But Dominicans have lower education in their home country </a:t>
+            </a:r>
+          </a:p>
+          <a:p>
+            <a:r>
+              <a:rPr lang="en-US" dirty="0"/>
+              <a:t>3. Dominican migrants have more education than Mexican Migrants</a:t>
+            </a:r>
+          </a:p>
+          <a:p>
+            <a:r>
+              <a:rPr lang="en-US" dirty="0"/>
+              <a:t>4. Therefore education selectivity varies hugely across countries </a:t>
+            </a:r>
+          </a:p>
+          <a:p>
+            <a:r>
+              <a:rPr lang="en-US" dirty="0"/>
+              <a:t>5. Same thing about Cuba</a:t>
+            </a:r>
+          </a:p>
+          <a:p>
+            <a:r>
+              <a:rPr lang="en-US" dirty="0"/>
+              <a:t>6. Puerto Rico is opposite </a:t>
             </a:r>
           </a:p>
         </p:txBody>
@@ -1046,7 +903,7 @@
     </p:spTree>
     <p:extLst>
       <p:ext uri="{BB962C8B-B14F-4D97-AF65-F5344CB8AC3E}">
-        <p14:creationId xmlns:p14="http://schemas.microsoft.com/office/powerpoint/2010/main" val="2705217225"/>
+        <p14:creationId xmlns:p14="http://schemas.microsoft.com/office/powerpoint/2010/main" val="3406478627"/>
       </p:ext>
     </p:extLst>
   </p:cSld>
@@ -1061,13 +918,7 @@
   <p:cSld>
     <p:spTree>
       <p:nvGrpSpPr>
-        <p:cNvPr id="1" name="">
-          <a:extLst>
-            <a:ext uri="{FF2B5EF4-FFF2-40B4-BE49-F238E27FC236}">
-              <a16:creationId xmlns:a16="http://schemas.microsoft.com/office/drawing/2014/main" id="{C2474EBE-B6D1-072D-5F40-F376DAA60457}"/>
-            </a:ext>
-          </a:extLst>
-        </p:cNvPr>
+        <p:cNvPr id="1" name=""/>
         <p:cNvGrpSpPr/>
         <p:nvPr/>
       </p:nvGrpSpPr>
@@ -1081,13 +932,7 @@
       </p:grpSpPr>
       <p:sp>
         <p:nvSpPr>
-          <p:cNvPr id="2" name="Slide Image Placeholder 1">
-            <a:extLst>
-              <a:ext uri="{FF2B5EF4-FFF2-40B4-BE49-F238E27FC236}">
-                <a16:creationId xmlns:a16="http://schemas.microsoft.com/office/drawing/2014/main" id="{4781177A-EF0F-92EB-FC8F-5F7C4188E84B}"/>
-              </a:ext>
-            </a:extLst>
-          </p:cNvPr>
+          <p:cNvPr id="2" name="Slide Image Placeholder 1"/>
           <p:cNvSpPr>
             <a:spLocks noGrp="1" noRot="1" noChangeAspect="1"/>
           </p:cNvSpPr>
@@ -1099,13 +944,7 @@
       </p:sp>
       <p:sp>
         <p:nvSpPr>
-          <p:cNvPr id="3" name="Notes Placeholder 2">
-            <a:extLst>
-              <a:ext uri="{FF2B5EF4-FFF2-40B4-BE49-F238E27FC236}">
-                <a16:creationId xmlns:a16="http://schemas.microsoft.com/office/drawing/2014/main" id="{4F936663-483A-3C34-7F45-5D0280A2D131}"/>
-              </a:ext>
-            </a:extLst>
-          </p:cNvPr>
+          <p:cNvPr id="3" name="Notes Placeholder 2"/>
           <p:cNvSpPr>
             <a:spLocks noGrp="1"/>
           </p:cNvSpPr>
@@ -1120,7 +959,7 @@
           <a:p>
             <a:r>
               <a:rPr lang="en-US" dirty="0"/>
-              <a:t>When it comes to acculturation, we find once again that Caribbean migrants are distinct. </a:t>
+              <a:t>I don’t have time to walk through hypotheses on all these factors</a:t>
             </a:r>
           </a:p>
           <a:p>
@@ -1129,28 +968,32 @@
           <a:p>
             <a:r>
               <a:rPr lang="en-US" dirty="0"/>
-              <a:t>Although all groups tend to speak English at similar rates, except for Puerto Ricans who speak English over 90% of the time, </a:t>
-            </a:r>
-            <a:r>
-              <a:rPr lang="en-US" dirty="0" err="1"/>
-              <a:t>Carribean</a:t>
-            </a:r>
-            <a:r>
-              <a:rPr lang="en-US" dirty="0"/>
-              <a:t> migrants </a:t>
-            </a:r>
-          </a:p>
-        </p:txBody>
-      </p:sp>
-      <p:sp>
-        <p:nvSpPr>
-          <p:cNvPr id="4" name="Slide Number Placeholder 3">
-            <a:extLst>
-              <a:ext uri="{FF2B5EF4-FFF2-40B4-BE49-F238E27FC236}">
-                <a16:creationId xmlns:a16="http://schemas.microsoft.com/office/drawing/2014/main" id="{E53015A0-91D2-5728-8AD2-8B90CF3FDACA}"/>
-              </a:ext>
-            </a:extLst>
-          </p:cNvPr>
+              <a:t>When it comes to household composition, Mexican migrants again stand out compared to Caribbean migrants.</a:t>
+            </a:r>
+          </a:p>
+          <a:p>
+            <a:endParaRPr lang="en-US" dirty="0"/>
+          </a:p>
+          <a:p>
+            <a:r>
+              <a:rPr lang="en-US" dirty="0"/>
+              <a:t>Only 16% of Mexican migrants above the age of 60 live alone. For comparison, Puerto Ricans are twice as likely to live alone.</a:t>
+            </a:r>
+          </a:p>
+          <a:p>
+            <a:endParaRPr lang="en-US" dirty="0"/>
+          </a:p>
+          <a:p>
+            <a:r>
+              <a:rPr lang="en-US" dirty="0"/>
+              <a:t>And a similar pattern shows for proportion married. The majority of Mexican migrants report being married, which is less common amongst the Caribbean migrants. </a:t>
+            </a:r>
+          </a:p>
+        </p:txBody>
+      </p:sp>
+      <p:sp>
+        <p:nvSpPr>
+          <p:cNvPr id="4" name="Slide Number Placeholder 3"/>
           <p:cNvSpPr>
             <a:spLocks noGrp="1"/>
           </p:cNvSpPr>
@@ -1174,7 +1017,7 @@
     </p:spTree>
     <p:extLst>
       <p:ext uri="{BB962C8B-B14F-4D97-AF65-F5344CB8AC3E}">
-        <p14:creationId xmlns:p14="http://schemas.microsoft.com/office/powerpoint/2010/main" val="2364996275"/>
+        <p14:creationId xmlns:p14="http://schemas.microsoft.com/office/powerpoint/2010/main" val="2705217225"/>
       </p:ext>
     </p:extLst>
   </p:cSld>
@@ -1230,7 +1073,7 @@
           <a:p>
             <a:r>
               <a:rPr lang="en-US" dirty="0"/>
-              <a:t>Key points:</a:t>
+              <a:t>Again, the biggest difference here is between Dominicans and Cubans</a:t>
             </a:r>
           </a:p>
           <a:p>
@@ -1239,52 +1082,7 @@
           <a:p>
             <a:r>
               <a:rPr lang="en-US" dirty="0"/>
-              <a:t>Age at migration varies between countries</a:t>
-            </a:r>
-          </a:p>
-          <a:p>
-            <a:r>
-              <a:rPr lang="en-US" dirty="0"/>
-              <a:t>What we see here is that certain groups are more likely to be accultured (learn English and become citizen) because of differences in age at migration</a:t>
-            </a:r>
-          </a:p>
-          <a:p>
-            <a:r>
-              <a:rPr lang="en-US" dirty="0"/>
-              <a:t>However, these differences do not explain variation between migrant groups</a:t>
-            </a:r>
-          </a:p>
-          <a:p>
-            <a:endParaRPr lang="en-US" dirty="0"/>
-          </a:p>
-          <a:p>
-            <a:r>
-              <a:rPr lang="en-US" dirty="0"/>
-              <a:t>draw a circle around the areas that you want people to pay attention </a:t>
-            </a:r>
-          </a:p>
-          <a:p>
-            <a:endParaRPr lang="en-US" dirty="0"/>
-          </a:p>
-          <a:p>
-            <a:r>
-              <a:rPr lang="en-US" dirty="0"/>
-              <a:t>add 50+ not very many people are migrating at age 50</a:t>
-            </a:r>
-          </a:p>
-          <a:p>
-            <a:endParaRPr lang="en-US" dirty="0"/>
-          </a:p>
-          <a:p>
-            <a:endParaRPr lang="en-US" dirty="0"/>
-          </a:p>
-          <a:p>
-            <a:endParaRPr lang="en-US" dirty="0"/>
-          </a:p>
-          <a:p>
-            <a:r>
-              <a:rPr lang="en-US" dirty="0"/>
-              <a:t> </a:t>
+              <a:t>These are averages for men and women combined, if we look at women separately we see they’re more likely to live alone, but the overall pattern is the same</a:t>
             </a:r>
           </a:p>
         </p:txBody>
@@ -1315,7 +1113,7 @@
     </p:spTree>
     <p:extLst>
       <p:ext uri="{BB962C8B-B14F-4D97-AF65-F5344CB8AC3E}">
-        <p14:creationId xmlns:p14="http://schemas.microsoft.com/office/powerpoint/2010/main" val="3855453305"/>
+        <p14:creationId xmlns:p14="http://schemas.microsoft.com/office/powerpoint/2010/main" val="2363512581"/>
       </p:ext>
     </p:extLst>
   </p:cSld>
@@ -1371,13 +1169,16 @@
           <a:p>
             <a:r>
               <a:rPr lang="en-US" dirty="0"/>
-              <a:t>In the less than primary DR is the most selective</a:t>
-            </a:r>
-          </a:p>
-          <a:p>
-            <a:r>
-              <a:rPr lang="en-US" dirty="0"/>
-              <a:t>Looking at secondary, CU is bigger selection</a:t>
+              <a:t>Last there’s marriage and whether people are more likely to live with a partner. </a:t>
+            </a:r>
+          </a:p>
+          <a:p>
+            <a:endParaRPr lang="en-US" dirty="0"/>
+          </a:p>
+          <a:p>
+            <a:r>
+              <a:rPr lang="en-US" dirty="0"/>
+              <a:t>Again, the biggest difference is between Dominican migrants in the US compared to Dominicans still residing in their country. </a:t>
             </a:r>
           </a:p>
         </p:txBody>
@@ -1408,7 +1209,7 @@
     </p:spTree>
     <p:extLst>
       <p:ext uri="{BB962C8B-B14F-4D97-AF65-F5344CB8AC3E}">
-        <p14:creationId xmlns:p14="http://schemas.microsoft.com/office/powerpoint/2010/main" val="3406478627"/>
+        <p14:creationId xmlns:p14="http://schemas.microsoft.com/office/powerpoint/2010/main" val="1870954806"/>
       </p:ext>
     </p:extLst>
   </p:cSld>
@@ -1464,7 +1265,19 @@
           <a:p>
             <a:r>
               <a:rPr lang="en-US" dirty="0"/>
-              <a:t>Again, the biggest difference here is between Dominicans and Cubans</a:t>
+              <a:t>Caribbean Hispanics very different migration patterns</a:t>
+            </a:r>
+          </a:p>
+          <a:p>
+            <a:r>
+              <a:rPr lang="en-US" dirty="0"/>
+              <a:t>Different Education and Social Isolation Patterns</a:t>
+            </a:r>
+          </a:p>
+          <a:p>
+            <a:r>
+              <a:rPr lang="en-US" dirty="0"/>
+              <a:t>Different Selectivity on Education Patterns</a:t>
             </a:r>
           </a:p>
           <a:p>
@@ -1473,8 +1286,55 @@
           <a:p>
             <a:r>
               <a:rPr lang="en-US" dirty="0"/>
-              <a:t>These are averages for men and women combined, if we look at women separately we see they’re more likely to live alone, but the overall pattern is the same</a:t>
-            </a:r>
+              <a:t>Implication is that we need to acknowledge these as separate groups because we would expect immigrant health to be very different</a:t>
+            </a:r>
+          </a:p>
+          <a:p>
+            <a:endParaRPr lang="en-US" dirty="0"/>
+          </a:p>
+          <a:p>
+            <a:r>
+              <a:rPr lang="en-US" dirty="0"/>
+              <a:t>The next step is to analyze a nationally representative sample that combines both these very important sociodemographic </a:t>
+            </a:r>
+          </a:p>
+          <a:p>
+            <a:endParaRPr lang="en-US" dirty="0"/>
+          </a:p>
+          <a:p>
+            <a:r>
+              <a:rPr lang="en-US" dirty="0"/>
+              <a:t>MHAS (Mexican Healthy Aging Survey)</a:t>
+            </a:r>
+          </a:p>
+          <a:p>
+            <a:endParaRPr lang="en-US" dirty="0"/>
+          </a:p>
+          <a:p>
+            <a:pPr marL="0" marR="0" lvl="0" indent="0" algn="l" defTabSz="914400" rtl="0" eaLnBrk="1" fontAlgn="auto" latinLnBrk="0" hangingPunct="1">
+              <a:lnSpc>
+                <a:spcPct val="100000"/>
+              </a:lnSpc>
+              <a:spcBef>
+                <a:spcPts val="0"/>
+              </a:spcBef>
+              <a:spcAft>
+                <a:spcPts val="0"/>
+              </a:spcAft>
+              <a:buClrTx/>
+              <a:buSzTx/>
+              <a:buFontTx/>
+              <a:buNone/>
+              <a:tabLst/>
+              <a:defRPr/>
+            </a:pPr>
+            <a:r>
+              <a:rPr lang="en-US" dirty="0"/>
+              <a:t>7. If education is this selective, then probably big selection on </a:t>
+            </a:r>
+          </a:p>
+          <a:p>
+            <a:endParaRPr lang="en-US" dirty="0"/>
           </a:p>
         </p:txBody>
       </p:sp>
@@ -1504,7 +1364,7 @@
     </p:spTree>
     <p:extLst>
       <p:ext uri="{BB962C8B-B14F-4D97-AF65-F5344CB8AC3E}">
-        <p14:creationId xmlns:p14="http://schemas.microsoft.com/office/powerpoint/2010/main" val="2363512581"/>
+        <p14:creationId xmlns:p14="http://schemas.microsoft.com/office/powerpoint/2010/main" val="4199339182"/>
       </p:ext>
     </p:extLst>
   </p:cSld>
@@ -1560,7 +1420,7 @@
           <a:p>
             <a:r>
               <a:rPr lang="en-US" dirty="0"/>
-              <a:t>Last there’s marriage and whether people are more likely to live with a partner. </a:t>
+              <a:t>Furthermore, Things are rapidly changing. When we compare these migrant groups in 2010 to 2020, we generally see that they’re becoming more educated. </a:t>
             </a:r>
           </a:p>
           <a:p>
@@ -1569,7 +1429,25 @@
           <a:p>
             <a:r>
               <a:rPr lang="en-US" dirty="0"/>
-              <a:t>Again, the biggest difference is between Dominican migrants in the US compared to Dominicans still residing in their country. </a:t>
+              <a:t>Again, this matters because education is such a strong predictor of dementia</a:t>
+            </a:r>
+          </a:p>
+          <a:p>
+            <a:endParaRPr lang="en-US" dirty="0"/>
+          </a:p>
+          <a:p>
+            <a:r>
+              <a:rPr lang="en-US" dirty="0"/>
+              <a:t>This implies that studies that use data that’s not up to date might not reflect the true state of current migrant health given how quickly things are changing </a:t>
+            </a:r>
+          </a:p>
+          <a:p>
+            <a:endParaRPr lang="en-US" dirty="0"/>
+          </a:p>
+          <a:p>
+            <a:r>
+              <a:rPr lang="en-US" dirty="0"/>
+              <a:t>In other words, if we want to understand the migrant population, we need current data not just on migrants but also on their native country resident counterparts</a:t>
             </a:r>
           </a:p>
         </p:txBody>
@@ -1600,7 +1478,7 @@
     </p:spTree>
     <p:extLst>
       <p:ext uri="{BB962C8B-B14F-4D97-AF65-F5344CB8AC3E}">
-        <p14:creationId xmlns:p14="http://schemas.microsoft.com/office/powerpoint/2010/main" val="1870954806"/>
+        <p14:creationId xmlns:p14="http://schemas.microsoft.com/office/powerpoint/2010/main" val="1885095810"/>
       </p:ext>
     </p:extLst>
   </p:cSld>
@@ -1654,9 +1532,18 @@
           <a:bodyPr/>
           <a:lstStyle/>
           <a:p>
-            <a:r>
-              <a:rPr lang="en-US" dirty="0"/>
-              <a:t>Things are rapidly changing. When we compare these migrant groups in 2010 to 2020, we generally see that they’re becoming more educated. </a:t>
+            <a:pPr algn="l">
+              <a:spcAft>
+                <a:spcPts val="225"/>
+              </a:spcAft>
+            </a:pPr>
+            <a:r>
+              <a:rPr lang="en-US" b="0" i="0" u="sng" dirty="0">
+                <a:effectLst/>
+                <a:latin typeface="Roboto" panose="02000000000000000000" pitchFamily="2" charset="0"/>
+                <a:hlinkClick r:id="rId3"/>
+              </a:rPr>
+              <a:t>HCAP Network | Harmonized Cognitive Assessment Protocol</a:t>
             </a:r>
           </a:p>
           <a:p>
@@ -1665,25 +1552,13 @@
           <a:p>
             <a:r>
               <a:rPr lang="en-US" dirty="0"/>
-              <a:t>Again, this matters because education is such a strong predictor of dementia</a:t>
-            </a:r>
-          </a:p>
-          <a:p>
-            <a:endParaRPr lang="en-US" dirty="0"/>
-          </a:p>
-          <a:p>
-            <a:r>
-              <a:rPr lang="en-US" dirty="0"/>
-              <a:t>This implies that studies that use data that’s not up to date might not reflect the true state of current migrant health given how quickly things are changing </a:t>
-            </a:r>
-          </a:p>
-          <a:p>
-            <a:endParaRPr lang="en-US" dirty="0"/>
-          </a:p>
-          <a:p>
-            <a:r>
-              <a:rPr lang="en-US" dirty="0"/>
-              <a:t>In other words, if we want to understand the migrant population, we need current data not just on migrants but also on their native country resident counterparts</a:t>
+              <a:t>Information on return migration</a:t>
+            </a:r>
+          </a:p>
+          <a:p>
+            <a:r>
+              <a:rPr lang="en-US" dirty="0"/>
+              <a:t>We don’t have information on health (in a nationally representative) </a:t>
             </a:r>
           </a:p>
         </p:txBody>
@@ -1705,7 +1580,7 @@
           <a:p>
             <a:fld id="{6ADC826D-AAF9-3849-8641-F0AC1F9103F6}" type="slidenum">
               <a:rPr lang="en-US" smtClean="0"/>
-              <a:t>18</a:t>
+              <a:t>19</a:t>
             </a:fld>
             <a:endParaRPr lang="en-US"/>
           </a:p>
@@ -1714,7 +1589,7 @@
     </p:spTree>
     <p:extLst>
       <p:ext uri="{BB962C8B-B14F-4D97-AF65-F5344CB8AC3E}">
-        <p14:creationId xmlns:p14="http://schemas.microsoft.com/office/powerpoint/2010/main" val="1885095810"/>
+        <p14:creationId xmlns:p14="http://schemas.microsoft.com/office/powerpoint/2010/main" val="1490383593"/>
       </p:ext>
     </p:extLst>
   </p:cSld>
@@ -1770,16 +1645,54 @@
           <a:p>
             <a:r>
               <a:rPr lang="en-US" dirty="0"/>
-              <a:t>The next step is to analyze a nationally representative sample that combines both these very important sociodemographic </a:t>
+              <a:t>That leads us to our research questions in this paper, which is entirely descriptive. </a:t>
             </a:r>
           </a:p>
           <a:p>
             <a:endParaRPr lang="en-US" dirty="0"/>
           </a:p>
           <a:p>
-            <a:r>
-              <a:rPr lang="en-US" dirty="0"/>
-              <a:t>MHAS (Mexican Healthy Aging Survey)</a:t>
+            <a:pPr marL="0" marR="0" lvl="0" indent="0" algn="l" defTabSz="914400" rtl="0" eaLnBrk="1" fontAlgn="auto" latinLnBrk="0" hangingPunct="1">
+              <a:lnSpc>
+                <a:spcPct val="100000"/>
+              </a:lnSpc>
+              <a:spcBef>
+                <a:spcPts val="0"/>
+              </a:spcBef>
+              <a:spcAft>
+                <a:spcPts val="0"/>
+              </a:spcAft>
+              <a:buClrTx/>
+              <a:buSzTx/>
+              <a:buFontTx/>
+              <a:buNone/>
+              <a:tabLst/>
+              <a:defRPr/>
+            </a:pPr>
+            <a:r>
+              <a:rPr lang="en-US" dirty="0"/>
+              <a:t>1. US Immigrants from Mexico compared to those from the Hispanic Caribbean (60+)</a:t>
+            </a:r>
+          </a:p>
+          <a:p>
+            <a:r>
+              <a:rPr lang="en-US" dirty="0"/>
+              <a:t>2. We wanted to compare these movers to their home country stayers to get a better sense of the selection mechanisms at play</a:t>
+            </a:r>
+          </a:p>
+          <a:p>
+            <a:r>
+              <a:rPr lang="en-US" dirty="0"/>
+              <a:t>3. Lastly, we wanted to see how these selection patterns are changing over time</a:t>
+            </a:r>
+          </a:p>
+          <a:p>
+            <a:endParaRPr lang="en-US" dirty="0"/>
+          </a:p>
+          <a:p>
+            <a:r>
+              <a:rPr lang="en-US" dirty="0"/>
+              <a:t>We’re going to compare these migrants from Mexico those those from Puerto Rico, the Dominican Republic, and Cuba.</a:t>
             </a:r>
           </a:p>
         </p:txBody>
@@ -1801,7 +1714,7 @@
           <a:p>
             <a:fld id="{6ADC826D-AAF9-3849-8641-F0AC1F9103F6}" type="slidenum">
               <a:rPr lang="en-US" smtClean="0"/>
-              <a:t>19</a:t>
+              <a:t>21</a:t>
             </a:fld>
             <a:endParaRPr lang="en-US"/>
           </a:p>
@@ -1810,7 +1723,7 @@
     </p:spTree>
     <p:extLst>
       <p:ext uri="{BB962C8B-B14F-4D97-AF65-F5344CB8AC3E}">
-        <p14:creationId xmlns:p14="http://schemas.microsoft.com/office/powerpoint/2010/main" val="4199339182"/>
+        <p14:creationId xmlns:p14="http://schemas.microsoft.com/office/powerpoint/2010/main" val="3372543243"/>
       </p:ext>
     </p:extLst>
   </p:cSld>
@@ -1864,18 +1777,9 @@
           <a:bodyPr/>
           <a:lstStyle/>
           <a:p>
-            <a:pPr algn="l">
-              <a:spcAft>
-                <a:spcPts val="225"/>
-              </a:spcAft>
-            </a:pPr>
-            <a:r>
-              <a:rPr lang="en-US" b="0" i="0" u="sng" dirty="0">
-                <a:effectLst/>
-                <a:latin typeface="Roboto" panose="02000000000000000000" pitchFamily="2" charset="0"/>
-                <a:hlinkClick r:id="rId3"/>
-              </a:rPr>
-              <a:t>HCAP Network | Harmonized Cognitive Assessment Protocol</a:t>
+            <a:r>
+              <a:rPr lang="en-US" dirty="0"/>
+              <a:t>Research that DOES focus on differences within Hispanic groups finds important differences. </a:t>
             </a:r>
           </a:p>
           <a:p>
@@ -1884,14 +1788,11 @@
           <a:p>
             <a:r>
               <a:rPr lang="en-US" dirty="0"/>
-              <a:t>Information on return migration</a:t>
-            </a:r>
-          </a:p>
-          <a:p>
-            <a:r>
-              <a:rPr lang="en-US" dirty="0"/>
-              <a:t>We don’t have information on health (in a nationally representative) </a:t>
-            </a:r>
+              <a:t>Here we I’m showing data from the 10/66 study (which is not nationally representative and tends to skew towards urban residents), which finds that Hispanics in the Caribbean have generally higher rates of dementia despite having relatively higher life expectancies</a:t>
+            </a:r>
+          </a:p>
+          <a:p>
+            <a:endParaRPr lang="en-US" dirty="0"/>
           </a:p>
         </p:txBody>
       </p:sp>
@@ -1912,7 +1813,7 @@
           <a:p>
             <a:fld id="{6ADC826D-AAF9-3849-8641-F0AC1F9103F6}" type="slidenum">
               <a:rPr lang="en-US" smtClean="0"/>
-              <a:t>20</a:t>
+              <a:t>22</a:t>
             </a:fld>
             <a:endParaRPr lang="en-US"/>
           </a:p>
@@ -1921,7 +1822,7 @@
     </p:spTree>
     <p:extLst>
       <p:ext uri="{BB962C8B-B14F-4D97-AF65-F5344CB8AC3E}">
-        <p14:creationId xmlns:p14="http://schemas.microsoft.com/office/powerpoint/2010/main" val="1490383593"/>
+        <p14:creationId xmlns:p14="http://schemas.microsoft.com/office/powerpoint/2010/main" val="3640223293"/>
       </p:ext>
     </p:extLst>
   </p:cSld>
@@ -1975,15 +1876,18 @@
           <a:bodyPr/>
           <a:lstStyle/>
           <a:p>
+            <a:r>
+              <a:rPr lang="en-US" dirty="0"/>
+              <a:t>It’s also important to note that the conditions in these countries have been rapidly changing, mostly for the better.  </a:t>
+            </a:r>
+          </a:p>
+          <a:p>
             <a:endParaRPr lang="en-US" dirty="0"/>
           </a:p>
           <a:p>
-            <a:endParaRPr lang="en-US" dirty="0"/>
-          </a:p>
-          <a:p>
-            <a:r>
-              <a:rPr lang="en-US" dirty="0"/>
-              <a:t>However, a lot of the research on Hispanic migrant health is focused on Mexicans, in part because they are such a large segment of the migrant population. In fact, Mexican immigrants are about 44% of the Hispanic migrant population. However, Hispanic Caribbean migrants are also a large group, and together make just about 30% of the Hispanic migrants. </a:t>
+            <a:r>
+              <a:rPr lang="en-US" dirty="0"/>
+              <a:t>Here we plot the country’s infant mortality rate on the y axis and the year on the x axis just to show how these country conditions have changed over time. </a:t>
             </a:r>
           </a:p>
         </p:txBody>
@@ -2014,7 +1918,7 @@
     </p:spTree>
     <p:extLst>
       <p:ext uri="{BB962C8B-B14F-4D97-AF65-F5344CB8AC3E}">
-        <p14:creationId xmlns:p14="http://schemas.microsoft.com/office/powerpoint/2010/main" val="217471622"/>
+        <p14:creationId xmlns:p14="http://schemas.microsoft.com/office/powerpoint/2010/main" val="2753298777"/>
       </p:ext>
     </p:extLst>
   </p:cSld>
@@ -2068,22 +1972,153 @@
           <a:bodyPr/>
           <a:lstStyle/>
           <a:p>
-            <a:r>
-              <a:rPr lang="en-US" dirty="0"/>
-              <a:t>Research that DOES focus on differences within Hispanic groups finds important differences. </a:t>
-            </a:r>
-          </a:p>
-          <a:p>
+            <a:pPr marL="0" indent="0">
+              <a:buNone/>
+            </a:pPr>
+            <a:r>
+              <a:rPr lang="en-US" dirty="0"/>
+              <a:t>In this paper, we chose to focus on sociodemographic differences between migrants populations, specifically we were interested in comparing age 60 plus Mexican migrant populations to those from the Caribbean. </a:t>
+            </a:r>
+          </a:p>
+          <a:p>
+            <a:pPr marL="0" indent="0">
+              <a:buNone/>
+            </a:pPr>
             <a:endParaRPr lang="en-US" dirty="0"/>
           </a:p>
           <a:p>
-            <a:r>
-              <a:rPr lang="en-US" dirty="0"/>
-              <a:t>Here we I’m showing data from the 10/66 study (which is not nationally representative and tends to skew towards urban residents), which finds that Hispanics in the Caribbean have generally higher rates of dementia despite having relatively higher life expectancies</a:t>
-            </a:r>
-          </a:p>
-          <a:p>
+            <a:pPr marL="0" indent="0">
+              <a:buNone/>
+            </a:pPr>
+            <a:r>
+              <a:rPr lang="en-US" dirty="0"/>
+              <a:t>We chose sociodemographic differences because they’re important for understanding aging disparities between Hispanic migrant populations. </a:t>
+            </a:r>
+          </a:p>
+          <a:p>
+            <a:pPr marL="0" indent="0">
+              <a:buNone/>
+            </a:pPr>
             <a:endParaRPr lang="en-US" dirty="0"/>
+          </a:p>
+          <a:p>
+            <a:pPr marL="0" indent="0">
+              <a:buNone/>
+            </a:pPr>
+            <a:r>
+              <a:rPr lang="en-US" dirty="0"/>
+              <a:t>And so, this is why if your goal is to understand aging health it’s so important to understand how migrants differ in things like education and social support</a:t>
+            </a:r>
+          </a:p>
+          <a:p>
+            <a:pPr marL="0" indent="0">
+              <a:buNone/>
+            </a:pPr>
+            <a:endParaRPr lang="en-US" dirty="0"/>
+          </a:p>
+          <a:p>
+            <a:pPr marL="0" indent="0">
+              <a:buNone/>
+            </a:pPr>
+            <a:r>
+              <a:rPr lang="en-US" dirty="0"/>
+              <a:t>Crimmins: https://</a:t>
+            </a:r>
+            <a:r>
+              <a:rPr lang="en-US" dirty="0" err="1"/>
+              <a:t>pubmed.ncbi.nlm.nih.gov</a:t>
+            </a:r>
+            <a:r>
+              <a:rPr lang="en-US" dirty="0"/>
+              <a:t>/32798771/</a:t>
+            </a:r>
+          </a:p>
+          <a:p>
+            <a:pPr marL="0" indent="0">
+              <a:buNone/>
+            </a:pPr>
+            <a:r>
+              <a:rPr lang="en-US" dirty="0" err="1"/>
+              <a:t>Rentsher</a:t>
+            </a:r>
+            <a:r>
+              <a:rPr lang="en-US" dirty="0"/>
+              <a:t>: https://www-</a:t>
+            </a:r>
+            <a:r>
+              <a:rPr lang="en-US" dirty="0" err="1"/>
+              <a:t>sciencedirect</a:t>
+            </a:r>
+            <a:r>
+              <a:rPr lang="en-US" dirty="0"/>
+              <a:t>-</a:t>
+            </a:r>
+            <a:r>
+              <a:rPr lang="en-US" dirty="0" err="1"/>
+              <a:t>com.libproxy.berkeley.edu</a:t>
+            </a:r>
+            <a:r>
+              <a:rPr lang="en-US" dirty="0"/>
+              <a:t>/science/article/</a:t>
+            </a:r>
+            <a:r>
+              <a:rPr lang="en-US" dirty="0" err="1"/>
+              <a:t>pii</a:t>
+            </a:r>
+            <a:r>
+              <a:rPr lang="en-US" dirty="0"/>
+              <a:t>/S0889159123002660?via%3Dihub</a:t>
+            </a:r>
+          </a:p>
+          <a:p>
+            <a:pPr marL="0" indent="0">
+              <a:buNone/>
+            </a:pPr>
+            <a:r>
+              <a:rPr lang="en-US" dirty="0"/>
+              <a:t>Barger (social support and telomere length): https://www-</a:t>
+            </a:r>
+            <a:r>
+              <a:rPr lang="en-US" dirty="0" err="1"/>
+              <a:t>sciencedirect</a:t>
+            </a:r>
+            <a:r>
+              <a:rPr lang="en-US" dirty="0"/>
+              <a:t>-</a:t>
+            </a:r>
+            <a:r>
+              <a:rPr lang="en-US" dirty="0" err="1"/>
+              <a:t>com.libproxy.berkeley.edu</a:t>
+            </a:r>
+            <a:r>
+              <a:rPr lang="en-US" dirty="0"/>
+              <a:t>/science/article/</a:t>
+            </a:r>
+            <a:r>
+              <a:rPr lang="en-US" dirty="0" err="1"/>
+              <a:t>pii</a:t>
+            </a:r>
+            <a:r>
+              <a:rPr lang="en-US" dirty="0"/>
+              <a:t>/S0301051116300035</a:t>
+            </a:r>
+          </a:p>
+          <a:p>
+            <a:pPr marL="0" indent="0">
+              <a:buNone/>
+            </a:pPr>
+            <a:r>
+              <a:rPr lang="en-US" dirty="0"/>
+              <a:t>Li: https://</a:t>
+            </a:r>
+            <a:r>
+              <a:rPr lang="en-US" dirty="0" err="1"/>
+              <a:t>pmc.ncbi.nlm.nih.gov</a:t>
+            </a:r>
+            <a:r>
+              <a:rPr lang="en-US" dirty="0"/>
+              <a:t>/articles/PMC8418669/pdf/TRC2-7-e12204.pdf</a:t>
+            </a:r>
           </a:p>
         </p:txBody>
       </p:sp>
@@ -2113,7 +2148,7 @@
     </p:spTree>
     <p:extLst>
       <p:ext uri="{BB962C8B-B14F-4D97-AF65-F5344CB8AC3E}">
-        <p14:creationId xmlns:p14="http://schemas.microsoft.com/office/powerpoint/2010/main" val="3640223293"/>
+        <p14:creationId xmlns:p14="http://schemas.microsoft.com/office/powerpoint/2010/main" val="957753569"/>
       </p:ext>
     </p:extLst>
   </p:cSld>
@@ -2167,69 +2202,9 @@
           <a:bodyPr/>
           <a:lstStyle/>
           <a:p>
-            <a:pPr marL="0" marR="0" lvl="0" indent="0" algn="l" defTabSz="914400" rtl="0" eaLnBrk="1" fontAlgn="auto" latinLnBrk="0" hangingPunct="1">
-              <a:lnSpc>
-                <a:spcPct val="100000"/>
-              </a:lnSpc>
-              <a:spcBef>
-                <a:spcPts val="0"/>
-              </a:spcBef>
-              <a:spcAft>
-                <a:spcPts val="0"/>
-              </a:spcAft>
-              <a:buClrTx/>
-              <a:buSzTx/>
-              <a:buFontTx/>
-              <a:buNone/>
-              <a:tabLst/>
-              <a:defRPr/>
-            </a:pPr>
-            <a:r>
-              <a:rPr lang="en-US" dirty="0"/>
-              <a:t>Some of these differences in older age health can be explained by selection.</a:t>
-            </a:r>
-          </a:p>
-          <a:p>
-            <a:pPr marL="0" marR="0" lvl="0" indent="0" algn="l" defTabSz="914400" rtl="0" eaLnBrk="1" fontAlgn="auto" latinLnBrk="0" hangingPunct="1">
-              <a:lnSpc>
-                <a:spcPct val="100000"/>
-              </a:lnSpc>
-              <a:spcBef>
-                <a:spcPts val="0"/>
-              </a:spcBef>
-              <a:spcAft>
-                <a:spcPts val="0"/>
-              </a:spcAft>
-              <a:buClrTx/>
-              <a:buSzTx/>
-              <a:buFontTx/>
-              <a:buNone/>
-              <a:tabLst/>
-              <a:defRPr/>
-            </a:pPr>
-            <a:endParaRPr lang="en-US" dirty="0"/>
-          </a:p>
-          <a:p>
-            <a:pPr marL="0" marR="0" lvl="0" indent="0" algn="l" defTabSz="914400" rtl="0" eaLnBrk="1" fontAlgn="auto" latinLnBrk="0" hangingPunct="1">
-              <a:lnSpc>
-                <a:spcPct val="100000"/>
-              </a:lnSpc>
-              <a:spcBef>
-                <a:spcPts val="0"/>
-              </a:spcBef>
-              <a:spcAft>
-                <a:spcPts val="0"/>
-              </a:spcAft>
-              <a:buClrTx/>
-              <a:buSzTx/>
-              <a:buFontTx/>
-              <a:buNone/>
-              <a:tabLst/>
-              <a:defRPr/>
-            </a:pPr>
-            <a:r>
-              <a:rPr lang="en-US" dirty="0"/>
-              <a:t>In other words, to better understand migrant health, we need to understand not just how migrants compare to each other but how they compare to people who choose to remain in their home countries</a:t>
+            <a:r>
+              <a:rPr lang="en-US" dirty="0"/>
+              <a:t>- International </a:t>
             </a:r>
           </a:p>
         </p:txBody>
@@ -2260,7 +2235,7 @@
     </p:spTree>
     <p:extLst>
       <p:ext uri="{BB962C8B-B14F-4D97-AF65-F5344CB8AC3E}">
-        <p14:creationId xmlns:p14="http://schemas.microsoft.com/office/powerpoint/2010/main" val="2938536631"/>
+        <p14:creationId xmlns:p14="http://schemas.microsoft.com/office/powerpoint/2010/main" val="1953118807"/>
       </p:ext>
     </p:extLst>
   </p:cSld>
@@ -2316,7 +2291,34 @@
           <a:p>
             <a:r>
               <a:rPr lang="en-US" dirty="0"/>
-              <a:t>Puerto Rico became a US territory in 1898. In 1917, the Jones act granted US citizenship to Puerto Ricans which allowed them the ability to freely move to the US mainland. Today more than half of Puerto Ricans live outside of their country (mostly in the US) (</a:t>
+              <a:t>Add slide</a:t>
+            </a:r>
+          </a:p>
+          <a:p>
+            <a:endParaRPr lang="en-US" dirty="0"/>
+          </a:p>
+          <a:p>
+            <a:r>
+              <a:rPr lang="en-US" dirty="0"/>
+              <a:t>Collapse migration cohorts (before 1965, After 1965-1980, !980 plus)</a:t>
+            </a:r>
+          </a:p>
+          <a:p>
+            <a:endParaRPr lang="en-US" dirty="0"/>
+          </a:p>
+          <a:p>
+            <a:r>
+              <a:rPr lang="en-US" dirty="0"/>
+              <a:t>So here’s a bit of background on their home countries:</a:t>
+            </a:r>
+          </a:p>
+          <a:p>
+            <a:endParaRPr lang="en-US" dirty="0"/>
+          </a:p>
+          <a:p>
+            <a:r>
+              <a:rPr lang="en-US" dirty="0"/>
+              <a:t>In 1917, the Jones act granted US citizenship to Puerto Ricans which allowed them the ability to freely move to the US mainland. Today more than half of Puerto Ricans live outside of their country (mostly in the US) (</a:t>
             </a:r>
             <a:r>
               <a:rPr lang="en-US" b="0" i="0" dirty="0">
@@ -2344,7 +2346,7 @@
           <a:p>
             <a:r>
               <a:rPr lang="en-US" dirty="0"/>
-              <a:t>Cuban Revolution in 1959 sparked one of the largest refugee movement in US history (Duany 2017). In 1966, Cubans who lived in the US were allowed to gain permanent residency and in 1995“wet foot, dry foot” policy gave any Cuban who reached US land were given a path to legal status. </a:t>
+              <a:t>Cuban Revolution in 1959 sparked one of the largest refugee movement in US history (Duany 2017). Since 1966, Cubans have had a path to legal status. </a:t>
             </a:r>
           </a:p>
           <a:p>
@@ -2353,8 +2355,14 @@
           <a:p>
             <a:r>
               <a:rPr lang="en-US" dirty="0"/>
-              <a:t>Mexico also had a revolution in the early 1900’s which resulted in their population more than tripling in the US by 1930. This was followed by institutionalized migration in the form of the Bracero program in the 1940’s which ended in 1964. </a:t>
-            </a:r>
+              <a:t>Mexico also had a revolution in the early 1900’s which resulted mass migration to the US. This was followed by institutionalized migration in the form of the Bracero program in the 1940’s which ended in 1964. </a:t>
+            </a:r>
+          </a:p>
+          <a:p>
+            <a:endParaRPr lang="en-US"/>
+          </a:p>
+          <a:p>
+            <a:endParaRPr lang="en-US" dirty="0"/>
           </a:p>
           <a:p>
             <a:endParaRPr lang="en-US" dirty="0"/>
@@ -2443,7 +2451,7 @@
           <a:p>
             <a:r>
               <a:rPr lang="en-US" dirty="0"/>
-              <a:t>It’s also important to note that the conditions in these countries have been rapidly changing, mostly for the better.  </a:t>
+              <a:t>Key points:</a:t>
             </a:r>
           </a:p>
           <a:p>
@@ -2452,7 +2460,34 @@
           <a:p>
             <a:r>
               <a:rPr lang="en-US" dirty="0"/>
-              <a:t>Here we plot the country’s infant mortality rate on the y axis and the year on the x axis and find also that the pace of change has differed between them. </a:t>
+              <a:t>Most are not likely to migrate after age 50, except Cuba</a:t>
+            </a:r>
+          </a:p>
+          <a:p>
+            <a:r>
+              <a:rPr lang="en-US" dirty="0"/>
+              <a:t>Most are migration in working ages</a:t>
+            </a:r>
+          </a:p>
+          <a:p>
+            <a:r>
+              <a:rPr lang="en-US" dirty="0"/>
+              <a:t>Less than 15 at Puerto Rican</a:t>
+            </a:r>
+          </a:p>
+          <a:p>
+            <a:endParaRPr lang="en-US" dirty="0"/>
+          </a:p>
+          <a:p>
+            <a:endParaRPr lang="en-US" dirty="0"/>
+          </a:p>
+          <a:p>
+            <a:endParaRPr lang="en-US" dirty="0"/>
+          </a:p>
+          <a:p>
+            <a:r>
+              <a:rPr lang="en-US" dirty="0"/>
+              <a:t> </a:t>
             </a:r>
           </a:p>
         </p:txBody>
@@ -2483,7 +2518,7 @@
     </p:spTree>
     <p:extLst>
       <p:ext uri="{BB962C8B-B14F-4D97-AF65-F5344CB8AC3E}">
-        <p14:creationId xmlns:p14="http://schemas.microsoft.com/office/powerpoint/2010/main" val="2753298777"/>
+        <p14:creationId xmlns:p14="http://schemas.microsoft.com/office/powerpoint/2010/main" val="3855453305"/>
       </p:ext>
     </p:extLst>
   </p:cSld>
@@ -2498,7 +2533,13 @@
   <p:cSld>
     <p:spTree>
       <p:nvGrpSpPr>
-        <p:cNvPr id="1" name=""/>
+        <p:cNvPr id="1" name="">
+          <a:extLst>
+            <a:ext uri="{FF2B5EF4-FFF2-40B4-BE49-F238E27FC236}">
+              <a16:creationId xmlns:a16="http://schemas.microsoft.com/office/drawing/2014/main" id="{C2474EBE-B6D1-072D-5F40-F376DAA60457}"/>
+            </a:ext>
+          </a:extLst>
+        </p:cNvPr>
         <p:cNvGrpSpPr/>
         <p:nvPr/>
       </p:nvGrpSpPr>
@@ -2512,7 +2553,13 @@
       </p:grpSpPr>
       <p:sp>
         <p:nvSpPr>
-          <p:cNvPr id="2" name="Slide Image Placeholder 1"/>
+          <p:cNvPr id="2" name="Slide Image Placeholder 1">
+            <a:extLst>
+              <a:ext uri="{FF2B5EF4-FFF2-40B4-BE49-F238E27FC236}">
+                <a16:creationId xmlns:a16="http://schemas.microsoft.com/office/drawing/2014/main" id="{4781177A-EF0F-92EB-FC8F-5F7C4188E84B}"/>
+              </a:ext>
+            </a:extLst>
+          </p:cNvPr>
           <p:cNvSpPr>
             <a:spLocks noGrp="1" noRot="1" noChangeAspect="1"/>
           </p:cNvSpPr>
@@ -2524,7 +2571,13 @@
       </p:sp>
       <p:sp>
         <p:nvSpPr>
-          <p:cNvPr id="3" name="Notes Placeholder 2"/>
+          <p:cNvPr id="3" name="Notes Placeholder 2">
+            <a:extLst>
+              <a:ext uri="{FF2B5EF4-FFF2-40B4-BE49-F238E27FC236}">
+                <a16:creationId xmlns:a16="http://schemas.microsoft.com/office/drawing/2014/main" id="{4F936663-483A-3C34-7F45-5D0280A2D131}"/>
+              </a:ext>
+            </a:extLst>
+          </p:cNvPr>
           <p:cNvSpPr>
             <a:spLocks noGrp="1"/>
           </p:cNvSpPr>
@@ -2539,52 +2592,37 @@
           <a:p>
             <a:r>
               <a:rPr lang="en-US" dirty="0"/>
-              <a:t>That leads us to our research questions in this paper, which is entirely descriptive. </a:t>
+              <a:t>When it comes to acculturation, we find once again that Caribbean migrants are distinct. </a:t>
             </a:r>
           </a:p>
           <a:p>
             <a:endParaRPr lang="en-US" dirty="0"/>
           </a:p>
           <a:p>
-            <a:pPr marL="0" marR="0" lvl="0" indent="0" algn="l" defTabSz="914400" rtl="0" eaLnBrk="1" fontAlgn="auto" latinLnBrk="0" hangingPunct="1">
-              <a:lnSpc>
-                <a:spcPct val="100000"/>
-              </a:lnSpc>
-              <a:spcBef>
-                <a:spcPts val="0"/>
-              </a:spcBef>
-              <a:spcAft>
-                <a:spcPts val="0"/>
-              </a:spcAft>
-              <a:buClrTx/>
-              <a:buSzTx/>
-              <a:buFontTx/>
-              <a:buNone/>
-              <a:tabLst/>
-              <a:defRPr/>
-            </a:pPr>
-            <a:r>
-              <a:rPr lang="en-US" dirty="0"/>
-              <a:t>1. US Immigrants from Mexico compared to those from the Hispanic Caribbean (60+)</a:t>
-            </a:r>
-          </a:p>
-          <a:p>
-            <a:r>
-              <a:rPr lang="en-US" dirty="0"/>
-              <a:t>2. We wanted to compare these movers to their home country stayers to get a better sense of the selection mechanisms at play</a:t>
-            </a:r>
-          </a:p>
-          <a:p>
-            <a:r>
-              <a:rPr lang="en-US" dirty="0"/>
-              <a:t>3. Lastly, we wanted to see how these selection patterns are changing over time</a:t>
-            </a:r>
-          </a:p>
-        </p:txBody>
-      </p:sp>
-      <p:sp>
-        <p:nvSpPr>
-          <p:cNvPr id="4" name="Slide Number Placeholder 3"/>
+            <a:r>
+              <a:rPr lang="en-US" dirty="0"/>
+              <a:t>Although all groups tend to speak English at similar rates, except for Puerto Ricans who speak English over 90% of the time, </a:t>
+            </a:r>
+            <a:r>
+              <a:rPr lang="en-US" dirty="0" err="1"/>
+              <a:t>Carribean</a:t>
+            </a:r>
+            <a:r>
+              <a:rPr lang="en-US" dirty="0"/>
+              <a:t> migrants </a:t>
+            </a:r>
+          </a:p>
+        </p:txBody>
+      </p:sp>
+      <p:sp>
+        <p:nvSpPr>
+          <p:cNvPr id="4" name="Slide Number Placeholder 3">
+            <a:extLst>
+              <a:ext uri="{FF2B5EF4-FFF2-40B4-BE49-F238E27FC236}">
+                <a16:creationId xmlns:a16="http://schemas.microsoft.com/office/drawing/2014/main" id="{E53015A0-91D2-5728-8AD2-8B90CF3FDACA}"/>
+              </a:ext>
+            </a:extLst>
+          </p:cNvPr>
           <p:cNvSpPr>
             <a:spLocks noGrp="1"/>
           </p:cNvSpPr>
@@ -2608,7 +2646,7 @@
     </p:spTree>
     <p:extLst>
       <p:ext uri="{BB962C8B-B14F-4D97-AF65-F5344CB8AC3E}">
-        <p14:creationId xmlns:p14="http://schemas.microsoft.com/office/powerpoint/2010/main" val="3372543243"/>
+        <p14:creationId xmlns:p14="http://schemas.microsoft.com/office/powerpoint/2010/main" val="2364996275"/>
       </p:ext>
     </p:extLst>
   </p:cSld>
@@ -2662,7 +2700,32 @@
           <a:bodyPr/>
           <a:lstStyle/>
           <a:p>
+            <a:r>
+              <a:rPr lang="en-US" dirty="0"/>
+              <a:t>These are really different groups, then how much of that is related to what’s going in their home countries </a:t>
+            </a:r>
+          </a:p>
+          <a:p>
             <a:endParaRPr lang="en-US" dirty="0"/>
+          </a:p>
+          <a:p>
+            <a:r>
+              <a:rPr lang="en-US" dirty="0"/>
+              <a:t>What stands out</a:t>
+            </a:r>
+            <a:br>
+              <a:rPr lang="en-US" dirty="0"/>
+            </a:br>
+            <a:r>
+              <a:rPr lang="en-US" dirty="0"/>
+              <a:t>- Mexican migrants are the least likely to get at least a secondary degree, which is lower than the average for migrant from the Caribbean</a:t>
+            </a:r>
+          </a:p>
+          <a:p>
+            <a:r>
+              <a:rPr lang="en-US" dirty="0"/>
+              <a:t>- Specifically, Cuban migrants are the most likely to have at least a high school degree followed by Puerto Ricans, and lastly Dominicans</a:t>
+            </a:r>
           </a:p>
         </p:txBody>
       </p:sp>
@@ -2692,7 +2755,7 @@
     </p:spTree>
     <p:extLst>
       <p:ext uri="{BB962C8B-B14F-4D97-AF65-F5344CB8AC3E}">
-        <p14:creationId xmlns:p14="http://schemas.microsoft.com/office/powerpoint/2010/main" val="1097939923"/>
+        <p14:creationId xmlns:p14="http://schemas.microsoft.com/office/powerpoint/2010/main" val="884276519"/>
       </p:ext>
     </p:extLst>
   </p:cSld>
@@ -2746,7 +2809,10 @@
           <a:bodyPr/>
           <a:lstStyle/>
           <a:p>
-            <a:endParaRPr lang="en-US" dirty="0"/>
+            <a:r>
+              <a:rPr lang="en-US" dirty="0"/>
+              <a:t>All of these are statistically significant </a:t>
+            </a:r>
           </a:p>
         </p:txBody>
       </p:sp>
@@ -2776,7 +2842,7 @@
     </p:spTree>
     <p:extLst>
       <p:ext uri="{BB962C8B-B14F-4D97-AF65-F5344CB8AC3E}">
-        <p14:creationId xmlns:p14="http://schemas.microsoft.com/office/powerpoint/2010/main" val="1953118807"/>
+        <p14:creationId xmlns:p14="http://schemas.microsoft.com/office/powerpoint/2010/main" val="3303427139"/>
       </p:ext>
     </p:extLst>
   </p:cSld>
@@ -2933,7 +2999,7 @@
           <a:p>
             <a:fld id="{8AC365F5-FC89-3D48-BD81-000AE9BD0E5B}" type="datetimeFigureOut">
               <a:rPr lang="en-US" smtClean="0"/>
-              <a:t>4/2/25</a:t>
+              <a:t>4/7/25</a:t>
             </a:fld>
             <a:endParaRPr lang="en-US"/>
           </a:p>
@@ -3131,7 +3197,7 @@
           <a:p>
             <a:fld id="{8AC365F5-FC89-3D48-BD81-000AE9BD0E5B}" type="datetimeFigureOut">
               <a:rPr lang="en-US" smtClean="0"/>
-              <a:t>4/2/25</a:t>
+              <a:t>4/7/25</a:t>
             </a:fld>
             <a:endParaRPr lang="en-US"/>
           </a:p>
@@ -3339,7 +3405,7 @@
           <a:p>
             <a:fld id="{8AC365F5-FC89-3D48-BD81-000AE9BD0E5B}" type="datetimeFigureOut">
               <a:rPr lang="en-US" smtClean="0"/>
-              <a:t>4/2/25</a:t>
+              <a:t>4/7/25</a:t>
             </a:fld>
             <a:endParaRPr lang="en-US"/>
           </a:p>
@@ -3537,7 +3603,7 @@
           <a:p>
             <a:fld id="{8AC365F5-FC89-3D48-BD81-000AE9BD0E5B}" type="datetimeFigureOut">
               <a:rPr lang="en-US" smtClean="0"/>
-              <a:t>4/2/25</a:t>
+              <a:t>4/7/25</a:t>
             </a:fld>
             <a:endParaRPr lang="en-US"/>
           </a:p>
@@ -3812,7 +3878,7 @@
           <a:p>
             <a:fld id="{8AC365F5-FC89-3D48-BD81-000AE9BD0E5B}" type="datetimeFigureOut">
               <a:rPr lang="en-US" smtClean="0"/>
-              <a:t>4/2/25</a:t>
+              <a:t>4/7/25</a:t>
             </a:fld>
             <a:endParaRPr lang="en-US"/>
           </a:p>
@@ -4077,7 +4143,7 @@
           <a:p>
             <a:fld id="{8AC365F5-FC89-3D48-BD81-000AE9BD0E5B}" type="datetimeFigureOut">
               <a:rPr lang="en-US" smtClean="0"/>
-              <a:t>4/2/25</a:t>
+              <a:t>4/7/25</a:t>
             </a:fld>
             <a:endParaRPr lang="en-US"/>
           </a:p>
@@ -4489,7 +4555,7 @@
           <a:p>
             <a:fld id="{8AC365F5-FC89-3D48-BD81-000AE9BD0E5B}" type="datetimeFigureOut">
               <a:rPr lang="en-US" smtClean="0"/>
-              <a:t>4/2/25</a:t>
+              <a:t>4/7/25</a:t>
             </a:fld>
             <a:endParaRPr lang="en-US"/>
           </a:p>
@@ -4630,7 +4696,7 @@
           <a:p>
             <a:fld id="{8AC365F5-FC89-3D48-BD81-000AE9BD0E5B}" type="datetimeFigureOut">
               <a:rPr lang="en-US" smtClean="0"/>
-              <a:t>4/2/25</a:t>
+              <a:t>4/7/25</a:t>
             </a:fld>
             <a:endParaRPr lang="en-US"/>
           </a:p>
@@ -4743,7 +4809,7 @@
           <a:p>
             <a:fld id="{8AC365F5-FC89-3D48-BD81-000AE9BD0E5B}" type="datetimeFigureOut">
               <a:rPr lang="en-US" smtClean="0"/>
-              <a:t>4/2/25</a:t>
+              <a:t>4/7/25</a:t>
             </a:fld>
             <a:endParaRPr lang="en-US"/>
           </a:p>
@@ -5054,7 +5120,7 @@
           <a:p>
             <a:fld id="{8AC365F5-FC89-3D48-BD81-000AE9BD0E5B}" type="datetimeFigureOut">
               <a:rPr lang="en-US" smtClean="0"/>
-              <a:t>4/2/25</a:t>
+              <a:t>4/7/25</a:t>
             </a:fld>
             <a:endParaRPr lang="en-US"/>
           </a:p>
@@ -5342,7 +5408,7 @@
           <a:p>
             <a:fld id="{8AC365F5-FC89-3D48-BD81-000AE9BD0E5B}" type="datetimeFigureOut">
               <a:rPr lang="en-US" smtClean="0"/>
-              <a:t>4/2/25</a:t>
+              <a:t>4/7/25</a:t>
             </a:fld>
             <a:endParaRPr lang="en-US"/>
           </a:p>
@@ -5583,7 +5649,7 @@
           <a:p>
             <a:fld id="{8AC365F5-FC89-3D48-BD81-000AE9BD0E5B}" type="datetimeFigureOut">
               <a:rPr lang="en-US" smtClean="0"/>
-              <a:t>4/2/25</a:t>
+              <a:t>4/7/25</a:t>
             </a:fld>
             <a:endParaRPr lang="en-US"/>
           </a:p>
@@ -6089,6 +6155,53 @@
           </a:p>
         </p:txBody>
       </p:sp>
+      <p:pic>
+        <p:nvPicPr>
+          <p:cNvPr id="8194" name="Picture 2" descr="University of California, Berkeley - Wikipedia">
+            <a:extLst>
+              <a:ext uri="{FF2B5EF4-FFF2-40B4-BE49-F238E27FC236}">
+                <a16:creationId xmlns:a16="http://schemas.microsoft.com/office/drawing/2014/main" id="{07AF713F-4A83-DFD9-9689-B2ADB24AE745}"/>
+              </a:ext>
+            </a:extLst>
+          </p:cNvPr>
+          <p:cNvPicPr>
+            <a:picLocks noChangeAspect="1" noChangeArrowheads="1"/>
+          </p:cNvPicPr>
+          <p:nvPr/>
+        </p:nvPicPr>
+        <p:blipFill>
+          <a:blip r:embed="rId2">
+            <a:extLst>
+              <a:ext uri="{28A0092B-C50C-407E-A947-70E740481C1C}">
+                <a14:useLocalDpi xmlns:a14="http://schemas.microsoft.com/office/drawing/2010/main" val="0"/>
+              </a:ext>
+            </a:extLst>
+          </a:blip>
+          <a:srcRect/>
+          <a:stretch>
+            <a:fillRect/>
+          </a:stretch>
+        </p:blipFill>
+        <p:spPr bwMode="auto">
+          <a:xfrm>
+            <a:off x="9422892" y="4012692"/>
+            <a:ext cx="2490215" cy="2490215"/>
+          </a:xfrm>
+          <a:prstGeom prst="rect">
+            <a:avLst/>
+          </a:prstGeom>
+          <a:noFill/>
+          <a:extLst>
+            <a:ext uri="{909E8E84-426E-40DD-AFC4-6F175D3DCCD1}">
+              <a14:hiddenFill xmlns:a14="http://schemas.microsoft.com/office/drawing/2010/main">
+                <a:solidFill>
+                  <a:srgbClr val="FFFFFF"/>
+                </a:solidFill>
+              </a14:hiddenFill>
+            </a:ext>
+          </a:extLst>
+        </p:spPr>
+      </p:pic>
     </p:spTree>
     <p:extLst>
       <p:ext uri="{BB962C8B-B14F-4D97-AF65-F5344CB8AC3E}">
@@ -6124,7 +6237,7 @@
           <p:cNvPr id="2" name="Title 1">
             <a:extLst>
               <a:ext uri="{FF2B5EF4-FFF2-40B4-BE49-F238E27FC236}">
-                <a16:creationId xmlns:a16="http://schemas.microsoft.com/office/drawing/2014/main" id="{321307EF-5EA4-9A0D-AD17-555F96E4FBA5}"/>
+                <a16:creationId xmlns:a16="http://schemas.microsoft.com/office/drawing/2014/main" id="{5656BFEC-35A5-3174-B860-409CB0EC3390}"/>
               </a:ext>
             </a:extLst>
           </p:cNvPr>
@@ -6142,7 +6255,7 @@
           <a:p>
             <a:r>
               <a:rPr lang="en-US" dirty="0"/>
-              <a:t>Data and Methods</a:t>
+              <a:t>What’s driving the lower education among Mexican Immigrants?</a:t>
             </a:r>
           </a:p>
         </p:txBody>
@@ -6152,7 +6265,7 @@
           <p:cNvPr id="3" name="Content Placeholder 2">
             <a:extLst>
               <a:ext uri="{FF2B5EF4-FFF2-40B4-BE49-F238E27FC236}">
-                <a16:creationId xmlns:a16="http://schemas.microsoft.com/office/drawing/2014/main" id="{E1DAA6DA-67BF-21A2-9A1C-742D249E4CE5}"/>
+                <a16:creationId xmlns:a16="http://schemas.microsoft.com/office/drawing/2014/main" id="{67043B7D-29FD-ADED-17DA-D252B63253ED}"/>
               </a:ext>
             </a:extLst>
           </p:cNvPr>
@@ -6165,124 +6278,38 @@
         </p:nvSpPr>
         <p:spPr/>
         <p:txBody>
-          <a:bodyPr>
-            <a:normAutofit lnSpcReduction="10000"/>
-          </a:bodyPr>
-          <a:lstStyle/>
-          <a:p>
-            <a:r>
-              <a:rPr lang="en-US" dirty="0"/>
-              <a:t>International Census Data from IPUMS</a:t>
-            </a:r>
-          </a:p>
-          <a:p>
-            <a:r>
-              <a:rPr lang="en-US" dirty="0"/>
-              <a:t>US American Community Survey (2016-2020; 2008-2010)</a:t>
-            </a:r>
-          </a:p>
-          <a:p>
-            <a:r>
-              <a:rPr lang="en-US" dirty="0"/>
-              <a:t>Respondents above age 60</a:t>
-            </a:r>
-          </a:p>
-          <a:p>
-            <a:pPr lvl="1"/>
-            <a:endParaRPr lang="en-US" dirty="0"/>
-          </a:p>
-          <a:p>
-            <a:r>
-              <a:rPr lang="en-US" dirty="0"/>
-              <a:t>Education</a:t>
-            </a:r>
-          </a:p>
-          <a:p>
-            <a:pPr lvl="1"/>
-            <a:r>
-              <a:rPr lang="en-US" dirty="0"/>
-              <a:t>At least a secondary degree education</a:t>
-            </a:r>
-          </a:p>
-          <a:p>
-            <a:r>
-              <a:rPr lang="en-US" dirty="0"/>
-              <a:t>Household composition </a:t>
-            </a:r>
-          </a:p>
-          <a:p>
-            <a:pPr lvl="1"/>
-            <a:r>
-              <a:rPr lang="en-US" dirty="0"/>
-              <a:t>Marital status and Living Alone</a:t>
-            </a:r>
-          </a:p>
-          <a:p>
-            <a:r>
-              <a:rPr lang="en-US" dirty="0"/>
-              <a:t>Acculturation (for migrants)</a:t>
-            </a:r>
-          </a:p>
-          <a:p>
-            <a:pPr lvl="1"/>
-            <a:r>
-              <a:rPr lang="en-US" dirty="0"/>
-              <a:t>English Speaking and Citizenship status</a:t>
-            </a:r>
-          </a:p>
-        </p:txBody>
-      </p:sp>
-      <p:pic>
-        <p:nvPicPr>
-          <p:cNvPr id="3074" name="Picture 2" descr="Homepage | IPUMS">
-            <a:extLst>
-              <a:ext uri="{FF2B5EF4-FFF2-40B4-BE49-F238E27FC236}">
-                <a16:creationId xmlns:a16="http://schemas.microsoft.com/office/drawing/2014/main" id="{0170D470-E360-7106-D32B-7F631C9A17C0}"/>
-              </a:ext>
-            </a:extLst>
-          </p:cNvPr>
-          <p:cNvPicPr>
-            <a:picLocks noChangeAspect="1" noChangeArrowheads="1"/>
-          </p:cNvPicPr>
-          <p:nvPr/>
-        </p:nvPicPr>
-        <p:blipFill>
-          <a:blip r:embed="rId3">
-            <a:extLst>
-              <a:ext uri="{28A0092B-C50C-407E-A947-70E740481C1C}">
-                <a14:useLocalDpi xmlns:a14="http://schemas.microsoft.com/office/drawing/2010/main" val="0"/>
-              </a:ext>
-            </a:extLst>
-          </a:blip>
-          <a:srcRect/>
-          <a:stretch>
-            <a:fillRect/>
-          </a:stretch>
-        </p:blipFill>
-        <p:spPr bwMode="auto">
-          <a:xfrm>
-            <a:off x="8073864" y="798014"/>
-            <a:ext cx="3535860" cy="736318"/>
-          </a:xfrm>
-          <a:prstGeom prst="rect">
-            <a:avLst/>
-          </a:prstGeom>
-          <a:noFill/>
-          <a:extLst>
-            <a:ext uri="{909E8E84-426E-40DD-AFC4-6F175D3DCCD1}">
-              <a14:hiddenFill xmlns:a14="http://schemas.microsoft.com/office/drawing/2010/main">
-                <a:solidFill>
-                  <a:srgbClr val="FFFFFF"/>
-                </a:solidFill>
-              </a14:hiddenFill>
-            </a:ext>
-          </a:extLst>
-        </p:spPr>
-      </p:pic>
+          <a:bodyPr/>
+          <a:lstStyle/>
+          <a:p>
+            <a:r>
+              <a:rPr lang="en-US" dirty="0"/>
+              <a:t>Older so need to age adjust?</a:t>
+            </a:r>
+          </a:p>
+          <a:p>
+            <a:r>
+              <a:rPr lang="en-US" dirty="0"/>
+              <a:t>Age at Migration?</a:t>
+            </a:r>
+          </a:p>
+          <a:p>
+            <a:r>
+              <a:rPr lang="en-US" dirty="0"/>
+              <a:t>Birth country education levels?</a:t>
+            </a:r>
+          </a:p>
+          <a:p>
+            <a:r>
+              <a:rPr lang="en-US" dirty="0"/>
+              <a:t>Migrant selectivity?</a:t>
+            </a:r>
+          </a:p>
+        </p:txBody>
+      </p:sp>
     </p:spTree>
     <p:extLst>
       <p:ext uri="{BB962C8B-B14F-4D97-AF65-F5344CB8AC3E}">
-        <p14:creationId xmlns:p14="http://schemas.microsoft.com/office/powerpoint/2010/main" val="4053938008"/>
+        <p14:creationId xmlns:p14="http://schemas.microsoft.com/office/powerpoint/2010/main" val="829158364"/>
       </p:ext>
     </p:extLst>
   </p:cSld>
@@ -6314,7 +6341,7 @@
           <p:cNvPr id="2" name="Title 1">
             <a:extLst>
               <a:ext uri="{FF2B5EF4-FFF2-40B4-BE49-F238E27FC236}">
-                <a16:creationId xmlns:a16="http://schemas.microsoft.com/office/drawing/2014/main" id="{DC86CC49-E7AD-D661-1679-040DEA26A606}"/>
+                <a16:creationId xmlns:a16="http://schemas.microsoft.com/office/drawing/2014/main" id="{4DE2AD00-AA31-3FC9-7836-BBDDCEECDE79}"/>
               </a:ext>
             </a:extLst>
           </p:cNvPr>
@@ -6325,31 +6352,24 @@
             <p:ph type="title"/>
           </p:nvPr>
         </p:nvSpPr>
-        <p:spPr>
-          <a:xfrm>
-            <a:off x="646176" y="1"/>
-            <a:ext cx="10680192" cy="1690688"/>
-          </a:xfrm>
-        </p:spPr>
-        <p:txBody>
-          <a:bodyPr>
-            <a:normAutofit/>
-          </a:bodyPr>
-          <a:lstStyle/>
-          <a:p>
-            <a:r>
-              <a:rPr lang="en-US" dirty="0"/>
-              <a:t>Caribbean Hispanic immigrants tend to be more educated than Mexican immigrants</a:t>
+        <p:spPr/>
+        <p:txBody>
+          <a:bodyPr/>
+          <a:lstStyle/>
+          <a:p>
+            <a:r>
+              <a:rPr lang="en-US" dirty="0"/>
+              <a:t>Two bars for education, the bar I just showed plus people who migrated after age 24</a:t>
             </a:r>
           </a:p>
         </p:txBody>
       </p:sp>
       <p:pic>
         <p:nvPicPr>
-          <p:cNvPr id="7" name="Picture 6">
-            <a:extLst>
-              <a:ext uri="{FF2B5EF4-FFF2-40B4-BE49-F238E27FC236}">
-                <a16:creationId xmlns:a16="http://schemas.microsoft.com/office/drawing/2014/main" id="{8A930419-F94E-3AA6-9FDB-D23A55E1424C}"/>
+          <p:cNvPr id="4" name="Picture 3" descr="A screenshot of a video game&#10;&#10;AI-generated content may be incorrect.">
+            <a:extLst>
+              <a:ext uri="{FF2B5EF4-FFF2-40B4-BE49-F238E27FC236}">
+                <a16:creationId xmlns:a16="http://schemas.microsoft.com/office/drawing/2014/main" id="{2545752B-DF55-C6B1-0BCE-A4E321F90607}"/>
               </a:ext>
             </a:extLst>
           </p:cNvPr>
@@ -6360,13 +6380,14 @@
         </p:nvPicPr>
         <p:blipFill>
           <a:blip r:embed="rId3"/>
-          <a:srcRect/>
-          <a:stretch/>
+          <a:stretch>
+            <a:fillRect/>
+          </a:stretch>
         </p:blipFill>
         <p:spPr>
           <a:xfrm>
-            <a:off x="2389632" y="1664542"/>
-            <a:ext cx="7784365" cy="5189576"/>
+            <a:off x="957504" y="1719504"/>
+            <a:ext cx="10276991" cy="5138496"/>
           </a:xfrm>
           <a:prstGeom prst="rect">
             <a:avLst/>
@@ -6375,10 +6396,10 @@
       </p:pic>
       <p:sp>
         <p:nvSpPr>
-          <p:cNvPr id="3" name="TextBox 2">
-            <a:extLst>
-              <a:ext uri="{FF2B5EF4-FFF2-40B4-BE49-F238E27FC236}">
-                <a16:creationId xmlns:a16="http://schemas.microsoft.com/office/drawing/2014/main" id="{FF76BD7F-42F5-DE1F-C298-925197D64223}"/>
+          <p:cNvPr id="5" name="TextBox 4">
+            <a:extLst>
+              <a:ext uri="{FF2B5EF4-FFF2-40B4-BE49-F238E27FC236}">
+                <a16:creationId xmlns:a16="http://schemas.microsoft.com/office/drawing/2014/main" id="{55F044F0-2CFB-F2AB-1641-B5E047594812}"/>
               </a:ext>
             </a:extLst>
           </p:cNvPr>
@@ -6387,8 +6408,8 @@
         </p:nvSpPr>
         <p:spPr>
           <a:xfrm>
-            <a:off x="4072128" y="1506022"/>
-            <a:ext cx="4876800" cy="369332"/>
+            <a:off x="4331369" y="2030931"/>
+            <a:ext cx="4543124" cy="369332"/>
           </a:xfrm>
           <a:prstGeom prst="rect">
             <a:avLst/>
@@ -6403,123 +6424,102 @@
           <a:p>
             <a:r>
               <a:rPr lang="en-US" dirty="0"/>
-              <a:t>Proportion With At Least Secondary Degree</a:t>
-            </a:r>
-          </a:p>
-        </p:txBody>
-      </p:sp>
-      <p:grpSp>
-        <p:nvGrpSpPr>
-          <p:cNvPr id="5" name="Group 4">
-            <a:extLst>
-              <a:ext uri="{FF2B5EF4-FFF2-40B4-BE49-F238E27FC236}">
-                <a16:creationId xmlns:a16="http://schemas.microsoft.com/office/drawing/2014/main" id="{2CF4DA50-70D5-6336-650E-37AF11C837CB}"/>
-              </a:ext>
-            </a:extLst>
-          </p:cNvPr>
-          <p:cNvGrpSpPr/>
+              <a:t>REPLACE WITH BARS FOR AGE MIGRATED</a:t>
+            </a:r>
+          </a:p>
+        </p:txBody>
+      </p:sp>
+      <p:pic>
+        <p:nvPicPr>
+          <p:cNvPr id="6" name="Picture 2" descr="American Community Survey (ACS) – Roadmap to the 2030 Census">
+            <a:extLst>
+              <a:ext uri="{FF2B5EF4-FFF2-40B4-BE49-F238E27FC236}">
+                <a16:creationId xmlns:a16="http://schemas.microsoft.com/office/drawing/2014/main" id="{158C7D5C-2D11-2AF4-6497-7539D41DBAC3}"/>
+              </a:ext>
+            </a:extLst>
+          </p:cNvPr>
+          <p:cNvPicPr>
+            <a:picLocks noChangeAspect="1" noChangeArrowheads="1"/>
+          </p:cNvPicPr>
           <p:nvPr/>
-        </p:nvGrpSpPr>
-        <p:grpSpPr>
+        </p:nvPicPr>
+        <p:blipFill>
+          <a:blip r:embed="rId4">
+            <a:extLst>
+              <a:ext uri="{28A0092B-C50C-407E-A947-70E740481C1C}">
+                <a14:useLocalDpi xmlns:a14="http://schemas.microsoft.com/office/drawing/2010/main" val="0"/>
+              </a:ext>
+            </a:extLst>
+          </a:blip>
+          <a:srcRect/>
+          <a:stretch>
+            <a:fillRect/>
+          </a:stretch>
+        </p:blipFill>
+        <p:spPr bwMode="auto">
           <a:xfrm>
             <a:off x="11214652" y="132392"/>
-            <a:ext cx="788708" cy="1100420"/>
-            <a:chOff x="10951180" y="240224"/>
-            <a:chExt cx="788708" cy="1100420"/>
+            <a:ext cx="750376" cy="750376"/>
           </a:xfrm>
-        </p:grpSpPr>
-        <p:pic>
-          <p:nvPicPr>
-            <p:cNvPr id="5122" name="Picture 2" descr="American Community Survey (ACS) – Roadmap to the 2030 Census">
-              <a:extLst>
-                <a:ext uri="{FF2B5EF4-FFF2-40B4-BE49-F238E27FC236}">
-                  <a16:creationId xmlns:a16="http://schemas.microsoft.com/office/drawing/2014/main" id="{347DA099-9011-C72F-97EE-0BD73E1F2634}"/>
-                </a:ext>
-              </a:extLst>
-            </p:cNvPr>
-            <p:cNvPicPr>
-              <a:picLocks noChangeAspect="1" noChangeArrowheads="1"/>
-            </p:cNvPicPr>
-            <p:nvPr/>
-          </p:nvPicPr>
-          <p:blipFill>
-            <a:blip r:embed="rId4">
-              <a:extLst>
-                <a:ext uri="{28A0092B-C50C-407E-A947-70E740481C1C}">
-                  <a14:useLocalDpi xmlns:a14="http://schemas.microsoft.com/office/drawing/2010/main" val="0"/>
-                </a:ext>
-              </a:extLst>
-            </a:blip>
-            <a:srcRect/>
-            <a:stretch>
-              <a:fillRect/>
-            </a:stretch>
-          </p:blipFill>
-          <p:spPr bwMode="auto">
-            <a:xfrm>
-              <a:off x="10951180" y="240224"/>
-              <a:ext cx="750376" cy="750376"/>
-            </a:xfrm>
-            <a:prstGeom prst="rect">
-              <a:avLst/>
-            </a:prstGeom>
-            <a:noFill/>
-            <a:extLst>
-              <a:ext uri="{909E8E84-426E-40DD-AFC4-6F175D3DCCD1}">
-                <a14:hiddenFill xmlns:a14="http://schemas.microsoft.com/office/drawing/2010/main">
-                  <a:solidFill>
-                    <a:srgbClr val="FFFFFF"/>
-                  </a:solidFill>
-                </a14:hiddenFill>
-              </a:ext>
-            </a:extLst>
-          </p:spPr>
-        </p:pic>
-        <p:sp>
-          <p:nvSpPr>
-            <p:cNvPr id="4" name="TextBox 3">
-              <a:extLst>
-                <a:ext uri="{FF2B5EF4-FFF2-40B4-BE49-F238E27FC236}">
-                  <a16:creationId xmlns:a16="http://schemas.microsoft.com/office/drawing/2014/main" id="{BE26AC53-CE31-75D6-6B9D-2A0CA83C3DE0}"/>
-                </a:ext>
-              </a:extLst>
-            </p:cNvPr>
-            <p:cNvSpPr txBox="1"/>
-            <p:nvPr/>
-          </p:nvSpPr>
-          <p:spPr>
-            <a:xfrm>
-              <a:off x="11035594" y="1002090"/>
-              <a:ext cx="704294" cy="338554"/>
-            </a:xfrm>
-            <a:prstGeom prst="rect">
-              <a:avLst/>
-            </a:prstGeom>
-            <a:noFill/>
-          </p:spPr>
-          <p:txBody>
-            <a:bodyPr wrap="square" rtlCol="0">
-              <a:spAutoFit/>
-            </a:bodyPr>
-            <a:lstStyle/>
-            <a:p>
-              <a:r>
-                <a:rPr lang="en-US" sz="1600" dirty="0">
-                  <a:latin typeface="Abadi MT Condensed Light" panose="020B0306030101010103" pitchFamily="34" charset="77"/>
-                </a:rPr>
-                <a:t>2020</a:t>
-              </a:r>
-              <a:endParaRPr lang="en-US" dirty="0">
+          <a:prstGeom prst="rect">
+            <a:avLst/>
+          </a:prstGeom>
+          <a:noFill/>
+          <a:extLst>
+            <a:ext uri="{909E8E84-426E-40DD-AFC4-6F175D3DCCD1}">
+              <a14:hiddenFill xmlns:a14="http://schemas.microsoft.com/office/drawing/2010/main">
+                <a:solidFill>
+                  <a:srgbClr val="FFFFFF"/>
+                </a:solidFill>
+              </a14:hiddenFill>
+            </a:ext>
+          </a:extLst>
+        </p:spPr>
+      </p:pic>
+      <p:sp>
+        <p:nvSpPr>
+          <p:cNvPr id="7" name="TextBox 6">
+            <a:extLst>
+              <a:ext uri="{FF2B5EF4-FFF2-40B4-BE49-F238E27FC236}">
+                <a16:creationId xmlns:a16="http://schemas.microsoft.com/office/drawing/2014/main" id="{DB4AE0DD-146E-AD04-0576-1E6704BE55FC}"/>
+              </a:ext>
+            </a:extLst>
+          </p:cNvPr>
+          <p:cNvSpPr txBox="1"/>
+          <p:nvPr/>
+        </p:nvSpPr>
+        <p:spPr>
+          <a:xfrm>
+            <a:off x="11299066" y="894258"/>
+            <a:ext cx="704294" cy="338554"/>
+          </a:xfrm>
+          <a:prstGeom prst="rect">
+            <a:avLst/>
+          </a:prstGeom>
+          <a:noFill/>
+        </p:spPr>
+        <p:txBody>
+          <a:bodyPr wrap="square" rtlCol="0">
+            <a:spAutoFit/>
+          </a:bodyPr>
+          <a:lstStyle/>
+          <a:p>
+            <a:r>
+              <a:rPr lang="en-US" sz="1600" dirty="0">
                 <a:latin typeface="Abadi MT Condensed Light" panose="020B0306030101010103" pitchFamily="34" charset="77"/>
-              </a:endParaRPr>
-            </a:p>
-          </p:txBody>
-        </p:sp>
-      </p:grpSp>
+              </a:rPr>
+              <a:t>2020</a:t>
+            </a:r>
+            <a:endParaRPr lang="en-US" dirty="0">
+              <a:latin typeface="Abadi MT Condensed Light" panose="020B0306030101010103" pitchFamily="34" charset="77"/>
+            </a:endParaRPr>
+          </a:p>
+        </p:txBody>
+      </p:sp>
     </p:spTree>
     <p:extLst>
       <p:ext uri="{BB962C8B-B14F-4D97-AF65-F5344CB8AC3E}">
-        <p14:creationId xmlns:p14="http://schemas.microsoft.com/office/powerpoint/2010/main" val="3034220648"/>
+        <p14:creationId xmlns:p14="http://schemas.microsoft.com/office/powerpoint/2010/main" val="1524113494"/>
       </p:ext>
     </p:extLst>
   </p:cSld>
@@ -6530,6 +6530,133 @@
 </file>
 
 <file path=ppt/slides/slide12.xml><?xml version="1.0" encoding="utf-8"?>
+<p:sld xmlns:a="http://schemas.openxmlformats.org/drawingml/2006/main" xmlns:r="http://schemas.openxmlformats.org/officeDocument/2006/relationships" xmlns:p="http://schemas.openxmlformats.org/presentationml/2006/main">
+  <p:cSld>
+    <p:spTree>
+      <p:nvGrpSpPr>
+        <p:cNvPr id="1" name=""/>
+        <p:cNvGrpSpPr/>
+        <p:nvPr/>
+      </p:nvGrpSpPr>
+      <p:grpSpPr>
+        <a:xfrm>
+          <a:off x="0" y="0"/>
+          <a:ext cx="0" cy="0"/>
+          <a:chOff x="0" y="0"/>
+          <a:chExt cx="0" cy="0"/>
+        </a:xfrm>
+      </p:grpSpPr>
+      <p:sp>
+        <p:nvSpPr>
+          <p:cNvPr id="2" name="Title 1">
+            <a:extLst>
+              <a:ext uri="{FF2B5EF4-FFF2-40B4-BE49-F238E27FC236}">
+                <a16:creationId xmlns:a16="http://schemas.microsoft.com/office/drawing/2014/main" id="{BE5C5FD9-85ED-CCA2-BAF1-6263508F1B9C}"/>
+              </a:ext>
+            </a:extLst>
+          </p:cNvPr>
+          <p:cNvSpPr>
+            <a:spLocks noGrp="1"/>
+          </p:cNvSpPr>
+          <p:nvPr>
+            <p:ph type="title"/>
+          </p:nvPr>
+        </p:nvSpPr>
+        <p:spPr/>
+        <p:txBody>
+          <a:bodyPr/>
+          <a:lstStyle/>
+          <a:p>
+            <a:r>
+              <a:rPr lang="en-US" dirty="0"/>
+              <a:t>Migrants to the US are far more likely to have at least a secondary degree</a:t>
+            </a:r>
+          </a:p>
+        </p:txBody>
+      </p:sp>
+      <p:pic>
+        <p:nvPicPr>
+          <p:cNvPr id="6" name="Picture 5">
+            <a:extLst>
+              <a:ext uri="{FF2B5EF4-FFF2-40B4-BE49-F238E27FC236}">
+                <a16:creationId xmlns:a16="http://schemas.microsoft.com/office/drawing/2014/main" id="{69A9CC41-5B7D-2033-49D5-27821595BB79}"/>
+              </a:ext>
+            </a:extLst>
+          </p:cNvPr>
+          <p:cNvPicPr>
+            <a:picLocks noChangeAspect="1"/>
+          </p:cNvPicPr>
+          <p:nvPr/>
+        </p:nvPicPr>
+        <p:blipFill>
+          <a:blip r:embed="rId4"/>
+          <a:srcRect/>
+          <a:stretch/>
+        </p:blipFill>
+        <p:spPr>
+          <a:xfrm>
+            <a:off x="1015186" y="1783781"/>
+            <a:ext cx="10161628" cy="5080814"/>
+          </a:xfrm>
+          <a:prstGeom prst="rect">
+            <a:avLst/>
+          </a:prstGeom>
+        </p:spPr>
+      </p:pic>
+      <p:sp>
+        <p:nvSpPr>
+          <p:cNvPr id="7" name="TextBox 6">
+            <a:extLst>
+              <a:ext uri="{FF2B5EF4-FFF2-40B4-BE49-F238E27FC236}">
+                <a16:creationId xmlns:a16="http://schemas.microsoft.com/office/drawing/2014/main" id="{692CDA48-1194-EA8B-AF79-F3DB0D08DE35}"/>
+              </a:ext>
+            </a:extLst>
+          </p:cNvPr>
+          <p:cNvSpPr txBox="1"/>
+          <p:nvPr/>
+        </p:nvSpPr>
+        <p:spPr>
+          <a:xfrm>
+            <a:off x="4072128" y="1591366"/>
+            <a:ext cx="4876800" cy="369332"/>
+          </a:xfrm>
+          <a:prstGeom prst="rect">
+            <a:avLst/>
+          </a:prstGeom>
+          <a:noFill/>
+        </p:spPr>
+        <p:txBody>
+          <a:bodyPr wrap="square" rtlCol="0">
+            <a:spAutoFit/>
+          </a:bodyPr>
+          <a:lstStyle/>
+          <a:p>
+            <a:r>
+              <a:rPr lang="en-US" dirty="0"/>
+              <a:t>Proportion With At Least Secondary Degree</a:t>
+            </a:r>
+          </a:p>
+        </p:txBody>
+      </p:sp>
+    </p:spTree>
+    <p:extLst>
+      <p:ext uri="{BB962C8B-B14F-4D97-AF65-F5344CB8AC3E}">
+        <p14:creationId xmlns:p14="http://schemas.microsoft.com/office/powerpoint/2010/main" val="4105378377"/>
+      </p:ext>
+    </p:extLst>
+  </p:cSld>
+  <p:clrMapOvr>
+    <a:masterClrMapping/>
+  </p:clrMapOvr>
+  <p:extLst>
+    <p:ext uri="{6950BFC3-D8DA-4A85-94F7-54DA5524770B}">
+      <p188:commentRel xmlns:p188="http://schemas.microsoft.com/office/powerpoint/2018/8/main" r:id="rId3"/>
+    </p:ext>
+  </p:extLst>
+</p:sld>
+</file>
+
+<file path=ppt/slides/slide13.xml><?xml version="1.0" encoding="utf-8"?>
 <p:sld xmlns:a="http://schemas.openxmlformats.org/drawingml/2006/main" xmlns:r="http://schemas.openxmlformats.org/officeDocument/2006/relationships" xmlns:p="http://schemas.openxmlformats.org/presentationml/2006/main">
   <p:cSld>
     <p:spTree>
@@ -6821,7 +6948,7 @@
 </p:sld>
 </file>
 
-<file path=ppt/slides/slide13.xml><?xml version="1.0" encoding="utf-8"?>
+<file path=ppt/slides/slide14.xml><?xml version="1.0" encoding="utf-8"?>
 <p:sld xmlns:a="http://schemas.openxmlformats.org/drawingml/2006/main" xmlns:r="http://schemas.openxmlformats.org/officeDocument/2006/relationships" xmlns:p="http://schemas.openxmlformats.org/presentationml/2006/main">
   <p:cSld>
     <p:spTree>
@@ -6829,7 +6956,7 @@
         <p:cNvPr id="1" name="">
           <a:extLst>
             <a:ext uri="{FF2B5EF4-FFF2-40B4-BE49-F238E27FC236}">
-              <a16:creationId xmlns:a16="http://schemas.microsoft.com/office/drawing/2014/main" id="{CB8F662A-EFB3-1F08-4B38-4BF6A5ECA546}"/>
+              <a16:creationId xmlns:a16="http://schemas.microsoft.com/office/drawing/2014/main" id="{0511CDC5-51F6-8FE4-933B-0BCBCEEF80D4}"/>
             </a:ext>
           </a:extLst>
         </p:cNvPr>
@@ -6849,7 +6976,7 @@
           <p:cNvPr id="2" name="Title 1">
             <a:extLst>
               <a:ext uri="{FF2B5EF4-FFF2-40B4-BE49-F238E27FC236}">
-                <a16:creationId xmlns:a16="http://schemas.microsoft.com/office/drawing/2014/main" id="{EDAFCB4B-8A68-7EF5-7E0F-4C431CAF8488}"/>
+                <a16:creationId xmlns:a16="http://schemas.microsoft.com/office/drawing/2014/main" id="{0195A3EC-1084-769B-38BC-0210DCD22F6E}"/>
               </a:ext>
             </a:extLst>
           </p:cNvPr>
@@ -6860,29 +6987,24 @@
             <p:ph type="title"/>
           </p:nvPr>
         </p:nvSpPr>
-        <p:spPr>
-          <a:xfrm>
-            <a:off x="838200" y="365125"/>
-            <a:ext cx="10150098" cy="1325563"/>
-          </a:xfrm>
-        </p:spPr>
+        <p:spPr/>
         <p:txBody>
           <a:bodyPr/>
           <a:lstStyle/>
           <a:p>
             <a:r>
               <a:rPr lang="en-US" dirty="0"/>
-              <a:t>Mexican and Dominican migrants are the least likely to acculturate </a:t>
+              <a:t>Native country residents are less likely to live alone</a:t>
             </a:r>
           </a:p>
         </p:txBody>
       </p:sp>
       <p:pic>
         <p:nvPicPr>
-          <p:cNvPr id="5" name="Picture 4">
-            <a:extLst>
-              <a:ext uri="{FF2B5EF4-FFF2-40B4-BE49-F238E27FC236}">
-                <a16:creationId xmlns:a16="http://schemas.microsoft.com/office/drawing/2014/main" id="{EB6E1121-E85C-A585-D8D6-5DB5F8DC1351}"/>
+          <p:cNvPr id="3" name="Picture 2">
+            <a:extLst>
+              <a:ext uri="{FF2B5EF4-FFF2-40B4-BE49-F238E27FC236}">
+                <a16:creationId xmlns:a16="http://schemas.microsoft.com/office/drawing/2014/main" id="{B9D359F8-455F-2941-DB59-3E46805D988E}"/>
               </a:ext>
             </a:extLst>
           </p:cNvPr>
@@ -6898,8 +7020,652 @@
         </p:blipFill>
         <p:spPr>
           <a:xfrm>
-            <a:off x="0" y="1941385"/>
-            <a:ext cx="6096000" cy="4064000"/>
+            <a:off x="1015186" y="1788224"/>
+            <a:ext cx="10161628" cy="5080814"/>
+          </a:xfrm>
+          <a:prstGeom prst="rect">
+            <a:avLst/>
+          </a:prstGeom>
+        </p:spPr>
+      </p:pic>
+      <p:sp>
+        <p:nvSpPr>
+          <p:cNvPr id="4" name="TextBox 3">
+            <a:extLst>
+              <a:ext uri="{FF2B5EF4-FFF2-40B4-BE49-F238E27FC236}">
+                <a16:creationId xmlns:a16="http://schemas.microsoft.com/office/drawing/2014/main" id="{DCF17342-4CCC-1BC7-C682-CBE8569B1930}"/>
+              </a:ext>
+            </a:extLst>
+          </p:cNvPr>
+          <p:cNvSpPr txBox="1"/>
+          <p:nvPr/>
+        </p:nvSpPr>
+        <p:spPr>
+          <a:xfrm>
+            <a:off x="5108448" y="1554790"/>
+            <a:ext cx="2572512" cy="369332"/>
+          </a:xfrm>
+          <a:prstGeom prst="rect">
+            <a:avLst/>
+          </a:prstGeom>
+          <a:noFill/>
+        </p:spPr>
+        <p:txBody>
+          <a:bodyPr wrap="square" rtlCol="0">
+            <a:spAutoFit/>
+          </a:bodyPr>
+          <a:lstStyle/>
+          <a:p>
+            <a:r>
+              <a:rPr lang="en-US" dirty="0"/>
+              <a:t>Proportion Living Alone</a:t>
+            </a:r>
+          </a:p>
+        </p:txBody>
+      </p:sp>
+    </p:spTree>
+    <p:extLst>
+      <p:ext uri="{BB962C8B-B14F-4D97-AF65-F5344CB8AC3E}">
+        <p14:creationId xmlns:p14="http://schemas.microsoft.com/office/powerpoint/2010/main" val="559553609"/>
+      </p:ext>
+    </p:extLst>
+  </p:cSld>
+  <p:clrMapOvr>
+    <a:masterClrMapping/>
+  </p:clrMapOvr>
+</p:sld>
+</file>
+
+<file path=ppt/slides/slide15.xml><?xml version="1.0" encoding="utf-8"?>
+<p:sld xmlns:a="http://schemas.openxmlformats.org/drawingml/2006/main" xmlns:r="http://schemas.openxmlformats.org/officeDocument/2006/relationships" xmlns:p="http://schemas.openxmlformats.org/presentationml/2006/main">
+  <p:cSld>
+    <p:spTree>
+      <p:nvGrpSpPr>
+        <p:cNvPr id="1" name="">
+          <a:extLst>
+            <a:ext uri="{FF2B5EF4-FFF2-40B4-BE49-F238E27FC236}">
+              <a16:creationId xmlns:a16="http://schemas.microsoft.com/office/drawing/2014/main" id="{F0F75750-7BC1-DC9E-0D1B-C64EFF11413F}"/>
+            </a:ext>
+          </a:extLst>
+        </p:cNvPr>
+        <p:cNvGrpSpPr/>
+        <p:nvPr/>
+      </p:nvGrpSpPr>
+      <p:grpSpPr>
+        <a:xfrm>
+          <a:off x="0" y="0"/>
+          <a:ext cx="0" cy="0"/>
+          <a:chOff x="0" y="0"/>
+          <a:chExt cx="0" cy="0"/>
+        </a:xfrm>
+      </p:grpSpPr>
+      <p:sp>
+        <p:nvSpPr>
+          <p:cNvPr id="2" name="Title 1">
+            <a:extLst>
+              <a:ext uri="{FF2B5EF4-FFF2-40B4-BE49-F238E27FC236}">
+                <a16:creationId xmlns:a16="http://schemas.microsoft.com/office/drawing/2014/main" id="{E74B2CEB-DA02-82A0-0078-96AEC9AD6536}"/>
+              </a:ext>
+            </a:extLst>
+          </p:cNvPr>
+          <p:cNvSpPr>
+            <a:spLocks noGrp="1"/>
+          </p:cNvSpPr>
+          <p:nvPr>
+            <p:ph type="title"/>
+          </p:nvPr>
+        </p:nvSpPr>
+        <p:spPr/>
+        <p:txBody>
+          <a:bodyPr/>
+          <a:lstStyle/>
+          <a:p>
+            <a:r>
+              <a:rPr lang="en-US" dirty="0"/>
+              <a:t>Native country residents are more likely to be married</a:t>
+            </a:r>
+          </a:p>
+        </p:txBody>
+      </p:sp>
+      <p:pic>
+        <p:nvPicPr>
+          <p:cNvPr id="4" name="Picture 3" descr="A black screen with colorful arrows and dots&#10;&#10;AI-generated content may be incorrect.">
+            <a:extLst>
+              <a:ext uri="{FF2B5EF4-FFF2-40B4-BE49-F238E27FC236}">
+                <a16:creationId xmlns:a16="http://schemas.microsoft.com/office/drawing/2014/main" id="{C68B82E7-3F68-751A-9B8B-1B6DACCC4454}"/>
+              </a:ext>
+            </a:extLst>
+          </p:cNvPr>
+          <p:cNvPicPr>
+            <a:picLocks noChangeAspect="1"/>
+          </p:cNvPicPr>
+          <p:nvPr/>
+        </p:nvPicPr>
+        <p:blipFill>
+          <a:blip r:embed="rId3"/>
+          <a:stretch>
+            <a:fillRect/>
+          </a:stretch>
+        </p:blipFill>
+        <p:spPr>
+          <a:xfrm>
+            <a:off x="1015186" y="1784935"/>
+            <a:ext cx="10161628" cy="5080814"/>
+          </a:xfrm>
+          <a:prstGeom prst="rect">
+            <a:avLst/>
+          </a:prstGeom>
+        </p:spPr>
+      </p:pic>
+      <p:sp>
+        <p:nvSpPr>
+          <p:cNvPr id="6" name="TextBox 5">
+            <a:extLst>
+              <a:ext uri="{FF2B5EF4-FFF2-40B4-BE49-F238E27FC236}">
+                <a16:creationId xmlns:a16="http://schemas.microsoft.com/office/drawing/2014/main" id="{51E97FB0-B51A-ADFE-D70A-7DEEB40CB6CA}"/>
+              </a:ext>
+            </a:extLst>
+          </p:cNvPr>
+          <p:cNvSpPr txBox="1"/>
+          <p:nvPr/>
+        </p:nvSpPr>
+        <p:spPr>
+          <a:xfrm>
+            <a:off x="5413248" y="1506022"/>
+            <a:ext cx="2182368" cy="369332"/>
+          </a:xfrm>
+          <a:prstGeom prst="rect">
+            <a:avLst/>
+          </a:prstGeom>
+          <a:noFill/>
+        </p:spPr>
+        <p:txBody>
+          <a:bodyPr wrap="square" rtlCol="0">
+            <a:spAutoFit/>
+          </a:bodyPr>
+          <a:lstStyle/>
+          <a:p>
+            <a:r>
+              <a:rPr lang="en-US" dirty="0"/>
+              <a:t>Proportion Married</a:t>
+            </a:r>
+          </a:p>
+        </p:txBody>
+      </p:sp>
+    </p:spTree>
+    <p:extLst>
+      <p:ext uri="{BB962C8B-B14F-4D97-AF65-F5344CB8AC3E}">
+        <p14:creationId xmlns:p14="http://schemas.microsoft.com/office/powerpoint/2010/main" val="3894427938"/>
+      </p:ext>
+    </p:extLst>
+  </p:cSld>
+  <p:clrMapOvr>
+    <a:masterClrMapping/>
+  </p:clrMapOvr>
+</p:sld>
+</file>
+
+<file path=ppt/slides/slide16.xml><?xml version="1.0" encoding="utf-8"?>
+<p:sld xmlns:a="http://schemas.openxmlformats.org/drawingml/2006/main" xmlns:r="http://schemas.openxmlformats.org/officeDocument/2006/relationships" xmlns:p="http://schemas.openxmlformats.org/presentationml/2006/main">
+  <p:cSld>
+    <p:spTree>
+      <p:nvGrpSpPr>
+        <p:cNvPr id="1" name=""/>
+        <p:cNvGrpSpPr/>
+        <p:nvPr/>
+      </p:nvGrpSpPr>
+      <p:grpSpPr>
+        <a:xfrm>
+          <a:off x="0" y="0"/>
+          <a:ext cx="0" cy="0"/>
+          <a:chOff x="0" y="0"/>
+          <a:chExt cx="0" cy="0"/>
+        </a:xfrm>
+      </p:grpSpPr>
+      <p:sp>
+        <p:nvSpPr>
+          <p:cNvPr id="2" name="Title 1">
+            <a:extLst>
+              <a:ext uri="{FF2B5EF4-FFF2-40B4-BE49-F238E27FC236}">
+                <a16:creationId xmlns:a16="http://schemas.microsoft.com/office/drawing/2014/main" id="{2E700E63-B081-2016-3D25-C73C1CF5E971}"/>
+              </a:ext>
+            </a:extLst>
+          </p:cNvPr>
+          <p:cNvSpPr>
+            <a:spLocks noGrp="1"/>
+          </p:cNvSpPr>
+          <p:nvPr>
+            <p:ph type="title"/>
+          </p:nvPr>
+        </p:nvSpPr>
+        <p:spPr/>
+        <p:txBody>
+          <a:bodyPr/>
+          <a:lstStyle/>
+          <a:p>
+            <a:r>
+              <a:rPr lang="en-US" dirty="0"/>
+              <a:t>Discussion</a:t>
+            </a:r>
+          </a:p>
+        </p:txBody>
+      </p:sp>
+      <p:sp>
+        <p:nvSpPr>
+          <p:cNvPr id="3" name="Content Placeholder 2">
+            <a:extLst>
+              <a:ext uri="{FF2B5EF4-FFF2-40B4-BE49-F238E27FC236}">
+                <a16:creationId xmlns:a16="http://schemas.microsoft.com/office/drawing/2014/main" id="{32B5C5B2-670C-EBE9-2315-3D178C996534}"/>
+              </a:ext>
+            </a:extLst>
+          </p:cNvPr>
+          <p:cNvSpPr>
+            <a:spLocks noGrp="1"/>
+          </p:cNvSpPr>
+          <p:nvPr>
+            <p:ph idx="1"/>
+          </p:nvPr>
+        </p:nvSpPr>
+        <p:spPr>
+          <a:xfrm>
+            <a:off x="838200" y="1825625"/>
+            <a:ext cx="10515600" cy="4784402"/>
+          </a:xfrm>
+        </p:spPr>
+        <p:txBody>
+          <a:bodyPr>
+            <a:normAutofit/>
+          </a:bodyPr>
+          <a:lstStyle/>
+          <a:p>
+            <a:r>
+              <a:rPr lang="en-US" dirty="0"/>
+              <a:t>We have unique comparison of migrants to people in their home countries using nationally representative data</a:t>
+            </a:r>
+            <a:br>
+              <a:rPr lang="en-US" dirty="0"/>
+            </a:br>
+            <a:endParaRPr lang="en-US" dirty="0"/>
+          </a:p>
+          <a:p>
+            <a:r>
+              <a:rPr lang="en-US" dirty="0"/>
+              <a:t>Mexican migrants are the least likely to acculturate and the least likely to live alone</a:t>
+            </a:r>
+          </a:p>
+          <a:p>
+            <a:r>
+              <a:rPr lang="en-US" dirty="0"/>
+              <a:t>Dominican and Cuban education selectivity is the strongest</a:t>
+            </a:r>
+          </a:p>
+          <a:p>
+            <a:r>
+              <a:rPr lang="en-US" dirty="0"/>
+              <a:t>Education profiles are rapidly changing</a:t>
+            </a:r>
+            <a:br>
+              <a:rPr lang="en-US" dirty="0"/>
+            </a:br>
+            <a:endParaRPr lang="en-US" dirty="0"/>
+          </a:p>
+        </p:txBody>
+      </p:sp>
+    </p:spTree>
+    <p:extLst>
+      <p:ext uri="{BB962C8B-B14F-4D97-AF65-F5344CB8AC3E}">
+        <p14:creationId xmlns:p14="http://schemas.microsoft.com/office/powerpoint/2010/main" val="1051148825"/>
+      </p:ext>
+    </p:extLst>
+  </p:cSld>
+  <p:clrMapOvr>
+    <a:masterClrMapping/>
+  </p:clrMapOvr>
+</p:sld>
+</file>
+
+<file path=ppt/slides/slide17.xml><?xml version="1.0" encoding="utf-8"?>
+<p:sld xmlns:a="http://schemas.openxmlformats.org/drawingml/2006/main" xmlns:r="http://schemas.openxmlformats.org/officeDocument/2006/relationships" xmlns:p="http://schemas.openxmlformats.org/presentationml/2006/main">
+  <p:cSld>
+    <p:spTree>
+      <p:nvGrpSpPr>
+        <p:cNvPr id="1" name=""/>
+        <p:cNvGrpSpPr/>
+        <p:nvPr/>
+      </p:nvGrpSpPr>
+      <p:grpSpPr>
+        <a:xfrm>
+          <a:off x="0" y="0"/>
+          <a:ext cx="0" cy="0"/>
+          <a:chOff x="0" y="0"/>
+          <a:chExt cx="0" cy="0"/>
+        </a:xfrm>
+      </p:grpSpPr>
+      <p:sp>
+        <p:nvSpPr>
+          <p:cNvPr id="2" name="Title 1">
+            <a:extLst>
+              <a:ext uri="{FF2B5EF4-FFF2-40B4-BE49-F238E27FC236}">
+                <a16:creationId xmlns:a16="http://schemas.microsoft.com/office/drawing/2014/main" id="{D5482EED-8987-2339-D0D0-5A975F3A5D42}"/>
+              </a:ext>
+            </a:extLst>
+          </p:cNvPr>
+          <p:cNvSpPr>
+            <a:spLocks noGrp="1"/>
+          </p:cNvSpPr>
+          <p:nvPr>
+            <p:ph type="title"/>
+          </p:nvPr>
+        </p:nvSpPr>
+        <p:spPr/>
+        <p:txBody>
+          <a:bodyPr/>
+          <a:lstStyle/>
+          <a:p>
+            <a:r>
+              <a:rPr lang="en-US" dirty="0"/>
+              <a:t>Strong cohort increases in migrant education, even from 2010 to 2020</a:t>
+            </a:r>
+          </a:p>
+        </p:txBody>
+      </p:sp>
+      <p:pic>
+        <p:nvPicPr>
+          <p:cNvPr id="7" name="Picture 6" descr="A screenshot of a video game&#10;&#10;AI-generated content may be incorrect.">
+            <a:extLst>
+              <a:ext uri="{FF2B5EF4-FFF2-40B4-BE49-F238E27FC236}">
+                <a16:creationId xmlns:a16="http://schemas.microsoft.com/office/drawing/2014/main" id="{665FDF90-A564-0209-DBE1-3A56FFF7CBB7}"/>
+              </a:ext>
+            </a:extLst>
+          </p:cNvPr>
+          <p:cNvPicPr>
+            <a:picLocks noChangeAspect="1"/>
+          </p:cNvPicPr>
+          <p:nvPr/>
+        </p:nvPicPr>
+        <p:blipFill>
+          <a:blip r:embed="rId3"/>
+          <a:stretch>
+            <a:fillRect/>
+          </a:stretch>
+        </p:blipFill>
+        <p:spPr>
+          <a:xfrm>
+            <a:off x="957504" y="1719504"/>
+            <a:ext cx="10276991" cy="5138496"/>
+          </a:xfrm>
+          <a:prstGeom prst="rect">
+            <a:avLst/>
+          </a:prstGeom>
+        </p:spPr>
+      </p:pic>
+    </p:spTree>
+    <p:extLst>
+      <p:ext uri="{BB962C8B-B14F-4D97-AF65-F5344CB8AC3E}">
+        <p14:creationId xmlns:p14="http://schemas.microsoft.com/office/powerpoint/2010/main" val="2286707971"/>
+      </p:ext>
+    </p:extLst>
+  </p:cSld>
+  <p:clrMapOvr>
+    <a:masterClrMapping/>
+  </p:clrMapOvr>
+</p:sld>
+</file>
+
+<file path=ppt/slides/slide18.xml><?xml version="1.0" encoding="utf-8"?>
+<p:sld xmlns:a="http://schemas.openxmlformats.org/drawingml/2006/main" xmlns:r="http://schemas.openxmlformats.org/officeDocument/2006/relationships" xmlns:p="http://schemas.openxmlformats.org/presentationml/2006/main">
+  <p:cSld>
+    <p:spTree>
+      <p:nvGrpSpPr>
+        <p:cNvPr id="1" name=""/>
+        <p:cNvGrpSpPr/>
+        <p:nvPr/>
+      </p:nvGrpSpPr>
+      <p:grpSpPr>
+        <a:xfrm>
+          <a:off x="0" y="0"/>
+          <a:ext cx="0" cy="0"/>
+          <a:chOff x="0" y="0"/>
+          <a:chExt cx="0" cy="0"/>
+        </a:xfrm>
+      </p:grpSpPr>
+      <p:sp>
+        <p:nvSpPr>
+          <p:cNvPr id="2" name="Title 1">
+            <a:extLst>
+              <a:ext uri="{FF2B5EF4-FFF2-40B4-BE49-F238E27FC236}">
+                <a16:creationId xmlns:a16="http://schemas.microsoft.com/office/drawing/2014/main" id="{698EBADB-2573-F099-CEAE-5F8C0D18A47F}"/>
+              </a:ext>
+            </a:extLst>
+          </p:cNvPr>
+          <p:cNvSpPr>
+            <a:spLocks noGrp="1"/>
+          </p:cNvSpPr>
+          <p:nvPr>
+            <p:ph type="title"/>
+          </p:nvPr>
+        </p:nvSpPr>
+        <p:spPr/>
+        <p:txBody>
+          <a:bodyPr/>
+          <a:lstStyle/>
+          <a:p>
+            <a:r>
+              <a:rPr lang="en-US" dirty="0"/>
+              <a:t>Limitations</a:t>
+            </a:r>
+          </a:p>
+        </p:txBody>
+      </p:sp>
+      <p:sp>
+        <p:nvSpPr>
+          <p:cNvPr id="3" name="Content Placeholder 2">
+            <a:extLst>
+              <a:ext uri="{FF2B5EF4-FFF2-40B4-BE49-F238E27FC236}">
+                <a16:creationId xmlns:a16="http://schemas.microsoft.com/office/drawing/2014/main" id="{1F0242AD-66E8-CDB3-9D29-CEFF36C7B5B4}"/>
+              </a:ext>
+            </a:extLst>
+          </p:cNvPr>
+          <p:cNvSpPr>
+            <a:spLocks noGrp="1"/>
+          </p:cNvSpPr>
+          <p:nvPr>
+            <p:ph idx="1"/>
+          </p:nvPr>
+        </p:nvSpPr>
+        <p:spPr/>
+        <p:txBody>
+          <a:bodyPr/>
+          <a:lstStyle/>
+          <a:p>
+            <a:r>
+              <a:rPr lang="en-US" dirty="0"/>
+              <a:t>Limitations</a:t>
+            </a:r>
+          </a:p>
+          <a:p>
+            <a:pPr lvl="1"/>
+            <a:r>
+              <a:rPr lang="en-US" dirty="0"/>
+              <a:t>Return migration</a:t>
+            </a:r>
+          </a:p>
+          <a:p>
+            <a:pPr lvl="1"/>
+            <a:r>
+              <a:rPr lang="en-US" dirty="0"/>
+              <a:t>Health behaviors throughout the life course</a:t>
+            </a:r>
+            <a:br>
+              <a:rPr lang="en-US" dirty="0"/>
+            </a:br>
+            <a:r>
+              <a:rPr lang="en-US" dirty="0"/>
+              <a:t> </a:t>
+            </a:r>
+          </a:p>
+          <a:p>
+            <a:r>
+              <a:rPr lang="en-US" dirty="0"/>
+              <a:t>We need nationally representative data that can be compared to the US population</a:t>
+            </a:r>
+          </a:p>
+          <a:p>
+            <a:endParaRPr lang="en-US" dirty="0"/>
+          </a:p>
+        </p:txBody>
+      </p:sp>
+    </p:spTree>
+    <p:extLst>
+      <p:ext uri="{BB962C8B-B14F-4D97-AF65-F5344CB8AC3E}">
+        <p14:creationId xmlns:p14="http://schemas.microsoft.com/office/powerpoint/2010/main" val="2508560109"/>
+      </p:ext>
+    </p:extLst>
+  </p:cSld>
+  <p:clrMapOvr>
+    <a:masterClrMapping/>
+  </p:clrMapOvr>
+</p:sld>
+</file>
+
+<file path=ppt/slides/slide19.xml><?xml version="1.0" encoding="utf-8"?>
+<p:sld xmlns:a="http://schemas.openxmlformats.org/drawingml/2006/main" xmlns:r="http://schemas.openxmlformats.org/officeDocument/2006/relationships" xmlns:p="http://schemas.openxmlformats.org/presentationml/2006/main">
+  <p:cSld>
+    <p:spTree>
+      <p:nvGrpSpPr>
+        <p:cNvPr id="1" name=""/>
+        <p:cNvGrpSpPr/>
+        <p:nvPr/>
+      </p:nvGrpSpPr>
+      <p:grpSpPr>
+        <a:xfrm>
+          <a:off x="0" y="0"/>
+          <a:ext cx="0" cy="0"/>
+          <a:chOff x="0" y="0"/>
+          <a:chExt cx="0" cy="0"/>
+        </a:xfrm>
+      </p:grpSpPr>
+      <p:sp>
+        <p:nvSpPr>
+          <p:cNvPr id="3" name="Content Placeholder 2">
+            <a:extLst>
+              <a:ext uri="{FF2B5EF4-FFF2-40B4-BE49-F238E27FC236}">
+                <a16:creationId xmlns:a16="http://schemas.microsoft.com/office/drawing/2014/main" id="{E351139E-DAC4-45BC-ACC3-6C7BB3D30C08}"/>
+              </a:ext>
+            </a:extLst>
+          </p:cNvPr>
+          <p:cNvSpPr>
+            <a:spLocks noGrp="1"/>
+          </p:cNvSpPr>
+          <p:nvPr>
+            <p:ph idx="1"/>
+          </p:nvPr>
+        </p:nvSpPr>
+        <p:spPr>
+          <a:xfrm>
+            <a:off x="1024824" y="1528338"/>
+            <a:ext cx="7886700" cy="5502827"/>
+          </a:xfrm>
+        </p:spPr>
+        <p:txBody>
+          <a:bodyPr>
+            <a:normAutofit/>
+          </a:bodyPr>
+          <a:lstStyle/>
+          <a:p>
+            <a:r>
+              <a:rPr lang="en-US" dirty="0"/>
+              <a:t>Compare with U.S. Caribbean immigrant population</a:t>
+            </a:r>
+          </a:p>
+          <a:p>
+            <a:r>
+              <a:rPr lang="en-US" dirty="0"/>
+              <a:t>New </a:t>
+            </a:r>
+            <a:r>
+              <a:rPr lang="en-US" b="1" dirty="0"/>
+              <a:t>nationally representative </a:t>
+            </a:r>
+            <a:r>
+              <a:rPr lang="en-US" dirty="0"/>
+              <a:t>samples of N=1500 adults ages 65+</a:t>
+            </a:r>
+          </a:p>
+          <a:p>
+            <a:r>
+              <a:rPr lang="en-US" dirty="0"/>
+              <a:t>Detailed cutting-edge surveys cross-harmonized with:</a:t>
+            </a:r>
+          </a:p>
+          <a:p>
+            <a:pPr lvl="1"/>
+            <a:r>
+              <a:rPr lang="en-US" dirty="0"/>
+              <a:t>10/66 </a:t>
+            </a:r>
+          </a:p>
+          <a:p>
+            <a:pPr lvl="1"/>
+            <a:r>
+              <a:rPr lang="en-US" dirty="0"/>
+              <a:t>newer Harmonized Cognitive Assessment Protocol (HCAP) in U.S. Health and Retirement Study (HRS) and sister studies in Mexico, Chile, China, India, South Africa, Europe, etc.</a:t>
+            </a:r>
+          </a:p>
+        </p:txBody>
+      </p:sp>
+      <p:sp>
+        <p:nvSpPr>
+          <p:cNvPr id="5" name="Title 4">
+            <a:extLst>
+              <a:ext uri="{FF2B5EF4-FFF2-40B4-BE49-F238E27FC236}">
+                <a16:creationId xmlns:a16="http://schemas.microsoft.com/office/drawing/2014/main" id="{6103106A-4A1D-913B-4BFD-42C63DE40250}"/>
+              </a:ext>
+            </a:extLst>
+          </p:cNvPr>
+          <p:cNvSpPr>
+            <a:spLocks noGrp="1"/>
+          </p:cNvSpPr>
+          <p:nvPr>
+            <p:ph type="title"/>
+          </p:nvPr>
+        </p:nvSpPr>
+        <p:spPr/>
+        <p:txBody>
+          <a:bodyPr/>
+          <a:lstStyle/>
+          <a:p>
+            <a:r>
+              <a:rPr lang="en-US" dirty="0"/>
+              <a:t>Future Direction</a:t>
+            </a:r>
+          </a:p>
+        </p:txBody>
+      </p:sp>
+      <p:pic>
+        <p:nvPicPr>
+          <p:cNvPr id="7" name="Picture 6" descr="A blue and white logo&#10;&#10;AI-generated content may be incorrect.">
+            <a:extLst>
+              <a:ext uri="{FF2B5EF4-FFF2-40B4-BE49-F238E27FC236}">
+                <a16:creationId xmlns:a16="http://schemas.microsoft.com/office/drawing/2014/main" id="{67145CE1-6992-8E83-8C5A-E552309063B1}"/>
+              </a:ext>
+            </a:extLst>
+          </p:cNvPr>
+          <p:cNvPicPr>
+            <a:picLocks noChangeAspect="1"/>
+          </p:cNvPicPr>
+          <p:nvPr/>
+        </p:nvPicPr>
+        <p:blipFill>
+          <a:blip r:embed="rId3"/>
+          <a:stretch>
+            <a:fillRect/>
+          </a:stretch>
+        </p:blipFill>
+        <p:spPr>
+          <a:xfrm>
+            <a:off x="8911524" y="365125"/>
+            <a:ext cx="2964481" cy="983410"/>
           </a:xfrm>
           <a:prstGeom prst="rect">
             <a:avLst/>
@@ -6908,109 +7674,399 @@
       </p:pic>
       <p:pic>
         <p:nvPicPr>
-          <p:cNvPr id="7" name="Picture 6">
-            <a:extLst>
-              <a:ext uri="{FF2B5EF4-FFF2-40B4-BE49-F238E27FC236}">
-                <a16:creationId xmlns:a16="http://schemas.microsoft.com/office/drawing/2014/main" id="{653F9FE6-BD59-4EC1-FB0B-A1C3F8C7FB7B}"/>
+          <p:cNvPr id="4098" name="Picture 2">
+            <a:extLst>
+              <a:ext uri="{FF2B5EF4-FFF2-40B4-BE49-F238E27FC236}">
+                <a16:creationId xmlns:a16="http://schemas.microsoft.com/office/drawing/2014/main" id="{3D281A34-C1CE-C077-2E95-2B6276097F88}"/>
               </a:ext>
             </a:extLst>
           </p:cNvPr>
           <p:cNvPicPr>
-            <a:picLocks noChangeAspect="1"/>
+            <a:picLocks noChangeAspect="1" noChangeArrowheads="1"/>
           </p:cNvPicPr>
           <p:nvPr/>
         </p:nvPicPr>
         <p:blipFill>
-          <a:blip r:embed="rId4"/>
+          <a:blip r:embed="rId4">
+            <a:extLst>
+              <a:ext uri="{28A0092B-C50C-407E-A947-70E740481C1C}">
+                <a14:useLocalDpi xmlns:a14="http://schemas.microsoft.com/office/drawing/2010/main" val="0"/>
+              </a:ext>
+            </a:extLst>
+          </a:blip>
           <a:srcRect/>
-          <a:stretch/>
+          <a:stretch>
+            <a:fillRect/>
+          </a:stretch>
         </p:blipFill>
-        <p:spPr>
+        <p:spPr bwMode="auto">
           <a:xfrm>
-            <a:off x="6009275" y="1941386"/>
-            <a:ext cx="6095997" cy="4063998"/>
-          </a:xfrm>
-          <a:prstGeom prst="rect">
-            <a:avLst/>
-          </a:prstGeom>
-        </p:spPr>
-      </p:pic>
-      <p:sp>
-        <p:nvSpPr>
-          <p:cNvPr id="3" name="TextBox 2">
-            <a:extLst>
-              <a:ext uri="{FF2B5EF4-FFF2-40B4-BE49-F238E27FC236}">
-                <a16:creationId xmlns:a16="http://schemas.microsoft.com/office/drawing/2014/main" id="{48F72186-7AC9-2145-0A35-E038C814B241}"/>
-              </a:ext>
-            </a:extLst>
-          </p:cNvPr>
-          <p:cNvSpPr txBox="1"/>
-          <p:nvPr/>
-        </p:nvSpPr>
-        <p:spPr>
-          <a:xfrm>
-            <a:off x="1792224" y="1631371"/>
-            <a:ext cx="3816096" cy="369332"/>
+            <a:off x="8965768" y="1528338"/>
+            <a:ext cx="2845274" cy="1900662"/>
           </a:xfrm>
           <a:prstGeom prst="rect">
             <a:avLst/>
           </a:prstGeom>
           <a:noFill/>
+          <a:extLst>
+            <a:ext uri="{909E8E84-426E-40DD-AFC4-6F175D3DCCD1}">
+              <a14:hiddenFill xmlns:a14="http://schemas.microsoft.com/office/drawing/2010/main">
+                <a:solidFill>
+                  <a:srgbClr val="FFFFFF"/>
+                </a:solidFill>
+              </a14:hiddenFill>
+            </a:ext>
+          </a:extLst>
         </p:spPr>
-        <p:txBody>
-          <a:bodyPr wrap="square" rtlCol="0">
-            <a:spAutoFit/>
-          </a:bodyPr>
-          <a:lstStyle/>
-          <a:p>
-            <a:r>
-              <a:rPr lang="en-US" dirty="0"/>
-              <a:t>Proportion English Speakers</a:t>
-            </a:r>
-          </a:p>
-        </p:txBody>
-      </p:sp>
-      <p:sp>
-        <p:nvSpPr>
-          <p:cNvPr id="4" name="TextBox 3">
-            <a:extLst>
-              <a:ext uri="{FF2B5EF4-FFF2-40B4-BE49-F238E27FC236}">
-                <a16:creationId xmlns:a16="http://schemas.microsoft.com/office/drawing/2014/main" id="{9266F502-D694-ECA0-115E-8C5373A7CC2A}"/>
-              </a:ext>
-            </a:extLst>
-          </p:cNvPr>
-          <p:cNvSpPr txBox="1"/>
-          <p:nvPr/>
-        </p:nvSpPr>
-        <p:spPr>
-          <a:xfrm>
-            <a:off x="7610856" y="1594080"/>
-            <a:ext cx="3816096" cy="369332"/>
-          </a:xfrm>
-          <a:prstGeom prst="rect">
-            <a:avLst/>
-          </a:prstGeom>
-          <a:noFill/>
-        </p:spPr>
-        <p:txBody>
-          <a:bodyPr wrap="square" rtlCol="0">
-            <a:spAutoFit/>
-          </a:bodyPr>
-          <a:lstStyle/>
-          <a:p>
-            <a:r>
-              <a:rPr lang="en-US" dirty="0"/>
-              <a:t>Proportion Naturalized Citizen</a:t>
-            </a:r>
+      </p:pic>
+    </p:spTree>
+    <p:extLst>
+      <p:ext uri="{BB962C8B-B14F-4D97-AF65-F5344CB8AC3E}">
+        <p14:creationId xmlns:p14="http://schemas.microsoft.com/office/powerpoint/2010/main" val="2446871756"/>
+      </p:ext>
+    </p:extLst>
+  </p:cSld>
+  <p:clrMapOvr>
+    <a:masterClrMapping/>
+  </p:clrMapOvr>
+  <p:timing>
+    <p:tnLst>
+      <p:par>
+        <p:cTn id="1" dur="indefinite" restart="never" nodeType="tmRoot">
+          <p:childTnLst>
+            <p:seq concurrent="1" nextAc="seek">
+              <p:cTn id="2" dur="indefinite" nodeType="mainSeq">
+                <p:childTnLst>
+                  <p:par>
+                    <p:cTn id="3" fill="hold">
+                      <p:stCondLst>
+                        <p:cond delay="indefinite"/>
+                      </p:stCondLst>
+                      <p:childTnLst>
+                        <p:par>
+                          <p:cTn id="4" fill="hold">
+                            <p:stCondLst>
+                              <p:cond delay="0"/>
+                            </p:stCondLst>
+                            <p:childTnLst>
+                              <p:par>
+                                <p:cTn id="5" presetID="1" presetClass="entr" presetSubtype="0" fill="hold" nodeType="clickEffect">
+                                  <p:stCondLst>
+                                    <p:cond delay="0"/>
+                                  </p:stCondLst>
+                                  <p:childTnLst>
+                                    <p:set>
+                                      <p:cBhvr>
+                                        <p:cTn id="6" dur="1" fill="hold">
+                                          <p:stCondLst>
+                                            <p:cond delay="0"/>
+                                          </p:stCondLst>
+                                        </p:cTn>
+                                        <p:tgtEl>
+                                          <p:spTgt spid="3">
+                                            <p:txEl>
+                                              <p:pRg st="0" end="0"/>
+                                            </p:txEl>
+                                          </p:spTgt>
+                                        </p:tgtEl>
+                                        <p:attrNameLst>
+                                          <p:attrName>style.visibility</p:attrName>
+                                        </p:attrNameLst>
+                                      </p:cBhvr>
+                                      <p:to>
+                                        <p:strVal val="visible"/>
+                                      </p:to>
+                                    </p:set>
+                                  </p:childTnLst>
+                                </p:cTn>
+                              </p:par>
+                            </p:childTnLst>
+                          </p:cTn>
+                        </p:par>
+                      </p:childTnLst>
+                    </p:cTn>
+                  </p:par>
+                  <p:par>
+                    <p:cTn id="7" fill="hold">
+                      <p:stCondLst>
+                        <p:cond delay="indefinite"/>
+                      </p:stCondLst>
+                      <p:childTnLst>
+                        <p:par>
+                          <p:cTn id="8" fill="hold">
+                            <p:stCondLst>
+                              <p:cond delay="0"/>
+                            </p:stCondLst>
+                            <p:childTnLst>
+                              <p:par>
+                                <p:cTn id="9" presetID="1" presetClass="entr" presetSubtype="0" fill="hold" nodeType="clickEffect">
+                                  <p:stCondLst>
+                                    <p:cond delay="0"/>
+                                  </p:stCondLst>
+                                  <p:childTnLst>
+                                    <p:set>
+                                      <p:cBhvr>
+                                        <p:cTn id="10" dur="1" fill="hold">
+                                          <p:stCondLst>
+                                            <p:cond delay="0"/>
+                                          </p:stCondLst>
+                                        </p:cTn>
+                                        <p:tgtEl>
+                                          <p:spTgt spid="3">
+                                            <p:txEl>
+                                              <p:pRg st="1" end="1"/>
+                                            </p:txEl>
+                                          </p:spTgt>
+                                        </p:tgtEl>
+                                        <p:attrNameLst>
+                                          <p:attrName>style.visibility</p:attrName>
+                                        </p:attrNameLst>
+                                      </p:cBhvr>
+                                      <p:to>
+                                        <p:strVal val="visible"/>
+                                      </p:to>
+                                    </p:set>
+                                  </p:childTnLst>
+                                </p:cTn>
+                              </p:par>
+                            </p:childTnLst>
+                          </p:cTn>
+                        </p:par>
+                      </p:childTnLst>
+                    </p:cTn>
+                  </p:par>
+                  <p:par>
+                    <p:cTn id="11" fill="hold">
+                      <p:stCondLst>
+                        <p:cond delay="indefinite"/>
+                      </p:stCondLst>
+                      <p:childTnLst>
+                        <p:par>
+                          <p:cTn id="12" fill="hold">
+                            <p:stCondLst>
+                              <p:cond delay="0"/>
+                            </p:stCondLst>
+                            <p:childTnLst>
+                              <p:par>
+                                <p:cTn id="13" presetID="1" presetClass="entr" presetSubtype="0" fill="hold" nodeType="clickEffect">
+                                  <p:stCondLst>
+                                    <p:cond delay="0"/>
+                                  </p:stCondLst>
+                                  <p:childTnLst>
+                                    <p:set>
+                                      <p:cBhvr>
+                                        <p:cTn id="14" dur="1" fill="hold">
+                                          <p:stCondLst>
+                                            <p:cond delay="0"/>
+                                          </p:stCondLst>
+                                        </p:cTn>
+                                        <p:tgtEl>
+                                          <p:spTgt spid="3">
+                                            <p:txEl>
+                                              <p:pRg st="2" end="2"/>
+                                            </p:txEl>
+                                          </p:spTgt>
+                                        </p:tgtEl>
+                                        <p:attrNameLst>
+                                          <p:attrName>style.visibility</p:attrName>
+                                        </p:attrNameLst>
+                                      </p:cBhvr>
+                                      <p:to>
+                                        <p:strVal val="visible"/>
+                                      </p:to>
+                                    </p:set>
+                                  </p:childTnLst>
+                                </p:cTn>
+                              </p:par>
+                              <p:par>
+                                <p:cTn id="15" presetID="1" presetClass="entr" presetSubtype="0" fill="hold" nodeType="withEffect">
+                                  <p:stCondLst>
+                                    <p:cond delay="0"/>
+                                  </p:stCondLst>
+                                  <p:childTnLst>
+                                    <p:set>
+                                      <p:cBhvr>
+                                        <p:cTn id="16" dur="1" fill="hold">
+                                          <p:stCondLst>
+                                            <p:cond delay="0"/>
+                                          </p:stCondLst>
+                                        </p:cTn>
+                                        <p:tgtEl>
+                                          <p:spTgt spid="3">
+                                            <p:txEl>
+                                              <p:pRg st="3" end="3"/>
+                                            </p:txEl>
+                                          </p:spTgt>
+                                        </p:tgtEl>
+                                        <p:attrNameLst>
+                                          <p:attrName>style.visibility</p:attrName>
+                                        </p:attrNameLst>
+                                      </p:cBhvr>
+                                      <p:to>
+                                        <p:strVal val="visible"/>
+                                      </p:to>
+                                    </p:set>
+                                  </p:childTnLst>
+                                </p:cTn>
+                              </p:par>
+                              <p:par>
+                                <p:cTn id="17" presetID="1" presetClass="entr" presetSubtype="0" fill="hold" nodeType="withEffect">
+                                  <p:stCondLst>
+                                    <p:cond delay="0"/>
+                                  </p:stCondLst>
+                                  <p:childTnLst>
+                                    <p:set>
+                                      <p:cBhvr>
+                                        <p:cTn id="18" dur="1" fill="hold">
+                                          <p:stCondLst>
+                                            <p:cond delay="0"/>
+                                          </p:stCondLst>
+                                        </p:cTn>
+                                        <p:tgtEl>
+                                          <p:spTgt spid="3">
+                                            <p:txEl>
+                                              <p:pRg st="4" end="4"/>
+                                            </p:txEl>
+                                          </p:spTgt>
+                                        </p:tgtEl>
+                                        <p:attrNameLst>
+                                          <p:attrName>style.visibility</p:attrName>
+                                        </p:attrNameLst>
+                                      </p:cBhvr>
+                                      <p:to>
+                                        <p:strVal val="visible"/>
+                                      </p:to>
+                                    </p:set>
+                                  </p:childTnLst>
+                                </p:cTn>
+                              </p:par>
+                            </p:childTnLst>
+                          </p:cTn>
+                        </p:par>
+                      </p:childTnLst>
+                    </p:cTn>
+                  </p:par>
+                </p:childTnLst>
+              </p:cTn>
+              <p:prevCondLst>
+                <p:cond evt="onPrev" delay="0">
+                  <p:tgtEl>
+                    <p:sldTgt/>
+                  </p:tgtEl>
+                </p:cond>
+              </p:prevCondLst>
+              <p:nextCondLst>
+                <p:cond evt="onNext" delay="0">
+                  <p:tgtEl>
+                    <p:sldTgt/>
+                  </p:tgtEl>
+                </p:cond>
+              </p:nextCondLst>
+            </p:seq>
+          </p:childTnLst>
+        </p:cTn>
+      </p:par>
+    </p:tnLst>
+  </p:timing>
+</p:sld>
+</file>
+
+<file path=ppt/slides/slide2.xml><?xml version="1.0" encoding="utf-8"?>
+<p:sld xmlns:a="http://schemas.openxmlformats.org/drawingml/2006/main" xmlns:r="http://schemas.openxmlformats.org/officeDocument/2006/relationships" xmlns:p="http://schemas.openxmlformats.org/presentationml/2006/main">
+  <p:cSld>
+    <p:spTree>
+      <p:nvGrpSpPr>
+        <p:cNvPr id="1" name=""/>
+        <p:cNvGrpSpPr/>
+        <p:nvPr/>
+      </p:nvGrpSpPr>
+      <p:grpSpPr>
+        <a:xfrm>
+          <a:off x="0" y="0"/>
+          <a:ext cx="0" cy="0"/>
+          <a:chOff x="0" y="0"/>
+          <a:chExt cx="0" cy="0"/>
+        </a:xfrm>
+      </p:grpSpPr>
+      <p:sp>
+        <p:nvSpPr>
+          <p:cNvPr id="2" name="Title 1">
+            <a:extLst>
+              <a:ext uri="{FF2B5EF4-FFF2-40B4-BE49-F238E27FC236}">
+                <a16:creationId xmlns:a16="http://schemas.microsoft.com/office/drawing/2014/main" id="{7F991BFA-688A-1B77-2B27-47770ECFBA6F}"/>
+              </a:ext>
+            </a:extLst>
+          </p:cNvPr>
+          <p:cNvSpPr>
+            <a:spLocks noGrp="1"/>
+          </p:cNvSpPr>
+          <p:nvPr>
+            <p:ph type="title"/>
+          </p:nvPr>
+        </p:nvSpPr>
+        <p:spPr/>
+        <p:txBody>
+          <a:bodyPr/>
+          <a:lstStyle/>
+          <a:p>
+            <a:r>
+              <a:rPr lang="en-US" dirty="0"/>
+              <a:t>30% of US Hispanic Immigrants are From the Caribbean</a:t>
+            </a:r>
+          </a:p>
+        </p:txBody>
+      </p:sp>
+      <p:sp>
+        <p:nvSpPr>
+          <p:cNvPr id="3" name="Content Placeholder 2">
+            <a:extLst>
+              <a:ext uri="{FF2B5EF4-FFF2-40B4-BE49-F238E27FC236}">
+                <a16:creationId xmlns:a16="http://schemas.microsoft.com/office/drawing/2014/main" id="{026C2AD2-6646-CCCC-D14E-395C9DDBC3ED}"/>
+              </a:ext>
+            </a:extLst>
+          </p:cNvPr>
+          <p:cNvSpPr>
+            <a:spLocks noGrp="1"/>
+          </p:cNvSpPr>
+          <p:nvPr>
+            <p:ph idx="1"/>
+          </p:nvPr>
+        </p:nvSpPr>
+        <p:spPr/>
+        <p:txBody>
+          <a:bodyPr/>
+          <a:lstStyle/>
+          <a:p>
+            <a:r>
+              <a:rPr lang="en-US" dirty="0"/>
+              <a:t>Hispanic migrant health is often focused on Mexican immigrants</a:t>
+            </a:r>
+          </a:p>
+          <a:p>
+            <a:r>
+              <a:rPr lang="en-US" dirty="0"/>
+              <a:t>But Caribbean </a:t>
+            </a:r>
+            <a:r>
+              <a:rPr lang="en-US" dirty="0" err="1"/>
+              <a:t>sociodemographics</a:t>
+            </a:r>
+            <a:r>
+              <a:rPr lang="en-US" dirty="0"/>
+              <a:t> are very different </a:t>
+            </a:r>
+          </a:p>
+          <a:p>
+            <a:endParaRPr lang="en-US" dirty="0"/>
           </a:p>
         </p:txBody>
       </p:sp>
       <p:grpSp>
         <p:nvGrpSpPr>
-          <p:cNvPr id="6" name="Group 5">
-            <a:extLst>
-              <a:ext uri="{FF2B5EF4-FFF2-40B4-BE49-F238E27FC236}">
-                <a16:creationId xmlns:a16="http://schemas.microsoft.com/office/drawing/2014/main" id="{619E7C62-EDD6-FF2F-2AB3-3632706493D9}"/>
+          <p:cNvPr id="9" name="Group 8">
+            <a:extLst>
+              <a:ext uri="{FF2B5EF4-FFF2-40B4-BE49-F238E27FC236}">
+                <a16:creationId xmlns:a16="http://schemas.microsoft.com/office/drawing/2014/main" id="{B213C897-FD9D-30A0-ACE7-5B255667BA78}"/>
               </a:ext>
             </a:extLst>
           </p:cNvPr>
@@ -7019,65 +8075,94 @@
         </p:nvGrpSpPr>
         <p:grpSpPr>
           <a:xfrm>
-            <a:off x="11308814" y="182642"/>
-            <a:ext cx="796458" cy="1088930"/>
-            <a:chOff x="10951180" y="240224"/>
-            <a:chExt cx="796458" cy="1088930"/>
+            <a:off x="2146515" y="2812171"/>
+            <a:ext cx="8020373" cy="4351337"/>
+            <a:chOff x="254000" y="3529739"/>
+            <a:chExt cx="6238067" cy="3119033"/>
           </a:xfrm>
         </p:grpSpPr>
         <p:pic>
           <p:nvPicPr>
-            <p:cNvPr id="8" name="Picture 2" descr="American Community Survey (ACS) – Roadmap to the 2030 Census">
+            <p:cNvPr id="5" name="Picture 4">
               <a:extLst>
                 <a:ext uri="{FF2B5EF4-FFF2-40B4-BE49-F238E27FC236}">
-                  <a16:creationId xmlns:a16="http://schemas.microsoft.com/office/drawing/2014/main" id="{EC48EE0F-8982-CEEB-FFE2-A917688FC860}"/>
+                  <a16:creationId xmlns:a16="http://schemas.microsoft.com/office/drawing/2014/main" id="{29F97403-C0CE-B640-F61A-FFF0CA2E81B7}"/>
                 </a:ext>
               </a:extLst>
             </p:cNvPr>
             <p:cNvPicPr>
-              <a:picLocks noChangeAspect="1" noChangeArrowheads="1"/>
+              <a:picLocks noChangeAspect="1"/>
             </p:cNvPicPr>
             <p:nvPr/>
           </p:nvPicPr>
           <p:blipFill>
-            <a:blip r:embed="rId5">
-              <a:extLst>
-                <a:ext uri="{28A0092B-C50C-407E-A947-70E740481C1C}">
-                  <a14:useLocalDpi xmlns:a14="http://schemas.microsoft.com/office/drawing/2010/main" val="0"/>
-                </a:ext>
-              </a:extLst>
-            </a:blip>
+            <a:blip r:embed="rId3"/>
             <a:srcRect/>
-            <a:stretch>
-              <a:fillRect/>
-            </a:stretch>
+            <a:stretch/>
           </p:blipFill>
-          <p:spPr bwMode="auto">
+          <p:spPr>
             <a:xfrm>
-              <a:off x="10951180" y="240224"/>
-              <a:ext cx="750376" cy="750376"/>
+              <a:off x="254000" y="3529739"/>
+              <a:ext cx="6238067" cy="3119033"/>
             </a:xfrm>
             <a:prstGeom prst="rect">
               <a:avLst/>
             </a:prstGeom>
-            <a:noFill/>
-            <a:extLst>
-              <a:ext uri="{909E8E84-426E-40DD-AFC4-6F175D3DCCD1}">
-                <a14:hiddenFill xmlns:a14="http://schemas.microsoft.com/office/drawing/2010/main">
-                  <a:solidFill>
-                    <a:srgbClr val="FFFFFF"/>
-                  </a:solidFill>
-                </a14:hiddenFill>
-              </a:ext>
-            </a:extLst>
           </p:spPr>
         </p:pic>
         <p:sp>
           <p:nvSpPr>
-            <p:cNvPr id="9" name="TextBox 8">
+            <p:cNvPr id="6" name="Right Brace 5">
               <a:extLst>
                 <a:ext uri="{FF2B5EF4-FFF2-40B4-BE49-F238E27FC236}">
-                  <a16:creationId xmlns:a16="http://schemas.microsoft.com/office/drawing/2014/main" id="{90FBB281-7AE0-9352-917C-87AEAE5B751F}"/>
+                  <a16:creationId xmlns:a16="http://schemas.microsoft.com/office/drawing/2014/main" id="{DCC6923D-0B04-6B3B-1428-2E01FC808EC4}"/>
+                </a:ext>
+              </a:extLst>
+            </p:cNvPr>
+            <p:cNvSpPr/>
+            <p:nvPr/>
+          </p:nvSpPr>
+          <p:spPr>
+            <a:xfrm rot="16200000">
+              <a:off x="4148705" y="3552018"/>
+              <a:ext cx="366148" cy="2820692"/>
+            </a:xfrm>
+            <a:prstGeom prst="rightBrace">
+              <a:avLst>
+                <a:gd name="adj1" fmla="val 8333"/>
+                <a:gd name="adj2" fmla="val 49658"/>
+              </a:avLst>
+            </a:prstGeom>
+          </p:spPr>
+          <p:style>
+            <a:lnRef idx="2">
+              <a:schemeClr val="accent1"/>
+            </a:lnRef>
+            <a:fillRef idx="0">
+              <a:schemeClr val="accent1"/>
+            </a:fillRef>
+            <a:effectRef idx="1">
+              <a:schemeClr val="accent1"/>
+            </a:effectRef>
+            <a:fontRef idx="minor">
+              <a:schemeClr val="tx1"/>
+            </a:fontRef>
+          </p:style>
+          <p:txBody>
+            <a:bodyPr rtlCol="0" anchor="ctr"/>
+            <a:lstStyle/>
+            <a:p>
+              <a:pPr algn="ctr"/>
+              <a:endParaRPr lang="en-US"/>
+            </a:p>
+          </p:txBody>
+        </p:sp>
+        <p:sp>
+          <p:nvSpPr>
+            <p:cNvPr id="7" name="TextBox 6">
+              <a:extLst>
+                <a:ext uri="{FF2B5EF4-FFF2-40B4-BE49-F238E27FC236}">
+                  <a16:creationId xmlns:a16="http://schemas.microsoft.com/office/drawing/2014/main" id="{B3F5CF8D-3075-8684-CC8A-FC0D7300EB30}"/>
                 </a:ext>
               </a:extLst>
             </p:cNvPr>
@@ -7086,8 +8171,8 @@
           </p:nvSpPr>
           <p:spPr>
             <a:xfrm>
-              <a:off x="11043344" y="990600"/>
-              <a:ext cx="704294" cy="338554"/>
+              <a:off x="3874579" y="4409957"/>
+              <a:ext cx="914400" cy="369332"/>
             </a:xfrm>
             <a:prstGeom prst="rect">
               <a:avLst/>
@@ -7101,12 +8186,44 @@
             <a:lstStyle/>
             <a:p>
               <a:r>
-                <a:rPr lang="en-US" sz="1600" dirty="0">
-                  <a:latin typeface="Abadi MT Condensed Light" panose="020B0306030101010103" pitchFamily="34" charset="77"/>
-                </a:rPr>
-                <a:t>2020</a:t>
+                <a:rPr lang="en-US" dirty="0"/>
+                <a:t>~30%</a:t>
               </a:r>
-              <a:endParaRPr lang="en-US" dirty="0"/>
+            </a:p>
+          </p:txBody>
+        </p:sp>
+        <p:sp>
+          <p:nvSpPr>
+            <p:cNvPr id="8" name="TextBox 7">
+              <a:extLst>
+                <a:ext uri="{FF2B5EF4-FFF2-40B4-BE49-F238E27FC236}">
+                  <a16:creationId xmlns:a16="http://schemas.microsoft.com/office/drawing/2014/main" id="{CE896DEA-036A-3351-E212-9268FD99C738}"/>
+                </a:ext>
+              </a:extLst>
+            </p:cNvPr>
+            <p:cNvSpPr txBox="1"/>
+            <p:nvPr/>
+          </p:nvSpPr>
+          <p:spPr>
+            <a:xfrm>
+              <a:off x="984790" y="4409957"/>
+              <a:ext cx="914400" cy="369332"/>
+            </a:xfrm>
+            <a:prstGeom prst="rect">
+              <a:avLst/>
+            </a:prstGeom>
+            <a:noFill/>
+          </p:spPr>
+          <p:txBody>
+            <a:bodyPr wrap="square" rtlCol="0">
+              <a:spAutoFit/>
+            </a:bodyPr>
+            <a:lstStyle/>
+            <a:p>
+              <a:r>
+                <a:rPr lang="en-US" dirty="0"/>
+                <a:t>~44%</a:t>
+              </a:r>
             </a:p>
           </p:txBody>
         </p:sp>
@@ -7114,7 +8231,7 @@
     </p:spTree>
     <p:extLst>
       <p:ext uri="{BB962C8B-B14F-4D97-AF65-F5344CB8AC3E}">
-        <p14:creationId xmlns:p14="http://schemas.microsoft.com/office/powerpoint/2010/main" val="3497046041"/>
+        <p14:creationId xmlns:p14="http://schemas.microsoft.com/office/powerpoint/2010/main" val="1021750346"/>
       </p:ext>
     </p:extLst>
   </p:cSld>
@@ -7124,7 +8241,1894 @@
 </p:sld>
 </file>
 
-<file path=ppt/slides/slide14.xml><?xml version="1.0" encoding="utf-8"?>
+<file path=ppt/slides/slide20.xml><?xml version="1.0" encoding="utf-8"?>
+<p:sld xmlns:a="http://schemas.openxmlformats.org/drawingml/2006/main" xmlns:r="http://schemas.openxmlformats.org/officeDocument/2006/relationships" xmlns:p="http://schemas.openxmlformats.org/presentationml/2006/main">
+  <p:cSld>
+    <p:spTree>
+      <p:nvGrpSpPr>
+        <p:cNvPr id="1" name=""/>
+        <p:cNvGrpSpPr/>
+        <p:nvPr/>
+      </p:nvGrpSpPr>
+      <p:grpSpPr>
+        <a:xfrm>
+          <a:off x="0" y="0"/>
+          <a:ext cx="0" cy="0"/>
+          <a:chOff x="0" y="0"/>
+          <a:chExt cx="0" cy="0"/>
+        </a:xfrm>
+      </p:grpSpPr>
+      <p:sp>
+        <p:nvSpPr>
+          <p:cNvPr id="2" name="Title 1">
+            <a:extLst>
+              <a:ext uri="{FF2B5EF4-FFF2-40B4-BE49-F238E27FC236}">
+                <a16:creationId xmlns:a16="http://schemas.microsoft.com/office/drawing/2014/main" id="{0F913FB0-0AF5-666F-8C0B-A3E4643F6F25}"/>
+              </a:ext>
+            </a:extLst>
+          </p:cNvPr>
+          <p:cNvSpPr>
+            <a:spLocks noGrp="1"/>
+          </p:cNvSpPr>
+          <p:nvPr>
+            <p:ph type="title"/>
+          </p:nvPr>
+        </p:nvSpPr>
+        <p:spPr/>
+        <p:txBody>
+          <a:bodyPr/>
+          <a:lstStyle/>
+          <a:p>
+            <a:r>
+              <a:rPr lang="en-US" dirty="0"/>
+              <a:t>Additional Slides</a:t>
+            </a:r>
+          </a:p>
+        </p:txBody>
+      </p:sp>
+      <p:sp>
+        <p:nvSpPr>
+          <p:cNvPr id="3" name="Content Placeholder 2">
+            <a:extLst>
+              <a:ext uri="{FF2B5EF4-FFF2-40B4-BE49-F238E27FC236}">
+                <a16:creationId xmlns:a16="http://schemas.microsoft.com/office/drawing/2014/main" id="{1C515CA9-E8A9-1BDB-213A-D7825457F684}"/>
+              </a:ext>
+            </a:extLst>
+          </p:cNvPr>
+          <p:cNvSpPr>
+            <a:spLocks noGrp="1"/>
+          </p:cNvSpPr>
+          <p:nvPr>
+            <p:ph idx="1"/>
+          </p:nvPr>
+        </p:nvSpPr>
+        <p:spPr/>
+        <p:txBody>
+          <a:bodyPr/>
+          <a:lstStyle/>
+          <a:p>
+            <a:endParaRPr lang="en-US"/>
+          </a:p>
+        </p:txBody>
+      </p:sp>
+    </p:spTree>
+    <p:extLst>
+      <p:ext uri="{BB962C8B-B14F-4D97-AF65-F5344CB8AC3E}">
+        <p14:creationId xmlns:p14="http://schemas.microsoft.com/office/powerpoint/2010/main" val="2682849484"/>
+      </p:ext>
+    </p:extLst>
+  </p:cSld>
+  <p:clrMapOvr>
+    <a:masterClrMapping/>
+  </p:clrMapOvr>
+</p:sld>
+</file>
+
+<file path=ppt/slides/slide21.xml><?xml version="1.0" encoding="utf-8"?>
+<p:sld xmlns:a="http://schemas.openxmlformats.org/drawingml/2006/main" xmlns:r="http://schemas.openxmlformats.org/officeDocument/2006/relationships" xmlns:p="http://schemas.openxmlformats.org/presentationml/2006/main">
+  <p:cSld>
+    <p:spTree>
+      <p:nvGrpSpPr>
+        <p:cNvPr id="1" name=""/>
+        <p:cNvGrpSpPr/>
+        <p:nvPr/>
+      </p:nvGrpSpPr>
+      <p:grpSpPr>
+        <a:xfrm>
+          <a:off x="0" y="0"/>
+          <a:ext cx="0" cy="0"/>
+          <a:chOff x="0" y="0"/>
+          <a:chExt cx="0" cy="0"/>
+        </a:xfrm>
+      </p:grpSpPr>
+      <p:sp>
+        <p:nvSpPr>
+          <p:cNvPr id="2" name="Title 1">
+            <a:extLst>
+              <a:ext uri="{FF2B5EF4-FFF2-40B4-BE49-F238E27FC236}">
+                <a16:creationId xmlns:a16="http://schemas.microsoft.com/office/drawing/2014/main" id="{0C8497F2-34DA-1450-85A3-4A30A9E26C46}"/>
+              </a:ext>
+            </a:extLst>
+          </p:cNvPr>
+          <p:cNvSpPr>
+            <a:spLocks noGrp="1"/>
+          </p:cNvSpPr>
+          <p:nvPr>
+            <p:ph type="title"/>
+          </p:nvPr>
+        </p:nvSpPr>
+        <p:spPr/>
+        <p:txBody>
+          <a:bodyPr/>
+          <a:lstStyle/>
+          <a:p>
+            <a:r>
+              <a:rPr lang="en-US" dirty="0"/>
+              <a:t>Our Contributions</a:t>
+            </a:r>
+          </a:p>
+        </p:txBody>
+      </p:sp>
+      <p:sp>
+        <p:nvSpPr>
+          <p:cNvPr id="3" name="Content Placeholder 2">
+            <a:extLst>
+              <a:ext uri="{FF2B5EF4-FFF2-40B4-BE49-F238E27FC236}">
+                <a16:creationId xmlns:a16="http://schemas.microsoft.com/office/drawing/2014/main" id="{5ECBDA1C-7543-105B-EE88-8BA9B608B0F8}"/>
+              </a:ext>
+            </a:extLst>
+          </p:cNvPr>
+          <p:cNvSpPr>
+            <a:spLocks noGrp="1"/>
+          </p:cNvSpPr>
+          <p:nvPr>
+            <p:ph idx="1"/>
+          </p:nvPr>
+        </p:nvSpPr>
+        <p:spPr/>
+        <p:txBody>
+          <a:bodyPr/>
+          <a:lstStyle/>
+          <a:p>
+            <a:pPr marL="514350" indent="-514350">
+              <a:buFont typeface="+mj-lt"/>
+              <a:buAutoNum type="arabicPeriod"/>
+            </a:pPr>
+            <a:r>
+              <a:rPr lang="en-US" dirty="0"/>
+              <a:t>US Immigrants from Mexico compared to those from the Hispanic Caribbean (60+)</a:t>
+            </a:r>
+          </a:p>
+          <a:p>
+            <a:pPr marL="514350" indent="-514350">
+              <a:buFont typeface="+mj-lt"/>
+              <a:buAutoNum type="arabicPeriod"/>
+            </a:pPr>
+            <a:r>
+              <a:rPr lang="en-US" dirty="0"/>
+              <a:t>US Immigrants from these countries compared to their native country resident counterparts</a:t>
+            </a:r>
+          </a:p>
+          <a:p>
+            <a:pPr marL="514350" indent="-514350">
+              <a:buFont typeface="+mj-lt"/>
+              <a:buAutoNum type="arabicPeriod"/>
+            </a:pPr>
+            <a:r>
+              <a:rPr lang="en-US" dirty="0"/>
+              <a:t>US Immigrants from these countries sociodemographic profiles over time</a:t>
+            </a:r>
+          </a:p>
+          <a:p>
+            <a:endParaRPr lang="en-US" dirty="0"/>
+          </a:p>
+        </p:txBody>
+      </p:sp>
+      <p:sp>
+        <p:nvSpPr>
+          <p:cNvPr id="4" name="Content Placeholder 2">
+            <a:extLst>
+              <a:ext uri="{FF2B5EF4-FFF2-40B4-BE49-F238E27FC236}">
+                <a16:creationId xmlns:a16="http://schemas.microsoft.com/office/drawing/2014/main" id="{576E2AA2-35C5-A32C-DA38-ED51F44B32F9}"/>
+              </a:ext>
+            </a:extLst>
+          </p:cNvPr>
+          <p:cNvSpPr txBox="1">
+            <a:spLocks/>
+          </p:cNvSpPr>
+          <p:nvPr/>
+        </p:nvSpPr>
+        <p:spPr>
+          <a:xfrm>
+            <a:off x="3975635" y="5779545"/>
+            <a:ext cx="5375331" cy="1126462"/>
+          </a:xfrm>
+          <a:prstGeom prst="rect">
+            <a:avLst/>
+          </a:prstGeom>
+        </p:spPr>
+        <p:txBody>
+          <a:bodyPr vert="horz" lIns="91440" tIns="45720" rIns="91440" bIns="45720" rtlCol="0">
+            <a:normAutofit lnSpcReduction="10000"/>
+          </a:bodyPr>
+          <a:lstStyle>
+            <a:lvl1pPr marL="228600" indent="-228600" algn="l" defTabSz="914400" rtl="0" eaLnBrk="1" latinLnBrk="0" hangingPunct="1">
+              <a:lnSpc>
+                <a:spcPct val="90000"/>
+              </a:lnSpc>
+              <a:spcBef>
+                <a:spcPts val="1000"/>
+              </a:spcBef>
+              <a:buFont typeface="Arial" panose="020B0604020202020204" pitchFamily="34" charset="0"/>
+              <a:buChar char="•"/>
+              <a:defRPr sz="2800" kern="1200">
+                <a:solidFill>
+                  <a:schemeClr val="tx1"/>
+                </a:solidFill>
+                <a:latin typeface="+mn-lt"/>
+                <a:ea typeface="+mn-ea"/>
+                <a:cs typeface="+mn-cs"/>
+              </a:defRPr>
+            </a:lvl1pPr>
+            <a:lvl2pPr marL="685800" indent="-228600" algn="l" defTabSz="914400" rtl="0" eaLnBrk="1" latinLnBrk="0" hangingPunct="1">
+              <a:lnSpc>
+                <a:spcPct val="90000"/>
+              </a:lnSpc>
+              <a:spcBef>
+                <a:spcPts val="500"/>
+              </a:spcBef>
+              <a:buFont typeface="Arial" panose="020B0604020202020204" pitchFamily="34" charset="0"/>
+              <a:buChar char="•"/>
+              <a:defRPr sz="2400" kern="1200">
+                <a:solidFill>
+                  <a:schemeClr val="tx1"/>
+                </a:solidFill>
+                <a:latin typeface="+mn-lt"/>
+                <a:ea typeface="+mn-ea"/>
+                <a:cs typeface="+mn-cs"/>
+              </a:defRPr>
+            </a:lvl2pPr>
+            <a:lvl3pPr marL="1143000" indent="-228600" algn="l" defTabSz="914400" rtl="0" eaLnBrk="1" latinLnBrk="0" hangingPunct="1">
+              <a:lnSpc>
+                <a:spcPct val="90000"/>
+              </a:lnSpc>
+              <a:spcBef>
+                <a:spcPts val="500"/>
+              </a:spcBef>
+              <a:buFont typeface="Arial" panose="020B0604020202020204" pitchFamily="34" charset="0"/>
+              <a:buChar char="•"/>
+              <a:defRPr sz="2000" kern="1200">
+                <a:solidFill>
+                  <a:schemeClr val="tx1"/>
+                </a:solidFill>
+                <a:latin typeface="+mn-lt"/>
+                <a:ea typeface="+mn-ea"/>
+                <a:cs typeface="+mn-cs"/>
+              </a:defRPr>
+            </a:lvl3pPr>
+            <a:lvl4pPr marL="1600200" indent="-228600" algn="l" defTabSz="914400" rtl="0" eaLnBrk="1" latinLnBrk="0" hangingPunct="1">
+              <a:lnSpc>
+                <a:spcPct val="90000"/>
+              </a:lnSpc>
+              <a:spcBef>
+                <a:spcPts val="500"/>
+              </a:spcBef>
+              <a:buFont typeface="Arial" panose="020B0604020202020204" pitchFamily="34" charset="0"/>
+              <a:buChar char="•"/>
+              <a:defRPr sz="1800" kern="1200">
+                <a:solidFill>
+                  <a:schemeClr val="tx1"/>
+                </a:solidFill>
+                <a:latin typeface="+mn-lt"/>
+                <a:ea typeface="+mn-ea"/>
+                <a:cs typeface="+mn-cs"/>
+              </a:defRPr>
+            </a:lvl4pPr>
+            <a:lvl5pPr marL="2057400" indent="-228600" algn="l" defTabSz="914400" rtl="0" eaLnBrk="1" latinLnBrk="0" hangingPunct="1">
+              <a:lnSpc>
+                <a:spcPct val="90000"/>
+              </a:lnSpc>
+              <a:spcBef>
+                <a:spcPts val="500"/>
+              </a:spcBef>
+              <a:buFont typeface="Arial" panose="020B0604020202020204" pitchFamily="34" charset="0"/>
+              <a:buChar char="•"/>
+              <a:defRPr sz="1800" kern="1200">
+                <a:solidFill>
+                  <a:schemeClr val="tx1"/>
+                </a:solidFill>
+                <a:latin typeface="+mn-lt"/>
+                <a:ea typeface="+mn-ea"/>
+                <a:cs typeface="+mn-cs"/>
+              </a:defRPr>
+            </a:lvl5pPr>
+            <a:lvl6pPr marL="2514600" indent="-228600" algn="l" defTabSz="914400" rtl="0" eaLnBrk="1" latinLnBrk="0" hangingPunct="1">
+              <a:lnSpc>
+                <a:spcPct val="90000"/>
+              </a:lnSpc>
+              <a:spcBef>
+                <a:spcPts val="500"/>
+              </a:spcBef>
+              <a:buFont typeface="Arial" panose="020B0604020202020204" pitchFamily="34" charset="0"/>
+              <a:buChar char="•"/>
+              <a:defRPr sz="1800" kern="1200">
+                <a:solidFill>
+                  <a:schemeClr val="tx1"/>
+                </a:solidFill>
+                <a:latin typeface="+mn-lt"/>
+                <a:ea typeface="+mn-ea"/>
+                <a:cs typeface="+mn-cs"/>
+              </a:defRPr>
+            </a:lvl6pPr>
+            <a:lvl7pPr marL="2971800" indent="-228600" algn="l" defTabSz="914400" rtl="0" eaLnBrk="1" latinLnBrk="0" hangingPunct="1">
+              <a:lnSpc>
+                <a:spcPct val="90000"/>
+              </a:lnSpc>
+              <a:spcBef>
+                <a:spcPts val="500"/>
+              </a:spcBef>
+              <a:buFont typeface="Arial" panose="020B0604020202020204" pitchFamily="34" charset="0"/>
+              <a:buChar char="•"/>
+              <a:defRPr sz="1800" kern="1200">
+                <a:solidFill>
+                  <a:schemeClr val="tx1"/>
+                </a:solidFill>
+                <a:latin typeface="+mn-lt"/>
+                <a:ea typeface="+mn-ea"/>
+                <a:cs typeface="+mn-cs"/>
+              </a:defRPr>
+            </a:lvl7pPr>
+            <a:lvl8pPr marL="3429000" indent="-228600" algn="l" defTabSz="914400" rtl="0" eaLnBrk="1" latinLnBrk="0" hangingPunct="1">
+              <a:lnSpc>
+                <a:spcPct val="90000"/>
+              </a:lnSpc>
+              <a:spcBef>
+                <a:spcPts val="500"/>
+              </a:spcBef>
+              <a:buFont typeface="Arial" panose="020B0604020202020204" pitchFamily="34" charset="0"/>
+              <a:buChar char="•"/>
+              <a:defRPr sz="1800" kern="1200">
+                <a:solidFill>
+                  <a:schemeClr val="tx1"/>
+                </a:solidFill>
+                <a:latin typeface="+mn-lt"/>
+                <a:ea typeface="+mn-ea"/>
+                <a:cs typeface="+mn-cs"/>
+              </a:defRPr>
+            </a:lvl8pPr>
+            <a:lvl9pPr marL="3886200" indent="-228600" algn="l" defTabSz="914400" rtl="0" eaLnBrk="1" latinLnBrk="0" hangingPunct="1">
+              <a:lnSpc>
+                <a:spcPct val="90000"/>
+              </a:lnSpc>
+              <a:spcBef>
+                <a:spcPts val="500"/>
+              </a:spcBef>
+              <a:buFont typeface="Arial" panose="020B0604020202020204" pitchFamily="34" charset="0"/>
+              <a:buChar char="•"/>
+              <a:defRPr sz="1800" kern="1200">
+                <a:solidFill>
+                  <a:schemeClr val="tx1"/>
+                </a:solidFill>
+                <a:latin typeface="+mn-lt"/>
+                <a:ea typeface="+mn-ea"/>
+                <a:cs typeface="+mn-cs"/>
+              </a:defRPr>
+            </a:lvl9pPr>
+          </a:lstStyle>
+          <a:p>
+            <a:pPr lvl="1"/>
+            <a:r>
+              <a:rPr lang="en-US" dirty="0"/>
+              <a:t>Migrant characteristics</a:t>
+            </a:r>
+          </a:p>
+          <a:p>
+            <a:pPr lvl="1"/>
+            <a:r>
+              <a:rPr lang="en-US" dirty="0"/>
+              <a:t>Differences in Selection</a:t>
+            </a:r>
+          </a:p>
+          <a:p>
+            <a:pPr lvl="1"/>
+            <a:r>
+              <a:rPr lang="en-US" dirty="0"/>
+              <a:t>Change over time</a:t>
+            </a:r>
+          </a:p>
+          <a:p>
+            <a:pPr marL="0" indent="0">
+              <a:buFont typeface="Arial" panose="020B0604020202020204" pitchFamily="34" charset="0"/>
+              <a:buNone/>
+            </a:pPr>
+            <a:endParaRPr lang="en-US" dirty="0"/>
+          </a:p>
+        </p:txBody>
+      </p:sp>
+      <p:sp>
+        <p:nvSpPr>
+          <p:cNvPr id="13" name="TextBox 12">
+            <a:extLst>
+              <a:ext uri="{FF2B5EF4-FFF2-40B4-BE49-F238E27FC236}">
+                <a16:creationId xmlns:a16="http://schemas.microsoft.com/office/drawing/2014/main" id="{9EACBB95-EE5E-ABF8-B748-4CBD55AE4021}"/>
+              </a:ext>
+            </a:extLst>
+          </p:cNvPr>
+          <p:cNvSpPr txBox="1"/>
+          <p:nvPr/>
+        </p:nvSpPr>
+        <p:spPr>
+          <a:xfrm>
+            <a:off x="1896849" y="4521321"/>
+            <a:ext cx="1704813" cy="369332"/>
+          </a:xfrm>
+          <a:prstGeom prst="rect">
+            <a:avLst/>
+          </a:prstGeom>
+          <a:noFill/>
+        </p:spPr>
+        <p:txBody>
+          <a:bodyPr wrap="square" rtlCol="0">
+            <a:spAutoFit/>
+          </a:bodyPr>
+          <a:lstStyle/>
+          <a:p>
+            <a:r>
+              <a:rPr lang="en-US" dirty="0"/>
+              <a:t>Mexico</a:t>
+            </a:r>
+          </a:p>
+        </p:txBody>
+      </p:sp>
+      <p:sp>
+        <p:nvSpPr>
+          <p:cNvPr id="14" name="TextBox 13">
+            <a:extLst>
+              <a:ext uri="{FF2B5EF4-FFF2-40B4-BE49-F238E27FC236}">
+                <a16:creationId xmlns:a16="http://schemas.microsoft.com/office/drawing/2014/main" id="{5D829240-A8AF-6A24-9F3F-B74D527EC3C5}"/>
+              </a:ext>
+            </a:extLst>
+          </p:cNvPr>
+          <p:cNvSpPr txBox="1"/>
+          <p:nvPr/>
+        </p:nvSpPr>
+        <p:spPr>
+          <a:xfrm>
+            <a:off x="3872882" y="4521321"/>
+            <a:ext cx="1704813" cy="369332"/>
+          </a:xfrm>
+          <a:prstGeom prst="rect">
+            <a:avLst/>
+          </a:prstGeom>
+          <a:noFill/>
+        </p:spPr>
+        <p:txBody>
+          <a:bodyPr wrap="square" rtlCol="0">
+            <a:spAutoFit/>
+          </a:bodyPr>
+          <a:lstStyle/>
+          <a:p>
+            <a:r>
+              <a:rPr lang="en-US" dirty="0"/>
+              <a:t>Puerto Rico</a:t>
+            </a:r>
+          </a:p>
+        </p:txBody>
+      </p:sp>
+      <p:sp>
+        <p:nvSpPr>
+          <p:cNvPr id="15" name="TextBox 14">
+            <a:extLst>
+              <a:ext uri="{FF2B5EF4-FFF2-40B4-BE49-F238E27FC236}">
+                <a16:creationId xmlns:a16="http://schemas.microsoft.com/office/drawing/2014/main" id="{47DE911D-7293-3F68-E895-EF4EC84B1579}"/>
+              </a:ext>
+            </a:extLst>
+          </p:cNvPr>
+          <p:cNvSpPr txBox="1"/>
+          <p:nvPr/>
+        </p:nvSpPr>
+        <p:spPr>
+          <a:xfrm>
+            <a:off x="6148551" y="4518146"/>
+            <a:ext cx="2335077" cy="369332"/>
+          </a:xfrm>
+          <a:prstGeom prst="rect">
+            <a:avLst/>
+          </a:prstGeom>
+          <a:noFill/>
+        </p:spPr>
+        <p:txBody>
+          <a:bodyPr wrap="square" rtlCol="0">
+            <a:spAutoFit/>
+          </a:bodyPr>
+          <a:lstStyle/>
+          <a:p>
+            <a:r>
+              <a:rPr lang="en-US" dirty="0"/>
+              <a:t>Dominican Republic</a:t>
+            </a:r>
+          </a:p>
+        </p:txBody>
+      </p:sp>
+      <p:sp>
+        <p:nvSpPr>
+          <p:cNvPr id="16" name="Oval 15">
+            <a:extLst>
+              <a:ext uri="{FF2B5EF4-FFF2-40B4-BE49-F238E27FC236}">
+                <a16:creationId xmlns:a16="http://schemas.microsoft.com/office/drawing/2014/main" id="{C1EE83A5-C027-C4E3-2987-F7EF39CC5832}"/>
+              </a:ext>
+            </a:extLst>
+          </p:cNvPr>
+          <p:cNvSpPr/>
+          <p:nvPr/>
+        </p:nvSpPr>
+        <p:spPr>
+          <a:xfrm>
+            <a:off x="2085412" y="5179659"/>
+            <a:ext cx="526942" cy="464949"/>
+          </a:xfrm>
+          <a:prstGeom prst="ellipse">
+            <a:avLst/>
+          </a:prstGeom>
+          <a:solidFill>
+            <a:srgbClr val="E6A000"/>
+          </a:solidFill>
+        </p:spPr>
+        <p:style>
+          <a:lnRef idx="2">
+            <a:schemeClr val="accent1">
+              <a:shade val="15000"/>
+            </a:schemeClr>
+          </a:lnRef>
+          <a:fillRef idx="1">
+            <a:schemeClr val="accent1"/>
+          </a:fillRef>
+          <a:effectRef idx="0">
+            <a:schemeClr val="accent1"/>
+          </a:effectRef>
+          <a:fontRef idx="minor">
+            <a:schemeClr val="lt1"/>
+          </a:fontRef>
+        </p:style>
+        <p:txBody>
+          <a:bodyPr rtlCol="0" anchor="ctr"/>
+          <a:lstStyle/>
+          <a:p>
+            <a:pPr algn="ctr"/>
+            <a:endParaRPr lang="en-US"/>
+          </a:p>
+        </p:txBody>
+      </p:sp>
+      <p:sp>
+        <p:nvSpPr>
+          <p:cNvPr id="17" name="Oval 16">
+            <a:extLst>
+              <a:ext uri="{FF2B5EF4-FFF2-40B4-BE49-F238E27FC236}">
+                <a16:creationId xmlns:a16="http://schemas.microsoft.com/office/drawing/2014/main" id="{BB19206C-A6F9-95F3-7863-E247EF338515}"/>
+              </a:ext>
+            </a:extLst>
+          </p:cNvPr>
+          <p:cNvSpPr/>
+          <p:nvPr/>
+        </p:nvSpPr>
+        <p:spPr>
+          <a:xfrm>
+            <a:off x="4323625" y="5179659"/>
+            <a:ext cx="526942" cy="464949"/>
+          </a:xfrm>
+          <a:prstGeom prst="ellipse">
+            <a:avLst/>
+          </a:prstGeom>
+          <a:solidFill>
+            <a:srgbClr val="58B4E9"/>
+          </a:solidFill>
+        </p:spPr>
+        <p:style>
+          <a:lnRef idx="2">
+            <a:schemeClr val="accent1">
+              <a:shade val="15000"/>
+            </a:schemeClr>
+          </a:lnRef>
+          <a:fillRef idx="1">
+            <a:schemeClr val="accent1"/>
+          </a:fillRef>
+          <a:effectRef idx="0">
+            <a:schemeClr val="accent1"/>
+          </a:effectRef>
+          <a:fontRef idx="minor">
+            <a:schemeClr val="lt1"/>
+          </a:fontRef>
+        </p:style>
+        <p:txBody>
+          <a:bodyPr rtlCol="0" anchor="ctr"/>
+          <a:lstStyle/>
+          <a:p>
+            <a:pPr algn="ctr"/>
+            <a:endParaRPr lang="en-US"/>
+          </a:p>
+        </p:txBody>
+      </p:sp>
+      <p:sp>
+        <p:nvSpPr>
+          <p:cNvPr id="18" name="Oval 17">
+            <a:extLst>
+              <a:ext uri="{FF2B5EF4-FFF2-40B4-BE49-F238E27FC236}">
+                <a16:creationId xmlns:a16="http://schemas.microsoft.com/office/drawing/2014/main" id="{3789FD4F-5843-4C15-C783-792A3CEEFF76}"/>
+              </a:ext>
+            </a:extLst>
+          </p:cNvPr>
+          <p:cNvSpPr/>
+          <p:nvPr/>
+        </p:nvSpPr>
+        <p:spPr>
+          <a:xfrm>
+            <a:off x="7052618" y="5179659"/>
+            <a:ext cx="526942" cy="464949"/>
+          </a:xfrm>
+          <a:prstGeom prst="ellipse">
+            <a:avLst/>
+          </a:prstGeom>
+          <a:solidFill>
+            <a:srgbClr val="009F73"/>
+          </a:solidFill>
+        </p:spPr>
+        <p:style>
+          <a:lnRef idx="2">
+            <a:schemeClr val="accent1">
+              <a:shade val="15000"/>
+            </a:schemeClr>
+          </a:lnRef>
+          <a:fillRef idx="1">
+            <a:schemeClr val="accent1"/>
+          </a:fillRef>
+          <a:effectRef idx="0">
+            <a:schemeClr val="accent1"/>
+          </a:effectRef>
+          <a:fontRef idx="minor">
+            <a:schemeClr val="lt1"/>
+          </a:fontRef>
+        </p:style>
+        <p:txBody>
+          <a:bodyPr rtlCol="0" anchor="ctr"/>
+          <a:lstStyle/>
+          <a:p>
+            <a:pPr algn="ctr"/>
+            <a:endParaRPr lang="en-US"/>
+          </a:p>
+        </p:txBody>
+      </p:sp>
+      <p:sp>
+        <p:nvSpPr>
+          <p:cNvPr id="19" name="Oval 18">
+            <a:extLst>
+              <a:ext uri="{FF2B5EF4-FFF2-40B4-BE49-F238E27FC236}">
+                <a16:creationId xmlns:a16="http://schemas.microsoft.com/office/drawing/2014/main" id="{B7DBE6A4-62DC-0D58-512F-A7F9A7FE4A6D}"/>
+              </a:ext>
+            </a:extLst>
+          </p:cNvPr>
+          <p:cNvSpPr/>
+          <p:nvPr/>
+        </p:nvSpPr>
+        <p:spPr>
+          <a:xfrm>
+            <a:off x="9390279" y="5179659"/>
+            <a:ext cx="526942" cy="464949"/>
+          </a:xfrm>
+          <a:prstGeom prst="ellipse">
+            <a:avLst/>
+          </a:prstGeom>
+          <a:solidFill>
+            <a:srgbClr val="CD79A7"/>
+          </a:solidFill>
+        </p:spPr>
+        <p:style>
+          <a:lnRef idx="2">
+            <a:schemeClr val="accent1">
+              <a:shade val="15000"/>
+            </a:schemeClr>
+          </a:lnRef>
+          <a:fillRef idx="1">
+            <a:schemeClr val="accent1"/>
+          </a:fillRef>
+          <a:effectRef idx="0">
+            <a:schemeClr val="accent1"/>
+          </a:effectRef>
+          <a:fontRef idx="minor">
+            <a:schemeClr val="lt1"/>
+          </a:fontRef>
+        </p:style>
+        <p:txBody>
+          <a:bodyPr rtlCol="0" anchor="ctr"/>
+          <a:lstStyle/>
+          <a:p>
+            <a:pPr algn="ctr"/>
+            <a:endParaRPr lang="en-US"/>
+          </a:p>
+        </p:txBody>
+      </p:sp>
+      <p:sp>
+        <p:nvSpPr>
+          <p:cNvPr id="20" name="TextBox 19">
+            <a:extLst>
+              <a:ext uri="{FF2B5EF4-FFF2-40B4-BE49-F238E27FC236}">
+                <a16:creationId xmlns:a16="http://schemas.microsoft.com/office/drawing/2014/main" id="{211870F8-6977-9C23-AD40-0DAB234736EF}"/>
+              </a:ext>
+            </a:extLst>
+          </p:cNvPr>
+          <p:cNvSpPr txBox="1"/>
+          <p:nvPr/>
+        </p:nvSpPr>
+        <p:spPr>
+          <a:xfrm>
+            <a:off x="9193805" y="4518146"/>
+            <a:ext cx="919889" cy="369332"/>
+          </a:xfrm>
+          <a:prstGeom prst="rect">
+            <a:avLst/>
+          </a:prstGeom>
+          <a:noFill/>
+        </p:spPr>
+        <p:txBody>
+          <a:bodyPr wrap="square" rtlCol="0">
+            <a:spAutoFit/>
+          </a:bodyPr>
+          <a:lstStyle/>
+          <a:p>
+            <a:r>
+              <a:rPr lang="en-US" dirty="0"/>
+              <a:t>Cuba</a:t>
+            </a:r>
+          </a:p>
+        </p:txBody>
+      </p:sp>
+    </p:spTree>
+    <p:extLst>
+      <p:ext uri="{BB962C8B-B14F-4D97-AF65-F5344CB8AC3E}">
+        <p14:creationId xmlns:p14="http://schemas.microsoft.com/office/powerpoint/2010/main" val="630560943"/>
+      </p:ext>
+    </p:extLst>
+  </p:cSld>
+  <p:clrMapOvr>
+    <a:masterClrMapping/>
+  </p:clrMapOvr>
+</p:sld>
+</file>
+
+<file path=ppt/slides/slide22.xml><?xml version="1.0" encoding="utf-8"?>
+<p:sld xmlns:a="http://schemas.openxmlformats.org/drawingml/2006/main" xmlns:r="http://schemas.openxmlformats.org/officeDocument/2006/relationships" xmlns:p="http://schemas.openxmlformats.org/presentationml/2006/main">
+  <p:cSld>
+    <p:spTree>
+      <p:nvGrpSpPr>
+        <p:cNvPr id="1" name=""/>
+        <p:cNvGrpSpPr/>
+        <p:nvPr/>
+      </p:nvGrpSpPr>
+      <p:grpSpPr>
+        <a:xfrm>
+          <a:off x="0" y="0"/>
+          <a:ext cx="0" cy="0"/>
+          <a:chOff x="0" y="0"/>
+          <a:chExt cx="0" cy="0"/>
+        </a:xfrm>
+      </p:grpSpPr>
+      <p:sp>
+        <p:nvSpPr>
+          <p:cNvPr id="2" name="Title 1">
+            <a:extLst>
+              <a:ext uri="{FF2B5EF4-FFF2-40B4-BE49-F238E27FC236}">
+                <a16:creationId xmlns:a16="http://schemas.microsoft.com/office/drawing/2014/main" id="{F8510379-237F-7A6F-E10F-77A63CBFE5D4}"/>
+              </a:ext>
+            </a:extLst>
+          </p:cNvPr>
+          <p:cNvSpPr>
+            <a:spLocks noGrp="1"/>
+          </p:cNvSpPr>
+          <p:nvPr>
+            <p:ph type="title"/>
+          </p:nvPr>
+        </p:nvSpPr>
+        <p:spPr>
+          <a:xfrm>
+            <a:off x="464949" y="365125"/>
+            <a:ext cx="11329261" cy="1325563"/>
+          </a:xfrm>
+        </p:spPr>
+        <p:txBody>
+          <a:bodyPr/>
+          <a:lstStyle/>
+          <a:p>
+            <a:r>
+              <a:rPr lang="en-US" dirty="0"/>
+              <a:t>Research on Hispanic groups finds heterogeneity </a:t>
+            </a:r>
+          </a:p>
+        </p:txBody>
+      </p:sp>
+      <p:sp>
+        <p:nvSpPr>
+          <p:cNvPr id="6" name="AutoShape 4">
+            <a:extLst>
+              <a:ext uri="{FF2B5EF4-FFF2-40B4-BE49-F238E27FC236}">
+                <a16:creationId xmlns:a16="http://schemas.microsoft.com/office/drawing/2014/main" id="{3C3ACE8C-D8CA-F83A-12D0-D4194D94569C}"/>
+              </a:ext>
+            </a:extLst>
+          </p:cNvPr>
+          <p:cNvSpPr>
+            <a:spLocks noChangeAspect="1" noChangeArrowheads="1"/>
+          </p:cNvSpPr>
+          <p:nvPr/>
+        </p:nvSpPr>
+        <p:spPr bwMode="auto">
+          <a:xfrm>
+            <a:off x="5943600" y="3276600"/>
+            <a:ext cx="304800" cy="304800"/>
+          </a:xfrm>
+          <a:prstGeom prst="rect">
+            <a:avLst/>
+          </a:prstGeom>
+          <a:noFill/>
+          <a:extLst>
+            <a:ext uri="{909E8E84-426E-40DD-AFC4-6F175D3DCCD1}">
+              <a14:hiddenFill xmlns:a14="http://schemas.microsoft.com/office/drawing/2010/main">
+                <a:solidFill>
+                  <a:srgbClr val="FFFFFF"/>
+                </a:solidFill>
+              </a14:hiddenFill>
+            </a:ext>
+          </a:extLst>
+        </p:spPr>
+        <p:txBody>
+          <a:bodyPr vert="horz" wrap="square" lIns="91440" tIns="45720" rIns="91440" bIns="45720" numCol="1" anchor="t" anchorCtr="0" compatLnSpc="1">
+            <a:prstTxWarp prst="textNoShape">
+              <a:avLst/>
+            </a:prstTxWarp>
+          </a:bodyPr>
+          <a:lstStyle/>
+          <a:p>
+            <a:endParaRPr lang="en-US"/>
+          </a:p>
+        </p:txBody>
+      </p:sp>
+      <p:pic>
+        <p:nvPicPr>
+          <p:cNvPr id="9" name="Picture 8">
+            <a:extLst>
+              <a:ext uri="{FF2B5EF4-FFF2-40B4-BE49-F238E27FC236}">
+                <a16:creationId xmlns:a16="http://schemas.microsoft.com/office/drawing/2014/main" id="{C4B8D538-6CC9-AC0C-0011-46E254CFFE1F}"/>
+              </a:ext>
+            </a:extLst>
+          </p:cNvPr>
+          <p:cNvPicPr>
+            <a:picLocks noChangeAspect="1"/>
+          </p:cNvPicPr>
+          <p:nvPr/>
+        </p:nvPicPr>
+        <p:blipFill>
+          <a:blip r:embed="rId3"/>
+          <a:stretch>
+            <a:fillRect/>
+          </a:stretch>
+        </p:blipFill>
+        <p:spPr>
+          <a:xfrm>
+            <a:off x="1722782" y="1545521"/>
+            <a:ext cx="8451453" cy="3944013"/>
+          </a:xfrm>
+          <a:prstGeom prst="rect">
+            <a:avLst/>
+          </a:prstGeom>
+        </p:spPr>
+      </p:pic>
+      <p:sp>
+        <p:nvSpPr>
+          <p:cNvPr id="10" name="Text Box 6">
+            <a:extLst>
+              <a:ext uri="{FF2B5EF4-FFF2-40B4-BE49-F238E27FC236}">
+                <a16:creationId xmlns:a16="http://schemas.microsoft.com/office/drawing/2014/main" id="{F839D726-FF38-003B-E4FC-9573B9FF0299}"/>
+              </a:ext>
+            </a:extLst>
+          </p:cNvPr>
+          <p:cNvSpPr txBox="1">
+            <a:spLocks noChangeArrowheads="1"/>
+          </p:cNvSpPr>
+          <p:nvPr/>
+        </p:nvSpPr>
+        <p:spPr bwMode="auto">
+          <a:xfrm>
+            <a:off x="2341222" y="6427076"/>
+            <a:ext cx="5899752" cy="276985"/>
+          </a:xfrm>
+          <a:prstGeom prst="rect">
+            <a:avLst/>
+          </a:prstGeom>
+          <a:noFill/>
+          <a:ln>
+            <a:noFill/>
+          </a:ln>
+          <a:extLst>
+            <a:ext uri="{909E8E84-426E-40DD-AFC4-6F175D3DCCD1}">
+              <a14:hiddenFill xmlns:a14="http://schemas.microsoft.com/office/drawing/2010/main">
+                <a:solidFill>
+                  <a:srgbClr val="FFFFFF"/>
+                </a:solidFill>
+              </a14:hiddenFill>
+            </a:ext>
+            <a:ext uri="{91240B29-F687-4F45-9708-019B960494DF}">
+              <a14:hiddenLine xmlns:a14="http://schemas.microsoft.com/office/drawing/2010/main" w="9525">
+                <a:solidFill>
+                  <a:srgbClr val="000000"/>
+                </a:solidFill>
+                <a:miter lim="800000"/>
+                <a:headEnd/>
+                <a:tailEnd/>
+              </a14:hiddenLine>
+            </a:ext>
+          </a:extLst>
+        </p:spPr>
+        <p:txBody>
+          <a:bodyPr wrap="square" lIns="91427" tIns="45713" rIns="91427" bIns="45713">
+            <a:spAutoFit/>
+          </a:bodyPr>
+          <a:lstStyle>
+            <a:lvl1pPr>
+              <a:spcBef>
+                <a:spcPct val="20000"/>
+              </a:spcBef>
+              <a:buFont typeface="Arial" panose="020B0604020202020204" pitchFamily="34" charset="0"/>
+              <a:buChar char="•"/>
+              <a:defRPr sz="3200">
+                <a:solidFill>
+                  <a:schemeClr val="tx1"/>
+                </a:solidFill>
+                <a:latin typeface="Arial" panose="020B0604020202020204" pitchFamily="34" charset="0"/>
+              </a:defRPr>
+            </a:lvl1pPr>
+            <a:lvl2pPr marL="742950" indent="-285750">
+              <a:spcBef>
+                <a:spcPct val="20000"/>
+              </a:spcBef>
+              <a:buFont typeface="Arial" panose="020B0604020202020204" pitchFamily="34" charset="0"/>
+              <a:buChar char="–"/>
+              <a:defRPr sz="2800">
+                <a:solidFill>
+                  <a:schemeClr val="tx1"/>
+                </a:solidFill>
+                <a:latin typeface="Arial" panose="020B0604020202020204" pitchFamily="34" charset="0"/>
+              </a:defRPr>
+            </a:lvl2pPr>
+            <a:lvl3pPr marL="1143000" indent="-228600">
+              <a:spcBef>
+                <a:spcPct val="20000"/>
+              </a:spcBef>
+              <a:buFont typeface="Arial" panose="020B0604020202020204" pitchFamily="34" charset="0"/>
+              <a:buChar char="•"/>
+              <a:defRPr sz="2400">
+                <a:solidFill>
+                  <a:schemeClr val="tx1"/>
+                </a:solidFill>
+                <a:latin typeface="Arial" panose="020B0604020202020204" pitchFamily="34" charset="0"/>
+              </a:defRPr>
+            </a:lvl3pPr>
+            <a:lvl4pPr marL="1600200" indent="-228600">
+              <a:spcBef>
+                <a:spcPct val="20000"/>
+              </a:spcBef>
+              <a:buFont typeface="Arial" panose="020B0604020202020204" pitchFamily="34" charset="0"/>
+              <a:buChar char="–"/>
+              <a:defRPr sz="2000">
+                <a:solidFill>
+                  <a:schemeClr val="tx1"/>
+                </a:solidFill>
+                <a:latin typeface="Arial" panose="020B0604020202020204" pitchFamily="34" charset="0"/>
+              </a:defRPr>
+            </a:lvl4pPr>
+            <a:lvl5pPr marL="2057400" indent="-228600">
+              <a:spcBef>
+                <a:spcPct val="20000"/>
+              </a:spcBef>
+              <a:buFont typeface="Arial" panose="020B0604020202020204" pitchFamily="34" charset="0"/>
+              <a:buChar char="»"/>
+              <a:defRPr sz="2000">
+                <a:solidFill>
+                  <a:schemeClr val="tx1"/>
+                </a:solidFill>
+                <a:latin typeface="Arial" panose="020B0604020202020204" pitchFamily="34" charset="0"/>
+              </a:defRPr>
+            </a:lvl5pPr>
+            <a:lvl6pPr marL="2514600" indent="-228600" eaLnBrk="0" fontAlgn="base" hangingPunct="0">
+              <a:spcBef>
+                <a:spcPct val="20000"/>
+              </a:spcBef>
+              <a:spcAft>
+                <a:spcPct val="0"/>
+              </a:spcAft>
+              <a:buFont typeface="Arial" panose="020B0604020202020204" pitchFamily="34" charset="0"/>
+              <a:buChar char="»"/>
+              <a:defRPr sz="2000">
+                <a:solidFill>
+                  <a:schemeClr val="tx1"/>
+                </a:solidFill>
+                <a:latin typeface="Arial" panose="020B0604020202020204" pitchFamily="34" charset="0"/>
+              </a:defRPr>
+            </a:lvl6pPr>
+            <a:lvl7pPr marL="2971800" indent="-228600" eaLnBrk="0" fontAlgn="base" hangingPunct="0">
+              <a:spcBef>
+                <a:spcPct val="20000"/>
+              </a:spcBef>
+              <a:spcAft>
+                <a:spcPct val="0"/>
+              </a:spcAft>
+              <a:buFont typeface="Arial" panose="020B0604020202020204" pitchFamily="34" charset="0"/>
+              <a:buChar char="»"/>
+              <a:defRPr sz="2000">
+                <a:solidFill>
+                  <a:schemeClr val="tx1"/>
+                </a:solidFill>
+                <a:latin typeface="Arial" panose="020B0604020202020204" pitchFamily="34" charset="0"/>
+              </a:defRPr>
+            </a:lvl7pPr>
+            <a:lvl8pPr marL="3429000" indent="-228600" eaLnBrk="0" fontAlgn="base" hangingPunct="0">
+              <a:spcBef>
+                <a:spcPct val="20000"/>
+              </a:spcBef>
+              <a:spcAft>
+                <a:spcPct val="0"/>
+              </a:spcAft>
+              <a:buFont typeface="Arial" panose="020B0604020202020204" pitchFamily="34" charset="0"/>
+              <a:buChar char="»"/>
+              <a:defRPr sz="2000">
+                <a:solidFill>
+                  <a:schemeClr val="tx1"/>
+                </a:solidFill>
+                <a:latin typeface="Arial" panose="020B0604020202020204" pitchFamily="34" charset="0"/>
+              </a:defRPr>
+            </a:lvl8pPr>
+            <a:lvl9pPr marL="3886200" indent="-228600" eaLnBrk="0" fontAlgn="base" hangingPunct="0">
+              <a:spcBef>
+                <a:spcPct val="20000"/>
+              </a:spcBef>
+              <a:spcAft>
+                <a:spcPct val="0"/>
+              </a:spcAft>
+              <a:buFont typeface="Arial" panose="020B0604020202020204" pitchFamily="34" charset="0"/>
+              <a:buChar char="»"/>
+              <a:defRPr sz="2000">
+                <a:solidFill>
+                  <a:schemeClr val="tx1"/>
+                </a:solidFill>
+                <a:latin typeface="Arial" panose="020B0604020202020204" pitchFamily="34" charset="0"/>
+              </a:defRPr>
+            </a:lvl9pPr>
+          </a:lstStyle>
+          <a:p>
+            <a:pPr>
+              <a:spcBef>
+                <a:spcPct val="0"/>
+              </a:spcBef>
+              <a:buClr>
+                <a:srgbClr val="0563C1"/>
+              </a:buClr>
+              <a:buSzPct val="120000"/>
+              <a:buNone/>
+              <a:defRPr/>
+            </a:pPr>
+            <a:r>
+              <a:rPr lang="en-US" altLang="en-US" sz="1200" dirty="0">
+                <a:solidFill>
+                  <a:prstClr val="black"/>
+                </a:solidFill>
+                <a:latin typeface="+mn-lt"/>
+                <a:cs typeface="Times New Roman" panose="02020603050405020304" pitchFamily="18" charset="0"/>
+              </a:rPr>
+              <a:t>Llibre Rodriguez J, et al. The Lancet, 2008; 372: 464</a:t>
+            </a:r>
+          </a:p>
+        </p:txBody>
+      </p:sp>
+    </p:spTree>
+    <p:extLst>
+      <p:ext uri="{BB962C8B-B14F-4D97-AF65-F5344CB8AC3E}">
+        <p14:creationId xmlns:p14="http://schemas.microsoft.com/office/powerpoint/2010/main" val="3326969986"/>
+      </p:ext>
+    </p:extLst>
+  </p:cSld>
+  <p:clrMapOvr>
+    <a:masterClrMapping/>
+  </p:clrMapOvr>
+</p:sld>
+</file>
+
+<file path=ppt/slides/slide23.xml><?xml version="1.0" encoding="utf-8"?>
+<p:sld xmlns:a="http://schemas.openxmlformats.org/drawingml/2006/main" xmlns:r="http://schemas.openxmlformats.org/officeDocument/2006/relationships" xmlns:p="http://schemas.openxmlformats.org/presentationml/2006/main">
+  <p:cSld>
+    <p:spTree>
+      <p:nvGrpSpPr>
+        <p:cNvPr id="1" name=""/>
+        <p:cNvGrpSpPr/>
+        <p:nvPr/>
+      </p:nvGrpSpPr>
+      <p:grpSpPr>
+        <a:xfrm>
+          <a:off x="0" y="0"/>
+          <a:ext cx="0" cy="0"/>
+          <a:chOff x="0" y="0"/>
+          <a:chExt cx="0" cy="0"/>
+        </a:xfrm>
+      </p:grpSpPr>
+      <p:sp>
+        <p:nvSpPr>
+          <p:cNvPr id="2" name="Title 1">
+            <a:extLst>
+              <a:ext uri="{FF2B5EF4-FFF2-40B4-BE49-F238E27FC236}">
+                <a16:creationId xmlns:a16="http://schemas.microsoft.com/office/drawing/2014/main" id="{7382CFC8-CA98-3E5E-33C0-812737A145C6}"/>
+              </a:ext>
+            </a:extLst>
+          </p:cNvPr>
+          <p:cNvSpPr>
+            <a:spLocks noGrp="1"/>
+          </p:cNvSpPr>
+          <p:nvPr>
+            <p:ph type="title"/>
+          </p:nvPr>
+        </p:nvSpPr>
+        <p:spPr/>
+        <p:txBody>
+          <a:bodyPr/>
+          <a:lstStyle/>
+          <a:p>
+            <a:r>
+              <a:rPr lang="en-US" dirty="0"/>
+              <a:t>Additional slides</a:t>
+            </a:r>
+          </a:p>
+        </p:txBody>
+      </p:sp>
+      <p:sp>
+        <p:nvSpPr>
+          <p:cNvPr id="3" name="Content Placeholder 2">
+            <a:extLst>
+              <a:ext uri="{FF2B5EF4-FFF2-40B4-BE49-F238E27FC236}">
+                <a16:creationId xmlns:a16="http://schemas.microsoft.com/office/drawing/2014/main" id="{5090D830-DC34-4D42-FF52-896677D7DEF0}"/>
+              </a:ext>
+            </a:extLst>
+          </p:cNvPr>
+          <p:cNvSpPr>
+            <a:spLocks noGrp="1"/>
+          </p:cNvSpPr>
+          <p:nvPr>
+            <p:ph idx="1"/>
+          </p:nvPr>
+        </p:nvSpPr>
+        <p:spPr/>
+        <p:txBody>
+          <a:bodyPr/>
+          <a:lstStyle/>
+          <a:p>
+            <a:r>
+              <a:rPr lang="en-US" dirty="0"/>
+              <a:t>Although migration within </a:t>
+            </a:r>
+            <a:r>
+              <a:rPr lang="en-US" dirty="0" err="1"/>
+              <a:t>latin</a:t>
+            </a:r>
+            <a:r>
+              <a:rPr lang="en-US" dirty="0"/>
+              <a:t> America is increasing</a:t>
+            </a:r>
+          </a:p>
+          <a:p>
+            <a:pPr lvl="1"/>
+            <a:r>
+              <a:rPr lang="en-US" dirty="0"/>
+              <a:t>Only about 1% of the population in Mexico is foreign</a:t>
+            </a:r>
+          </a:p>
+          <a:p>
+            <a:pPr lvl="2"/>
+            <a:r>
+              <a:rPr lang="en-US" dirty="0">
+                <a:hlinkClick r:id="rId2"/>
+              </a:rPr>
+              <a:t>https://www.oecd.org/en/publications/international-migration-outlook-2024_50b0353e-en/full-report/mexico_d1b0bd46.html</a:t>
+            </a:r>
+            <a:endParaRPr lang="en-US" dirty="0"/>
+          </a:p>
+          <a:p>
+            <a:pPr lvl="1"/>
+            <a:r>
+              <a:rPr lang="en-US" dirty="0"/>
+              <a:t>3% of Puerto Rico is foreign</a:t>
+            </a:r>
+          </a:p>
+          <a:p>
+            <a:pPr lvl="2"/>
+            <a:r>
+              <a:rPr lang="en-US" dirty="0"/>
+              <a:t>https://</a:t>
+            </a:r>
+            <a:r>
+              <a:rPr lang="en-US" dirty="0" err="1"/>
+              <a:t>www.census.gov</a:t>
+            </a:r>
+            <a:r>
+              <a:rPr lang="en-US" dirty="0"/>
+              <a:t>/library/stories/2024/05/foreign-born-population-</a:t>
+            </a:r>
+            <a:r>
+              <a:rPr lang="en-US" dirty="0" err="1"/>
+              <a:t>puerto</a:t>
+            </a:r>
+            <a:r>
+              <a:rPr lang="en-US" dirty="0"/>
+              <a:t>-</a:t>
+            </a:r>
+            <a:r>
+              <a:rPr lang="en-US" dirty="0" err="1"/>
+              <a:t>rico.html</a:t>
+            </a:r>
+            <a:endParaRPr lang="en-US" dirty="0"/>
+          </a:p>
+          <a:p>
+            <a:pPr lvl="1"/>
+            <a:r>
+              <a:rPr lang="en-US" dirty="0"/>
+              <a:t>4% of the Dominican republic is foreign</a:t>
+            </a:r>
+          </a:p>
+          <a:p>
+            <a:pPr lvl="2"/>
+            <a:r>
+              <a:rPr lang="en-US" dirty="0"/>
+              <a:t>https://</a:t>
+            </a:r>
+            <a:r>
+              <a:rPr lang="en-US" dirty="0" err="1"/>
+              <a:t>www.macrotrends.net</a:t>
+            </a:r>
+            <a:r>
+              <a:rPr lang="en-US" dirty="0"/>
+              <a:t>/global-metrics/countries/DOM/</a:t>
+            </a:r>
+            <a:r>
+              <a:rPr lang="en-US" dirty="0" err="1"/>
+              <a:t>dominican</a:t>
+            </a:r>
+            <a:r>
+              <a:rPr lang="en-US" dirty="0"/>
+              <a:t>-republic/net-migration</a:t>
+            </a:r>
+          </a:p>
+          <a:p>
+            <a:pPr lvl="1"/>
+            <a:r>
+              <a:rPr lang="en-US" dirty="0"/>
+              <a:t>.1% of Cuba is foreign</a:t>
+            </a:r>
+          </a:p>
+          <a:p>
+            <a:pPr lvl="2"/>
+            <a:r>
+              <a:rPr lang="en-US" dirty="0"/>
+              <a:t>https://</a:t>
+            </a:r>
+            <a:r>
+              <a:rPr lang="en-US" dirty="0" err="1"/>
+              <a:t>www.macrotrends.net</a:t>
+            </a:r>
+            <a:r>
+              <a:rPr lang="en-US" dirty="0"/>
+              <a:t>/global-metrics/countries/CUB/</a:t>
+            </a:r>
+            <a:r>
+              <a:rPr lang="en-US" dirty="0" err="1"/>
+              <a:t>cuba</a:t>
+            </a:r>
+            <a:r>
+              <a:rPr lang="en-US" dirty="0"/>
+              <a:t>/net-migration</a:t>
+            </a:r>
+          </a:p>
+        </p:txBody>
+      </p:sp>
+    </p:spTree>
+    <p:extLst>
+      <p:ext uri="{BB962C8B-B14F-4D97-AF65-F5344CB8AC3E}">
+        <p14:creationId xmlns:p14="http://schemas.microsoft.com/office/powerpoint/2010/main" val="282359561"/>
+      </p:ext>
+    </p:extLst>
+  </p:cSld>
+  <p:clrMapOvr>
+    <a:masterClrMapping/>
+  </p:clrMapOvr>
+</p:sld>
+</file>
+
+<file path=ppt/slides/slide3.xml><?xml version="1.0" encoding="utf-8"?>
+<p:sld xmlns:a="http://schemas.openxmlformats.org/drawingml/2006/main" xmlns:r="http://schemas.openxmlformats.org/officeDocument/2006/relationships" xmlns:p="http://schemas.openxmlformats.org/presentationml/2006/main">
+  <p:cSld>
+    <p:spTree>
+      <p:nvGrpSpPr>
+        <p:cNvPr id="1" name=""/>
+        <p:cNvGrpSpPr/>
+        <p:nvPr/>
+      </p:nvGrpSpPr>
+      <p:grpSpPr>
+        <a:xfrm>
+          <a:off x="0" y="0"/>
+          <a:ext cx="0" cy="0"/>
+          <a:chOff x="0" y="0"/>
+          <a:chExt cx="0" cy="0"/>
+        </a:xfrm>
+      </p:grpSpPr>
+      <p:sp>
+        <p:nvSpPr>
+          <p:cNvPr id="2" name="Title 1">
+            <a:extLst>
+              <a:ext uri="{FF2B5EF4-FFF2-40B4-BE49-F238E27FC236}">
+                <a16:creationId xmlns:a16="http://schemas.microsoft.com/office/drawing/2014/main" id="{D1F9E53A-1A3B-44D0-55FA-41C9B900A45A}"/>
+              </a:ext>
+            </a:extLst>
+          </p:cNvPr>
+          <p:cNvSpPr>
+            <a:spLocks noGrp="1"/>
+          </p:cNvSpPr>
+          <p:nvPr>
+            <p:ph type="title"/>
+          </p:nvPr>
+        </p:nvSpPr>
+        <p:spPr/>
+        <p:txBody>
+          <a:bodyPr>
+            <a:normAutofit fontScale="90000"/>
+          </a:bodyPr>
+          <a:lstStyle/>
+          <a:p>
+            <a:r>
+              <a:rPr lang="en-US" dirty="0"/>
+              <a:t>Infant Mortality Rates Represent Health Implies Very Different Early Childhood Conditions</a:t>
+            </a:r>
+          </a:p>
+        </p:txBody>
+      </p:sp>
+      <p:pic>
+        <p:nvPicPr>
+          <p:cNvPr id="7" name="Picture 6" descr="A graph of colored lines&#10;&#10;AI-generated content may be incorrect.">
+            <a:extLst>
+              <a:ext uri="{FF2B5EF4-FFF2-40B4-BE49-F238E27FC236}">
+                <a16:creationId xmlns:a16="http://schemas.microsoft.com/office/drawing/2014/main" id="{3BC4F2D5-3076-696E-92CA-1261689E7432}"/>
+              </a:ext>
+            </a:extLst>
+          </p:cNvPr>
+          <p:cNvPicPr>
+            <a:picLocks noChangeAspect="1"/>
+          </p:cNvPicPr>
+          <p:nvPr/>
+        </p:nvPicPr>
+        <p:blipFill>
+          <a:blip r:embed="rId3"/>
+          <a:stretch>
+            <a:fillRect/>
+          </a:stretch>
+        </p:blipFill>
+        <p:spPr>
+          <a:xfrm>
+            <a:off x="2467232" y="1433382"/>
+            <a:ext cx="7232822" cy="5424617"/>
+          </a:xfrm>
+          <a:prstGeom prst="rect">
+            <a:avLst/>
+          </a:prstGeom>
+        </p:spPr>
+      </p:pic>
+      <p:sp>
+        <p:nvSpPr>
+          <p:cNvPr id="4" name="Right Arrow 3">
+            <a:extLst>
+              <a:ext uri="{FF2B5EF4-FFF2-40B4-BE49-F238E27FC236}">
+                <a16:creationId xmlns:a16="http://schemas.microsoft.com/office/drawing/2014/main" id="{36BCCB21-0F33-EF5A-01B1-0BE08A1C2BB0}"/>
+              </a:ext>
+            </a:extLst>
+          </p:cNvPr>
+          <p:cNvSpPr/>
+          <p:nvPr/>
+        </p:nvSpPr>
+        <p:spPr>
+          <a:xfrm rot="16200000">
+            <a:off x="3322854" y="5002055"/>
+            <a:ext cx="877746" cy="845126"/>
+          </a:xfrm>
+          <a:prstGeom prst="rightArrow">
+            <a:avLst/>
+          </a:prstGeom>
+        </p:spPr>
+        <p:style>
+          <a:lnRef idx="2">
+            <a:schemeClr val="accent1">
+              <a:shade val="15000"/>
+            </a:schemeClr>
+          </a:lnRef>
+          <a:fillRef idx="1">
+            <a:schemeClr val="accent1"/>
+          </a:fillRef>
+          <a:effectRef idx="0">
+            <a:schemeClr val="accent1"/>
+          </a:effectRef>
+          <a:fontRef idx="minor">
+            <a:schemeClr val="lt1"/>
+          </a:fontRef>
+        </p:style>
+        <p:txBody>
+          <a:bodyPr rtlCol="0" anchor="ctr"/>
+          <a:lstStyle/>
+          <a:p>
+            <a:pPr algn="ctr"/>
+            <a:endParaRPr lang="en-US"/>
+          </a:p>
+        </p:txBody>
+      </p:sp>
+    </p:spTree>
+    <p:extLst>
+      <p:ext uri="{BB962C8B-B14F-4D97-AF65-F5344CB8AC3E}">
+        <p14:creationId xmlns:p14="http://schemas.microsoft.com/office/powerpoint/2010/main" val="4081330067"/>
+      </p:ext>
+    </p:extLst>
+  </p:cSld>
+  <p:clrMapOvr>
+    <a:masterClrMapping/>
+  </p:clrMapOvr>
+</p:sld>
+</file>
+
+<file path=ppt/slides/slide4.xml><?xml version="1.0" encoding="utf-8"?>
+<p:sld xmlns:a="http://schemas.openxmlformats.org/drawingml/2006/main" xmlns:r="http://schemas.openxmlformats.org/officeDocument/2006/relationships" xmlns:p="http://schemas.openxmlformats.org/presentationml/2006/main">
+  <p:cSld>
+    <p:spTree>
+      <p:nvGrpSpPr>
+        <p:cNvPr id="1" name=""/>
+        <p:cNvGrpSpPr/>
+        <p:nvPr/>
+      </p:nvGrpSpPr>
+      <p:grpSpPr>
+        <a:xfrm>
+          <a:off x="0" y="0"/>
+          <a:ext cx="0" cy="0"/>
+          <a:chOff x="0" y="0"/>
+          <a:chExt cx="0" cy="0"/>
+        </a:xfrm>
+      </p:grpSpPr>
+      <p:sp>
+        <p:nvSpPr>
+          <p:cNvPr id="2" name="Title 1">
+            <a:extLst>
+              <a:ext uri="{FF2B5EF4-FFF2-40B4-BE49-F238E27FC236}">
+                <a16:creationId xmlns:a16="http://schemas.microsoft.com/office/drawing/2014/main" id="{3E1F5B6B-DABA-03DC-4CC4-3919B3B57888}"/>
+              </a:ext>
+            </a:extLst>
+          </p:cNvPr>
+          <p:cNvSpPr>
+            <a:spLocks noGrp="1"/>
+          </p:cNvSpPr>
+          <p:nvPr>
+            <p:ph type="title"/>
+          </p:nvPr>
+        </p:nvSpPr>
+        <p:spPr/>
+        <p:txBody>
+          <a:bodyPr/>
+          <a:lstStyle/>
+          <a:p>
+            <a:r>
+              <a:rPr lang="en-US" dirty="0"/>
+              <a:t>Immigrant Health Differs by Birth Country</a:t>
+            </a:r>
+          </a:p>
+        </p:txBody>
+      </p:sp>
+      <p:sp>
+        <p:nvSpPr>
+          <p:cNvPr id="3" name="Content Placeholder 2">
+            <a:extLst>
+              <a:ext uri="{FF2B5EF4-FFF2-40B4-BE49-F238E27FC236}">
+                <a16:creationId xmlns:a16="http://schemas.microsoft.com/office/drawing/2014/main" id="{DA531385-67C5-A489-E34A-2D6E8D37FEF0}"/>
+              </a:ext>
+            </a:extLst>
+          </p:cNvPr>
+          <p:cNvSpPr>
+            <a:spLocks noGrp="1"/>
+          </p:cNvSpPr>
+          <p:nvPr>
+            <p:ph idx="1"/>
+          </p:nvPr>
+        </p:nvSpPr>
+        <p:spPr>
+          <a:xfrm>
+            <a:off x="838200" y="1825624"/>
+            <a:ext cx="10515600" cy="4782993"/>
+          </a:xfrm>
+        </p:spPr>
+        <p:txBody>
+          <a:bodyPr>
+            <a:normAutofit/>
+          </a:bodyPr>
+          <a:lstStyle/>
+          <a:p>
+            <a:r>
+              <a:rPr lang="en-US" dirty="0"/>
+              <a:t>Growing literature documents heterogeneity in health outcomes for these migrant groups</a:t>
+            </a:r>
+          </a:p>
+          <a:p>
+            <a:pPr lvl="1"/>
+            <a:r>
+              <a:rPr lang="en-US" dirty="0" err="1"/>
+              <a:t>Eg</a:t>
+            </a:r>
+            <a:r>
+              <a:rPr lang="en-US" dirty="0"/>
+              <a:t> using NHIS to look at morbidity differences smaller samples though</a:t>
+            </a:r>
+          </a:p>
+          <a:p>
+            <a:r>
+              <a:rPr lang="en-US" dirty="0"/>
+              <a:t>We’re going to look at ACS (2016-20) for larger sample</a:t>
+            </a:r>
+          </a:p>
+          <a:p>
+            <a:r>
+              <a:rPr lang="en-US" dirty="0"/>
+              <a:t>Sociodemographic determinants of healthy aging in the ACS</a:t>
+            </a:r>
+          </a:p>
+          <a:p>
+            <a:pPr lvl="1"/>
+            <a:r>
+              <a:rPr lang="en-US" dirty="0"/>
+              <a:t>Migration Timing: Year / Age</a:t>
+            </a:r>
+          </a:p>
+          <a:p>
+            <a:pPr lvl="1"/>
+            <a:r>
+              <a:rPr lang="en-US" dirty="0"/>
+              <a:t>Education</a:t>
+            </a:r>
+          </a:p>
+          <a:p>
+            <a:pPr lvl="1"/>
+            <a:r>
+              <a:rPr lang="en-US" dirty="0"/>
+              <a:t>Social Isolation: Marital Status / Living alone</a:t>
+            </a:r>
+          </a:p>
+          <a:p>
+            <a:pPr lvl="1"/>
+            <a:r>
+              <a:rPr lang="en-US" dirty="0"/>
+              <a:t>Acculturation: English Speaking / Citizenship</a:t>
+            </a:r>
+          </a:p>
+          <a:p>
+            <a:endParaRPr lang="en-US" dirty="0"/>
+          </a:p>
+        </p:txBody>
+      </p:sp>
+    </p:spTree>
+    <p:extLst>
+      <p:ext uri="{BB962C8B-B14F-4D97-AF65-F5344CB8AC3E}">
+        <p14:creationId xmlns:p14="http://schemas.microsoft.com/office/powerpoint/2010/main" val="369795164"/>
+      </p:ext>
+    </p:extLst>
+  </p:cSld>
+  <p:clrMapOvr>
+    <a:masterClrMapping/>
+  </p:clrMapOvr>
+  <p:extLst>
+    <p:ext uri="{6950BFC3-D8DA-4A85-94F7-54DA5524770B}">
+      <p188:commentRel xmlns:p188="http://schemas.microsoft.com/office/powerpoint/2018/8/main" r:id="rId3"/>
+    </p:ext>
+  </p:extLst>
+</p:sld>
+</file>
+
+<file path=ppt/slides/slide5.xml><?xml version="1.0" encoding="utf-8"?>
+<p:sld xmlns:a="http://schemas.openxmlformats.org/drawingml/2006/main" xmlns:r="http://schemas.openxmlformats.org/officeDocument/2006/relationships" xmlns:p="http://schemas.openxmlformats.org/presentationml/2006/main">
+  <p:cSld>
+    <p:spTree>
+      <p:nvGrpSpPr>
+        <p:cNvPr id="1" name=""/>
+        <p:cNvGrpSpPr/>
+        <p:nvPr/>
+      </p:nvGrpSpPr>
+      <p:grpSpPr>
+        <a:xfrm>
+          <a:off x="0" y="0"/>
+          <a:ext cx="0" cy="0"/>
+          <a:chOff x="0" y="0"/>
+          <a:chExt cx="0" cy="0"/>
+        </a:xfrm>
+      </p:grpSpPr>
+      <p:sp>
+        <p:nvSpPr>
+          <p:cNvPr id="2" name="Title 1">
+            <a:extLst>
+              <a:ext uri="{FF2B5EF4-FFF2-40B4-BE49-F238E27FC236}">
+                <a16:creationId xmlns:a16="http://schemas.microsoft.com/office/drawing/2014/main" id="{321307EF-5EA4-9A0D-AD17-555F96E4FBA5}"/>
+              </a:ext>
+            </a:extLst>
+          </p:cNvPr>
+          <p:cNvSpPr>
+            <a:spLocks noGrp="1"/>
+          </p:cNvSpPr>
+          <p:nvPr>
+            <p:ph type="title"/>
+          </p:nvPr>
+        </p:nvSpPr>
+        <p:spPr/>
+        <p:txBody>
+          <a:bodyPr>
+            <a:normAutofit fontScale="90000"/>
+          </a:bodyPr>
+          <a:lstStyle/>
+          <a:p>
+            <a:r>
+              <a:rPr lang="en-US" dirty="0"/>
+              <a:t>Migrant Selectivity Differs by Country: Comparisons with Older Adults in Birth Countries </a:t>
+            </a:r>
+          </a:p>
+        </p:txBody>
+      </p:sp>
+      <p:sp>
+        <p:nvSpPr>
+          <p:cNvPr id="3" name="Content Placeholder 2">
+            <a:extLst>
+              <a:ext uri="{FF2B5EF4-FFF2-40B4-BE49-F238E27FC236}">
+                <a16:creationId xmlns:a16="http://schemas.microsoft.com/office/drawing/2014/main" id="{E1DAA6DA-67BF-21A2-9A1C-742D249E4CE5}"/>
+              </a:ext>
+            </a:extLst>
+          </p:cNvPr>
+          <p:cNvSpPr>
+            <a:spLocks noGrp="1"/>
+          </p:cNvSpPr>
+          <p:nvPr>
+            <p:ph idx="1"/>
+          </p:nvPr>
+        </p:nvSpPr>
+        <p:spPr/>
+        <p:txBody>
+          <a:bodyPr>
+            <a:normAutofit/>
+          </a:bodyPr>
+          <a:lstStyle/>
+          <a:p>
+            <a:r>
+              <a:rPr lang="en-US" dirty="0"/>
+              <a:t>International Census Data from IPUMS</a:t>
+            </a:r>
+          </a:p>
+          <a:p>
+            <a:pPr lvl="1"/>
+            <a:r>
+              <a:rPr lang="en-US" dirty="0"/>
+              <a:t>Mexico: 2010</a:t>
+            </a:r>
+          </a:p>
+          <a:p>
+            <a:pPr lvl="1"/>
+            <a:r>
+              <a:rPr lang="en-US" dirty="0"/>
+              <a:t>Puerto Rico: 2010</a:t>
+            </a:r>
+          </a:p>
+          <a:p>
+            <a:pPr lvl="1"/>
+            <a:r>
+              <a:rPr lang="en-US" dirty="0"/>
+              <a:t>Dominican Republic: 2010</a:t>
+            </a:r>
+          </a:p>
+          <a:p>
+            <a:pPr lvl="1"/>
+            <a:r>
+              <a:rPr lang="en-US" dirty="0"/>
+              <a:t>Cuba: 2012</a:t>
+            </a:r>
+          </a:p>
+          <a:p>
+            <a:pPr lvl="1"/>
+            <a:r>
+              <a:rPr lang="en-US" dirty="0"/>
+              <a:t>US American Community Survey (2008-10)</a:t>
+            </a:r>
+          </a:p>
+        </p:txBody>
+      </p:sp>
+      <p:pic>
+        <p:nvPicPr>
+          <p:cNvPr id="3074" name="Picture 2" descr="Homepage | IPUMS">
+            <a:extLst>
+              <a:ext uri="{FF2B5EF4-FFF2-40B4-BE49-F238E27FC236}">
+                <a16:creationId xmlns:a16="http://schemas.microsoft.com/office/drawing/2014/main" id="{0170D470-E360-7106-D32B-7F631C9A17C0}"/>
+              </a:ext>
+            </a:extLst>
+          </p:cNvPr>
+          <p:cNvPicPr>
+            <a:picLocks noChangeAspect="1" noChangeArrowheads="1"/>
+          </p:cNvPicPr>
+          <p:nvPr/>
+        </p:nvPicPr>
+        <p:blipFill>
+          <a:blip r:embed="rId3">
+            <a:extLst>
+              <a:ext uri="{28A0092B-C50C-407E-A947-70E740481C1C}">
+                <a14:useLocalDpi xmlns:a14="http://schemas.microsoft.com/office/drawing/2010/main" val="0"/>
+              </a:ext>
+            </a:extLst>
+          </a:blip>
+          <a:srcRect/>
+          <a:stretch>
+            <a:fillRect/>
+          </a:stretch>
+        </p:blipFill>
+        <p:spPr bwMode="auto">
+          <a:xfrm>
+            <a:off x="8032300" y="1758517"/>
+            <a:ext cx="3535860" cy="736318"/>
+          </a:xfrm>
+          <a:prstGeom prst="rect">
+            <a:avLst/>
+          </a:prstGeom>
+          <a:noFill/>
+          <a:extLst>
+            <a:ext uri="{909E8E84-426E-40DD-AFC4-6F175D3DCCD1}">
+              <a14:hiddenFill xmlns:a14="http://schemas.microsoft.com/office/drawing/2010/main">
+                <a:solidFill>
+                  <a:srgbClr val="FFFFFF"/>
+                </a:solidFill>
+              </a14:hiddenFill>
+            </a:ext>
+          </a:extLst>
+        </p:spPr>
+      </p:pic>
+    </p:spTree>
+    <p:extLst>
+      <p:ext uri="{BB962C8B-B14F-4D97-AF65-F5344CB8AC3E}">
+        <p14:creationId xmlns:p14="http://schemas.microsoft.com/office/powerpoint/2010/main" val="4053938008"/>
+      </p:ext>
+    </p:extLst>
+  </p:cSld>
+  <p:clrMapOvr>
+    <a:masterClrMapping/>
+  </p:clrMapOvr>
+</p:sld>
+</file>
+
+<file path=ppt/slides/slide6.xml><?xml version="1.0" encoding="utf-8"?>
+<p:sld xmlns:a="http://schemas.openxmlformats.org/drawingml/2006/main" xmlns:r="http://schemas.openxmlformats.org/officeDocument/2006/relationships" xmlns:p="http://schemas.openxmlformats.org/presentationml/2006/main">
+  <p:cSld>
+    <p:spTree>
+      <p:nvGrpSpPr>
+        <p:cNvPr id="1" name=""/>
+        <p:cNvGrpSpPr/>
+        <p:nvPr/>
+      </p:nvGrpSpPr>
+      <p:grpSpPr>
+        <a:xfrm>
+          <a:off x="0" y="0"/>
+          <a:ext cx="0" cy="0"/>
+          <a:chOff x="0" y="0"/>
+          <a:chExt cx="0" cy="0"/>
+        </a:xfrm>
+      </p:grpSpPr>
+      <p:sp>
+        <p:nvSpPr>
+          <p:cNvPr id="2" name="Title 1">
+            <a:extLst>
+              <a:ext uri="{FF2B5EF4-FFF2-40B4-BE49-F238E27FC236}">
+                <a16:creationId xmlns:a16="http://schemas.microsoft.com/office/drawing/2014/main" id="{5AE3580C-3D8D-C991-962B-FACF83EBEDE5}"/>
+              </a:ext>
+            </a:extLst>
+          </p:cNvPr>
+          <p:cNvSpPr>
+            <a:spLocks noGrp="1"/>
+          </p:cNvSpPr>
+          <p:nvPr>
+            <p:ph type="title"/>
+          </p:nvPr>
+        </p:nvSpPr>
+        <p:spPr/>
+        <p:txBody>
+          <a:bodyPr>
+            <a:normAutofit/>
+          </a:bodyPr>
+          <a:lstStyle/>
+          <a:p>
+            <a:r>
+              <a:rPr lang="en-US" dirty="0"/>
+              <a:t>First Results: Migration Cohorts</a:t>
+            </a:r>
+          </a:p>
+        </p:txBody>
+      </p:sp>
+      <p:sp>
+        <p:nvSpPr>
+          <p:cNvPr id="3" name="Content Placeholder 2">
+            <a:extLst>
+              <a:ext uri="{FF2B5EF4-FFF2-40B4-BE49-F238E27FC236}">
+                <a16:creationId xmlns:a16="http://schemas.microsoft.com/office/drawing/2014/main" id="{FC49462B-EE3C-BD2A-77BD-20EB696D497A}"/>
+              </a:ext>
+            </a:extLst>
+          </p:cNvPr>
+          <p:cNvSpPr>
+            <a:spLocks noGrp="1"/>
+          </p:cNvSpPr>
+          <p:nvPr>
+            <p:ph idx="1"/>
+          </p:nvPr>
+        </p:nvSpPr>
+        <p:spPr/>
+        <p:txBody>
+          <a:bodyPr>
+            <a:normAutofit/>
+          </a:bodyPr>
+          <a:lstStyle/>
+          <a:p>
+            <a:pPr marL="0" indent="0">
+              <a:buNone/>
+            </a:pPr>
+            <a:r>
+              <a:rPr lang="en-US" dirty="0"/>
+              <a:t>Say these verbally</a:t>
+            </a:r>
+          </a:p>
+          <a:p>
+            <a:pPr marL="0" indent="0">
+              <a:buNone/>
+            </a:pPr>
+            <a:endParaRPr lang="en-US" dirty="0"/>
+          </a:p>
+          <a:p>
+            <a:r>
+              <a:rPr lang="en-US" dirty="0"/>
+              <a:t>Puerto Rico became a US territory in 1898. In 1917 they were granted US citizenship.</a:t>
+            </a:r>
+            <a:br>
+              <a:rPr lang="en-US" dirty="0"/>
+            </a:br>
+            <a:endParaRPr lang="en-US" dirty="0"/>
+          </a:p>
+          <a:p>
+            <a:r>
+              <a:rPr lang="en-US" dirty="0"/>
+              <a:t>Cuban Revolution in 1959 sparked one of the largest refugee movement in US history (Duany 2017). In 1966, given path to US residency. </a:t>
+            </a:r>
+            <a:br>
+              <a:rPr lang="en-US" dirty="0"/>
+            </a:br>
+            <a:endParaRPr lang="en-US" dirty="0"/>
+          </a:p>
+        </p:txBody>
+      </p:sp>
+    </p:spTree>
+    <p:extLst>
+      <p:ext uri="{BB962C8B-B14F-4D97-AF65-F5344CB8AC3E}">
+        <p14:creationId xmlns:p14="http://schemas.microsoft.com/office/powerpoint/2010/main" val="531921029"/>
+      </p:ext>
+    </p:extLst>
+  </p:cSld>
+  <p:clrMapOvr>
+    <a:masterClrMapping/>
+  </p:clrMapOvr>
+  <p:extLst>
+    <p:ext uri="{6950BFC3-D8DA-4A85-94F7-54DA5524770B}">
+      <p188:commentRel xmlns:p188="http://schemas.microsoft.com/office/powerpoint/2018/8/main" r:id="rId3"/>
+    </p:ext>
+  </p:extLst>
+</p:sld>
+</file>
+
+<file path=ppt/slides/slide7.xml><?xml version="1.0" encoding="utf-8"?>
 <p:sld xmlns:a="http://schemas.openxmlformats.org/drawingml/2006/main" xmlns:r="http://schemas.openxmlformats.org/officeDocument/2006/relationships" xmlns:p="http://schemas.openxmlformats.org/presentationml/2006/main">
   <p:cSld>
     <p:spTree>
@@ -7762,129 +10766,7 @@
 </p:sld>
 </file>
 
-<file path=ppt/slides/slide15.xml><?xml version="1.0" encoding="utf-8"?>
-<p:sld xmlns:a="http://schemas.openxmlformats.org/drawingml/2006/main" xmlns:r="http://schemas.openxmlformats.org/officeDocument/2006/relationships" xmlns:p="http://schemas.openxmlformats.org/presentationml/2006/main">
-  <p:cSld>
-    <p:spTree>
-      <p:nvGrpSpPr>
-        <p:cNvPr id="1" name=""/>
-        <p:cNvGrpSpPr/>
-        <p:nvPr/>
-      </p:nvGrpSpPr>
-      <p:grpSpPr>
-        <a:xfrm>
-          <a:off x="0" y="0"/>
-          <a:ext cx="0" cy="0"/>
-          <a:chOff x="0" y="0"/>
-          <a:chExt cx="0" cy="0"/>
-        </a:xfrm>
-      </p:grpSpPr>
-      <p:sp>
-        <p:nvSpPr>
-          <p:cNvPr id="2" name="Title 1">
-            <a:extLst>
-              <a:ext uri="{FF2B5EF4-FFF2-40B4-BE49-F238E27FC236}">
-                <a16:creationId xmlns:a16="http://schemas.microsoft.com/office/drawing/2014/main" id="{BE5C5FD9-85ED-CCA2-BAF1-6263508F1B9C}"/>
-              </a:ext>
-            </a:extLst>
-          </p:cNvPr>
-          <p:cNvSpPr>
-            <a:spLocks noGrp="1"/>
-          </p:cNvSpPr>
-          <p:nvPr>
-            <p:ph type="title"/>
-          </p:nvPr>
-        </p:nvSpPr>
-        <p:spPr/>
-        <p:txBody>
-          <a:bodyPr/>
-          <a:lstStyle/>
-          <a:p>
-            <a:r>
-              <a:rPr lang="en-US" dirty="0"/>
-              <a:t>Migrants to the US are far more likely to have at least a secondary degree</a:t>
-            </a:r>
-          </a:p>
-        </p:txBody>
-      </p:sp>
-      <p:pic>
-        <p:nvPicPr>
-          <p:cNvPr id="6" name="Picture 5">
-            <a:extLst>
-              <a:ext uri="{FF2B5EF4-FFF2-40B4-BE49-F238E27FC236}">
-                <a16:creationId xmlns:a16="http://schemas.microsoft.com/office/drawing/2014/main" id="{69A9CC41-5B7D-2033-49D5-27821595BB79}"/>
-              </a:ext>
-            </a:extLst>
-          </p:cNvPr>
-          <p:cNvPicPr>
-            <a:picLocks noChangeAspect="1"/>
-          </p:cNvPicPr>
-          <p:nvPr/>
-        </p:nvPicPr>
-        <p:blipFill>
-          <a:blip r:embed="rId3"/>
-          <a:srcRect/>
-          <a:stretch/>
-        </p:blipFill>
-        <p:spPr>
-          <a:xfrm>
-            <a:off x="1015186" y="1783781"/>
-            <a:ext cx="10161628" cy="5080814"/>
-          </a:xfrm>
-          <a:prstGeom prst="rect">
-            <a:avLst/>
-          </a:prstGeom>
-        </p:spPr>
-      </p:pic>
-      <p:sp>
-        <p:nvSpPr>
-          <p:cNvPr id="7" name="TextBox 6">
-            <a:extLst>
-              <a:ext uri="{FF2B5EF4-FFF2-40B4-BE49-F238E27FC236}">
-                <a16:creationId xmlns:a16="http://schemas.microsoft.com/office/drawing/2014/main" id="{692CDA48-1194-EA8B-AF79-F3DB0D08DE35}"/>
-              </a:ext>
-            </a:extLst>
-          </p:cNvPr>
-          <p:cNvSpPr txBox="1"/>
-          <p:nvPr/>
-        </p:nvSpPr>
-        <p:spPr>
-          <a:xfrm>
-            <a:off x="4072128" y="1591366"/>
-            <a:ext cx="4876800" cy="369332"/>
-          </a:xfrm>
-          <a:prstGeom prst="rect">
-            <a:avLst/>
-          </a:prstGeom>
-          <a:noFill/>
-        </p:spPr>
-        <p:txBody>
-          <a:bodyPr wrap="square" rtlCol="0">
-            <a:spAutoFit/>
-          </a:bodyPr>
-          <a:lstStyle/>
-          <a:p>
-            <a:r>
-              <a:rPr lang="en-US" dirty="0"/>
-              <a:t>Proportion With At Least Secondary Degree</a:t>
-            </a:r>
-          </a:p>
-        </p:txBody>
-      </p:sp>
-    </p:spTree>
-    <p:extLst>
-      <p:ext uri="{BB962C8B-B14F-4D97-AF65-F5344CB8AC3E}">
-        <p14:creationId xmlns:p14="http://schemas.microsoft.com/office/powerpoint/2010/main" val="4105378377"/>
-      </p:ext>
-    </p:extLst>
-  </p:cSld>
-  <p:clrMapOvr>
-    <a:masterClrMapping/>
-  </p:clrMapOvr>
-</p:sld>
-</file>
-
-<file path=ppt/slides/slide16.xml><?xml version="1.0" encoding="utf-8"?>
+<file path=ppt/slides/slide8.xml><?xml version="1.0" encoding="utf-8"?>
 <p:sld xmlns:a="http://schemas.openxmlformats.org/drawingml/2006/main" xmlns:r="http://schemas.openxmlformats.org/officeDocument/2006/relationships" xmlns:p="http://schemas.openxmlformats.org/presentationml/2006/main">
   <p:cSld>
     <p:spTree>
@@ -7892,7 +10774,7 @@
         <p:cNvPr id="1" name="">
           <a:extLst>
             <a:ext uri="{FF2B5EF4-FFF2-40B4-BE49-F238E27FC236}">
-              <a16:creationId xmlns:a16="http://schemas.microsoft.com/office/drawing/2014/main" id="{0511CDC5-51F6-8FE4-933B-0BCBCEEF80D4}"/>
+              <a16:creationId xmlns:a16="http://schemas.microsoft.com/office/drawing/2014/main" id="{CB8F662A-EFB3-1F08-4B38-4BF6A5ECA546}"/>
             </a:ext>
           </a:extLst>
         </p:cNvPr>
@@ -7912,7 +10794,7 @@
           <p:cNvPr id="2" name="Title 1">
             <a:extLst>
               <a:ext uri="{FF2B5EF4-FFF2-40B4-BE49-F238E27FC236}">
-                <a16:creationId xmlns:a16="http://schemas.microsoft.com/office/drawing/2014/main" id="{0195A3EC-1084-769B-38BC-0210DCD22F6E}"/>
+                <a16:creationId xmlns:a16="http://schemas.microsoft.com/office/drawing/2014/main" id="{EDAFCB4B-8A68-7EF5-7E0F-4C431CAF8488}"/>
               </a:ext>
             </a:extLst>
           </p:cNvPr>
@@ -7923,24 +10805,29 @@
             <p:ph type="title"/>
           </p:nvPr>
         </p:nvSpPr>
-        <p:spPr/>
+        <p:spPr>
+          <a:xfrm>
+            <a:off x="838200" y="365125"/>
+            <a:ext cx="10150098" cy="1325563"/>
+          </a:xfrm>
+        </p:spPr>
         <p:txBody>
           <a:bodyPr/>
           <a:lstStyle/>
           <a:p>
             <a:r>
               <a:rPr lang="en-US" dirty="0"/>
-              <a:t>Native country residents are less likely to live alone</a:t>
+              <a:t>Mexican and Dominican migrants are the least likely to acculturate </a:t>
             </a:r>
           </a:p>
         </p:txBody>
       </p:sp>
       <p:pic>
         <p:nvPicPr>
-          <p:cNvPr id="3" name="Picture 2">
-            <a:extLst>
-              <a:ext uri="{FF2B5EF4-FFF2-40B4-BE49-F238E27FC236}">
-                <a16:creationId xmlns:a16="http://schemas.microsoft.com/office/drawing/2014/main" id="{B9D359F8-455F-2941-DB59-3E46805D988E}"/>
+          <p:cNvPr id="5" name="Picture 4">
+            <a:extLst>
+              <a:ext uri="{FF2B5EF4-FFF2-40B4-BE49-F238E27FC236}">
+                <a16:creationId xmlns:a16="http://schemas.microsoft.com/office/drawing/2014/main" id="{EB6E1121-E85C-A585-D8D6-5DB5F8DC1351}"/>
               </a:ext>
             </a:extLst>
           </p:cNvPr>
@@ -7956,694 +10843,8 @@
         </p:blipFill>
         <p:spPr>
           <a:xfrm>
-            <a:off x="1015186" y="1788224"/>
-            <a:ext cx="10161628" cy="5080814"/>
-          </a:xfrm>
-          <a:prstGeom prst="rect">
-            <a:avLst/>
-          </a:prstGeom>
-        </p:spPr>
-      </p:pic>
-      <p:sp>
-        <p:nvSpPr>
-          <p:cNvPr id="4" name="TextBox 3">
-            <a:extLst>
-              <a:ext uri="{FF2B5EF4-FFF2-40B4-BE49-F238E27FC236}">
-                <a16:creationId xmlns:a16="http://schemas.microsoft.com/office/drawing/2014/main" id="{DCF17342-4CCC-1BC7-C682-CBE8569B1930}"/>
-              </a:ext>
-            </a:extLst>
-          </p:cNvPr>
-          <p:cNvSpPr txBox="1"/>
-          <p:nvPr/>
-        </p:nvSpPr>
-        <p:spPr>
-          <a:xfrm>
-            <a:off x="5108448" y="1554790"/>
-            <a:ext cx="2572512" cy="369332"/>
-          </a:xfrm>
-          <a:prstGeom prst="rect">
-            <a:avLst/>
-          </a:prstGeom>
-          <a:noFill/>
-        </p:spPr>
-        <p:txBody>
-          <a:bodyPr wrap="square" rtlCol="0">
-            <a:spAutoFit/>
-          </a:bodyPr>
-          <a:lstStyle/>
-          <a:p>
-            <a:r>
-              <a:rPr lang="en-US" dirty="0"/>
-              <a:t>Proportion Living Alone</a:t>
-            </a:r>
-          </a:p>
-        </p:txBody>
-      </p:sp>
-    </p:spTree>
-    <p:extLst>
-      <p:ext uri="{BB962C8B-B14F-4D97-AF65-F5344CB8AC3E}">
-        <p14:creationId xmlns:p14="http://schemas.microsoft.com/office/powerpoint/2010/main" val="559553609"/>
-      </p:ext>
-    </p:extLst>
-  </p:cSld>
-  <p:clrMapOvr>
-    <a:masterClrMapping/>
-  </p:clrMapOvr>
-</p:sld>
-</file>
-
-<file path=ppt/slides/slide17.xml><?xml version="1.0" encoding="utf-8"?>
-<p:sld xmlns:a="http://schemas.openxmlformats.org/drawingml/2006/main" xmlns:r="http://schemas.openxmlformats.org/officeDocument/2006/relationships" xmlns:p="http://schemas.openxmlformats.org/presentationml/2006/main">
-  <p:cSld>
-    <p:spTree>
-      <p:nvGrpSpPr>
-        <p:cNvPr id="1" name="">
-          <a:extLst>
-            <a:ext uri="{FF2B5EF4-FFF2-40B4-BE49-F238E27FC236}">
-              <a16:creationId xmlns:a16="http://schemas.microsoft.com/office/drawing/2014/main" id="{F0F75750-7BC1-DC9E-0D1B-C64EFF11413F}"/>
-            </a:ext>
-          </a:extLst>
-        </p:cNvPr>
-        <p:cNvGrpSpPr/>
-        <p:nvPr/>
-      </p:nvGrpSpPr>
-      <p:grpSpPr>
-        <a:xfrm>
-          <a:off x="0" y="0"/>
-          <a:ext cx="0" cy="0"/>
-          <a:chOff x="0" y="0"/>
-          <a:chExt cx="0" cy="0"/>
-        </a:xfrm>
-      </p:grpSpPr>
-      <p:sp>
-        <p:nvSpPr>
-          <p:cNvPr id="2" name="Title 1">
-            <a:extLst>
-              <a:ext uri="{FF2B5EF4-FFF2-40B4-BE49-F238E27FC236}">
-                <a16:creationId xmlns:a16="http://schemas.microsoft.com/office/drawing/2014/main" id="{E74B2CEB-DA02-82A0-0078-96AEC9AD6536}"/>
-              </a:ext>
-            </a:extLst>
-          </p:cNvPr>
-          <p:cNvSpPr>
-            <a:spLocks noGrp="1"/>
-          </p:cNvSpPr>
-          <p:nvPr>
-            <p:ph type="title"/>
-          </p:nvPr>
-        </p:nvSpPr>
-        <p:spPr/>
-        <p:txBody>
-          <a:bodyPr/>
-          <a:lstStyle/>
-          <a:p>
-            <a:r>
-              <a:rPr lang="en-US" dirty="0"/>
-              <a:t>Native country residents are more likely to be married</a:t>
-            </a:r>
-          </a:p>
-        </p:txBody>
-      </p:sp>
-      <p:pic>
-        <p:nvPicPr>
-          <p:cNvPr id="4" name="Picture 3" descr="A black screen with colorful arrows and dots&#10;&#10;AI-generated content may be incorrect.">
-            <a:extLst>
-              <a:ext uri="{FF2B5EF4-FFF2-40B4-BE49-F238E27FC236}">
-                <a16:creationId xmlns:a16="http://schemas.microsoft.com/office/drawing/2014/main" id="{C68B82E7-3F68-751A-9B8B-1B6DACCC4454}"/>
-              </a:ext>
-            </a:extLst>
-          </p:cNvPr>
-          <p:cNvPicPr>
-            <a:picLocks noChangeAspect="1"/>
-          </p:cNvPicPr>
-          <p:nvPr/>
-        </p:nvPicPr>
-        <p:blipFill>
-          <a:blip r:embed="rId3"/>
-          <a:stretch>
-            <a:fillRect/>
-          </a:stretch>
-        </p:blipFill>
-        <p:spPr>
-          <a:xfrm>
-            <a:off x="1015186" y="1784935"/>
-            <a:ext cx="10161628" cy="5080814"/>
-          </a:xfrm>
-          <a:prstGeom prst="rect">
-            <a:avLst/>
-          </a:prstGeom>
-        </p:spPr>
-      </p:pic>
-      <p:sp>
-        <p:nvSpPr>
-          <p:cNvPr id="6" name="TextBox 5">
-            <a:extLst>
-              <a:ext uri="{FF2B5EF4-FFF2-40B4-BE49-F238E27FC236}">
-                <a16:creationId xmlns:a16="http://schemas.microsoft.com/office/drawing/2014/main" id="{51E97FB0-B51A-ADFE-D70A-7DEEB40CB6CA}"/>
-              </a:ext>
-            </a:extLst>
-          </p:cNvPr>
-          <p:cNvSpPr txBox="1"/>
-          <p:nvPr/>
-        </p:nvSpPr>
-        <p:spPr>
-          <a:xfrm>
-            <a:off x="5413248" y="1506022"/>
-            <a:ext cx="2182368" cy="369332"/>
-          </a:xfrm>
-          <a:prstGeom prst="rect">
-            <a:avLst/>
-          </a:prstGeom>
-          <a:noFill/>
-        </p:spPr>
-        <p:txBody>
-          <a:bodyPr wrap="square" rtlCol="0">
-            <a:spAutoFit/>
-          </a:bodyPr>
-          <a:lstStyle/>
-          <a:p>
-            <a:r>
-              <a:rPr lang="en-US" dirty="0"/>
-              <a:t>Proportion Married</a:t>
-            </a:r>
-          </a:p>
-        </p:txBody>
-      </p:sp>
-    </p:spTree>
-    <p:extLst>
-      <p:ext uri="{BB962C8B-B14F-4D97-AF65-F5344CB8AC3E}">
-        <p14:creationId xmlns:p14="http://schemas.microsoft.com/office/powerpoint/2010/main" val="3894427938"/>
-      </p:ext>
-    </p:extLst>
-  </p:cSld>
-  <p:clrMapOvr>
-    <a:masterClrMapping/>
-  </p:clrMapOvr>
-</p:sld>
-</file>
-
-<file path=ppt/slides/slide18.xml><?xml version="1.0" encoding="utf-8"?>
-<p:sld xmlns:a="http://schemas.openxmlformats.org/drawingml/2006/main" xmlns:r="http://schemas.openxmlformats.org/officeDocument/2006/relationships" xmlns:p="http://schemas.openxmlformats.org/presentationml/2006/main">
-  <p:cSld>
-    <p:spTree>
-      <p:nvGrpSpPr>
-        <p:cNvPr id="1" name=""/>
-        <p:cNvGrpSpPr/>
-        <p:nvPr/>
-      </p:nvGrpSpPr>
-      <p:grpSpPr>
-        <a:xfrm>
-          <a:off x="0" y="0"/>
-          <a:ext cx="0" cy="0"/>
-          <a:chOff x="0" y="0"/>
-          <a:chExt cx="0" cy="0"/>
-        </a:xfrm>
-      </p:grpSpPr>
-      <p:sp>
-        <p:nvSpPr>
-          <p:cNvPr id="2" name="Title 1">
-            <a:extLst>
-              <a:ext uri="{FF2B5EF4-FFF2-40B4-BE49-F238E27FC236}">
-                <a16:creationId xmlns:a16="http://schemas.microsoft.com/office/drawing/2014/main" id="{D5482EED-8987-2339-D0D0-5A975F3A5D42}"/>
-              </a:ext>
-            </a:extLst>
-          </p:cNvPr>
-          <p:cNvSpPr>
-            <a:spLocks noGrp="1"/>
-          </p:cNvSpPr>
-          <p:nvPr>
-            <p:ph type="title"/>
-          </p:nvPr>
-        </p:nvSpPr>
-        <p:spPr/>
-        <p:txBody>
-          <a:bodyPr/>
-          <a:lstStyle/>
-          <a:p>
-            <a:r>
-              <a:rPr lang="en-US" dirty="0"/>
-              <a:t>Strong cohort increases in migrant education, even from 2010 to 2020</a:t>
-            </a:r>
-          </a:p>
-        </p:txBody>
-      </p:sp>
-      <p:pic>
-        <p:nvPicPr>
-          <p:cNvPr id="7" name="Picture 6" descr="A screenshot of a video game&#10;&#10;AI-generated content may be incorrect.">
-            <a:extLst>
-              <a:ext uri="{FF2B5EF4-FFF2-40B4-BE49-F238E27FC236}">
-                <a16:creationId xmlns:a16="http://schemas.microsoft.com/office/drawing/2014/main" id="{665FDF90-A564-0209-DBE1-3A56FFF7CBB7}"/>
-              </a:ext>
-            </a:extLst>
-          </p:cNvPr>
-          <p:cNvPicPr>
-            <a:picLocks noChangeAspect="1"/>
-          </p:cNvPicPr>
-          <p:nvPr/>
-        </p:nvPicPr>
-        <p:blipFill>
-          <a:blip r:embed="rId3"/>
-          <a:stretch>
-            <a:fillRect/>
-          </a:stretch>
-        </p:blipFill>
-        <p:spPr>
-          <a:xfrm>
-            <a:off x="957504" y="1719504"/>
-            <a:ext cx="10276991" cy="5138496"/>
-          </a:xfrm>
-          <a:prstGeom prst="rect">
-            <a:avLst/>
-          </a:prstGeom>
-        </p:spPr>
-      </p:pic>
-    </p:spTree>
-    <p:extLst>
-      <p:ext uri="{BB962C8B-B14F-4D97-AF65-F5344CB8AC3E}">
-        <p14:creationId xmlns:p14="http://schemas.microsoft.com/office/powerpoint/2010/main" val="2286707971"/>
-      </p:ext>
-    </p:extLst>
-  </p:cSld>
-  <p:clrMapOvr>
-    <a:masterClrMapping/>
-  </p:clrMapOvr>
-</p:sld>
-</file>
-
-<file path=ppt/slides/slide19.xml><?xml version="1.0" encoding="utf-8"?>
-<p:sld xmlns:a="http://schemas.openxmlformats.org/drawingml/2006/main" xmlns:r="http://schemas.openxmlformats.org/officeDocument/2006/relationships" xmlns:p="http://schemas.openxmlformats.org/presentationml/2006/main">
-  <p:cSld>
-    <p:spTree>
-      <p:nvGrpSpPr>
-        <p:cNvPr id="1" name=""/>
-        <p:cNvGrpSpPr/>
-        <p:nvPr/>
-      </p:nvGrpSpPr>
-      <p:grpSpPr>
-        <a:xfrm>
-          <a:off x="0" y="0"/>
-          <a:ext cx="0" cy="0"/>
-          <a:chOff x="0" y="0"/>
-          <a:chExt cx="0" cy="0"/>
-        </a:xfrm>
-      </p:grpSpPr>
-      <p:sp>
-        <p:nvSpPr>
-          <p:cNvPr id="2" name="Title 1">
-            <a:extLst>
-              <a:ext uri="{FF2B5EF4-FFF2-40B4-BE49-F238E27FC236}">
-                <a16:creationId xmlns:a16="http://schemas.microsoft.com/office/drawing/2014/main" id="{2E700E63-B081-2016-3D25-C73C1CF5E971}"/>
-              </a:ext>
-            </a:extLst>
-          </p:cNvPr>
-          <p:cNvSpPr>
-            <a:spLocks noGrp="1"/>
-          </p:cNvSpPr>
-          <p:nvPr>
-            <p:ph type="title"/>
-          </p:nvPr>
-        </p:nvSpPr>
-        <p:spPr/>
-        <p:txBody>
-          <a:bodyPr/>
-          <a:lstStyle/>
-          <a:p>
-            <a:r>
-              <a:rPr lang="en-US" dirty="0"/>
-              <a:t>Discussion and Limitations</a:t>
-            </a:r>
-          </a:p>
-        </p:txBody>
-      </p:sp>
-      <p:sp>
-        <p:nvSpPr>
-          <p:cNvPr id="3" name="Content Placeholder 2">
-            <a:extLst>
-              <a:ext uri="{FF2B5EF4-FFF2-40B4-BE49-F238E27FC236}">
-                <a16:creationId xmlns:a16="http://schemas.microsoft.com/office/drawing/2014/main" id="{32B5C5B2-670C-EBE9-2315-3D178C996534}"/>
-              </a:ext>
-            </a:extLst>
-          </p:cNvPr>
-          <p:cNvSpPr>
-            <a:spLocks noGrp="1"/>
-          </p:cNvSpPr>
-          <p:nvPr>
-            <p:ph idx="1"/>
-          </p:nvPr>
-        </p:nvSpPr>
-        <p:spPr>
-          <a:xfrm>
-            <a:off x="838200" y="1825625"/>
-            <a:ext cx="10515600" cy="4784402"/>
-          </a:xfrm>
-        </p:spPr>
-        <p:txBody>
-          <a:bodyPr>
-            <a:normAutofit fontScale="92500" lnSpcReduction="20000"/>
-          </a:bodyPr>
-          <a:lstStyle/>
-          <a:p>
-            <a:r>
-              <a:rPr lang="en-US" dirty="0"/>
-              <a:t>We have unique comparison of migrants to people in their home countries using nationally representative data</a:t>
-            </a:r>
-            <a:br>
-              <a:rPr lang="en-US" dirty="0"/>
-            </a:br>
-            <a:endParaRPr lang="en-US" dirty="0"/>
-          </a:p>
-          <a:p>
-            <a:r>
-              <a:rPr lang="en-US" dirty="0"/>
-              <a:t>Mexican migrants are the least likely to acculturate and the least likely to live alone</a:t>
-            </a:r>
-          </a:p>
-          <a:p>
-            <a:r>
-              <a:rPr lang="en-US" dirty="0"/>
-              <a:t>Dominican and Cuban education selectivity is the strongest</a:t>
-            </a:r>
-          </a:p>
-          <a:p>
-            <a:r>
-              <a:rPr lang="en-US" dirty="0"/>
-              <a:t>Education profiles are rapidly changing</a:t>
-            </a:r>
-            <a:br>
-              <a:rPr lang="en-US" dirty="0"/>
-            </a:br>
-            <a:endParaRPr lang="en-US" dirty="0"/>
-          </a:p>
-          <a:p>
-            <a:r>
-              <a:rPr lang="en-US" dirty="0"/>
-              <a:t>Limitations</a:t>
-            </a:r>
-          </a:p>
-          <a:p>
-            <a:pPr lvl="1"/>
-            <a:r>
-              <a:rPr lang="en-US" dirty="0"/>
-              <a:t>Return migration</a:t>
-            </a:r>
-          </a:p>
-          <a:p>
-            <a:pPr lvl="1"/>
-            <a:r>
-              <a:rPr lang="en-US" dirty="0"/>
-              <a:t>Health behaviors throughout the life course</a:t>
-            </a:r>
-            <a:br>
-              <a:rPr lang="en-US" dirty="0"/>
-            </a:br>
-            <a:r>
-              <a:rPr lang="en-US" dirty="0"/>
-              <a:t> </a:t>
-            </a:r>
-          </a:p>
-          <a:p>
-            <a:r>
-              <a:rPr lang="en-US" dirty="0"/>
-              <a:t>We need nationally representative data that can be compared to the US population</a:t>
-            </a:r>
-          </a:p>
-        </p:txBody>
-      </p:sp>
-    </p:spTree>
-    <p:extLst>
-      <p:ext uri="{BB962C8B-B14F-4D97-AF65-F5344CB8AC3E}">
-        <p14:creationId xmlns:p14="http://schemas.microsoft.com/office/powerpoint/2010/main" val="1051148825"/>
-      </p:ext>
-    </p:extLst>
-  </p:cSld>
-  <p:clrMapOvr>
-    <a:masterClrMapping/>
-  </p:clrMapOvr>
-</p:sld>
-</file>
-
-<file path=ppt/slides/slide2.xml><?xml version="1.0" encoding="utf-8"?>
-<p:sld xmlns:a="http://schemas.openxmlformats.org/drawingml/2006/main" xmlns:r="http://schemas.openxmlformats.org/officeDocument/2006/relationships" xmlns:p="http://schemas.openxmlformats.org/presentationml/2006/main">
-  <p:cSld>
-    <p:spTree>
-      <p:nvGrpSpPr>
-        <p:cNvPr id="1" name=""/>
-        <p:cNvGrpSpPr/>
-        <p:nvPr/>
-      </p:nvGrpSpPr>
-      <p:grpSpPr>
-        <a:xfrm>
-          <a:off x="0" y="0"/>
-          <a:ext cx="0" cy="0"/>
-          <a:chOff x="0" y="0"/>
-          <a:chExt cx="0" cy="0"/>
-        </a:xfrm>
-      </p:grpSpPr>
-      <p:sp>
-        <p:nvSpPr>
-          <p:cNvPr id="2" name="Title 1">
-            <a:extLst>
-              <a:ext uri="{FF2B5EF4-FFF2-40B4-BE49-F238E27FC236}">
-                <a16:creationId xmlns:a16="http://schemas.microsoft.com/office/drawing/2014/main" id="{3E1F5B6B-DABA-03DC-4CC4-3919B3B57888}"/>
-              </a:ext>
-            </a:extLst>
-          </p:cNvPr>
-          <p:cNvSpPr>
-            <a:spLocks noGrp="1"/>
-          </p:cNvSpPr>
-          <p:nvPr>
-            <p:ph type="title"/>
-          </p:nvPr>
-        </p:nvSpPr>
-        <p:spPr/>
-        <p:txBody>
-          <a:bodyPr/>
-          <a:lstStyle/>
-          <a:p>
-            <a:r>
-              <a:rPr lang="en-US" dirty="0"/>
-              <a:t>Introduction</a:t>
-            </a:r>
-          </a:p>
-        </p:txBody>
-      </p:sp>
-      <p:sp>
-        <p:nvSpPr>
-          <p:cNvPr id="3" name="Content Placeholder 2">
-            <a:extLst>
-              <a:ext uri="{FF2B5EF4-FFF2-40B4-BE49-F238E27FC236}">
-                <a16:creationId xmlns:a16="http://schemas.microsoft.com/office/drawing/2014/main" id="{DA531385-67C5-A489-E34A-2D6E8D37FEF0}"/>
-              </a:ext>
-            </a:extLst>
-          </p:cNvPr>
-          <p:cNvSpPr>
-            <a:spLocks noGrp="1"/>
-          </p:cNvSpPr>
-          <p:nvPr>
-            <p:ph idx="1"/>
-          </p:nvPr>
-        </p:nvSpPr>
-        <p:spPr/>
-        <p:txBody>
-          <a:bodyPr/>
-          <a:lstStyle/>
-          <a:p>
-            <a:r>
-              <a:rPr lang="en-US" dirty="0"/>
-              <a:t>Sociodemographic Comparison of Adults (age 60+)</a:t>
-            </a:r>
-          </a:p>
-          <a:p>
-            <a:r>
-              <a:rPr lang="en-US" dirty="0"/>
-              <a:t>Comparison of Hispanic immigrants </a:t>
-            </a:r>
-          </a:p>
-          <a:p>
-            <a:r>
-              <a:rPr lang="en-US" dirty="0"/>
-              <a:t>Sociodemographic differences are important for understanding disparities in aging health</a:t>
-            </a:r>
-          </a:p>
-          <a:p>
-            <a:pPr lvl="1"/>
-            <a:r>
-              <a:rPr lang="en-US" dirty="0"/>
-              <a:t>Education and cognitive health (Li, et al., 2021)</a:t>
-            </a:r>
-          </a:p>
-          <a:p>
-            <a:pPr lvl="1"/>
-            <a:r>
-              <a:rPr lang="en-US" dirty="0"/>
-              <a:t>Social isolation and epigenetic aging (</a:t>
-            </a:r>
-            <a:r>
-              <a:rPr lang="en-US" dirty="0" err="1"/>
-              <a:t>Rentscher</a:t>
-            </a:r>
-            <a:r>
-              <a:rPr lang="en-US" dirty="0"/>
-              <a:t>, et al., 2023)</a:t>
-            </a:r>
-          </a:p>
-        </p:txBody>
-      </p:sp>
-    </p:spTree>
-    <p:extLst>
-      <p:ext uri="{BB962C8B-B14F-4D97-AF65-F5344CB8AC3E}">
-        <p14:creationId xmlns:p14="http://schemas.microsoft.com/office/powerpoint/2010/main" val="369795164"/>
-      </p:ext>
-    </p:extLst>
-  </p:cSld>
-  <p:clrMapOvr>
-    <a:masterClrMapping/>
-  </p:clrMapOvr>
-  <p:extLst>
-    <p:ext uri="{6950BFC3-D8DA-4A85-94F7-54DA5524770B}">
-      <p188:commentRel xmlns:p188="http://schemas.microsoft.com/office/powerpoint/2018/8/main" r:id="rId3"/>
-    </p:ext>
-  </p:extLst>
-</p:sld>
-</file>
-
-<file path=ppt/slides/slide20.xml><?xml version="1.0" encoding="utf-8"?>
-<p:sld xmlns:a="http://schemas.openxmlformats.org/drawingml/2006/main" xmlns:r="http://schemas.openxmlformats.org/officeDocument/2006/relationships" xmlns:p="http://schemas.openxmlformats.org/presentationml/2006/main">
-  <p:cSld>
-    <p:spTree>
-      <p:nvGrpSpPr>
-        <p:cNvPr id="1" name=""/>
-        <p:cNvGrpSpPr/>
-        <p:nvPr/>
-      </p:nvGrpSpPr>
-      <p:grpSpPr>
-        <a:xfrm>
-          <a:off x="0" y="0"/>
-          <a:ext cx="0" cy="0"/>
-          <a:chOff x="0" y="0"/>
-          <a:chExt cx="0" cy="0"/>
-        </a:xfrm>
-      </p:grpSpPr>
-      <p:sp>
-        <p:nvSpPr>
-          <p:cNvPr id="3" name="Content Placeholder 2">
-            <a:extLst>
-              <a:ext uri="{FF2B5EF4-FFF2-40B4-BE49-F238E27FC236}">
-                <a16:creationId xmlns:a16="http://schemas.microsoft.com/office/drawing/2014/main" id="{E351139E-DAC4-45BC-ACC3-6C7BB3D30C08}"/>
-              </a:ext>
-            </a:extLst>
-          </p:cNvPr>
-          <p:cNvSpPr>
-            <a:spLocks noGrp="1"/>
-          </p:cNvSpPr>
-          <p:nvPr>
-            <p:ph idx="1"/>
-          </p:nvPr>
-        </p:nvSpPr>
-        <p:spPr>
-          <a:xfrm>
-            <a:off x="1024824" y="1528338"/>
-            <a:ext cx="7886700" cy="5502827"/>
-          </a:xfrm>
-        </p:spPr>
-        <p:txBody>
-          <a:bodyPr>
-            <a:normAutofit/>
-          </a:bodyPr>
-          <a:lstStyle/>
-          <a:p>
-            <a:r>
-              <a:rPr lang="en-US" dirty="0"/>
-              <a:t>Compare with U.S. Caribbean immigrant population</a:t>
-            </a:r>
-          </a:p>
-          <a:p>
-            <a:r>
-              <a:rPr lang="en-US" dirty="0"/>
-              <a:t>New </a:t>
-            </a:r>
-            <a:r>
-              <a:rPr lang="en-US" b="1" dirty="0"/>
-              <a:t>nationally representative </a:t>
-            </a:r>
-            <a:r>
-              <a:rPr lang="en-US" dirty="0"/>
-              <a:t>samples of N=1500 adults ages 65+</a:t>
-            </a:r>
-          </a:p>
-          <a:p>
-            <a:r>
-              <a:rPr lang="en-US" dirty="0"/>
-              <a:t>Detailed cutting-edge surveys cross-harmonized with:</a:t>
-            </a:r>
-          </a:p>
-          <a:p>
-            <a:pPr lvl="1"/>
-            <a:r>
-              <a:rPr lang="en-US" dirty="0"/>
-              <a:t>10/66 </a:t>
-            </a:r>
-          </a:p>
-          <a:p>
-            <a:pPr lvl="1"/>
-            <a:r>
-              <a:rPr lang="en-US" dirty="0"/>
-              <a:t>newer Harmonized Cognitive Assessment Protocol (HCAP) in U.S. Health and Retirement Study (HRS) and sister studies in Mexico, Chile, China, India, South Africa, Europe, etc.</a:t>
-            </a:r>
-          </a:p>
-        </p:txBody>
-      </p:sp>
-      <p:sp>
-        <p:nvSpPr>
-          <p:cNvPr id="5" name="Title 4">
-            <a:extLst>
-              <a:ext uri="{FF2B5EF4-FFF2-40B4-BE49-F238E27FC236}">
-                <a16:creationId xmlns:a16="http://schemas.microsoft.com/office/drawing/2014/main" id="{6103106A-4A1D-913B-4BFD-42C63DE40250}"/>
-              </a:ext>
-            </a:extLst>
-          </p:cNvPr>
-          <p:cNvSpPr>
-            <a:spLocks noGrp="1"/>
-          </p:cNvSpPr>
-          <p:nvPr>
-            <p:ph type="title"/>
-          </p:nvPr>
-        </p:nvSpPr>
-        <p:spPr/>
-        <p:txBody>
-          <a:bodyPr/>
-          <a:lstStyle/>
-          <a:p>
-            <a:r>
-              <a:rPr lang="en-US" dirty="0"/>
-              <a:t>Future Direction</a:t>
-            </a:r>
-          </a:p>
-        </p:txBody>
-      </p:sp>
-      <p:pic>
-        <p:nvPicPr>
-          <p:cNvPr id="7" name="Picture 6" descr="A blue and white logo&#10;&#10;AI-generated content may be incorrect.">
-            <a:extLst>
-              <a:ext uri="{FF2B5EF4-FFF2-40B4-BE49-F238E27FC236}">
-                <a16:creationId xmlns:a16="http://schemas.microsoft.com/office/drawing/2014/main" id="{67145CE1-6992-8E83-8C5A-E552309063B1}"/>
-              </a:ext>
-            </a:extLst>
-          </p:cNvPr>
-          <p:cNvPicPr>
-            <a:picLocks noChangeAspect="1"/>
-          </p:cNvPicPr>
-          <p:nvPr/>
-        </p:nvPicPr>
-        <p:blipFill>
-          <a:blip r:embed="rId3"/>
-          <a:stretch>
-            <a:fillRect/>
-          </a:stretch>
-        </p:blipFill>
-        <p:spPr>
-          <a:xfrm>
-            <a:off x="8911524" y="365125"/>
-            <a:ext cx="2964481" cy="983410"/>
+            <a:off x="0" y="1941385"/>
+            <a:ext cx="6096000" cy="4064000"/>
           </a:xfrm>
           <a:prstGeom prst="rect">
             <a:avLst/>
@@ -8652,594 +10853,109 @@
       </p:pic>
       <p:pic>
         <p:nvPicPr>
-          <p:cNvPr id="4098" name="Picture 2">
-            <a:extLst>
-              <a:ext uri="{FF2B5EF4-FFF2-40B4-BE49-F238E27FC236}">
-                <a16:creationId xmlns:a16="http://schemas.microsoft.com/office/drawing/2014/main" id="{3D281A34-C1CE-C077-2E95-2B6276097F88}"/>
+          <p:cNvPr id="7" name="Picture 6">
+            <a:extLst>
+              <a:ext uri="{FF2B5EF4-FFF2-40B4-BE49-F238E27FC236}">
+                <a16:creationId xmlns:a16="http://schemas.microsoft.com/office/drawing/2014/main" id="{653F9FE6-BD59-4EC1-FB0B-A1C3F8C7FB7B}"/>
               </a:ext>
             </a:extLst>
           </p:cNvPr>
           <p:cNvPicPr>
-            <a:picLocks noChangeAspect="1" noChangeArrowheads="1"/>
+            <a:picLocks noChangeAspect="1"/>
           </p:cNvPicPr>
           <p:nvPr/>
         </p:nvPicPr>
         <p:blipFill>
-          <a:blip r:embed="rId4">
-            <a:extLst>
-              <a:ext uri="{28A0092B-C50C-407E-A947-70E740481C1C}">
-                <a14:useLocalDpi xmlns:a14="http://schemas.microsoft.com/office/drawing/2010/main" val="0"/>
-              </a:ext>
-            </a:extLst>
-          </a:blip>
+          <a:blip r:embed="rId4"/>
           <a:srcRect/>
-          <a:stretch>
-            <a:fillRect/>
-          </a:stretch>
+          <a:stretch/>
         </p:blipFill>
-        <p:spPr bwMode="auto">
+        <p:spPr>
           <a:xfrm>
-            <a:off x="8965768" y="1528338"/>
-            <a:ext cx="2845274" cy="1900662"/>
+            <a:off x="6009275" y="1941386"/>
+            <a:ext cx="6095997" cy="4063998"/>
+          </a:xfrm>
+          <a:prstGeom prst="rect">
+            <a:avLst/>
+          </a:prstGeom>
+        </p:spPr>
+      </p:pic>
+      <p:sp>
+        <p:nvSpPr>
+          <p:cNvPr id="3" name="TextBox 2">
+            <a:extLst>
+              <a:ext uri="{FF2B5EF4-FFF2-40B4-BE49-F238E27FC236}">
+                <a16:creationId xmlns:a16="http://schemas.microsoft.com/office/drawing/2014/main" id="{48F72186-7AC9-2145-0A35-E038C814B241}"/>
+              </a:ext>
+            </a:extLst>
+          </p:cNvPr>
+          <p:cNvSpPr txBox="1"/>
+          <p:nvPr/>
+        </p:nvSpPr>
+        <p:spPr>
+          <a:xfrm>
+            <a:off x="1792224" y="1631371"/>
+            <a:ext cx="3816096" cy="369332"/>
           </a:xfrm>
           <a:prstGeom prst="rect">
             <a:avLst/>
           </a:prstGeom>
           <a:noFill/>
-          <a:extLst>
-            <a:ext uri="{909E8E84-426E-40DD-AFC4-6F175D3DCCD1}">
-              <a14:hiddenFill xmlns:a14="http://schemas.microsoft.com/office/drawing/2010/main">
-                <a:solidFill>
-                  <a:srgbClr val="FFFFFF"/>
-                </a:solidFill>
-              </a14:hiddenFill>
-            </a:ext>
-          </a:extLst>
         </p:spPr>
-      </p:pic>
-    </p:spTree>
-    <p:extLst>
-      <p:ext uri="{BB962C8B-B14F-4D97-AF65-F5344CB8AC3E}">
-        <p14:creationId xmlns:p14="http://schemas.microsoft.com/office/powerpoint/2010/main" val="2446871756"/>
-      </p:ext>
-    </p:extLst>
-  </p:cSld>
-  <p:clrMapOvr>
-    <a:masterClrMapping/>
-  </p:clrMapOvr>
-  <p:timing>
-    <p:tnLst>
-      <p:par>
-        <p:cTn id="1" dur="indefinite" restart="never" nodeType="tmRoot">
-          <p:childTnLst>
-            <p:seq concurrent="1" nextAc="seek">
-              <p:cTn id="2" dur="indefinite" nodeType="mainSeq">
-                <p:childTnLst>
-                  <p:par>
-                    <p:cTn id="3" fill="hold">
-                      <p:stCondLst>
-                        <p:cond delay="indefinite"/>
-                      </p:stCondLst>
-                      <p:childTnLst>
-                        <p:par>
-                          <p:cTn id="4" fill="hold">
-                            <p:stCondLst>
-                              <p:cond delay="0"/>
-                            </p:stCondLst>
-                            <p:childTnLst>
-                              <p:par>
-                                <p:cTn id="5" presetID="1" presetClass="entr" presetSubtype="0" fill="hold" nodeType="clickEffect">
-                                  <p:stCondLst>
-                                    <p:cond delay="0"/>
-                                  </p:stCondLst>
-                                  <p:childTnLst>
-                                    <p:set>
-                                      <p:cBhvr>
-                                        <p:cTn id="6" dur="1" fill="hold">
-                                          <p:stCondLst>
-                                            <p:cond delay="0"/>
-                                          </p:stCondLst>
-                                        </p:cTn>
-                                        <p:tgtEl>
-                                          <p:spTgt spid="3">
-                                            <p:txEl>
-                                              <p:pRg st="0" end="0"/>
-                                            </p:txEl>
-                                          </p:spTgt>
-                                        </p:tgtEl>
-                                        <p:attrNameLst>
-                                          <p:attrName>style.visibility</p:attrName>
-                                        </p:attrNameLst>
-                                      </p:cBhvr>
-                                      <p:to>
-                                        <p:strVal val="visible"/>
-                                      </p:to>
-                                    </p:set>
-                                  </p:childTnLst>
-                                </p:cTn>
-                              </p:par>
-                            </p:childTnLst>
-                          </p:cTn>
-                        </p:par>
-                      </p:childTnLst>
-                    </p:cTn>
-                  </p:par>
-                  <p:par>
-                    <p:cTn id="7" fill="hold">
-                      <p:stCondLst>
-                        <p:cond delay="indefinite"/>
-                      </p:stCondLst>
-                      <p:childTnLst>
-                        <p:par>
-                          <p:cTn id="8" fill="hold">
-                            <p:stCondLst>
-                              <p:cond delay="0"/>
-                            </p:stCondLst>
-                            <p:childTnLst>
-                              <p:par>
-                                <p:cTn id="9" presetID="1" presetClass="entr" presetSubtype="0" fill="hold" nodeType="clickEffect">
-                                  <p:stCondLst>
-                                    <p:cond delay="0"/>
-                                  </p:stCondLst>
-                                  <p:childTnLst>
-                                    <p:set>
-                                      <p:cBhvr>
-                                        <p:cTn id="10" dur="1" fill="hold">
-                                          <p:stCondLst>
-                                            <p:cond delay="0"/>
-                                          </p:stCondLst>
-                                        </p:cTn>
-                                        <p:tgtEl>
-                                          <p:spTgt spid="3">
-                                            <p:txEl>
-                                              <p:pRg st="1" end="1"/>
-                                            </p:txEl>
-                                          </p:spTgt>
-                                        </p:tgtEl>
-                                        <p:attrNameLst>
-                                          <p:attrName>style.visibility</p:attrName>
-                                        </p:attrNameLst>
-                                      </p:cBhvr>
-                                      <p:to>
-                                        <p:strVal val="visible"/>
-                                      </p:to>
-                                    </p:set>
-                                  </p:childTnLst>
-                                </p:cTn>
-                              </p:par>
-                            </p:childTnLst>
-                          </p:cTn>
-                        </p:par>
-                      </p:childTnLst>
-                    </p:cTn>
-                  </p:par>
-                  <p:par>
-                    <p:cTn id="11" fill="hold">
-                      <p:stCondLst>
-                        <p:cond delay="indefinite"/>
-                      </p:stCondLst>
-                      <p:childTnLst>
-                        <p:par>
-                          <p:cTn id="12" fill="hold">
-                            <p:stCondLst>
-                              <p:cond delay="0"/>
-                            </p:stCondLst>
-                            <p:childTnLst>
-                              <p:par>
-                                <p:cTn id="13" presetID="1" presetClass="entr" presetSubtype="0" fill="hold" nodeType="clickEffect">
-                                  <p:stCondLst>
-                                    <p:cond delay="0"/>
-                                  </p:stCondLst>
-                                  <p:childTnLst>
-                                    <p:set>
-                                      <p:cBhvr>
-                                        <p:cTn id="14" dur="1" fill="hold">
-                                          <p:stCondLst>
-                                            <p:cond delay="0"/>
-                                          </p:stCondLst>
-                                        </p:cTn>
-                                        <p:tgtEl>
-                                          <p:spTgt spid="3">
-                                            <p:txEl>
-                                              <p:pRg st="2" end="2"/>
-                                            </p:txEl>
-                                          </p:spTgt>
-                                        </p:tgtEl>
-                                        <p:attrNameLst>
-                                          <p:attrName>style.visibility</p:attrName>
-                                        </p:attrNameLst>
-                                      </p:cBhvr>
-                                      <p:to>
-                                        <p:strVal val="visible"/>
-                                      </p:to>
-                                    </p:set>
-                                  </p:childTnLst>
-                                </p:cTn>
-                              </p:par>
-                              <p:par>
-                                <p:cTn id="15" presetID="1" presetClass="entr" presetSubtype="0" fill="hold" nodeType="withEffect">
-                                  <p:stCondLst>
-                                    <p:cond delay="0"/>
-                                  </p:stCondLst>
-                                  <p:childTnLst>
-                                    <p:set>
-                                      <p:cBhvr>
-                                        <p:cTn id="16" dur="1" fill="hold">
-                                          <p:stCondLst>
-                                            <p:cond delay="0"/>
-                                          </p:stCondLst>
-                                        </p:cTn>
-                                        <p:tgtEl>
-                                          <p:spTgt spid="3">
-                                            <p:txEl>
-                                              <p:pRg st="3" end="3"/>
-                                            </p:txEl>
-                                          </p:spTgt>
-                                        </p:tgtEl>
-                                        <p:attrNameLst>
-                                          <p:attrName>style.visibility</p:attrName>
-                                        </p:attrNameLst>
-                                      </p:cBhvr>
-                                      <p:to>
-                                        <p:strVal val="visible"/>
-                                      </p:to>
-                                    </p:set>
-                                  </p:childTnLst>
-                                </p:cTn>
-                              </p:par>
-                              <p:par>
-                                <p:cTn id="17" presetID="1" presetClass="entr" presetSubtype="0" fill="hold" nodeType="withEffect">
-                                  <p:stCondLst>
-                                    <p:cond delay="0"/>
-                                  </p:stCondLst>
-                                  <p:childTnLst>
-                                    <p:set>
-                                      <p:cBhvr>
-                                        <p:cTn id="18" dur="1" fill="hold">
-                                          <p:stCondLst>
-                                            <p:cond delay="0"/>
-                                          </p:stCondLst>
-                                        </p:cTn>
-                                        <p:tgtEl>
-                                          <p:spTgt spid="3">
-                                            <p:txEl>
-                                              <p:pRg st="4" end="4"/>
-                                            </p:txEl>
-                                          </p:spTgt>
-                                        </p:tgtEl>
-                                        <p:attrNameLst>
-                                          <p:attrName>style.visibility</p:attrName>
-                                        </p:attrNameLst>
-                                      </p:cBhvr>
-                                      <p:to>
-                                        <p:strVal val="visible"/>
-                                      </p:to>
-                                    </p:set>
-                                  </p:childTnLst>
-                                </p:cTn>
-                              </p:par>
-                            </p:childTnLst>
-                          </p:cTn>
-                        </p:par>
-                      </p:childTnLst>
-                    </p:cTn>
-                  </p:par>
-                </p:childTnLst>
-              </p:cTn>
-              <p:prevCondLst>
-                <p:cond evt="onPrev" delay="0">
-                  <p:tgtEl>
-                    <p:sldTgt/>
-                  </p:tgtEl>
-                </p:cond>
-              </p:prevCondLst>
-              <p:nextCondLst>
-                <p:cond evt="onNext" delay="0">
-                  <p:tgtEl>
-                    <p:sldTgt/>
-                  </p:tgtEl>
-                </p:cond>
-              </p:nextCondLst>
-            </p:seq>
-          </p:childTnLst>
-        </p:cTn>
-      </p:par>
-    </p:tnLst>
-  </p:timing>
-</p:sld>
-</file>
-
-<file path=ppt/slides/slide21.xml><?xml version="1.0" encoding="utf-8"?>
-<p:sld xmlns:a="http://schemas.openxmlformats.org/drawingml/2006/main" xmlns:r="http://schemas.openxmlformats.org/officeDocument/2006/relationships" xmlns:p="http://schemas.openxmlformats.org/presentationml/2006/main">
-  <p:cSld>
-    <p:spTree>
-      <p:nvGrpSpPr>
-        <p:cNvPr id="1" name=""/>
-        <p:cNvGrpSpPr/>
-        <p:nvPr/>
-      </p:nvGrpSpPr>
-      <p:grpSpPr>
-        <a:xfrm>
-          <a:off x="0" y="0"/>
-          <a:ext cx="0" cy="0"/>
-          <a:chOff x="0" y="0"/>
-          <a:chExt cx="0" cy="0"/>
-        </a:xfrm>
-      </p:grpSpPr>
-      <p:sp>
-        <p:nvSpPr>
-          <p:cNvPr id="2" name="Title 1">
-            <a:extLst>
-              <a:ext uri="{FF2B5EF4-FFF2-40B4-BE49-F238E27FC236}">
-                <a16:creationId xmlns:a16="http://schemas.microsoft.com/office/drawing/2014/main" id="{7382CFC8-CA98-3E5E-33C0-812737A145C6}"/>
-              </a:ext>
-            </a:extLst>
-          </p:cNvPr>
-          <p:cNvSpPr>
-            <a:spLocks noGrp="1"/>
-          </p:cNvSpPr>
-          <p:nvPr>
-            <p:ph type="title"/>
-          </p:nvPr>
-        </p:nvSpPr>
-        <p:spPr/>
-        <p:txBody>
-          <a:bodyPr/>
-          <a:lstStyle/>
-          <a:p>
-            <a:r>
-              <a:rPr lang="en-US" dirty="0"/>
-              <a:t>Additional slides</a:t>
-            </a:r>
-          </a:p>
-        </p:txBody>
-      </p:sp>
-      <p:sp>
-        <p:nvSpPr>
-          <p:cNvPr id="3" name="Content Placeholder 2">
-            <a:extLst>
-              <a:ext uri="{FF2B5EF4-FFF2-40B4-BE49-F238E27FC236}">
-                <a16:creationId xmlns:a16="http://schemas.microsoft.com/office/drawing/2014/main" id="{5090D830-DC34-4D42-FF52-896677D7DEF0}"/>
-              </a:ext>
-            </a:extLst>
-          </p:cNvPr>
-          <p:cNvSpPr>
-            <a:spLocks noGrp="1"/>
-          </p:cNvSpPr>
-          <p:nvPr>
-            <p:ph idx="1"/>
-          </p:nvPr>
-        </p:nvSpPr>
-        <p:spPr/>
-        <p:txBody>
-          <a:bodyPr/>
-          <a:lstStyle/>
-          <a:p>
-            <a:r>
-              <a:rPr lang="en-US" dirty="0"/>
-              <a:t>Although migration within </a:t>
-            </a:r>
-            <a:r>
-              <a:rPr lang="en-US" dirty="0" err="1"/>
-              <a:t>latin</a:t>
-            </a:r>
-            <a:r>
-              <a:rPr lang="en-US" dirty="0"/>
-              <a:t> America is increasing</a:t>
-            </a:r>
-          </a:p>
-          <a:p>
-            <a:pPr lvl="1"/>
-            <a:r>
-              <a:rPr lang="en-US" dirty="0"/>
-              <a:t>Only about 1% of the population in Mexico is foreign</a:t>
-            </a:r>
-          </a:p>
-          <a:p>
-            <a:pPr lvl="2"/>
-            <a:r>
-              <a:rPr lang="en-US" dirty="0">
-                <a:hlinkClick r:id="rId2"/>
-              </a:rPr>
-              <a:t>https://www.oecd.org/en/publications/international-migration-outlook-2024_50b0353e-en/full-report/mexico_d1b0bd46.html</a:t>
-            </a:r>
-            <a:endParaRPr lang="en-US" dirty="0"/>
-          </a:p>
-          <a:p>
-            <a:pPr lvl="1"/>
-            <a:r>
-              <a:rPr lang="en-US" dirty="0"/>
-              <a:t>3% of Puerto Rico is foreign</a:t>
-            </a:r>
-          </a:p>
-          <a:p>
-            <a:pPr lvl="2"/>
-            <a:r>
-              <a:rPr lang="en-US" dirty="0"/>
-              <a:t>https://</a:t>
-            </a:r>
-            <a:r>
-              <a:rPr lang="en-US" dirty="0" err="1"/>
-              <a:t>www.census.gov</a:t>
-            </a:r>
-            <a:r>
-              <a:rPr lang="en-US" dirty="0"/>
-              <a:t>/library/stories/2024/05/foreign-born-population-</a:t>
-            </a:r>
-            <a:r>
-              <a:rPr lang="en-US" dirty="0" err="1"/>
-              <a:t>puerto</a:t>
-            </a:r>
-            <a:r>
-              <a:rPr lang="en-US" dirty="0"/>
-              <a:t>-</a:t>
-            </a:r>
-            <a:r>
-              <a:rPr lang="en-US" dirty="0" err="1"/>
-              <a:t>rico.html</a:t>
-            </a:r>
-            <a:endParaRPr lang="en-US" dirty="0"/>
-          </a:p>
-          <a:p>
-            <a:pPr lvl="1"/>
-            <a:r>
-              <a:rPr lang="en-US" dirty="0"/>
-              <a:t>4% of the Dominican republic is foreign</a:t>
-            </a:r>
-          </a:p>
-          <a:p>
-            <a:pPr lvl="2"/>
-            <a:r>
-              <a:rPr lang="en-US" dirty="0"/>
-              <a:t>https://</a:t>
-            </a:r>
-            <a:r>
-              <a:rPr lang="en-US" dirty="0" err="1"/>
-              <a:t>www.macrotrends.net</a:t>
-            </a:r>
-            <a:r>
-              <a:rPr lang="en-US" dirty="0"/>
-              <a:t>/global-metrics/countries/DOM/</a:t>
-            </a:r>
-            <a:r>
-              <a:rPr lang="en-US" dirty="0" err="1"/>
-              <a:t>dominican</a:t>
-            </a:r>
-            <a:r>
-              <a:rPr lang="en-US" dirty="0"/>
-              <a:t>-republic/net-migration</a:t>
-            </a:r>
-          </a:p>
-          <a:p>
-            <a:pPr lvl="1"/>
-            <a:r>
-              <a:rPr lang="en-US" dirty="0"/>
-              <a:t>.1% of Cuba is foreign</a:t>
-            </a:r>
-          </a:p>
-          <a:p>
-            <a:pPr lvl="2"/>
-            <a:r>
-              <a:rPr lang="en-US" dirty="0"/>
-              <a:t>https://</a:t>
-            </a:r>
-            <a:r>
-              <a:rPr lang="en-US" dirty="0" err="1"/>
-              <a:t>www.macrotrends.net</a:t>
-            </a:r>
-            <a:r>
-              <a:rPr lang="en-US" dirty="0"/>
-              <a:t>/global-metrics/countries/CUB/</a:t>
-            </a:r>
-            <a:r>
-              <a:rPr lang="en-US" dirty="0" err="1"/>
-              <a:t>cuba</a:t>
-            </a:r>
-            <a:r>
-              <a:rPr lang="en-US" dirty="0"/>
-              <a:t>/net-migration</a:t>
-            </a:r>
-          </a:p>
-        </p:txBody>
-      </p:sp>
-    </p:spTree>
-    <p:extLst>
-      <p:ext uri="{BB962C8B-B14F-4D97-AF65-F5344CB8AC3E}">
-        <p14:creationId xmlns:p14="http://schemas.microsoft.com/office/powerpoint/2010/main" val="282359561"/>
-      </p:ext>
-    </p:extLst>
-  </p:cSld>
-  <p:clrMapOvr>
-    <a:masterClrMapping/>
-  </p:clrMapOvr>
-</p:sld>
-</file>
-
-<file path=ppt/slides/slide3.xml><?xml version="1.0" encoding="utf-8"?>
-<p:sld xmlns:a="http://schemas.openxmlformats.org/drawingml/2006/main" xmlns:r="http://schemas.openxmlformats.org/officeDocument/2006/relationships" xmlns:p="http://schemas.openxmlformats.org/presentationml/2006/main">
-  <p:cSld>
-    <p:spTree>
-      <p:nvGrpSpPr>
-        <p:cNvPr id="1" name=""/>
-        <p:cNvGrpSpPr/>
-        <p:nvPr/>
-      </p:nvGrpSpPr>
-      <p:grpSpPr>
-        <a:xfrm>
-          <a:off x="0" y="0"/>
-          <a:ext cx="0" cy="0"/>
-          <a:chOff x="0" y="0"/>
-          <a:chExt cx="0" cy="0"/>
-        </a:xfrm>
-      </p:grpSpPr>
-      <p:sp>
-        <p:nvSpPr>
-          <p:cNvPr id="2" name="Title 1">
-            <a:extLst>
-              <a:ext uri="{FF2B5EF4-FFF2-40B4-BE49-F238E27FC236}">
-                <a16:creationId xmlns:a16="http://schemas.microsoft.com/office/drawing/2014/main" id="{7F991BFA-688A-1B77-2B27-47770ECFBA6F}"/>
-              </a:ext>
-            </a:extLst>
-          </p:cNvPr>
-          <p:cNvSpPr>
-            <a:spLocks noGrp="1"/>
-          </p:cNvSpPr>
-          <p:nvPr>
-            <p:ph type="title"/>
-          </p:nvPr>
-        </p:nvSpPr>
-        <p:spPr/>
-        <p:txBody>
-          <a:bodyPr/>
-          <a:lstStyle/>
-          <a:p>
-            <a:r>
-              <a:rPr lang="en-US" dirty="0"/>
-              <a:t>Background</a:t>
-            </a:r>
-          </a:p>
-        </p:txBody>
-      </p:sp>
-      <p:sp>
-        <p:nvSpPr>
-          <p:cNvPr id="3" name="Content Placeholder 2">
-            <a:extLst>
-              <a:ext uri="{FF2B5EF4-FFF2-40B4-BE49-F238E27FC236}">
-                <a16:creationId xmlns:a16="http://schemas.microsoft.com/office/drawing/2014/main" id="{026C2AD2-6646-CCCC-D14E-395C9DDBC3ED}"/>
-              </a:ext>
-            </a:extLst>
-          </p:cNvPr>
-          <p:cNvSpPr>
-            <a:spLocks noGrp="1"/>
-          </p:cNvSpPr>
-          <p:nvPr>
-            <p:ph idx="1"/>
-          </p:nvPr>
-        </p:nvSpPr>
-        <p:spPr/>
-        <p:txBody>
-          <a:bodyPr/>
-          <a:lstStyle/>
-          <a:p>
-            <a:pPr marL="0" indent="0">
-              <a:buNone/>
-            </a:pPr>
-            <a:r>
-              <a:rPr lang="en-US" dirty="0"/>
-              <a:t>Hispanic migrant health is often focused on Mexican immigrants</a:t>
-            </a:r>
-          </a:p>
-          <a:p>
-            <a:endParaRPr lang="en-US" dirty="0"/>
+        <p:txBody>
+          <a:bodyPr wrap="square" rtlCol="0">
+            <a:spAutoFit/>
+          </a:bodyPr>
+          <a:lstStyle/>
+          <a:p>
+            <a:r>
+              <a:rPr lang="en-US" dirty="0"/>
+              <a:t>Proportion English Speakers</a:t>
+            </a:r>
+          </a:p>
+        </p:txBody>
+      </p:sp>
+      <p:sp>
+        <p:nvSpPr>
+          <p:cNvPr id="4" name="TextBox 3">
+            <a:extLst>
+              <a:ext uri="{FF2B5EF4-FFF2-40B4-BE49-F238E27FC236}">
+                <a16:creationId xmlns:a16="http://schemas.microsoft.com/office/drawing/2014/main" id="{9266F502-D694-ECA0-115E-8C5373A7CC2A}"/>
+              </a:ext>
+            </a:extLst>
+          </p:cNvPr>
+          <p:cNvSpPr txBox="1"/>
+          <p:nvPr/>
+        </p:nvSpPr>
+        <p:spPr>
+          <a:xfrm>
+            <a:off x="7610856" y="1594080"/>
+            <a:ext cx="3816096" cy="369332"/>
+          </a:xfrm>
+          <a:prstGeom prst="rect">
+            <a:avLst/>
+          </a:prstGeom>
+          <a:noFill/>
+        </p:spPr>
+        <p:txBody>
+          <a:bodyPr wrap="square" rtlCol="0">
+            <a:spAutoFit/>
+          </a:bodyPr>
+          <a:lstStyle/>
+          <a:p>
+            <a:r>
+              <a:rPr lang="en-US" dirty="0"/>
+              <a:t>Proportion Naturalized Citizen</a:t>
+            </a:r>
           </a:p>
         </p:txBody>
       </p:sp>
       <p:grpSp>
         <p:nvGrpSpPr>
-          <p:cNvPr id="9" name="Group 8">
-            <a:extLst>
-              <a:ext uri="{FF2B5EF4-FFF2-40B4-BE49-F238E27FC236}">
-                <a16:creationId xmlns:a16="http://schemas.microsoft.com/office/drawing/2014/main" id="{B213C897-FD9D-30A0-ACE7-5B255667BA78}"/>
+          <p:cNvPr id="6" name="Group 5">
+            <a:extLst>
+              <a:ext uri="{FF2B5EF4-FFF2-40B4-BE49-F238E27FC236}">
+                <a16:creationId xmlns:a16="http://schemas.microsoft.com/office/drawing/2014/main" id="{619E7C62-EDD6-FF2F-2AB3-3632706493D9}"/>
               </a:ext>
             </a:extLst>
           </p:cNvPr>
@@ -9248,94 +10964,65 @@
         </p:nvGrpSpPr>
         <p:grpSpPr>
           <a:xfrm>
-            <a:off x="2146515" y="2382676"/>
-            <a:ext cx="8020373" cy="4351337"/>
-            <a:chOff x="254000" y="3529739"/>
-            <a:chExt cx="6238067" cy="3119033"/>
+            <a:off x="11308814" y="182642"/>
+            <a:ext cx="796458" cy="1088930"/>
+            <a:chOff x="10951180" y="240224"/>
+            <a:chExt cx="796458" cy="1088930"/>
           </a:xfrm>
         </p:grpSpPr>
         <p:pic>
           <p:nvPicPr>
-            <p:cNvPr id="5" name="Picture 4">
+            <p:cNvPr id="8" name="Picture 2" descr="American Community Survey (ACS) – Roadmap to the 2030 Census">
               <a:extLst>
                 <a:ext uri="{FF2B5EF4-FFF2-40B4-BE49-F238E27FC236}">
-                  <a16:creationId xmlns:a16="http://schemas.microsoft.com/office/drawing/2014/main" id="{29F97403-C0CE-B640-F61A-FFF0CA2E81B7}"/>
+                  <a16:creationId xmlns:a16="http://schemas.microsoft.com/office/drawing/2014/main" id="{EC48EE0F-8982-CEEB-FFE2-A917688FC860}"/>
                 </a:ext>
               </a:extLst>
             </p:cNvPr>
             <p:cNvPicPr>
-              <a:picLocks noChangeAspect="1"/>
+              <a:picLocks noChangeAspect="1" noChangeArrowheads="1"/>
             </p:cNvPicPr>
             <p:nvPr/>
           </p:nvPicPr>
           <p:blipFill>
-            <a:blip r:embed="rId3"/>
+            <a:blip r:embed="rId5">
+              <a:extLst>
+                <a:ext uri="{28A0092B-C50C-407E-A947-70E740481C1C}">
+                  <a14:useLocalDpi xmlns:a14="http://schemas.microsoft.com/office/drawing/2010/main" val="0"/>
+                </a:ext>
+              </a:extLst>
+            </a:blip>
             <a:srcRect/>
-            <a:stretch/>
+            <a:stretch>
+              <a:fillRect/>
+            </a:stretch>
           </p:blipFill>
-          <p:spPr>
+          <p:spPr bwMode="auto">
             <a:xfrm>
-              <a:off x="254000" y="3529739"/>
-              <a:ext cx="6238067" cy="3119033"/>
+              <a:off x="10951180" y="240224"/>
+              <a:ext cx="750376" cy="750376"/>
             </a:xfrm>
             <a:prstGeom prst="rect">
               <a:avLst/>
             </a:prstGeom>
+            <a:noFill/>
+            <a:extLst>
+              <a:ext uri="{909E8E84-426E-40DD-AFC4-6F175D3DCCD1}">
+                <a14:hiddenFill xmlns:a14="http://schemas.microsoft.com/office/drawing/2010/main">
+                  <a:solidFill>
+                    <a:srgbClr val="FFFFFF"/>
+                  </a:solidFill>
+                </a14:hiddenFill>
+              </a:ext>
+            </a:extLst>
           </p:spPr>
         </p:pic>
         <p:sp>
           <p:nvSpPr>
-            <p:cNvPr id="6" name="Right Brace 5">
+            <p:cNvPr id="9" name="TextBox 8">
               <a:extLst>
                 <a:ext uri="{FF2B5EF4-FFF2-40B4-BE49-F238E27FC236}">
-                  <a16:creationId xmlns:a16="http://schemas.microsoft.com/office/drawing/2014/main" id="{DCC6923D-0B04-6B3B-1428-2E01FC808EC4}"/>
-                </a:ext>
-              </a:extLst>
-            </p:cNvPr>
-            <p:cNvSpPr/>
-            <p:nvPr/>
-          </p:nvSpPr>
-          <p:spPr>
-            <a:xfrm rot="16200000">
-              <a:off x="4148705" y="3552018"/>
-              <a:ext cx="366148" cy="2820692"/>
-            </a:xfrm>
-            <a:prstGeom prst="rightBrace">
-              <a:avLst>
-                <a:gd name="adj1" fmla="val 8333"/>
-                <a:gd name="adj2" fmla="val 49658"/>
-              </a:avLst>
-            </a:prstGeom>
-          </p:spPr>
-          <p:style>
-            <a:lnRef idx="2">
-              <a:schemeClr val="accent1"/>
-            </a:lnRef>
-            <a:fillRef idx="0">
-              <a:schemeClr val="accent1"/>
-            </a:fillRef>
-            <a:effectRef idx="1">
-              <a:schemeClr val="accent1"/>
-            </a:effectRef>
-            <a:fontRef idx="minor">
-              <a:schemeClr val="tx1"/>
-            </a:fontRef>
-          </p:style>
-          <p:txBody>
-            <a:bodyPr rtlCol="0" anchor="ctr"/>
-            <a:lstStyle/>
-            <a:p>
-              <a:pPr algn="ctr"/>
-              <a:endParaRPr lang="en-US"/>
-            </a:p>
-          </p:txBody>
-        </p:sp>
-        <p:sp>
-          <p:nvSpPr>
-            <p:cNvPr id="7" name="TextBox 6">
-              <a:extLst>
-                <a:ext uri="{FF2B5EF4-FFF2-40B4-BE49-F238E27FC236}">
-                  <a16:creationId xmlns:a16="http://schemas.microsoft.com/office/drawing/2014/main" id="{B3F5CF8D-3075-8684-CC8A-FC0D7300EB30}"/>
+                  <a16:creationId xmlns:a16="http://schemas.microsoft.com/office/drawing/2014/main" id="{90FBB281-7AE0-9352-917C-87AEAE5B751F}"/>
                 </a:ext>
               </a:extLst>
             </p:cNvPr>
@@ -9344,8 +11031,8 @@
           </p:nvSpPr>
           <p:spPr>
             <a:xfrm>
-              <a:off x="3874579" y="4409957"/>
-              <a:ext cx="914400" cy="369332"/>
+              <a:off x="11043344" y="990600"/>
+              <a:ext cx="704294" cy="338554"/>
             </a:xfrm>
             <a:prstGeom prst="rect">
               <a:avLst/>
@@ -9359,44 +11046,12 @@
             <a:lstStyle/>
             <a:p>
               <a:r>
-                <a:rPr lang="en-US" dirty="0"/>
-                <a:t>~30%</a:t>
+                <a:rPr lang="en-US" sz="1600" dirty="0">
+                  <a:latin typeface="Abadi MT Condensed Light" panose="020B0306030101010103" pitchFamily="34" charset="77"/>
+                </a:rPr>
+                <a:t>2020</a:t>
               </a:r>
-            </a:p>
-          </p:txBody>
-        </p:sp>
-        <p:sp>
-          <p:nvSpPr>
-            <p:cNvPr id="8" name="TextBox 7">
-              <a:extLst>
-                <a:ext uri="{FF2B5EF4-FFF2-40B4-BE49-F238E27FC236}">
-                  <a16:creationId xmlns:a16="http://schemas.microsoft.com/office/drawing/2014/main" id="{CE896DEA-036A-3351-E212-9268FD99C738}"/>
-                </a:ext>
-              </a:extLst>
-            </p:cNvPr>
-            <p:cNvSpPr txBox="1"/>
-            <p:nvPr/>
-          </p:nvSpPr>
-          <p:spPr>
-            <a:xfrm>
-              <a:off x="984790" y="4409957"/>
-              <a:ext cx="914400" cy="369332"/>
-            </a:xfrm>
-            <a:prstGeom prst="rect">
-              <a:avLst/>
-            </a:prstGeom>
-            <a:noFill/>
-          </p:spPr>
-          <p:txBody>
-            <a:bodyPr wrap="square" rtlCol="0">
-              <a:spAutoFit/>
-            </a:bodyPr>
-            <a:lstStyle/>
-            <a:p>
-              <a:r>
-                <a:rPr lang="en-US" dirty="0"/>
-                <a:t>~44%</a:t>
-              </a:r>
+              <a:endParaRPr lang="en-US" dirty="0"/>
             </a:p>
           </p:txBody>
         </p:sp>
@@ -9404,784 +11059,7 @@
     </p:spTree>
     <p:extLst>
       <p:ext uri="{BB962C8B-B14F-4D97-AF65-F5344CB8AC3E}">
-        <p14:creationId xmlns:p14="http://schemas.microsoft.com/office/powerpoint/2010/main" val="1021750346"/>
-      </p:ext>
-    </p:extLst>
-  </p:cSld>
-  <p:clrMapOvr>
-    <a:masterClrMapping/>
-  </p:clrMapOvr>
-</p:sld>
-</file>
-
-<file path=ppt/slides/slide4.xml><?xml version="1.0" encoding="utf-8"?>
-<p:sld xmlns:a="http://schemas.openxmlformats.org/drawingml/2006/main" xmlns:r="http://schemas.openxmlformats.org/officeDocument/2006/relationships" xmlns:p="http://schemas.openxmlformats.org/presentationml/2006/main">
-  <p:cSld>
-    <p:spTree>
-      <p:nvGrpSpPr>
-        <p:cNvPr id="1" name=""/>
-        <p:cNvGrpSpPr/>
-        <p:nvPr/>
-      </p:nvGrpSpPr>
-      <p:grpSpPr>
-        <a:xfrm>
-          <a:off x="0" y="0"/>
-          <a:ext cx="0" cy="0"/>
-          <a:chOff x="0" y="0"/>
-          <a:chExt cx="0" cy="0"/>
-        </a:xfrm>
-      </p:grpSpPr>
-      <p:sp>
-        <p:nvSpPr>
-          <p:cNvPr id="2" name="Title 1">
-            <a:extLst>
-              <a:ext uri="{FF2B5EF4-FFF2-40B4-BE49-F238E27FC236}">
-                <a16:creationId xmlns:a16="http://schemas.microsoft.com/office/drawing/2014/main" id="{F8510379-237F-7A6F-E10F-77A63CBFE5D4}"/>
-              </a:ext>
-            </a:extLst>
-          </p:cNvPr>
-          <p:cNvSpPr>
-            <a:spLocks noGrp="1"/>
-          </p:cNvSpPr>
-          <p:nvPr>
-            <p:ph type="title"/>
-          </p:nvPr>
-        </p:nvSpPr>
-        <p:spPr>
-          <a:xfrm>
-            <a:off x="464949" y="365125"/>
-            <a:ext cx="11329261" cy="1325563"/>
-          </a:xfrm>
-        </p:spPr>
-        <p:txBody>
-          <a:bodyPr/>
-          <a:lstStyle/>
-          <a:p>
-            <a:r>
-              <a:rPr lang="en-US" dirty="0"/>
-              <a:t>Research on Hispanic groups finds heterogeneity </a:t>
-            </a:r>
-          </a:p>
-        </p:txBody>
-      </p:sp>
-      <p:sp>
-        <p:nvSpPr>
-          <p:cNvPr id="6" name="AutoShape 4">
-            <a:extLst>
-              <a:ext uri="{FF2B5EF4-FFF2-40B4-BE49-F238E27FC236}">
-                <a16:creationId xmlns:a16="http://schemas.microsoft.com/office/drawing/2014/main" id="{3C3ACE8C-D8CA-F83A-12D0-D4194D94569C}"/>
-              </a:ext>
-            </a:extLst>
-          </p:cNvPr>
-          <p:cNvSpPr>
-            <a:spLocks noChangeAspect="1" noChangeArrowheads="1"/>
-          </p:cNvSpPr>
-          <p:nvPr/>
-        </p:nvSpPr>
-        <p:spPr bwMode="auto">
-          <a:xfrm>
-            <a:off x="5943600" y="3276600"/>
-            <a:ext cx="304800" cy="304800"/>
-          </a:xfrm>
-          <a:prstGeom prst="rect">
-            <a:avLst/>
-          </a:prstGeom>
-          <a:noFill/>
-          <a:extLst>
-            <a:ext uri="{909E8E84-426E-40DD-AFC4-6F175D3DCCD1}">
-              <a14:hiddenFill xmlns:a14="http://schemas.microsoft.com/office/drawing/2010/main">
-                <a:solidFill>
-                  <a:srgbClr val="FFFFFF"/>
-                </a:solidFill>
-              </a14:hiddenFill>
-            </a:ext>
-          </a:extLst>
-        </p:spPr>
-        <p:txBody>
-          <a:bodyPr vert="horz" wrap="square" lIns="91440" tIns="45720" rIns="91440" bIns="45720" numCol="1" anchor="t" anchorCtr="0" compatLnSpc="1">
-            <a:prstTxWarp prst="textNoShape">
-              <a:avLst/>
-            </a:prstTxWarp>
-          </a:bodyPr>
-          <a:lstStyle/>
-          <a:p>
-            <a:endParaRPr lang="en-US"/>
-          </a:p>
-        </p:txBody>
-      </p:sp>
-      <p:pic>
-        <p:nvPicPr>
-          <p:cNvPr id="9" name="Picture 8">
-            <a:extLst>
-              <a:ext uri="{FF2B5EF4-FFF2-40B4-BE49-F238E27FC236}">
-                <a16:creationId xmlns:a16="http://schemas.microsoft.com/office/drawing/2014/main" id="{C4B8D538-6CC9-AC0C-0011-46E254CFFE1F}"/>
-              </a:ext>
-            </a:extLst>
-          </p:cNvPr>
-          <p:cNvPicPr>
-            <a:picLocks noChangeAspect="1"/>
-          </p:cNvPicPr>
-          <p:nvPr/>
-        </p:nvPicPr>
-        <p:blipFill>
-          <a:blip r:embed="rId3"/>
-          <a:stretch>
-            <a:fillRect/>
-          </a:stretch>
-        </p:blipFill>
-        <p:spPr>
-          <a:xfrm>
-            <a:off x="1722782" y="1545521"/>
-            <a:ext cx="8451453" cy="3944013"/>
-          </a:xfrm>
-          <a:prstGeom prst="rect">
-            <a:avLst/>
-          </a:prstGeom>
-        </p:spPr>
-      </p:pic>
-      <p:sp>
-        <p:nvSpPr>
-          <p:cNvPr id="10" name="Text Box 6">
-            <a:extLst>
-              <a:ext uri="{FF2B5EF4-FFF2-40B4-BE49-F238E27FC236}">
-                <a16:creationId xmlns:a16="http://schemas.microsoft.com/office/drawing/2014/main" id="{F839D726-FF38-003B-E4FC-9573B9FF0299}"/>
-              </a:ext>
-            </a:extLst>
-          </p:cNvPr>
-          <p:cNvSpPr txBox="1">
-            <a:spLocks noChangeArrowheads="1"/>
-          </p:cNvSpPr>
-          <p:nvPr/>
-        </p:nvSpPr>
-        <p:spPr bwMode="auto">
-          <a:xfrm>
-            <a:off x="2341222" y="6427076"/>
-            <a:ext cx="5899752" cy="276985"/>
-          </a:xfrm>
-          <a:prstGeom prst="rect">
-            <a:avLst/>
-          </a:prstGeom>
-          <a:noFill/>
-          <a:ln>
-            <a:noFill/>
-          </a:ln>
-          <a:extLst>
-            <a:ext uri="{909E8E84-426E-40DD-AFC4-6F175D3DCCD1}">
-              <a14:hiddenFill xmlns:a14="http://schemas.microsoft.com/office/drawing/2010/main">
-                <a:solidFill>
-                  <a:srgbClr val="FFFFFF"/>
-                </a:solidFill>
-              </a14:hiddenFill>
-            </a:ext>
-            <a:ext uri="{91240B29-F687-4F45-9708-019B960494DF}">
-              <a14:hiddenLine xmlns:a14="http://schemas.microsoft.com/office/drawing/2010/main" w="9525">
-                <a:solidFill>
-                  <a:srgbClr val="000000"/>
-                </a:solidFill>
-                <a:miter lim="800000"/>
-                <a:headEnd/>
-                <a:tailEnd/>
-              </a14:hiddenLine>
-            </a:ext>
-          </a:extLst>
-        </p:spPr>
-        <p:txBody>
-          <a:bodyPr wrap="square" lIns="91427" tIns="45713" rIns="91427" bIns="45713">
-            <a:spAutoFit/>
-          </a:bodyPr>
-          <a:lstStyle>
-            <a:lvl1pPr>
-              <a:spcBef>
-                <a:spcPct val="20000"/>
-              </a:spcBef>
-              <a:buFont typeface="Arial" panose="020B0604020202020204" pitchFamily="34" charset="0"/>
-              <a:buChar char="•"/>
-              <a:defRPr sz="3200">
-                <a:solidFill>
-                  <a:schemeClr val="tx1"/>
-                </a:solidFill>
-                <a:latin typeface="Arial" panose="020B0604020202020204" pitchFamily="34" charset="0"/>
-              </a:defRPr>
-            </a:lvl1pPr>
-            <a:lvl2pPr marL="742950" indent="-285750">
-              <a:spcBef>
-                <a:spcPct val="20000"/>
-              </a:spcBef>
-              <a:buFont typeface="Arial" panose="020B0604020202020204" pitchFamily="34" charset="0"/>
-              <a:buChar char="–"/>
-              <a:defRPr sz="2800">
-                <a:solidFill>
-                  <a:schemeClr val="tx1"/>
-                </a:solidFill>
-                <a:latin typeface="Arial" panose="020B0604020202020204" pitchFamily="34" charset="0"/>
-              </a:defRPr>
-            </a:lvl2pPr>
-            <a:lvl3pPr marL="1143000" indent="-228600">
-              <a:spcBef>
-                <a:spcPct val="20000"/>
-              </a:spcBef>
-              <a:buFont typeface="Arial" panose="020B0604020202020204" pitchFamily="34" charset="0"/>
-              <a:buChar char="•"/>
-              <a:defRPr sz="2400">
-                <a:solidFill>
-                  <a:schemeClr val="tx1"/>
-                </a:solidFill>
-                <a:latin typeface="Arial" panose="020B0604020202020204" pitchFamily="34" charset="0"/>
-              </a:defRPr>
-            </a:lvl3pPr>
-            <a:lvl4pPr marL="1600200" indent="-228600">
-              <a:spcBef>
-                <a:spcPct val="20000"/>
-              </a:spcBef>
-              <a:buFont typeface="Arial" panose="020B0604020202020204" pitchFamily="34" charset="0"/>
-              <a:buChar char="–"/>
-              <a:defRPr sz="2000">
-                <a:solidFill>
-                  <a:schemeClr val="tx1"/>
-                </a:solidFill>
-                <a:latin typeface="Arial" panose="020B0604020202020204" pitchFamily="34" charset="0"/>
-              </a:defRPr>
-            </a:lvl4pPr>
-            <a:lvl5pPr marL="2057400" indent="-228600">
-              <a:spcBef>
-                <a:spcPct val="20000"/>
-              </a:spcBef>
-              <a:buFont typeface="Arial" panose="020B0604020202020204" pitchFamily="34" charset="0"/>
-              <a:buChar char="»"/>
-              <a:defRPr sz="2000">
-                <a:solidFill>
-                  <a:schemeClr val="tx1"/>
-                </a:solidFill>
-                <a:latin typeface="Arial" panose="020B0604020202020204" pitchFamily="34" charset="0"/>
-              </a:defRPr>
-            </a:lvl5pPr>
-            <a:lvl6pPr marL="2514600" indent="-228600" eaLnBrk="0" fontAlgn="base" hangingPunct="0">
-              <a:spcBef>
-                <a:spcPct val="20000"/>
-              </a:spcBef>
-              <a:spcAft>
-                <a:spcPct val="0"/>
-              </a:spcAft>
-              <a:buFont typeface="Arial" panose="020B0604020202020204" pitchFamily="34" charset="0"/>
-              <a:buChar char="»"/>
-              <a:defRPr sz="2000">
-                <a:solidFill>
-                  <a:schemeClr val="tx1"/>
-                </a:solidFill>
-                <a:latin typeface="Arial" panose="020B0604020202020204" pitchFamily="34" charset="0"/>
-              </a:defRPr>
-            </a:lvl6pPr>
-            <a:lvl7pPr marL="2971800" indent="-228600" eaLnBrk="0" fontAlgn="base" hangingPunct="0">
-              <a:spcBef>
-                <a:spcPct val="20000"/>
-              </a:spcBef>
-              <a:spcAft>
-                <a:spcPct val="0"/>
-              </a:spcAft>
-              <a:buFont typeface="Arial" panose="020B0604020202020204" pitchFamily="34" charset="0"/>
-              <a:buChar char="»"/>
-              <a:defRPr sz="2000">
-                <a:solidFill>
-                  <a:schemeClr val="tx1"/>
-                </a:solidFill>
-                <a:latin typeface="Arial" panose="020B0604020202020204" pitchFamily="34" charset="0"/>
-              </a:defRPr>
-            </a:lvl7pPr>
-            <a:lvl8pPr marL="3429000" indent="-228600" eaLnBrk="0" fontAlgn="base" hangingPunct="0">
-              <a:spcBef>
-                <a:spcPct val="20000"/>
-              </a:spcBef>
-              <a:spcAft>
-                <a:spcPct val="0"/>
-              </a:spcAft>
-              <a:buFont typeface="Arial" panose="020B0604020202020204" pitchFamily="34" charset="0"/>
-              <a:buChar char="»"/>
-              <a:defRPr sz="2000">
-                <a:solidFill>
-                  <a:schemeClr val="tx1"/>
-                </a:solidFill>
-                <a:latin typeface="Arial" panose="020B0604020202020204" pitchFamily="34" charset="0"/>
-              </a:defRPr>
-            </a:lvl8pPr>
-            <a:lvl9pPr marL="3886200" indent="-228600" eaLnBrk="0" fontAlgn="base" hangingPunct="0">
-              <a:spcBef>
-                <a:spcPct val="20000"/>
-              </a:spcBef>
-              <a:spcAft>
-                <a:spcPct val="0"/>
-              </a:spcAft>
-              <a:buFont typeface="Arial" panose="020B0604020202020204" pitchFamily="34" charset="0"/>
-              <a:buChar char="»"/>
-              <a:defRPr sz="2000">
-                <a:solidFill>
-                  <a:schemeClr val="tx1"/>
-                </a:solidFill>
-                <a:latin typeface="Arial" panose="020B0604020202020204" pitchFamily="34" charset="0"/>
-              </a:defRPr>
-            </a:lvl9pPr>
-          </a:lstStyle>
-          <a:p>
-            <a:pPr>
-              <a:spcBef>
-                <a:spcPct val="0"/>
-              </a:spcBef>
-              <a:buClr>
-                <a:srgbClr val="0563C1"/>
-              </a:buClr>
-              <a:buSzPct val="120000"/>
-              <a:buNone/>
-              <a:defRPr/>
-            </a:pPr>
-            <a:r>
-              <a:rPr lang="en-US" altLang="en-US" sz="1200" dirty="0">
-                <a:solidFill>
-                  <a:prstClr val="black"/>
-                </a:solidFill>
-                <a:latin typeface="+mn-lt"/>
-                <a:cs typeface="Times New Roman" panose="02020603050405020304" pitchFamily="18" charset="0"/>
-              </a:rPr>
-              <a:t>Llibre Rodriguez J, et al. The Lancet, 2008; 372: 464</a:t>
-            </a:r>
-          </a:p>
-        </p:txBody>
-      </p:sp>
-    </p:spTree>
-    <p:extLst>
-      <p:ext uri="{BB962C8B-B14F-4D97-AF65-F5344CB8AC3E}">
-        <p14:creationId xmlns:p14="http://schemas.microsoft.com/office/powerpoint/2010/main" val="3326969986"/>
-      </p:ext>
-    </p:extLst>
-  </p:cSld>
-  <p:clrMapOvr>
-    <a:masterClrMapping/>
-  </p:clrMapOvr>
-</p:sld>
-</file>
-
-<file path=ppt/slides/slide5.xml><?xml version="1.0" encoding="utf-8"?>
-<p:sld xmlns:a="http://schemas.openxmlformats.org/drawingml/2006/main" xmlns:r="http://schemas.openxmlformats.org/officeDocument/2006/relationships" xmlns:p="http://schemas.openxmlformats.org/presentationml/2006/main">
-  <p:cSld>
-    <p:spTree>
-      <p:nvGrpSpPr>
-        <p:cNvPr id="1" name=""/>
-        <p:cNvGrpSpPr/>
-        <p:nvPr/>
-      </p:nvGrpSpPr>
-      <p:grpSpPr>
-        <a:xfrm>
-          <a:off x="0" y="0"/>
-          <a:ext cx="0" cy="0"/>
-          <a:chOff x="0" y="0"/>
-          <a:chExt cx="0" cy="0"/>
-        </a:xfrm>
-      </p:grpSpPr>
-      <p:sp>
-        <p:nvSpPr>
-          <p:cNvPr id="2" name="Title 1">
-            <a:extLst>
-              <a:ext uri="{FF2B5EF4-FFF2-40B4-BE49-F238E27FC236}">
-                <a16:creationId xmlns:a16="http://schemas.microsoft.com/office/drawing/2014/main" id="{BBF316E2-B6B1-F1E9-D72E-012DD4203A58}"/>
-              </a:ext>
-            </a:extLst>
-          </p:cNvPr>
-          <p:cNvSpPr>
-            <a:spLocks noGrp="1"/>
-          </p:cNvSpPr>
-          <p:nvPr>
-            <p:ph type="title"/>
-          </p:nvPr>
-        </p:nvSpPr>
-        <p:spPr/>
-        <p:txBody>
-          <a:bodyPr/>
-          <a:lstStyle/>
-          <a:p>
-            <a:r>
-              <a:rPr lang="en-US" dirty="0"/>
-              <a:t>Migrant selection</a:t>
-            </a:r>
-          </a:p>
-        </p:txBody>
-      </p:sp>
-      <p:sp>
-        <p:nvSpPr>
-          <p:cNvPr id="3" name="Content Placeholder 2">
-            <a:extLst>
-              <a:ext uri="{FF2B5EF4-FFF2-40B4-BE49-F238E27FC236}">
-                <a16:creationId xmlns:a16="http://schemas.microsoft.com/office/drawing/2014/main" id="{93122B0F-E988-D927-1B51-0334E602F78B}"/>
-              </a:ext>
-            </a:extLst>
-          </p:cNvPr>
-          <p:cNvSpPr>
-            <a:spLocks noGrp="1"/>
-          </p:cNvSpPr>
-          <p:nvPr>
-            <p:ph idx="1"/>
-          </p:nvPr>
-        </p:nvSpPr>
-        <p:spPr/>
-        <p:txBody>
-          <a:bodyPr/>
-          <a:lstStyle/>
-          <a:p>
-            <a:r>
-              <a:rPr lang="en-US" dirty="0"/>
-              <a:t>Migrant selection explains a lot of this variation</a:t>
-            </a:r>
-          </a:p>
-          <a:p>
-            <a:r>
-              <a:rPr lang="en-US" dirty="0"/>
-              <a:t>A key to understanding this comes from understanding how Hispanic immigrants differ from each other</a:t>
-            </a:r>
-          </a:p>
-          <a:p>
-            <a:r>
-              <a:rPr lang="en-US" dirty="0"/>
-              <a:t>Also to understand conditions of sending countries and selection patterns</a:t>
-            </a:r>
-          </a:p>
-          <a:p>
-            <a:endParaRPr lang="en-US" dirty="0"/>
-          </a:p>
-        </p:txBody>
-      </p:sp>
-    </p:spTree>
-    <p:extLst>
-      <p:ext uri="{BB962C8B-B14F-4D97-AF65-F5344CB8AC3E}">
-        <p14:creationId xmlns:p14="http://schemas.microsoft.com/office/powerpoint/2010/main" val="1369537029"/>
-      </p:ext>
-    </p:extLst>
-  </p:cSld>
-  <p:clrMapOvr>
-    <a:masterClrMapping/>
-  </p:clrMapOvr>
-</p:sld>
-</file>
-
-<file path=ppt/slides/slide6.xml><?xml version="1.0" encoding="utf-8"?>
-<p:sld xmlns:a="http://schemas.openxmlformats.org/drawingml/2006/main" xmlns:r="http://schemas.openxmlformats.org/officeDocument/2006/relationships" xmlns:p="http://schemas.openxmlformats.org/presentationml/2006/main">
-  <p:cSld>
-    <p:spTree>
-      <p:nvGrpSpPr>
-        <p:cNvPr id="1" name=""/>
-        <p:cNvGrpSpPr/>
-        <p:nvPr/>
-      </p:nvGrpSpPr>
-      <p:grpSpPr>
-        <a:xfrm>
-          <a:off x="0" y="0"/>
-          <a:ext cx="0" cy="0"/>
-          <a:chOff x="0" y="0"/>
-          <a:chExt cx="0" cy="0"/>
-        </a:xfrm>
-      </p:grpSpPr>
-      <p:sp>
-        <p:nvSpPr>
-          <p:cNvPr id="2" name="Title 1">
-            <a:extLst>
-              <a:ext uri="{FF2B5EF4-FFF2-40B4-BE49-F238E27FC236}">
-                <a16:creationId xmlns:a16="http://schemas.microsoft.com/office/drawing/2014/main" id="{5AE3580C-3D8D-C991-962B-FACF83EBEDE5}"/>
-              </a:ext>
-            </a:extLst>
-          </p:cNvPr>
-          <p:cNvSpPr>
-            <a:spLocks noGrp="1"/>
-          </p:cNvSpPr>
-          <p:nvPr>
-            <p:ph type="title"/>
-          </p:nvPr>
-        </p:nvSpPr>
-        <p:spPr/>
-        <p:txBody>
-          <a:bodyPr>
-            <a:normAutofit/>
-          </a:bodyPr>
-          <a:lstStyle/>
-          <a:p>
-            <a:r>
-              <a:rPr lang="en-US" dirty="0"/>
-              <a:t>Introduce the idea that selection is different based on country of origin</a:t>
-            </a:r>
-          </a:p>
-        </p:txBody>
-      </p:sp>
-      <p:sp>
-        <p:nvSpPr>
-          <p:cNvPr id="3" name="Content Placeholder 2">
-            <a:extLst>
-              <a:ext uri="{FF2B5EF4-FFF2-40B4-BE49-F238E27FC236}">
-                <a16:creationId xmlns:a16="http://schemas.microsoft.com/office/drawing/2014/main" id="{FC49462B-EE3C-BD2A-77BD-20EB696D497A}"/>
-              </a:ext>
-            </a:extLst>
-          </p:cNvPr>
-          <p:cNvSpPr>
-            <a:spLocks noGrp="1"/>
-          </p:cNvSpPr>
-          <p:nvPr>
-            <p:ph idx="1"/>
-          </p:nvPr>
-        </p:nvSpPr>
-        <p:spPr/>
-        <p:txBody>
-          <a:bodyPr>
-            <a:normAutofit fontScale="92500" lnSpcReduction="20000"/>
-          </a:bodyPr>
-          <a:lstStyle/>
-          <a:p>
-            <a:pPr marL="0" indent="0">
-              <a:buNone/>
-            </a:pPr>
-            <a:endParaRPr lang="en-US" dirty="0"/>
-          </a:p>
-          <a:p>
-            <a:r>
-              <a:rPr lang="en-US" dirty="0"/>
-              <a:t>Puerto Rico became a US territory in 1898. In 1917 they were granted US citizenship.</a:t>
-            </a:r>
-            <a:br>
-              <a:rPr lang="en-US" dirty="0"/>
-            </a:br>
-            <a:endParaRPr lang="en-US" dirty="0"/>
-          </a:p>
-          <a:p>
-            <a:r>
-              <a:rPr lang="en-US" dirty="0"/>
-              <a:t>The US occupied the Dominican Republic twice. Political instability in 1961 led to a surge of migration to the US.</a:t>
-            </a:r>
-            <a:br>
-              <a:rPr lang="en-US" dirty="0"/>
-            </a:br>
-            <a:endParaRPr lang="en-US" dirty="0"/>
-          </a:p>
-          <a:p>
-            <a:r>
-              <a:rPr lang="en-US" dirty="0"/>
-              <a:t>Cuban Revolution in 1959 sparked one of the largest refugee movement in US history (Duany 2017). In 1966, given path to US residency. </a:t>
-            </a:r>
-            <a:br>
-              <a:rPr lang="en-US" dirty="0"/>
-            </a:br>
-            <a:endParaRPr lang="en-US" dirty="0"/>
-          </a:p>
-          <a:p>
-            <a:r>
-              <a:rPr lang="en-US" dirty="0"/>
-              <a:t>Mexico revolution in the early 1900’s resulted in mass emigration. Bracero program in the 1940’s which ended in 1964. </a:t>
-            </a:r>
-          </a:p>
-        </p:txBody>
-      </p:sp>
-    </p:spTree>
-    <p:extLst>
-      <p:ext uri="{BB962C8B-B14F-4D97-AF65-F5344CB8AC3E}">
-        <p14:creationId xmlns:p14="http://schemas.microsoft.com/office/powerpoint/2010/main" val="531921029"/>
-      </p:ext>
-    </p:extLst>
-  </p:cSld>
-  <p:clrMapOvr>
-    <a:masterClrMapping/>
-  </p:clrMapOvr>
-  <p:extLst>
-    <p:ext uri="{6950BFC3-D8DA-4A85-94F7-54DA5524770B}">
-      <p188:commentRel xmlns:p188="http://schemas.microsoft.com/office/powerpoint/2018/8/main" r:id="rId3"/>
-    </p:ext>
-  </p:extLst>
-</p:sld>
-</file>
-
-<file path=ppt/slides/slide7.xml><?xml version="1.0" encoding="utf-8"?>
-<p:sld xmlns:a="http://schemas.openxmlformats.org/drawingml/2006/main" xmlns:r="http://schemas.openxmlformats.org/officeDocument/2006/relationships" xmlns:p="http://schemas.openxmlformats.org/presentationml/2006/main">
-  <p:cSld>
-    <p:spTree>
-      <p:nvGrpSpPr>
-        <p:cNvPr id="1" name=""/>
-        <p:cNvGrpSpPr/>
-        <p:nvPr/>
-      </p:nvGrpSpPr>
-      <p:grpSpPr>
-        <a:xfrm>
-          <a:off x="0" y="0"/>
-          <a:ext cx="0" cy="0"/>
-          <a:chOff x="0" y="0"/>
-          <a:chExt cx="0" cy="0"/>
-        </a:xfrm>
-      </p:grpSpPr>
-      <p:sp>
-        <p:nvSpPr>
-          <p:cNvPr id="2" name="Title 1">
-            <a:extLst>
-              <a:ext uri="{FF2B5EF4-FFF2-40B4-BE49-F238E27FC236}">
-                <a16:creationId xmlns:a16="http://schemas.microsoft.com/office/drawing/2014/main" id="{D1F9E53A-1A3B-44D0-55FA-41C9B900A45A}"/>
-              </a:ext>
-            </a:extLst>
-          </p:cNvPr>
-          <p:cNvSpPr>
-            <a:spLocks noGrp="1"/>
-          </p:cNvSpPr>
-          <p:nvPr>
-            <p:ph type="title"/>
-          </p:nvPr>
-        </p:nvSpPr>
-        <p:spPr/>
-        <p:txBody>
-          <a:bodyPr/>
-          <a:lstStyle/>
-          <a:p>
-            <a:r>
-              <a:rPr lang="en-US" dirty="0"/>
-              <a:t>Countries are different but also changing over time</a:t>
-            </a:r>
-          </a:p>
-        </p:txBody>
-      </p:sp>
-      <p:pic>
-        <p:nvPicPr>
-          <p:cNvPr id="7" name="Picture 6" descr="A graph of colored lines&#10;&#10;AI-generated content may be incorrect.">
-            <a:extLst>
-              <a:ext uri="{FF2B5EF4-FFF2-40B4-BE49-F238E27FC236}">
-                <a16:creationId xmlns:a16="http://schemas.microsoft.com/office/drawing/2014/main" id="{3BC4F2D5-3076-696E-92CA-1261689E7432}"/>
-              </a:ext>
-            </a:extLst>
-          </p:cNvPr>
-          <p:cNvPicPr>
-            <a:picLocks noChangeAspect="1"/>
-          </p:cNvPicPr>
-          <p:nvPr/>
-        </p:nvPicPr>
-        <p:blipFill>
-          <a:blip r:embed="rId3"/>
-          <a:stretch>
-            <a:fillRect/>
-          </a:stretch>
-        </p:blipFill>
-        <p:spPr>
-          <a:xfrm>
-            <a:off x="2467232" y="1433382"/>
-            <a:ext cx="7232822" cy="5424617"/>
-          </a:xfrm>
-          <a:prstGeom prst="rect">
-            <a:avLst/>
-          </a:prstGeom>
-        </p:spPr>
-      </p:pic>
-    </p:spTree>
-    <p:extLst>
-      <p:ext uri="{BB962C8B-B14F-4D97-AF65-F5344CB8AC3E}">
-        <p14:creationId xmlns:p14="http://schemas.microsoft.com/office/powerpoint/2010/main" val="4081330067"/>
-      </p:ext>
-    </p:extLst>
-  </p:cSld>
-  <p:clrMapOvr>
-    <a:masterClrMapping/>
-  </p:clrMapOvr>
-</p:sld>
-</file>
-
-<file path=ppt/slides/slide8.xml><?xml version="1.0" encoding="utf-8"?>
-<p:sld xmlns:a="http://schemas.openxmlformats.org/drawingml/2006/main" xmlns:r="http://schemas.openxmlformats.org/officeDocument/2006/relationships" xmlns:p="http://schemas.openxmlformats.org/presentationml/2006/main">
-  <p:cSld>
-    <p:spTree>
-      <p:nvGrpSpPr>
-        <p:cNvPr id="1" name=""/>
-        <p:cNvGrpSpPr/>
-        <p:nvPr/>
-      </p:nvGrpSpPr>
-      <p:grpSpPr>
-        <a:xfrm>
-          <a:off x="0" y="0"/>
-          <a:ext cx="0" cy="0"/>
-          <a:chOff x="0" y="0"/>
-          <a:chExt cx="0" cy="0"/>
-        </a:xfrm>
-      </p:grpSpPr>
-      <p:sp>
-        <p:nvSpPr>
-          <p:cNvPr id="2" name="Title 1">
-            <a:extLst>
-              <a:ext uri="{FF2B5EF4-FFF2-40B4-BE49-F238E27FC236}">
-                <a16:creationId xmlns:a16="http://schemas.microsoft.com/office/drawing/2014/main" id="{0C8497F2-34DA-1450-85A3-4A30A9E26C46}"/>
-              </a:ext>
-            </a:extLst>
-          </p:cNvPr>
-          <p:cNvSpPr>
-            <a:spLocks noGrp="1"/>
-          </p:cNvSpPr>
-          <p:nvPr>
-            <p:ph type="title"/>
-          </p:nvPr>
-        </p:nvSpPr>
-        <p:spPr/>
-        <p:txBody>
-          <a:bodyPr/>
-          <a:lstStyle/>
-          <a:p>
-            <a:r>
-              <a:rPr lang="en-US" dirty="0"/>
-              <a:t>Our Contributions</a:t>
-            </a:r>
-          </a:p>
-        </p:txBody>
-      </p:sp>
-      <p:sp>
-        <p:nvSpPr>
-          <p:cNvPr id="3" name="Content Placeholder 2">
-            <a:extLst>
-              <a:ext uri="{FF2B5EF4-FFF2-40B4-BE49-F238E27FC236}">
-                <a16:creationId xmlns:a16="http://schemas.microsoft.com/office/drawing/2014/main" id="{5ECBDA1C-7543-105B-EE88-8BA9B608B0F8}"/>
-              </a:ext>
-            </a:extLst>
-          </p:cNvPr>
-          <p:cNvSpPr>
-            <a:spLocks noGrp="1"/>
-          </p:cNvSpPr>
-          <p:nvPr>
-            <p:ph idx="1"/>
-          </p:nvPr>
-        </p:nvSpPr>
-        <p:spPr/>
-        <p:txBody>
-          <a:bodyPr/>
-          <a:lstStyle/>
-          <a:p>
-            <a:pPr marL="514350" indent="-514350">
-              <a:buFont typeface="+mj-lt"/>
-              <a:buAutoNum type="arabicPeriod"/>
-            </a:pPr>
-            <a:r>
-              <a:rPr lang="en-US" dirty="0"/>
-              <a:t>US Immigrants from Mexico compared to those from the Hispanic Caribbean (60+)</a:t>
-            </a:r>
-          </a:p>
-          <a:p>
-            <a:pPr marL="514350" indent="-514350">
-              <a:buFont typeface="+mj-lt"/>
-              <a:buAutoNum type="arabicPeriod"/>
-            </a:pPr>
-            <a:r>
-              <a:rPr lang="en-US" dirty="0"/>
-              <a:t>US Immigrants from these countries compared to their native country resident counterparts</a:t>
-            </a:r>
-          </a:p>
-          <a:p>
-            <a:pPr marL="514350" indent="-514350">
-              <a:buFont typeface="+mj-lt"/>
-              <a:buAutoNum type="arabicPeriod"/>
-            </a:pPr>
-            <a:r>
-              <a:rPr lang="en-US" dirty="0"/>
-              <a:t>US Immigrants from these countries sociodemographic profiles over time</a:t>
-            </a:r>
-          </a:p>
-          <a:p>
-            <a:endParaRPr lang="en-US" dirty="0"/>
-          </a:p>
-        </p:txBody>
-      </p:sp>
-    </p:spTree>
-    <p:extLst>
-      <p:ext uri="{BB962C8B-B14F-4D97-AF65-F5344CB8AC3E}">
-        <p14:creationId xmlns:p14="http://schemas.microsoft.com/office/powerpoint/2010/main" val="630560943"/>
+        <p14:creationId xmlns:p14="http://schemas.microsoft.com/office/powerpoint/2010/main" val="3497046041"/>
       </p:ext>
     </p:extLst>
   </p:cSld>
@@ -10213,7 +11091,7 @@
           <p:cNvPr id="2" name="Title 1">
             <a:extLst>
               <a:ext uri="{FF2B5EF4-FFF2-40B4-BE49-F238E27FC236}">
-                <a16:creationId xmlns:a16="http://schemas.microsoft.com/office/drawing/2014/main" id="{30B884DE-A101-D0E2-2A30-18AC8DE70F50}"/>
+                <a16:creationId xmlns:a16="http://schemas.microsoft.com/office/drawing/2014/main" id="{DC86CC49-E7AD-D661-1679-040DEA26A606}"/>
               </a:ext>
             </a:extLst>
           </p:cNvPr>
@@ -10222,82 +11100,62 @@
           </p:cNvSpPr>
           <p:nvPr>
             <p:ph type="title"/>
-          </p:nvPr>
-        </p:nvSpPr>
-        <p:spPr/>
-        <p:txBody>
-          <a:bodyPr/>
-          <a:lstStyle/>
-          <a:p>
-            <a:r>
-              <a:rPr lang="en-US" dirty="0"/>
-              <a:t>Countries of Interest </a:t>
-            </a:r>
-          </a:p>
-        </p:txBody>
-      </p:sp>
-      <p:sp>
-        <p:nvSpPr>
-          <p:cNvPr id="3" name="Content Placeholder 2">
-            <a:extLst>
-              <a:ext uri="{FF2B5EF4-FFF2-40B4-BE49-F238E27FC236}">
-                <a16:creationId xmlns:a16="http://schemas.microsoft.com/office/drawing/2014/main" id="{6C10046C-C314-E438-DD59-A5A7499A0468}"/>
-              </a:ext>
-            </a:extLst>
-          </p:cNvPr>
-          <p:cNvSpPr>
-            <a:spLocks noGrp="1"/>
-          </p:cNvSpPr>
-          <p:nvPr>
-            <p:ph idx="1"/>
           </p:nvPr>
         </p:nvSpPr>
         <p:spPr>
           <a:xfrm>
-            <a:off x="3308885" y="3607845"/>
-            <a:ext cx="5375331" cy="1126462"/>
+            <a:off x="646176" y="1"/>
+            <a:ext cx="10680192" cy="1690688"/>
           </a:xfrm>
         </p:spPr>
         <p:txBody>
           <a:bodyPr>
-            <a:normAutofit lnSpcReduction="10000"/>
+            <a:normAutofit/>
           </a:bodyPr>
           <a:lstStyle/>
           <a:p>
-            <a:pPr lvl="1"/>
-            <a:r>
-              <a:rPr lang="en-US" dirty="0"/>
-              <a:t>Migrant characteristics</a:t>
-            </a:r>
-          </a:p>
-          <a:p>
-            <a:pPr lvl="1"/>
-            <a:r>
-              <a:rPr lang="en-US" dirty="0"/>
-              <a:t>Differences in Selection</a:t>
-            </a:r>
-          </a:p>
-          <a:p>
-            <a:pPr lvl="1"/>
-            <a:r>
-              <a:rPr lang="en-US" dirty="0"/>
-              <a:t>Change over time</a:t>
-            </a:r>
-          </a:p>
-          <a:p>
-            <a:pPr marL="0" indent="0">
-              <a:buNone/>
-            </a:pPr>
-            <a:endParaRPr lang="en-US" dirty="0"/>
-          </a:p>
-        </p:txBody>
-      </p:sp>
-      <p:sp>
-        <p:nvSpPr>
-          <p:cNvPr id="4" name="TextBox 3">
-            <a:extLst>
-              <a:ext uri="{FF2B5EF4-FFF2-40B4-BE49-F238E27FC236}">
-                <a16:creationId xmlns:a16="http://schemas.microsoft.com/office/drawing/2014/main" id="{821EC033-6FD0-9533-8DED-7B9A3E9D9ED6}"/>
+            <a:r>
+              <a:rPr lang="en-US" dirty="0"/>
+              <a:t>Caribbean Hispanic immigrants tend to be more educated than Mexican immigrants</a:t>
+            </a:r>
+          </a:p>
+        </p:txBody>
+      </p:sp>
+      <p:pic>
+        <p:nvPicPr>
+          <p:cNvPr id="7" name="Picture 6">
+            <a:extLst>
+              <a:ext uri="{FF2B5EF4-FFF2-40B4-BE49-F238E27FC236}">
+                <a16:creationId xmlns:a16="http://schemas.microsoft.com/office/drawing/2014/main" id="{8A930419-F94E-3AA6-9FDB-D23A55E1424C}"/>
+              </a:ext>
+            </a:extLst>
+          </p:cNvPr>
+          <p:cNvPicPr>
+            <a:picLocks noChangeAspect="1"/>
+          </p:cNvPicPr>
+          <p:nvPr/>
+        </p:nvPicPr>
+        <p:blipFill>
+          <a:blip r:embed="rId3"/>
+          <a:srcRect/>
+          <a:stretch/>
+        </p:blipFill>
+        <p:spPr>
+          <a:xfrm>
+            <a:off x="2389632" y="1664542"/>
+            <a:ext cx="7784365" cy="5189576"/>
+          </a:xfrm>
+          <a:prstGeom prst="rect">
+            <a:avLst/>
+          </a:prstGeom>
+        </p:spPr>
+      </p:pic>
+      <p:sp>
+        <p:nvSpPr>
+          <p:cNvPr id="3" name="TextBox 2">
+            <a:extLst>
+              <a:ext uri="{FF2B5EF4-FFF2-40B4-BE49-F238E27FC236}">
+                <a16:creationId xmlns:a16="http://schemas.microsoft.com/office/drawing/2014/main" id="{FF76BD7F-42F5-DE1F-C298-925197D64223}"/>
               </a:ext>
             </a:extLst>
           </p:cNvPr>
@@ -10306,8 +11164,8 @@
         </p:nvSpPr>
         <p:spPr>
           <a:xfrm>
-            <a:off x="1844298" y="1851962"/>
-            <a:ext cx="1704813" cy="369332"/>
+            <a:off x="4072128" y="1506022"/>
+            <a:ext cx="4876800" cy="369332"/>
           </a:xfrm>
           <a:prstGeom prst="rect">
             <a:avLst/>
@@ -10322,316 +11180,123 @@
           <a:p>
             <a:r>
               <a:rPr lang="en-US" dirty="0"/>
-              <a:t>Mexico</a:t>
-            </a:r>
-          </a:p>
-        </p:txBody>
-      </p:sp>
-      <p:sp>
-        <p:nvSpPr>
-          <p:cNvPr id="5" name="TextBox 4">
-            <a:extLst>
-              <a:ext uri="{FF2B5EF4-FFF2-40B4-BE49-F238E27FC236}">
-                <a16:creationId xmlns:a16="http://schemas.microsoft.com/office/drawing/2014/main" id="{249E044F-93E0-C31B-15CE-7DB19B29091A}"/>
-              </a:ext>
-            </a:extLst>
-          </p:cNvPr>
-          <p:cNvSpPr txBox="1"/>
+              <a:t>Proportion With At Least Secondary Degree</a:t>
+            </a:r>
+          </a:p>
+        </p:txBody>
+      </p:sp>
+      <p:grpSp>
+        <p:nvGrpSpPr>
+          <p:cNvPr id="5" name="Group 4">
+            <a:extLst>
+              <a:ext uri="{FF2B5EF4-FFF2-40B4-BE49-F238E27FC236}">
+                <a16:creationId xmlns:a16="http://schemas.microsoft.com/office/drawing/2014/main" id="{2CF4DA50-70D5-6336-650E-37AF11C837CB}"/>
+              </a:ext>
+            </a:extLst>
+          </p:cNvPr>
+          <p:cNvGrpSpPr/>
           <p:nvPr/>
-        </p:nvSpPr>
-        <p:spPr>
+        </p:nvGrpSpPr>
+        <p:grpSpPr>
           <a:xfrm>
-            <a:off x="3820331" y="1851962"/>
-            <a:ext cx="1704813" cy="369332"/>
+            <a:off x="11214652" y="132392"/>
+            <a:ext cx="788708" cy="1100420"/>
+            <a:chOff x="10951180" y="240224"/>
+            <a:chExt cx="788708" cy="1100420"/>
           </a:xfrm>
-          <a:prstGeom prst="rect">
-            <a:avLst/>
-          </a:prstGeom>
-          <a:noFill/>
-        </p:spPr>
-        <p:txBody>
-          <a:bodyPr wrap="square" rtlCol="0">
-            <a:spAutoFit/>
-          </a:bodyPr>
-          <a:lstStyle/>
-          <a:p>
-            <a:r>
-              <a:rPr lang="en-US" dirty="0"/>
-              <a:t>Puerto Rico</a:t>
-            </a:r>
-          </a:p>
-        </p:txBody>
-      </p:sp>
-      <p:sp>
-        <p:nvSpPr>
-          <p:cNvPr id="6" name="TextBox 5">
-            <a:extLst>
-              <a:ext uri="{FF2B5EF4-FFF2-40B4-BE49-F238E27FC236}">
-                <a16:creationId xmlns:a16="http://schemas.microsoft.com/office/drawing/2014/main" id="{D91B09D7-BA1C-08E0-9691-FF22C4A1EB8F}"/>
-              </a:ext>
-            </a:extLst>
-          </p:cNvPr>
-          <p:cNvSpPr txBox="1"/>
-          <p:nvPr/>
-        </p:nvSpPr>
-        <p:spPr>
-          <a:xfrm>
-            <a:off x="6096000" y="1848787"/>
-            <a:ext cx="2335077" cy="369332"/>
-          </a:xfrm>
-          <a:prstGeom prst="rect">
-            <a:avLst/>
-          </a:prstGeom>
-          <a:noFill/>
-        </p:spPr>
-        <p:txBody>
-          <a:bodyPr wrap="square" rtlCol="0">
-            <a:spAutoFit/>
-          </a:bodyPr>
-          <a:lstStyle/>
-          <a:p>
-            <a:r>
-              <a:rPr lang="en-US" dirty="0"/>
-              <a:t>Dominican Republic</a:t>
-            </a:r>
-          </a:p>
-        </p:txBody>
-      </p:sp>
-      <p:sp>
-        <p:nvSpPr>
-          <p:cNvPr id="7" name="TextBox 6">
-            <a:extLst>
-              <a:ext uri="{FF2B5EF4-FFF2-40B4-BE49-F238E27FC236}">
-                <a16:creationId xmlns:a16="http://schemas.microsoft.com/office/drawing/2014/main" id="{E2B6A5B2-7EA1-F836-4226-C355FFAB21F4}"/>
-              </a:ext>
-            </a:extLst>
-          </p:cNvPr>
-          <p:cNvSpPr txBox="1"/>
-          <p:nvPr/>
-        </p:nvSpPr>
-        <p:spPr>
-          <a:xfrm>
-            <a:off x="9200828" y="1848787"/>
-            <a:ext cx="2335077" cy="369332"/>
-          </a:xfrm>
-          <a:prstGeom prst="rect">
-            <a:avLst/>
-          </a:prstGeom>
-          <a:noFill/>
-        </p:spPr>
-        <p:txBody>
-          <a:bodyPr wrap="square" rtlCol="0">
-            <a:spAutoFit/>
-          </a:bodyPr>
-          <a:lstStyle/>
-          <a:p>
-            <a:r>
-              <a:rPr lang="en-US" dirty="0"/>
-              <a:t>Cuba</a:t>
-            </a:r>
-          </a:p>
-        </p:txBody>
-      </p:sp>
-      <p:sp>
-        <p:nvSpPr>
-          <p:cNvPr id="8" name="Oval 7">
-            <a:extLst>
-              <a:ext uri="{FF2B5EF4-FFF2-40B4-BE49-F238E27FC236}">
-                <a16:creationId xmlns:a16="http://schemas.microsoft.com/office/drawing/2014/main" id="{6485C8D5-C7F3-0255-F79D-CC2A9A59E71D}"/>
-              </a:ext>
-            </a:extLst>
-          </p:cNvPr>
-          <p:cNvSpPr/>
-          <p:nvPr/>
-        </p:nvSpPr>
-        <p:spPr>
-          <a:xfrm>
-            <a:off x="2032861" y="2510300"/>
-            <a:ext cx="526942" cy="464949"/>
-          </a:xfrm>
-          <a:prstGeom prst="ellipse">
-            <a:avLst/>
-          </a:prstGeom>
-          <a:solidFill>
-            <a:srgbClr val="E6A000"/>
-          </a:solidFill>
-        </p:spPr>
-        <p:style>
-          <a:lnRef idx="2">
-            <a:schemeClr val="accent1">
-              <a:shade val="15000"/>
-            </a:schemeClr>
-          </a:lnRef>
-          <a:fillRef idx="1">
-            <a:schemeClr val="accent1"/>
-          </a:fillRef>
-          <a:effectRef idx="0">
-            <a:schemeClr val="accent1"/>
-          </a:effectRef>
-          <a:fontRef idx="minor">
-            <a:schemeClr val="lt1"/>
-          </a:fontRef>
-        </p:style>
-        <p:txBody>
-          <a:bodyPr rtlCol="0" anchor="ctr"/>
-          <a:lstStyle/>
-          <a:p>
-            <a:pPr algn="ctr"/>
-            <a:endParaRPr lang="en-US"/>
-          </a:p>
-        </p:txBody>
-      </p:sp>
-      <p:sp>
-        <p:nvSpPr>
-          <p:cNvPr id="9" name="Oval 8">
-            <a:extLst>
-              <a:ext uri="{FF2B5EF4-FFF2-40B4-BE49-F238E27FC236}">
-                <a16:creationId xmlns:a16="http://schemas.microsoft.com/office/drawing/2014/main" id="{DFD1E8F1-7DB8-CE04-749E-422976DFD037}"/>
-              </a:ext>
-            </a:extLst>
-          </p:cNvPr>
-          <p:cNvSpPr/>
-          <p:nvPr/>
-        </p:nvSpPr>
-        <p:spPr>
-          <a:xfrm>
-            <a:off x="4271074" y="2510300"/>
-            <a:ext cx="526942" cy="464949"/>
-          </a:xfrm>
-          <a:prstGeom prst="ellipse">
-            <a:avLst/>
-          </a:prstGeom>
-          <a:solidFill>
-            <a:srgbClr val="58B4E9"/>
-          </a:solidFill>
-        </p:spPr>
-        <p:style>
-          <a:lnRef idx="2">
-            <a:schemeClr val="accent1">
-              <a:shade val="15000"/>
-            </a:schemeClr>
-          </a:lnRef>
-          <a:fillRef idx="1">
-            <a:schemeClr val="accent1"/>
-          </a:fillRef>
-          <a:effectRef idx="0">
-            <a:schemeClr val="accent1"/>
-          </a:effectRef>
-          <a:fontRef idx="minor">
-            <a:schemeClr val="lt1"/>
-          </a:fontRef>
-        </p:style>
-        <p:txBody>
-          <a:bodyPr rtlCol="0" anchor="ctr"/>
-          <a:lstStyle/>
-          <a:p>
-            <a:pPr algn="ctr"/>
-            <a:endParaRPr lang="en-US"/>
-          </a:p>
-        </p:txBody>
-      </p:sp>
-      <p:sp>
-        <p:nvSpPr>
-          <p:cNvPr id="10" name="Oval 9">
-            <a:extLst>
-              <a:ext uri="{FF2B5EF4-FFF2-40B4-BE49-F238E27FC236}">
-                <a16:creationId xmlns:a16="http://schemas.microsoft.com/office/drawing/2014/main" id="{62A3D112-97D8-D347-5765-58465544FE08}"/>
-              </a:ext>
-            </a:extLst>
-          </p:cNvPr>
-          <p:cNvSpPr/>
-          <p:nvPr/>
-        </p:nvSpPr>
-        <p:spPr>
-          <a:xfrm>
-            <a:off x="7000067" y="2510300"/>
-            <a:ext cx="526942" cy="464949"/>
-          </a:xfrm>
-          <a:prstGeom prst="ellipse">
-            <a:avLst/>
-          </a:prstGeom>
-          <a:solidFill>
-            <a:srgbClr val="009F73"/>
-          </a:solidFill>
-        </p:spPr>
-        <p:style>
-          <a:lnRef idx="2">
-            <a:schemeClr val="accent1">
-              <a:shade val="15000"/>
-            </a:schemeClr>
-          </a:lnRef>
-          <a:fillRef idx="1">
-            <a:schemeClr val="accent1"/>
-          </a:fillRef>
-          <a:effectRef idx="0">
-            <a:schemeClr val="accent1"/>
-          </a:effectRef>
-          <a:fontRef idx="minor">
-            <a:schemeClr val="lt1"/>
-          </a:fontRef>
-        </p:style>
-        <p:txBody>
-          <a:bodyPr rtlCol="0" anchor="ctr"/>
-          <a:lstStyle/>
-          <a:p>
-            <a:pPr algn="ctr"/>
-            <a:endParaRPr lang="en-US"/>
-          </a:p>
-        </p:txBody>
-      </p:sp>
-      <p:sp>
-        <p:nvSpPr>
-          <p:cNvPr id="11" name="Oval 10">
-            <a:extLst>
-              <a:ext uri="{FF2B5EF4-FFF2-40B4-BE49-F238E27FC236}">
-                <a16:creationId xmlns:a16="http://schemas.microsoft.com/office/drawing/2014/main" id="{68835F13-3AD6-6323-54D2-6ACB38E32589}"/>
-              </a:ext>
-            </a:extLst>
-          </p:cNvPr>
-          <p:cNvSpPr/>
-          <p:nvPr/>
-        </p:nvSpPr>
-        <p:spPr>
-          <a:xfrm>
-            <a:off x="9337728" y="2510300"/>
-            <a:ext cx="526942" cy="464949"/>
-          </a:xfrm>
-          <a:prstGeom prst="ellipse">
-            <a:avLst/>
-          </a:prstGeom>
-          <a:solidFill>
-            <a:srgbClr val="CD79A7"/>
-          </a:solidFill>
-        </p:spPr>
-        <p:style>
-          <a:lnRef idx="2">
-            <a:schemeClr val="accent1">
-              <a:shade val="15000"/>
-            </a:schemeClr>
-          </a:lnRef>
-          <a:fillRef idx="1">
-            <a:schemeClr val="accent1"/>
-          </a:fillRef>
-          <a:effectRef idx="0">
-            <a:schemeClr val="accent1"/>
-          </a:effectRef>
-          <a:fontRef idx="minor">
-            <a:schemeClr val="lt1"/>
-          </a:fontRef>
-        </p:style>
-        <p:txBody>
-          <a:bodyPr rtlCol="0" anchor="ctr"/>
-          <a:lstStyle/>
-          <a:p>
-            <a:pPr algn="ctr"/>
-            <a:endParaRPr lang="en-US"/>
-          </a:p>
-        </p:txBody>
-      </p:sp>
+        </p:grpSpPr>
+        <p:pic>
+          <p:nvPicPr>
+            <p:cNvPr id="5122" name="Picture 2" descr="American Community Survey (ACS) – Roadmap to the 2030 Census">
+              <a:extLst>
+                <a:ext uri="{FF2B5EF4-FFF2-40B4-BE49-F238E27FC236}">
+                  <a16:creationId xmlns:a16="http://schemas.microsoft.com/office/drawing/2014/main" id="{347DA099-9011-C72F-97EE-0BD73E1F2634}"/>
+                </a:ext>
+              </a:extLst>
+            </p:cNvPr>
+            <p:cNvPicPr>
+              <a:picLocks noChangeAspect="1" noChangeArrowheads="1"/>
+            </p:cNvPicPr>
+            <p:nvPr/>
+          </p:nvPicPr>
+          <p:blipFill>
+            <a:blip r:embed="rId4">
+              <a:extLst>
+                <a:ext uri="{28A0092B-C50C-407E-A947-70E740481C1C}">
+                  <a14:useLocalDpi xmlns:a14="http://schemas.microsoft.com/office/drawing/2010/main" val="0"/>
+                </a:ext>
+              </a:extLst>
+            </a:blip>
+            <a:srcRect/>
+            <a:stretch>
+              <a:fillRect/>
+            </a:stretch>
+          </p:blipFill>
+          <p:spPr bwMode="auto">
+            <a:xfrm>
+              <a:off x="10951180" y="240224"/>
+              <a:ext cx="750376" cy="750376"/>
+            </a:xfrm>
+            <a:prstGeom prst="rect">
+              <a:avLst/>
+            </a:prstGeom>
+            <a:noFill/>
+            <a:extLst>
+              <a:ext uri="{909E8E84-426E-40DD-AFC4-6F175D3DCCD1}">
+                <a14:hiddenFill xmlns:a14="http://schemas.microsoft.com/office/drawing/2010/main">
+                  <a:solidFill>
+                    <a:srgbClr val="FFFFFF"/>
+                  </a:solidFill>
+                </a14:hiddenFill>
+              </a:ext>
+            </a:extLst>
+          </p:spPr>
+        </p:pic>
+        <p:sp>
+          <p:nvSpPr>
+            <p:cNvPr id="4" name="TextBox 3">
+              <a:extLst>
+                <a:ext uri="{FF2B5EF4-FFF2-40B4-BE49-F238E27FC236}">
+                  <a16:creationId xmlns:a16="http://schemas.microsoft.com/office/drawing/2014/main" id="{BE26AC53-CE31-75D6-6B9D-2A0CA83C3DE0}"/>
+                </a:ext>
+              </a:extLst>
+            </p:cNvPr>
+            <p:cNvSpPr txBox="1"/>
+            <p:nvPr/>
+          </p:nvSpPr>
+          <p:spPr>
+            <a:xfrm>
+              <a:off x="11035594" y="1002090"/>
+              <a:ext cx="704294" cy="338554"/>
+            </a:xfrm>
+            <a:prstGeom prst="rect">
+              <a:avLst/>
+            </a:prstGeom>
+            <a:noFill/>
+          </p:spPr>
+          <p:txBody>
+            <a:bodyPr wrap="square" rtlCol="0">
+              <a:spAutoFit/>
+            </a:bodyPr>
+            <a:lstStyle/>
+            <a:p>
+              <a:r>
+                <a:rPr lang="en-US" sz="1600" dirty="0">
+                  <a:latin typeface="Abadi MT Condensed Light" panose="020B0306030101010103" pitchFamily="34" charset="77"/>
+                </a:rPr>
+                <a:t>2020</a:t>
+              </a:r>
+              <a:endParaRPr lang="en-US" dirty="0">
+                <a:latin typeface="Abadi MT Condensed Light" panose="020B0306030101010103" pitchFamily="34" charset="77"/>
+              </a:endParaRPr>
+            </a:p>
+          </p:txBody>
+        </p:sp>
+      </p:grpSp>
     </p:spTree>
     <p:extLst>
       <p:ext uri="{BB962C8B-B14F-4D97-AF65-F5344CB8AC3E}">
-        <p14:creationId xmlns:p14="http://schemas.microsoft.com/office/powerpoint/2010/main" val="2557979898"/>
+        <p14:creationId xmlns:p14="http://schemas.microsoft.com/office/powerpoint/2010/main" val="3034220648"/>
       </p:ext>
     </p:extLst>
   </p:cSld>

--- a/presentation/PAA_2025.pptx
+++ b/presentation/PAA_2025.pptx
@@ -169,27 +169,6 @@
 </p188:cmLst>
 </file>
 
-<file path=ppt/comments/modernComment_103_1FB47885.xml><?xml version="1.0" encoding="utf-8"?>
-<p188:cmLst xmlns:a="http://schemas.openxmlformats.org/drawingml/2006/main" xmlns:r="http://schemas.openxmlformats.org/officeDocument/2006/relationships" xmlns:p188="http://schemas.microsoft.com/office/powerpoint/2018/8/main">
-  <p188:cm id="{9A4B0BB9-C532-4442-9B2D-0047FD3D1441}" authorId="{AFA1B2A6-432F-BDAD-8948-8605949700F2}" created="2025-04-04T16:54:39.889">
-    <pc:sldMkLst xmlns:pc="http://schemas.microsoft.com/office/powerpoint/2013/main/command">
-      <pc:docMk/>
-      <pc:sldMk cId="531921029" sldId="259"/>
-    </pc:sldMkLst>
-    <p188:txBody>
-      <a:bodyPr/>
-      <a:lstStyle/>
-      <a:p>
-        <a:r>
-          <a:rPr lang="en-US"/>
-          <a:t>Trim big time</a:t>
-        </a:r>
-      </a:p>
-    </p188:txBody>
-  </p188:cm>
-</p188:cmLst>
-</file>
-
 <file path=ppt/comments/modernComment_105_2B9B8E2C.xml><?xml version="1.0" encoding="utf-8"?>
 <p188:cmLst xmlns:a="http://schemas.openxmlformats.org/drawingml/2006/main" xmlns:r="http://schemas.openxmlformats.org/officeDocument/2006/relationships" xmlns:p188="http://schemas.microsoft.com/office/powerpoint/2018/8/main">
   <p188:cm id="{F5B117F2-A789-224E-9072-D1FFD0779388}" authorId="{AFA1B2A6-432F-BDAD-8948-8605949700F2}" created="2025-04-04T17:34:59.792">
@@ -2289,83 +2268,35 @@
           <a:bodyPr/>
           <a:lstStyle/>
           <a:p>
-            <a:r>
-              <a:rPr lang="en-US" dirty="0"/>
-              <a:t>Add slide</a:t>
-            </a:r>
-          </a:p>
-          <a:p>
+            <a:pPr marL="0" indent="0">
+              <a:buNone/>
+            </a:pPr>
+            <a:r>
+              <a:rPr lang="en-US" dirty="0"/>
+              <a:t>Say these verbally</a:t>
+            </a:r>
+          </a:p>
+          <a:p>
+            <a:pPr marL="0" indent="0">
+              <a:buNone/>
+            </a:pPr>
             <a:endParaRPr lang="en-US" dirty="0"/>
           </a:p>
           <a:p>
             <a:r>
               <a:rPr lang="en-US" dirty="0"/>
-              <a:t>Collapse migration cohorts (before 1965, After 1965-1980, !980 plus)</a:t>
-            </a:r>
-          </a:p>
-          <a:p>
+              <a:t>Puerto Rico became a US territory in 1898. In 1917 they were granted US citizenship.</a:t>
+            </a:r>
+            <a:br>
+              <a:rPr lang="en-US" dirty="0"/>
+            </a:br>
             <a:endParaRPr lang="en-US" dirty="0"/>
           </a:p>
           <a:p>
             <a:r>
               <a:rPr lang="en-US" dirty="0"/>
-              <a:t>So here’s a bit of background on their home countries:</a:t>
-            </a:r>
-          </a:p>
-          <a:p>
-            <a:endParaRPr lang="en-US" dirty="0"/>
-          </a:p>
-          <a:p>
-            <a:r>
-              <a:rPr lang="en-US" dirty="0"/>
-              <a:t>In 1917, the Jones act granted US citizenship to Puerto Ricans which allowed them the ability to freely move to the US mainland. Today more than half of Puerto Ricans live outside of their country (mostly in the US) (</a:t>
-            </a:r>
-            <a:r>
-              <a:rPr lang="en-US" b="0" i="0" dirty="0">
-                <a:solidFill>
-                  <a:srgbClr val="000000"/>
-                </a:solidFill>
-                <a:effectLst/>
-                <a:latin typeface="GT America Standard"/>
-              </a:rPr>
-              <a:t>Duany, 2008)</a:t>
-            </a:r>
-          </a:p>
-          <a:p>
-            <a:endParaRPr lang="en-US" dirty="0"/>
-          </a:p>
-          <a:p>
-            <a:r>
-              <a:rPr lang="en-US" dirty="0"/>
-              <a:t>The United States occupied the Dominican Republic twice, from 1916 to 1924 and again in 1965. Instability caused by  the fall of the Trujillo dictatorship in 1961 led to a surge of migration to the US.</a:t>
-            </a:r>
-          </a:p>
-          <a:p>
-            <a:endParaRPr lang="en-US" dirty="0"/>
-          </a:p>
-          <a:p>
-            <a:r>
-              <a:rPr lang="en-US" dirty="0"/>
-              <a:t>Cuban Revolution in 1959 sparked one of the largest refugee movement in US history (Duany 2017). Since 1966, Cubans have had a path to legal status. </a:t>
-            </a:r>
-          </a:p>
-          <a:p>
-            <a:endParaRPr lang="en-US" dirty="0"/>
-          </a:p>
-          <a:p>
-            <a:r>
-              <a:rPr lang="en-US" dirty="0"/>
-              <a:t>Mexico also had a revolution in the early 1900’s which resulted mass migration to the US. This was followed by institutionalized migration in the form of the Bracero program in the 1940’s which ended in 1964. </a:t>
-            </a:r>
-          </a:p>
-          <a:p>
-            <a:endParaRPr lang="en-US"/>
-          </a:p>
-          <a:p>
-            <a:endParaRPr lang="en-US" dirty="0"/>
-          </a:p>
-          <a:p>
-            <a:endParaRPr lang="en-US" dirty="0"/>
+              <a:t>Cuban Revolution in 1959 sparked one of the largest refugee movement in US history (Duany 2017). In 1966, given path to US residency. </a:t>
+            </a:r>
           </a:p>
         </p:txBody>
       </p:sp>
@@ -6574,35 +6505,6 @@
           </a:p>
         </p:txBody>
       </p:sp>
-      <p:pic>
-        <p:nvPicPr>
-          <p:cNvPr id="6" name="Picture 5">
-            <a:extLst>
-              <a:ext uri="{FF2B5EF4-FFF2-40B4-BE49-F238E27FC236}">
-                <a16:creationId xmlns:a16="http://schemas.microsoft.com/office/drawing/2014/main" id="{69A9CC41-5B7D-2033-49D5-27821595BB79}"/>
-              </a:ext>
-            </a:extLst>
-          </p:cNvPr>
-          <p:cNvPicPr>
-            <a:picLocks noChangeAspect="1"/>
-          </p:cNvPicPr>
-          <p:nvPr/>
-        </p:nvPicPr>
-        <p:blipFill>
-          <a:blip r:embed="rId4"/>
-          <a:srcRect/>
-          <a:stretch/>
-        </p:blipFill>
-        <p:spPr>
-          <a:xfrm>
-            <a:off x="1015186" y="1783781"/>
-            <a:ext cx="10161628" cy="5080814"/>
-          </a:xfrm>
-          <a:prstGeom prst="rect">
-            <a:avLst/>
-          </a:prstGeom>
-        </p:spPr>
-      </p:pic>
       <p:sp>
         <p:nvSpPr>
           <p:cNvPr id="7" name="TextBox 6">
@@ -6638,6 +6540,36 @@
           </a:p>
         </p:txBody>
       </p:sp>
+      <p:pic>
+        <p:nvPicPr>
+          <p:cNvPr id="5" name="Picture 4" descr="A screenshot of a graph&#10;&#10;AI-generated content may be incorrect.">
+            <a:extLst>
+              <a:ext uri="{FF2B5EF4-FFF2-40B4-BE49-F238E27FC236}">
+                <a16:creationId xmlns:a16="http://schemas.microsoft.com/office/drawing/2014/main" id="{3FCC31FF-93CD-4792-6BAA-72F29CE57DCB}"/>
+              </a:ext>
+            </a:extLst>
+          </p:cNvPr>
+          <p:cNvPicPr>
+            <a:picLocks noChangeAspect="1"/>
+          </p:cNvPicPr>
+          <p:nvPr/>
+        </p:nvPicPr>
+        <p:blipFill>
+          <a:blip r:embed="rId4"/>
+          <a:stretch>
+            <a:fillRect/>
+          </a:stretch>
+        </p:blipFill>
+        <p:spPr>
+          <a:xfrm>
+            <a:off x="1156276" y="1469212"/>
+            <a:ext cx="9879447" cy="5388788"/>
+          </a:xfrm>
+          <a:prstGeom prst="rect">
+            <a:avLst/>
+          </a:prstGeom>
+        </p:spPr>
+      </p:pic>
     </p:spTree>
     <p:extLst>
       <p:ext uri="{BB962C8B-B14F-4D97-AF65-F5344CB8AC3E}">
@@ -10037,7 +9969,12 @@
             <p:ph type="title"/>
           </p:nvPr>
         </p:nvSpPr>
-        <p:spPr/>
+        <p:spPr>
+          <a:xfrm>
+            <a:off x="838200" y="18255"/>
+            <a:ext cx="10515600" cy="1325563"/>
+          </a:xfrm>
+        </p:spPr>
         <p:txBody>
           <a:bodyPr>
             <a:normAutofit/>
@@ -10077,39 +10014,42 @@
             <a:pPr marL="0" indent="0">
               <a:buNone/>
             </a:pPr>
-            <a:r>
-              <a:rPr lang="en-US" dirty="0"/>
-              <a:t>Say these verbally</a:t>
-            </a:r>
-          </a:p>
-          <a:p>
-            <a:pPr marL="0" indent="0">
-              <a:buNone/>
-            </a:pPr>
-            <a:endParaRPr lang="en-US" dirty="0"/>
-          </a:p>
-          <a:p>
-            <a:r>
-              <a:rPr lang="en-US" dirty="0"/>
-              <a:t>Puerto Rico became a US territory in 1898. In 1917 they were granted US citizenship.</a:t>
-            </a:r>
             <a:br>
               <a:rPr lang="en-US" dirty="0"/>
             </a:br>
             <a:endParaRPr lang="en-US" dirty="0"/>
           </a:p>
-          <a:p>
-            <a:r>
-              <a:rPr lang="en-US" dirty="0"/>
-              <a:t>Cuban Revolution in 1959 sparked one of the largest refugee movement in US history (Duany 2017). In 1966, given path to US residency. </a:t>
-            </a:r>
-            <a:br>
-              <a:rPr lang="en-US" dirty="0"/>
-            </a:br>
-            <a:endParaRPr lang="en-US" dirty="0"/>
-          </a:p>
-        </p:txBody>
-      </p:sp>
+        </p:txBody>
+      </p:sp>
+      <p:pic>
+        <p:nvPicPr>
+          <p:cNvPr id="5" name="Picture 4">
+            <a:extLst>
+              <a:ext uri="{FF2B5EF4-FFF2-40B4-BE49-F238E27FC236}">
+                <a16:creationId xmlns:a16="http://schemas.microsoft.com/office/drawing/2014/main" id="{90827380-6E80-BBE5-3FE2-7C2381FEC479}"/>
+              </a:ext>
+            </a:extLst>
+          </p:cNvPr>
+          <p:cNvPicPr>
+            <a:picLocks noChangeAspect="1"/>
+          </p:cNvPicPr>
+          <p:nvPr/>
+        </p:nvPicPr>
+        <p:blipFill>
+          <a:blip r:embed="rId3"/>
+          <a:srcRect/>
+          <a:stretch/>
+        </p:blipFill>
+        <p:spPr>
+          <a:xfrm>
+            <a:off x="487680" y="1249680"/>
+            <a:ext cx="11216640" cy="5608320"/>
+          </a:xfrm>
+          <a:prstGeom prst="rect">
+            <a:avLst/>
+          </a:prstGeom>
+        </p:spPr>
+      </p:pic>
     </p:spTree>
     <p:extLst>
       <p:ext uri="{BB962C8B-B14F-4D97-AF65-F5344CB8AC3E}">
@@ -10120,11 +10060,6 @@
   <p:clrMapOvr>
     <a:masterClrMapping/>
   </p:clrMapOvr>
-  <p:extLst>
-    <p:ext uri="{6950BFC3-D8DA-4A85-94F7-54DA5524770B}">
-      <p188:commentRel xmlns:p188="http://schemas.microsoft.com/office/powerpoint/2018/8/main" r:id="rId3"/>
-    </p:ext>
-  </p:extLst>
 </p:sld>
 </file>
 
@@ -10163,7 +10098,7 @@
         </p:nvSpPr>
         <p:spPr>
           <a:xfrm>
-            <a:off x="345989" y="365125"/>
+            <a:off x="345989" y="85993"/>
             <a:ext cx="11640065" cy="1325563"/>
           </a:xfrm>
         </p:spPr>
@@ -10177,190 +10112,6 @@
               <a:rPr lang="en-US" dirty="0"/>
               <a:t>Most people migrated at working ages</a:t>
             </a:r>
-          </a:p>
-        </p:txBody>
-      </p:sp>
-      <p:pic>
-        <p:nvPicPr>
-          <p:cNvPr id="7" name="Content Placeholder 6">
-            <a:extLst>
-              <a:ext uri="{FF2B5EF4-FFF2-40B4-BE49-F238E27FC236}">
-                <a16:creationId xmlns:a16="http://schemas.microsoft.com/office/drawing/2014/main" id="{7797724C-700B-983B-79D9-21BA1047ED67}"/>
-              </a:ext>
-            </a:extLst>
-          </p:cNvPr>
-          <p:cNvPicPr>
-            <a:picLocks noGrp="1" noChangeAspect="1"/>
-          </p:cNvPicPr>
-          <p:nvPr>
-            <p:ph idx="1"/>
-          </p:nvPr>
-        </p:nvPicPr>
-        <p:blipFill>
-          <a:blip r:embed="rId4"/>
-          <a:srcRect/>
-          <a:stretch/>
-        </p:blipFill>
-        <p:spPr>
-          <a:xfrm>
-            <a:off x="697633" y="1536210"/>
-            <a:ext cx="9913330" cy="4956665"/>
-          </a:xfrm>
-        </p:spPr>
-      </p:pic>
-      <p:sp>
-        <p:nvSpPr>
-          <p:cNvPr id="16" name="Rectangle 15">
-            <a:extLst>
-              <a:ext uri="{FF2B5EF4-FFF2-40B4-BE49-F238E27FC236}">
-                <a16:creationId xmlns:a16="http://schemas.microsoft.com/office/drawing/2014/main" id="{7D2FE67C-D030-4FAC-D1E7-DAC40886B7DC}"/>
-              </a:ext>
-            </a:extLst>
-          </p:cNvPr>
-          <p:cNvSpPr/>
-          <p:nvPr/>
-        </p:nvSpPr>
-        <p:spPr>
-          <a:xfrm>
-            <a:off x="8384583" y="1604580"/>
-            <a:ext cx="2226379" cy="4888295"/>
-          </a:xfrm>
-          <a:prstGeom prst="rect">
-            <a:avLst/>
-          </a:prstGeom>
-          <a:noFill/>
-          <a:ln w="38100">
-            <a:solidFill>
-              <a:srgbClr val="FF0000"/>
-            </a:solidFill>
-          </a:ln>
-        </p:spPr>
-        <p:style>
-          <a:lnRef idx="2">
-            <a:schemeClr val="accent1">
-              <a:shade val="15000"/>
-            </a:schemeClr>
-          </a:lnRef>
-          <a:fillRef idx="1">
-            <a:schemeClr val="accent1"/>
-          </a:fillRef>
-          <a:effectRef idx="0">
-            <a:schemeClr val="accent1"/>
-          </a:effectRef>
-          <a:fontRef idx="minor">
-            <a:schemeClr val="lt1"/>
-          </a:fontRef>
-        </p:style>
-        <p:txBody>
-          <a:bodyPr rtlCol="0" anchor="ctr"/>
-          <a:lstStyle/>
-          <a:p>
-            <a:pPr algn="ctr"/>
-            <a:endParaRPr lang="en-US"/>
-          </a:p>
-        </p:txBody>
-      </p:sp>
-      <p:sp>
-        <p:nvSpPr>
-          <p:cNvPr id="17" name="Rectangle 16">
-            <a:extLst>
-              <a:ext uri="{FF2B5EF4-FFF2-40B4-BE49-F238E27FC236}">
-                <a16:creationId xmlns:a16="http://schemas.microsoft.com/office/drawing/2014/main" id="{CB555C90-C563-FBAE-4581-5E32C46EC150}"/>
-              </a:ext>
-            </a:extLst>
-          </p:cNvPr>
-          <p:cNvSpPr/>
-          <p:nvPr/>
-        </p:nvSpPr>
-        <p:spPr>
-          <a:xfrm>
-            <a:off x="2391905" y="1570394"/>
-            <a:ext cx="2226379" cy="4888295"/>
-          </a:xfrm>
-          <a:prstGeom prst="rect">
-            <a:avLst/>
-          </a:prstGeom>
-          <a:noFill/>
-          <a:ln w="38100">
-            <a:solidFill>
-              <a:srgbClr val="FF0000"/>
-            </a:solidFill>
-          </a:ln>
-        </p:spPr>
-        <p:style>
-          <a:lnRef idx="2">
-            <a:schemeClr val="accent1">
-              <a:shade val="15000"/>
-            </a:schemeClr>
-          </a:lnRef>
-          <a:fillRef idx="1">
-            <a:schemeClr val="accent1"/>
-          </a:fillRef>
-          <a:effectRef idx="0">
-            <a:schemeClr val="accent1"/>
-          </a:effectRef>
-          <a:fontRef idx="minor">
-            <a:schemeClr val="lt1"/>
-          </a:fontRef>
-        </p:style>
-        <p:txBody>
-          <a:bodyPr rtlCol="0" anchor="ctr"/>
-          <a:lstStyle/>
-          <a:p>
-            <a:pPr algn="ctr"/>
-            <a:endParaRPr lang="en-US"/>
-          </a:p>
-        </p:txBody>
-      </p:sp>
-      <p:sp>
-        <p:nvSpPr>
-          <p:cNvPr id="18" name="Rectangle 17">
-            <a:extLst>
-              <a:ext uri="{FF2B5EF4-FFF2-40B4-BE49-F238E27FC236}">
-                <a16:creationId xmlns:a16="http://schemas.microsoft.com/office/drawing/2014/main" id="{C18C43EE-18D4-5A21-4439-594DF5E07513}"/>
-              </a:ext>
-            </a:extLst>
-          </p:cNvPr>
-          <p:cNvSpPr/>
-          <p:nvPr/>
-        </p:nvSpPr>
-        <p:spPr>
-          <a:xfrm>
-            <a:off x="6158203" y="1604579"/>
-            <a:ext cx="2226379" cy="4888295"/>
-          </a:xfrm>
-          <a:prstGeom prst="rect">
-            <a:avLst/>
-          </a:prstGeom>
-          <a:noFill/>
-          <a:ln w="38100">
-            <a:solidFill>
-              <a:srgbClr val="FF0000"/>
-            </a:solidFill>
-          </a:ln>
-        </p:spPr>
-        <p:style>
-          <a:lnRef idx="2">
-            <a:schemeClr val="accent1">
-              <a:shade val="15000"/>
-            </a:schemeClr>
-          </a:lnRef>
-          <a:fillRef idx="1">
-            <a:schemeClr val="accent1"/>
-          </a:fillRef>
-          <a:effectRef idx="0">
-            <a:schemeClr val="accent1"/>
-          </a:effectRef>
-          <a:fontRef idx="minor">
-            <a:schemeClr val="lt1"/>
-          </a:fontRef>
-        </p:style>
-        <p:txBody>
-          <a:bodyPr rtlCol="0" anchor="ctr"/>
-          <a:lstStyle/>
-          <a:p>
-            <a:pPr algn="ctr"/>
-            <a:endParaRPr lang="en-US"/>
           </a:p>
         </p:txBody>
       </p:sp>
@@ -10399,7 +10150,7 @@
             <p:nvPr/>
           </p:nvPicPr>
           <p:blipFill>
-            <a:blip r:embed="rId5">
+            <a:blip r:embed="rId4">
               <a:extLst>
                 <a:ext uri="{28A0092B-C50C-407E-A947-70E740481C1C}">
                   <a14:useLocalDpi xmlns:a14="http://schemas.microsoft.com/office/drawing/2010/main" val="0"/>
@@ -10470,6 +10221,35 @@
           </p:txBody>
         </p:sp>
       </p:grpSp>
+      <p:pic>
+        <p:nvPicPr>
+          <p:cNvPr id="8" name="Picture 7">
+            <a:extLst>
+              <a:ext uri="{FF2B5EF4-FFF2-40B4-BE49-F238E27FC236}">
+                <a16:creationId xmlns:a16="http://schemas.microsoft.com/office/drawing/2014/main" id="{4497AAAA-15E1-3643-4B70-8F75550F6E48}"/>
+              </a:ext>
+            </a:extLst>
+          </p:cNvPr>
+          <p:cNvPicPr>
+            <a:picLocks noChangeAspect="1"/>
+          </p:cNvPicPr>
+          <p:nvPr/>
+        </p:nvPicPr>
+        <p:blipFill>
+          <a:blip r:embed="rId5"/>
+          <a:srcRect/>
+          <a:stretch/>
+        </p:blipFill>
+        <p:spPr>
+          <a:xfrm>
+            <a:off x="487680" y="1249680"/>
+            <a:ext cx="11216640" cy="5608320"/>
+          </a:xfrm>
+          <a:prstGeom prst="rect">
+            <a:avLst/>
+          </a:prstGeom>
+        </p:spPr>
+      </p:pic>
     </p:spTree>
     <p:extLst>
       <p:ext uri="{BB962C8B-B14F-4D97-AF65-F5344CB8AC3E}">
@@ -10480,284 +10260,6 @@
   <p:clrMapOvr>
     <a:masterClrMapping/>
   </p:clrMapOvr>
-  <p:timing>
-    <p:tnLst>
-      <p:par>
-        <p:cTn id="1" dur="indefinite" restart="never" nodeType="tmRoot">
-          <p:childTnLst>
-            <p:seq concurrent="1" nextAc="seek">
-              <p:cTn id="2" dur="indefinite" nodeType="mainSeq">
-                <p:childTnLst>
-                  <p:par>
-                    <p:cTn id="3" fill="hold">
-                      <p:stCondLst>
-                        <p:cond delay="indefinite"/>
-                      </p:stCondLst>
-                      <p:childTnLst>
-                        <p:par>
-                          <p:cTn id="4" fill="hold">
-                            <p:stCondLst>
-                              <p:cond delay="0"/>
-                            </p:stCondLst>
-                            <p:childTnLst>
-                              <p:par>
-                                <p:cTn id="5" presetID="1" presetClass="entr" presetSubtype="0" fill="hold" grpId="0" nodeType="clickEffect">
-                                  <p:stCondLst>
-                                    <p:cond delay="0"/>
-                                  </p:stCondLst>
-                                  <p:childTnLst>
-                                    <p:set>
-                                      <p:cBhvr>
-                                        <p:cTn id="6" dur="1" fill="hold">
-                                          <p:stCondLst>
-                                            <p:cond delay="0"/>
-                                          </p:stCondLst>
-                                        </p:cTn>
-                                        <p:tgtEl>
-                                          <p:spTgt spid="16"/>
-                                        </p:tgtEl>
-                                        <p:attrNameLst>
-                                          <p:attrName>style.visibility</p:attrName>
-                                        </p:attrNameLst>
-                                      </p:cBhvr>
-                                      <p:to>
-                                        <p:strVal val="visible"/>
-                                      </p:to>
-                                    </p:set>
-                                  </p:childTnLst>
-                                </p:cTn>
-                              </p:par>
-                            </p:childTnLst>
-                          </p:cTn>
-                        </p:par>
-                      </p:childTnLst>
-                    </p:cTn>
-                  </p:par>
-                  <p:par>
-                    <p:cTn id="7" fill="hold">
-                      <p:stCondLst>
-                        <p:cond delay="indefinite"/>
-                      </p:stCondLst>
-                      <p:childTnLst>
-                        <p:par>
-                          <p:cTn id="8" fill="hold">
-                            <p:stCondLst>
-                              <p:cond delay="0"/>
-                            </p:stCondLst>
-                            <p:childTnLst>
-                              <p:par>
-                                <p:cTn id="9" presetID="9" presetClass="exit" presetSubtype="0" fill="hold" grpId="1" nodeType="clickEffect">
-                                  <p:stCondLst>
-                                    <p:cond delay="0"/>
-                                  </p:stCondLst>
-                                  <p:childTnLst>
-                                    <p:animEffect transition="out" filter="dissolve">
-                                      <p:cBhvr>
-                                        <p:cTn id="10" dur="500"/>
-                                        <p:tgtEl>
-                                          <p:spTgt spid="16"/>
-                                        </p:tgtEl>
-                                      </p:cBhvr>
-                                    </p:animEffect>
-                                    <p:set>
-                                      <p:cBhvr>
-                                        <p:cTn id="11" dur="1" fill="hold">
-                                          <p:stCondLst>
-                                            <p:cond delay="499"/>
-                                          </p:stCondLst>
-                                        </p:cTn>
-                                        <p:tgtEl>
-                                          <p:spTgt spid="16"/>
-                                        </p:tgtEl>
-                                        <p:attrNameLst>
-                                          <p:attrName>style.visibility</p:attrName>
-                                        </p:attrNameLst>
-                                      </p:cBhvr>
-                                      <p:to>
-                                        <p:strVal val="hidden"/>
-                                      </p:to>
-                                    </p:set>
-                                  </p:childTnLst>
-                                </p:cTn>
-                              </p:par>
-                            </p:childTnLst>
-                          </p:cTn>
-                        </p:par>
-                      </p:childTnLst>
-                    </p:cTn>
-                  </p:par>
-                  <p:par>
-                    <p:cTn id="12" fill="hold">
-                      <p:stCondLst>
-                        <p:cond delay="indefinite"/>
-                      </p:stCondLst>
-                      <p:childTnLst>
-                        <p:par>
-                          <p:cTn id="13" fill="hold">
-                            <p:stCondLst>
-                              <p:cond delay="0"/>
-                            </p:stCondLst>
-                            <p:childTnLst>
-                              <p:par>
-                                <p:cTn id="14" presetID="1" presetClass="entr" presetSubtype="0" fill="hold" grpId="0" nodeType="clickEffect">
-                                  <p:stCondLst>
-                                    <p:cond delay="0"/>
-                                  </p:stCondLst>
-                                  <p:childTnLst>
-                                    <p:set>
-                                      <p:cBhvr>
-                                        <p:cTn id="15" dur="1" fill="hold">
-                                          <p:stCondLst>
-                                            <p:cond delay="0"/>
-                                          </p:stCondLst>
-                                        </p:cTn>
-                                        <p:tgtEl>
-                                          <p:spTgt spid="17"/>
-                                        </p:tgtEl>
-                                        <p:attrNameLst>
-                                          <p:attrName>style.visibility</p:attrName>
-                                        </p:attrNameLst>
-                                      </p:cBhvr>
-                                      <p:to>
-                                        <p:strVal val="visible"/>
-                                      </p:to>
-                                    </p:set>
-                                  </p:childTnLst>
-                                </p:cTn>
-                              </p:par>
-                            </p:childTnLst>
-                          </p:cTn>
-                        </p:par>
-                      </p:childTnLst>
-                    </p:cTn>
-                  </p:par>
-                  <p:par>
-                    <p:cTn id="16" fill="hold">
-                      <p:stCondLst>
-                        <p:cond delay="indefinite"/>
-                      </p:stCondLst>
-                      <p:childTnLst>
-                        <p:par>
-                          <p:cTn id="17" fill="hold">
-                            <p:stCondLst>
-                              <p:cond delay="0"/>
-                            </p:stCondLst>
-                            <p:childTnLst>
-                              <p:par>
-                                <p:cTn id="18" presetID="9" presetClass="exit" presetSubtype="0" fill="hold" grpId="1" nodeType="clickEffect">
-                                  <p:stCondLst>
-                                    <p:cond delay="0"/>
-                                  </p:stCondLst>
-                                  <p:childTnLst>
-                                    <p:animEffect transition="out" filter="dissolve">
-                                      <p:cBhvr>
-                                        <p:cTn id="19" dur="500"/>
-                                        <p:tgtEl>
-                                          <p:spTgt spid="17"/>
-                                        </p:tgtEl>
-                                      </p:cBhvr>
-                                    </p:animEffect>
-                                    <p:set>
-                                      <p:cBhvr>
-                                        <p:cTn id="20" dur="1" fill="hold">
-                                          <p:stCondLst>
-                                            <p:cond delay="499"/>
-                                          </p:stCondLst>
-                                        </p:cTn>
-                                        <p:tgtEl>
-                                          <p:spTgt spid="17"/>
-                                        </p:tgtEl>
-                                        <p:attrNameLst>
-                                          <p:attrName>style.visibility</p:attrName>
-                                        </p:attrNameLst>
-                                      </p:cBhvr>
-                                      <p:to>
-                                        <p:strVal val="hidden"/>
-                                      </p:to>
-                                    </p:set>
-                                  </p:childTnLst>
-                                </p:cTn>
-                              </p:par>
-                            </p:childTnLst>
-                          </p:cTn>
-                        </p:par>
-                      </p:childTnLst>
-                    </p:cTn>
-                  </p:par>
-                  <p:par>
-                    <p:cTn id="21" fill="hold">
-                      <p:stCondLst>
-                        <p:cond delay="indefinite"/>
-                      </p:stCondLst>
-                      <p:childTnLst>
-                        <p:par>
-                          <p:cTn id="22" fill="hold">
-                            <p:stCondLst>
-                              <p:cond delay="0"/>
-                            </p:stCondLst>
-                            <p:childTnLst>
-                              <p:par>
-                                <p:cTn id="23" presetID="1" presetClass="entr" presetSubtype="0" fill="hold" grpId="0" nodeType="clickEffect">
-                                  <p:stCondLst>
-                                    <p:cond delay="0"/>
-                                  </p:stCondLst>
-                                  <p:childTnLst>
-                                    <p:set>
-                                      <p:cBhvr>
-                                        <p:cTn id="24" dur="1" fill="hold">
-                                          <p:stCondLst>
-                                            <p:cond delay="0"/>
-                                          </p:stCondLst>
-                                        </p:cTn>
-                                        <p:tgtEl>
-                                          <p:spTgt spid="18"/>
-                                        </p:tgtEl>
-                                        <p:attrNameLst>
-                                          <p:attrName>style.visibility</p:attrName>
-                                        </p:attrNameLst>
-                                      </p:cBhvr>
-                                      <p:to>
-                                        <p:strVal val="visible"/>
-                                      </p:to>
-                                    </p:set>
-                                  </p:childTnLst>
-                                </p:cTn>
-                              </p:par>
-                            </p:childTnLst>
-                          </p:cTn>
-                        </p:par>
-                      </p:childTnLst>
-                    </p:cTn>
-                  </p:par>
-                </p:childTnLst>
-              </p:cTn>
-              <p:prevCondLst>
-                <p:cond evt="onPrev" delay="0">
-                  <p:tgtEl>
-                    <p:sldTgt/>
-                  </p:tgtEl>
-                </p:cond>
-              </p:prevCondLst>
-              <p:nextCondLst>
-                <p:cond evt="onNext" delay="0">
-                  <p:tgtEl>
-                    <p:sldTgt/>
-                  </p:tgtEl>
-                </p:cond>
-              </p:nextCondLst>
-            </p:seq>
-          </p:childTnLst>
-        </p:cTn>
-      </p:par>
-    </p:tnLst>
-    <p:bldLst>
-      <p:bldP spid="16" grpId="0" animBg="1"/>
-      <p:bldP spid="16" grpId="1" animBg="1"/>
-      <p:bldP spid="17" grpId="0" animBg="1"/>
-      <p:bldP spid="17" grpId="1" animBg="1"/>
-      <p:bldP spid="18" grpId="0" animBg="1"/>
-    </p:bldLst>
-  </p:timing>
   <p:extLst>
     <p:ext uri="{6950BFC3-D8DA-4A85-94F7-54DA5524770B}">
       <p188:commentRel xmlns:p188="http://schemas.microsoft.com/office/powerpoint/2018/8/main" r:id="rId3"/>

--- a/presentation/PAA_2025.pptx
+++ b/presentation/PAA_2025.pptx
@@ -169,28 +169,6 @@
 </p188:cmLst>
 </file>
 
-<file path=ppt/comments/modernComment_105_2B9B8E2C.xml><?xml version="1.0" encoding="utf-8"?>
-<p188:cmLst xmlns:a="http://schemas.openxmlformats.org/drawingml/2006/main" xmlns:r="http://schemas.openxmlformats.org/officeDocument/2006/relationships" xmlns:p188="http://schemas.microsoft.com/office/powerpoint/2018/8/main">
-  <p188:cm id="{F5B117F2-A789-224E-9072-D1FFD0779388}" authorId="{AFA1B2A6-432F-BDAD-8948-8605949700F2}" created="2025-04-04T17:34:59.792">
-    <ac:deMkLst xmlns:ac="http://schemas.microsoft.com/office/drawing/2013/main/command">
-      <pc:docMk xmlns:pc="http://schemas.microsoft.com/office/powerpoint/2013/main/command"/>
-      <pc:sldMk xmlns:pc="http://schemas.microsoft.com/office/powerpoint/2013/main/command" cId="731614764" sldId="261"/>
-      <ac:picMk id="7" creationId="{7797724C-700B-983B-79D9-21BA1047ED67}"/>
-    </ac:deMkLst>
-    <p188:txBody>
-      <a:bodyPr/>
-      <a:lstStyle/>
-      <a:p>
-        <a:r>
-          <a:rPr lang="en-US"/>
-          <a:t>I think I spent too much time on this	</a:t>
-        </a:r>
-      </a:p>
-    </p188:txBody>
-  </p188:cm>
-</p188:cmLst>
-</file>
-
 <file path=ppt/comments/modernComment_10D_F4B31A49.xml><?xml version="1.0" encoding="utf-8"?>
 <p188:cmLst xmlns:a="http://schemas.openxmlformats.org/drawingml/2006/main" xmlns:r="http://schemas.openxmlformats.org/officeDocument/2006/relationships" xmlns:p188="http://schemas.microsoft.com/office/powerpoint/2018/8/main">
   <p188:cm id="{4EBDC47E-9160-CD41-8601-CE99BC3D6A59}" authorId="{AFA1B2A6-432F-BDAD-8948-8605949700F2}" created="2025-04-07T22:21:57.209">
@@ -295,7 +273,7 @@
           <a:p>
             <a:fld id="{DF5B9BC8-40C9-7247-8BB6-EC27E5F94B01}" type="datetimeFigureOut">
               <a:rPr lang="en-US" smtClean="0"/>
-              <a:t>4/7/25</a:t>
+              <a:t>4/8/25</a:t>
             </a:fld>
             <a:endParaRPr lang="en-US"/>
           </a:p>
@@ -701,6 +679,15 @@
           <a:p>
             <a:r>
               <a:rPr lang="en-US" dirty="0"/>
+              <a:t>Here, I’m going to combine the previously shown education bars with bars bars of people only age 24 and above</a:t>
+            </a:r>
+          </a:p>
+          <a:p>
+            <a:endParaRPr lang="en-US" dirty="0"/>
+          </a:p>
+          <a:p>
+            <a:r>
+              <a:rPr lang="en-US" dirty="0"/>
               <a:t>Education difference remains among those migrants who migrated after age 24 (also robust to regression controls)</a:t>
             </a:r>
           </a:p>
@@ -2930,7 +2917,7 @@
           <a:p>
             <a:fld id="{8AC365F5-FC89-3D48-BD81-000AE9BD0E5B}" type="datetimeFigureOut">
               <a:rPr lang="en-US" smtClean="0"/>
-              <a:t>4/7/25</a:t>
+              <a:t>4/8/25</a:t>
             </a:fld>
             <a:endParaRPr lang="en-US"/>
           </a:p>
@@ -3128,7 +3115,7 @@
           <a:p>
             <a:fld id="{8AC365F5-FC89-3D48-BD81-000AE9BD0E5B}" type="datetimeFigureOut">
               <a:rPr lang="en-US" smtClean="0"/>
-              <a:t>4/7/25</a:t>
+              <a:t>4/8/25</a:t>
             </a:fld>
             <a:endParaRPr lang="en-US"/>
           </a:p>
@@ -3336,7 +3323,7 @@
           <a:p>
             <a:fld id="{8AC365F5-FC89-3D48-BD81-000AE9BD0E5B}" type="datetimeFigureOut">
               <a:rPr lang="en-US" smtClean="0"/>
-              <a:t>4/7/25</a:t>
+              <a:t>4/8/25</a:t>
             </a:fld>
             <a:endParaRPr lang="en-US"/>
           </a:p>
@@ -3534,7 +3521,7 @@
           <a:p>
             <a:fld id="{8AC365F5-FC89-3D48-BD81-000AE9BD0E5B}" type="datetimeFigureOut">
               <a:rPr lang="en-US" smtClean="0"/>
-              <a:t>4/7/25</a:t>
+              <a:t>4/8/25</a:t>
             </a:fld>
             <a:endParaRPr lang="en-US"/>
           </a:p>
@@ -3809,7 +3796,7 @@
           <a:p>
             <a:fld id="{8AC365F5-FC89-3D48-BD81-000AE9BD0E5B}" type="datetimeFigureOut">
               <a:rPr lang="en-US" smtClean="0"/>
-              <a:t>4/7/25</a:t>
+              <a:t>4/8/25</a:t>
             </a:fld>
             <a:endParaRPr lang="en-US"/>
           </a:p>
@@ -4074,7 +4061,7 @@
           <a:p>
             <a:fld id="{8AC365F5-FC89-3D48-BD81-000AE9BD0E5B}" type="datetimeFigureOut">
               <a:rPr lang="en-US" smtClean="0"/>
-              <a:t>4/7/25</a:t>
+              <a:t>4/8/25</a:t>
             </a:fld>
             <a:endParaRPr lang="en-US"/>
           </a:p>
@@ -4486,7 +4473,7 @@
           <a:p>
             <a:fld id="{8AC365F5-FC89-3D48-BD81-000AE9BD0E5B}" type="datetimeFigureOut">
               <a:rPr lang="en-US" smtClean="0"/>
-              <a:t>4/7/25</a:t>
+              <a:t>4/8/25</a:t>
             </a:fld>
             <a:endParaRPr lang="en-US"/>
           </a:p>
@@ -4627,7 +4614,7 @@
           <a:p>
             <a:fld id="{8AC365F5-FC89-3D48-BD81-000AE9BD0E5B}" type="datetimeFigureOut">
               <a:rPr lang="en-US" smtClean="0"/>
-              <a:t>4/7/25</a:t>
+              <a:t>4/8/25</a:t>
             </a:fld>
             <a:endParaRPr lang="en-US"/>
           </a:p>
@@ -4740,7 +4727,7 @@
           <a:p>
             <a:fld id="{8AC365F5-FC89-3D48-BD81-000AE9BD0E5B}" type="datetimeFigureOut">
               <a:rPr lang="en-US" smtClean="0"/>
-              <a:t>4/7/25</a:t>
+              <a:t>4/8/25</a:t>
             </a:fld>
             <a:endParaRPr lang="en-US"/>
           </a:p>
@@ -5051,7 +5038,7 @@
           <a:p>
             <a:fld id="{8AC365F5-FC89-3D48-BD81-000AE9BD0E5B}" type="datetimeFigureOut">
               <a:rPr lang="en-US" smtClean="0"/>
-              <a:t>4/7/25</a:t>
+              <a:t>4/8/25</a:t>
             </a:fld>
             <a:endParaRPr lang="en-US"/>
           </a:p>
@@ -5339,7 +5326,7 @@
           <a:p>
             <a:fld id="{8AC365F5-FC89-3D48-BD81-000AE9BD0E5B}" type="datetimeFigureOut">
               <a:rPr lang="en-US" smtClean="0"/>
-              <a:t>4/7/25</a:t>
+              <a:t>4/8/25</a:t>
             </a:fld>
             <a:endParaRPr lang="en-US"/>
           </a:p>
@@ -5580,7 +5567,7 @@
           <a:p>
             <a:fld id="{8AC365F5-FC89-3D48-BD81-000AE9BD0E5B}" type="datetimeFigureOut">
               <a:rPr lang="en-US" smtClean="0"/>
-              <a:t>4/7/25</a:t>
+              <a:t>4/8/25</a:t>
             </a:fld>
             <a:endParaRPr lang="en-US"/>
           </a:p>
@@ -6283,79 +6270,19 @@
             <p:ph type="title"/>
           </p:nvPr>
         </p:nvSpPr>
-        <p:spPr/>
-        <p:txBody>
-          <a:bodyPr/>
-          <a:lstStyle/>
-          <a:p>
-            <a:r>
-              <a:rPr lang="en-US" dirty="0"/>
-              <a:t>Two bars for education, the bar I just showed plus people who migrated after age 24</a:t>
-            </a:r>
-          </a:p>
-        </p:txBody>
-      </p:sp>
-      <p:pic>
-        <p:nvPicPr>
-          <p:cNvPr id="4" name="Picture 3" descr="A screenshot of a video game&#10;&#10;AI-generated content may be incorrect.">
-            <a:extLst>
-              <a:ext uri="{FF2B5EF4-FFF2-40B4-BE49-F238E27FC236}">
-                <a16:creationId xmlns:a16="http://schemas.microsoft.com/office/drawing/2014/main" id="{2545752B-DF55-C6B1-0BCE-A4E321F90607}"/>
-              </a:ext>
-            </a:extLst>
-          </p:cNvPr>
-          <p:cNvPicPr>
-            <a:picLocks noChangeAspect="1"/>
-          </p:cNvPicPr>
-          <p:nvPr/>
-        </p:nvPicPr>
-        <p:blipFill>
-          <a:blip r:embed="rId3"/>
-          <a:stretch>
-            <a:fillRect/>
-          </a:stretch>
-        </p:blipFill>
         <p:spPr>
           <a:xfrm>
-            <a:off x="957504" y="1719504"/>
-            <a:ext cx="10276991" cy="5138496"/>
+            <a:off x="838200" y="0"/>
+            <a:ext cx="10515600" cy="1325563"/>
           </a:xfrm>
-          <a:prstGeom prst="rect">
-            <a:avLst/>
-          </a:prstGeom>
         </p:spPr>
-      </p:pic>
-      <p:sp>
-        <p:nvSpPr>
-          <p:cNvPr id="5" name="TextBox 4">
-            <a:extLst>
-              <a:ext uri="{FF2B5EF4-FFF2-40B4-BE49-F238E27FC236}">
-                <a16:creationId xmlns:a16="http://schemas.microsoft.com/office/drawing/2014/main" id="{55F044F0-2CFB-F2AB-1641-B5E047594812}"/>
-              </a:ext>
-            </a:extLst>
-          </p:cNvPr>
-          <p:cNvSpPr txBox="1"/>
-          <p:nvPr/>
-        </p:nvSpPr>
-        <p:spPr>
-          <a:xfrm>
-            <a:off x="4331369" y="2030931"/>
-            <a:ext cx="4543124" cy="369332"/>
-          </a:xfrm>
-          <a:prstGeom prst="rect">
-            <a:avLst/>
-          </a:prstGeom>
-          <a:noFill/>
-        </p:spPr>
-        <p:txBody>
-          <a:bodyPr wrap="square" rtlCol="0">
-            <a:spAutoFit/>
-          </a:bodyPr>
-          <a:lstStyle/>
-          <a:p>
-            <a:r>
-              <a:rPr lang="en-US" dirty="0"/>
-              <a:t>REPLACE WITH BARS FOR AGE MIGRATED</a:t>
+        <p:txBody>
+          <a:bodyPr/>
+          <a:lstStyle/>
+          <a:p>
+            <a:r>
+              <a:rPr lang="en-US" dirty="0"/>
+              <a:t>Education Differences are Not Explained by age at Migration</a:t>
             </a:r>
           </a:p>
         </p:txBody>
@@ -6375,7 +6302,7 @@
           <p:nvPr/>
         </p:nvPicPr>
         <p:blipFill>
-          <a:blip r:embed="rId4">
+          <a:blip r:embed="rId3">
             <a:extLst>
               <a:ext uri="{28A0092B-C50C-407E-A947-70E740481C1C}">
                 <a14:useLocalDpi xmlns:a14="http://schemas.microsoft.com/office/drawing/2010/main" val="0"/>
@@ -6447,6 +6374,35 @@
           </a:p>
         </p:txBody>
       </p:sp>
+      <p:pic>
+        <p:nvPicPr>
+          <p:cNvPr id="8" name="Picture 7">
+            <a:extLst>
+              <a:ext uri="{FF2B5EF4-FFF2-40B4-BE49-F238E27FC236}">
+                <a16:creationId xmlns:a16="http://schemas.microsoft.com/office/drawing/2014/main" id="{367A51FF-E548-2549-8FA6-A07AAE7324EF}"/>
+              </a:ext>
+            </a:extLst>
+          </p:cNvPr>
+          <p:cNvPicPr>
+            <a:picLocks noChangeAspect="1"/>
+          </p:cNvPicPr>
+          <p:nvPr/>
+        </p:nvPicPr>
+        <p:blipFill>
+          <a:blip r:embed="rId4"/>
+          <a:srcRect/>
+          <a:stretch/>
+        </p:blipFill>
+        <p:spPr>
+          <a:xfrm>
+            <a:off x="487680" y="1384432"/>
+            <a:ext cx="11216640" cy="5608320"/>
+          </a:xfrm>
+          <a:prstGeom prst="rect">
+            <a:avLst/>
+          </a:prstGeom>
+        </p:spPr>
+      </p:pic>
     </p:spTree>
     <p:extLst>
       <p:ext uri="{BB962C8B-B14F-4D97-AF65-F5344CB8AC3E}">
@@ -6493,7 +6449,12 @@
             <p:ph type="title"/>
           </p:nvPr>
         </p:nvSpPr>
-        <p:spPr/>
+        <p:spPr>
+          <a:xfrm>
+            <a:off x="783466" y="0"/>
+            <a:ext cx="10515600" cy="1325563"/>
+          </a:xfrm>
+        </p:spPr>
         <p:txBody>
           <a:bodyPr/>
           <a:lstStyle/>
@@ -6505,12 +6466,59 @@
           </a:p>
         </p:txBody>
       </p:sp>
-      <p:sp>
-        <p:nvSpPr>
-          <p:cNvPr id="7" name="TextBox 6">
-            <a:extLst>
-              <a:ext uri="{FF2B5EF4-FFF2-40B4-BE49-F238E27FC236}">
-                <a16:creationId xmlns:a16="http://schemas.microsoft.com/office/drawing/2014/main" id="{692CDA48-1194-EA8B-AF79-F3DB0D08DE35}"/>
+      <p:pic>
+        <p:nvPicPr>
+          <p:cNvPr id="3" name="Picture 2" descr="American Community Survey (ACS) – Roadmap to the 2030 Census">
+            <a:extLst>
+              <a:ext uri="{FF2B5EF4-FFF2-40B4-BE49-F238E27FC236}">
+                <a16:creationId xmlns:a16="http://schemas.microsoft.com/office/drawing/2014/main" id="{1AB0DB2F-CB8C-91E1-D126-06DB0E179870}"/>
+              </a:ext>
+            </a:extLst>
+          </p:cNvPr>
+          <p:cNvPicPr>
+            <a:picLocks noChangeAspect="1" noChangeArrowheads="1"/>
+          </p:cNvPicPr>
+          <p:nvPr/>
+        </p:nvPicPr>
+        <p:blipFill>
+          <a:blip r:embed="rId4">
+            <a:extLst>
+              <a:ext uri="{28A0092B-C50C-407E-A947-70E740481C1C}">
+                <a14:useLocalDpi xmlns:a14="http://schemas.microsoft.com/office/drawing/2010/main" val="0"/>
+              </a:ext>
+            </a:extLst>
+          </a:blip>
+          <a:srcRect/>
+          <a:stretch>
+            <a:fillRect/>
+          </a:stretch>
+        </p:blipFill>
+        <p:spPr bwMode="auto">
+          <a:xfrm>
+            <a:off x="11214652" y="132392"/>
+            <a:ext cx="750376" cy="750376"/>
+          </a:xfrm>
+          <a:prstGeom prst="rect">
+            <a:avLst/>
+          </a:prstGeom>
+          <a:noFill/>
+          <a:extLst>
+            <a:ext uri="{909E8E84-426E-40DD-AFC4-6F175D3DCCD1}">
+              <a14:hiddenFill xmlns:a14="http://schemas.microsoft.com/office/drawing/2010/main">
+                <a:solidFill>
+                  <a:srgbClr val="FFFFFF"/>
+                </a:solidFill>
+              </a14:hiddenFill>
+            </a:ext>
+          </a:extLst>
+        </p:spPr>
+      </p:pic>
+      <p:sp>
+        <p:nvSpPr>
+          <p:cNvPr id="4" name="TextBox 3">
+            <a:extLst>
+              <a:ext uri="{FF2B5EF4-FFF2-40B4-BE49-F238E27FC236}">
+                <a16:creationId xmlns:a16="http://schemas.microsoft.com/office/drawing/2014/main" id="{23095429-EC7D-7597-4756-D76333466F9B}"/>
               </a:ext>
             </a:extLst>
           </p:cNvPr>
@@ -6519,8 +6527,8 @@
         </p:nvSpPr>
         <p:spPr>
           <a:xfrm>
-            <a:off x="4072128" y="1591366"/>
-            <a:ext cx="4876800" cy="369332"/>
+            <a:off x="11299066" y="894258"/>
+            <a:ext cx="704294" cy="338554"/>
           </a:xfrm>
           <a:prstGeom prst="rect">
             <a:avLst/>
@@ -6534,18 +6542,23 @@
           <a:lstStyle/>
           <a:p>
             <a:r>
-              <a:rPr lang="en-US" dirty="0"/>
-              <a:t>Proportion With At Least Secondary Degree</a:t>
-            </a:r>
+              <a:rPr lang="en-US" sz="1600" dirty="0">
+                <a:latin typeface="Abadi MT Condensed Light" panose="020B0306030101010103" pitchFamily="34" charset="77"/>
+              </a:rPr>
+              <a:t>2020</a:t>
+            </a:r>
+            <a:endParaRPr lang="en-US" dirty="0">
+              <a:latin typeface="Abadi MT Condensed Light" panose="020B0306030101010103" pitchFamily="34" charset="77"/>
+            </a:endParaRPr>
           </a:p>
         </p:txBody>
       </p:sp>
       <p:pic>
         <p:nvPicPr>
-          <p:cNvPr id="5" name="Picture 4" descr="A screenshot of a graph&#10;&#10;AI-generated content may be incorrect.">
-            <a:extLst>
-              <a:ext uri="{FF2B5EF4-FFF2-40B4-BE49-F238E27FC236}">
-                <a16:creationId xmlns:a16="http://schemas.microsoft.com/office/drawing/2014/main" id="{3FCC31FF-93CD-4792-6BAA-72F29CE57DCB}"/>
+          <p:cNvPr id="8" name="Picture 7">
+            <a:extLst>
+              <a:ext uri="{FF2B5EF4-FFF2-40B4-BE49-F238E27FC236}">
+                <a16:creationId xmlns:a16="http://schemas.microsoft.com/office/drawing/2014/main" id="{71F6E215-0D96-FE55-FFE1-9FEE5F28ED8A}"/>
               </a:ext>
             </a:extLst>
           </p:cNvPr>
@@ -6555,15 +6568,14 @@
           <p:nvPr/>
         </p:nvPicPr>
         <p:blipFill>
-          <a:blip r:embed="rId4"/>
-          <a:stretch>
-            <a:fillRect/>
-          </a:stretch>
+          <a:blip r:embed="rId5"/>
+          <a:srcRect/>
+          <a:stretch/>
         </p:blipFill>
         <p:spPr>
           <a:xfrm>
-            <a:off x="1156276" y="1469212"/>
-            <a:ext cx="9879447" cy="5388788"/>
+            <a:off x="487680" y="1384432"/>
+            <a:ext cx="11216640" cy="5608320"/>
           </a:xfrm>
           <a:prstGeom prst="rect">
             <a:avLst/>
@@ -6633,64 +6645,6 @@
           </a:p>
         </p:txBody>
       </p:sp>
-      <p:pic>
-        <p:nvPicPr>
-          <p:cNvPr id="5" name="Picture 4">
-            <a:extLst>
-              <a:ext uri="{FF2B5EF4-FFF2-40B4-BE49-F238E27FC236}">
-                <a16:creationId xmlns:a16="http://schemas.microsoft.com/office/drawing/2014/main" id="{247AC3E8-5698-3483-7149-434FAD60CF80}"/>
-              </a:ext>
-            </a:extLst>
-          </p:cNvPr>
-          <p:cNvPicPr>
-            <a:picLocks noChangeAspect="1"/>
-          </p:cNvPicPr>
-          <p:nvPr/>
-        </p:nvPicPr>
-        <p:blipFill>
-          <a:blip r:embed="rId3"/>
-          <a:srcRect/>
-          <a:stretch/>
-        </p:blipFill>
-        <p:spPr>
-          <a:xfrm>
-            <a:off x="0" y="1941385"/>
-            <a:ext cx="6096000" cy="4064000"/>
-          </a:xfrm>
-          <a:prstGeom prst="rect">
-            <a:avLst/>
-          </a:prstGeom>
-        </p:spPr>
-      </p:pic>
-      <p:pic>
-        <p:nvPicPr>
-          <p:cNvPr id="7" name="Picture 6">
-            <a:extLst>
-              <a:ext uri="{FF2B5EF4-FFF2-40B4-BE49-F238E27FC236}">
-                <a16:creationId xmlns:a16="http://schemas.microsoft.com/office/drawing/2014/main" id="{E92CFBB7-6649-FE1E-752E-E2EE1FCD7382}"/>
-              </a:ext>
-            </a:extLst>
-          </p:cNvPr>
-          <p:cNvPicPr>
-            <a:picLocks noChangeAspect="1"/>
-          </p:cNvPicPr>
-          <p:nvPr/>
-        </p:nvPicPr>
-        <p:blipFill>
-          <a:blip r:embed="rId4"/>
-          <a:srcRect/>
-          <a:stretch/>
-        </p:blipFill>
-        <p:spPr>
-          <a:xfrm>
-            <a:off x="6009275" y="1941386"/>
-            <a:ext cx="6095997" cy="4063998"/>
-          </a:xfrm>
-          <a:prstGeom prst="rect">
-            <a:avLst/>
-          </a:prstGeom>
-        </p:spPr>
-      </p:pic>
       <p:sp>
         <p:nvSpPr>
           <p:cNvPr id="3" name="TextBox 2">
@@ -6796,7 +6750,7 @@
             <p:nvPr/>
           </p:nvPicPr>
           <p:blipFill>
-            <a:blip r:embed="rId5">
+            <a:blip r:embed="rId3">
               <a:extLst>
                 <a:ext uri="{28A0092B-C50C-407E-A947-70E740481C1C}">
                   <a14:useLocalDpi xmlns:a14="http://schemas.microsoft.com/office/drawing/2010/main" val="0"/>
@@ -6867,6 +6821,64 @@
           </p:txBody>
         </p:sp>
       </p:grpSp>
+      <p:pic>
+        <p:nvPicPr>
+          <p:cNvPr id="10" name="Picture 9">
+            <a:extLst>
+              <a:ext uri="{FF2B5EF4-FFF2-40B4-BE49-F238E27FC236}">
+                <a16:creationId xmlns:a16="http://schemas.microsoft.com/office/drawing/2014/main" id="{FE02F409-2D7B-8138-8751-7DE5A754EDAF}"/>
+              </a:ext>
+            </a:extLst>
+          </p:cNvPr>
+          <p:cNvPicPr>
+            <a:picLocks noChangeAspect="1"/>
+          </p:cNvPicPr>
+          <p:nvPr/>
+        </p:nvPicPr>
+        <p:blipFill>
+          <a:blip r:embed="rId4"/>
+          <a:srcRect/>
+          <a:stretch/>
+        </p:blipFill>
+        <p:spPr>
+          <a:xfrm>
+            <a:off x="165406" y="2123868"/>
+            <a:ext cx="5851915" cy="4551490"/>
+          </a:xfrm>
+          <a:prstGeom prst="rect">
+            <a:avLst/>
+          </a:prstGeom>
+        </p:spPr>
+      </p:pic>
+      <p:pic>
+        <p:nvPicPr>
+          <p:cNvPr id="11" name="Picture 10">
+            <a:extLst>
+              <a:ext uri="{FF2B5EF4-FFF2-40B4-BE49-F238E27FC236}">
+                <a16:creationId xmlns:a16="http://schemas.microsoft.com/office/drawing/2014/main" id="{4B30DD27-E1A1-1370-C3DF-FA3BF8F8F358}"/>
+              </a:ext>
+            </a:extLst>
+          </p:cNvPr>
+          <p:cNvPicPr>
+            <a:picLocks noChangeAspect="1"/>
+          </p:cNvPicPr>
+          <p:nvPr/>
+        </p:nvPicPr>
+        <p:blipFill>
+          <a:blip r:embed="rId5"/>
+          <a:srcRect/>
+          <a:stretch/>
+        </p:blipFill>
+        <p:spPr>
+          <a:xfrm>
+            <a:off x="6174678" y="2123868"/>
+            <a:ext cx="5851915" cy="4551489"/>
+          </a:xfrm>
+          <a:prstGeom prst="rect">
+            <a:avLst/>
+          </a:prstGeom>
+        </p:spPr>
+      </p:pic>
     </p:spTree>
     <p:extLst>
       <p:ext uri="{BB962C8B-B14F-4D97-AF65-F5344CB8AC3E}">
@@ -6919,7 +6931,12 @@
             <p:ph type="title"/>
           </p:nvPr>
         </p:nvSpPr>
-        <p:spPr/>
+        <p:spPr>
+          <a:xfrm>
+            <a:off x="838200" y="0"/>
+            <a:ext cx="10515600" cy="1325563"/>
+          </a:xfrm>
+        </p:spPr>
         <p:txBody>
           <a:bodyPr/>
           <a:lstStyle/>
@@ -6927,16 +6944,51 @@
             <a:r>
               <a:rPr lang="en-US" dirty="0"/>
               <a:t>Native country residents are less likely to live alone</a:t>
+            </a:r>
+          </a:p>
+        </p:txBody>
+      </p:sp>
+      <p:sp>
+        <p:nvSpPr>
+          <p:cNvPr id="4" name="TextBox 3">
+            <a:extLst>
+              <a:ext uri="{FF2B5EF4-FFF2-40B4-BE49-F238E27FC236}">
+                <a16:creationId xmlns:a16="http://schemas.microsoft.com/office/drawing/2014/main" id="{DCF17342-4CCC-1BC7-C682-CBE8569B1930}"/>
+              </a:ext>
+            </a:extLst>
+          </p:cNvPr>
+          <p:cNvSpPr txBox="1"/>
+          <p:nvPr/>
+        </p:nvSpPr>
+        <p:spPr>
+          <a:xfrm>
+            <a:off x="5119878" y="956231"/>
+            <a:ext cx="2572512" cy="369332"/>
+          </a:xfrm>
+          <a:prstGeom prst="rect">
+            <a:avLst/>
+          </a:prstGeom>
+          <a:noFill/>
+        </p:spPr>
+        <p:txBody>
+          <a:bodyPr wrap="square" rtlCol="0">
+            <a:spAutoFit/>
+          </a:bodyPr>
+          <a:lstStyle/>
+          <a:p>
+            <a:r>
+              <a:rPr lang="en-US" dirty="0"/>
+              <a:t>Proportion Living Alone</a:t>
             </a:r>
           </a:p>
         </p:txBody>
       </p:sp>
       <p:pic>
         <p:nvPicPr>
-          <p:cNvPr id="3" name="Picture 2">
-            <a:extLst>
-              <a:ext uri="{FF2B5EF4-FFF2-40B4-BE49-F238E27FC236}">
-                <a16:creationId xmlns:a16="http://schemas.microsoft.com/office/drawing/2014/main" id="{B9D359F8-455F-2941-DB59-3E46805D988E}"/>
+          <p:cNvPr id="5" name="Picture 4">
+            <a:extLst>
+              <a:ext uri="{FF2B5EF4-FFF2-40B4-BE49-F238E27FC236}">
+                <a16:creationId xmlns:a16="http://schemas.microsoft.com/office/drawing/2014/main" id="{FC7BA6C4-6BCA-C866-E993-C058622F85A1}"/>
               </a:ext>
             </a:extLst>
           </p:cNvPr>
@@ -6952,49 +7004,14 @@
         </p:blipFill>
         <p:spPr>
           <a:xfrm>
-            <a:off x="1015186" y="1788224"/>
-            <a:ext cx="10161628" cy="5080814"/>
+            <a:off x="487680" y="1384432"/>
+            <a:ext cx="11216640" cy="5608320"/>
           </a:xfrm>
           <a:prstGeom prst="rect">
             <a:avLst/>
           </a:prstGeom>
         </p:spPr>
       </p:pic>
-      <p:sp>
-        <p:nvSpPr>
-          <p:cNvPr id="4" name="TextBox 3">
-            <a:extLst>
-              <a:ext uri="{FF2B5EF4-FFF2-40B4-BE49-F238E27FC236}">
-                <a16:creationId xmlns:a16="http://schemas.microsoft.com/office/drawing/2014/main" id="{DCF17342-4CCC-1BC7-C682-CBE8569B1930}"/>
-              </a:ext>
-            </a:extLst>
-          </p:cNvPr>
-          <p:cNvSpPr txBox="1"/>
-          <p:nvPr/>
-        </p:nvSpPr>
-        <p:spPr>
-          <a:xfrm>
-            <a:off x="5108448" y="1554790"/>
-            <a:ext cx="2572512" cy="369332"/>
-          </a:xfrm>
-          <a:prstGeom prst="rect">
-            <a:avLst/>
-          </a:prstGeom>
-          <a:noFill/>
-        </p:spPr>
-        <p:txBody>
-          <a:bodyPr wrap="square" rtlCol="0">
-            <a:spAutoFit/>
-          </a:bodyPr>
-          <a:lstStyle/>
-          <a:p>
-            <a:r>
-              <a:rPr lang="en-US" dirty="0"/>
-              <a:t>Proportion Living Alone</a:t>
-            </a:r>
-          </a:p>
-        </p:txBody>
-      </p:sp>
     </p:spTree>
     <p:extLst>
       <p:ext uri="{BB962C8B-B14F-4D97-AF65-F5344CB8AC3E}">
@@ -7047,7 +7064,12 @@
             <p:ph type="title"/>
           </p:nvPr>
         </p:nvSpPr>
-        <p:spPr/>
+        <p:spPr>
+          <a:xfrm>
+            <a:off x="838200" y="0"/>
+            <a:ext cx="10515600" cy="1325563"/>
+          </a:xfrm>
+        </p:spPr>
         <p:txBody>
           <a:bodyPr/>
           <a:lstStyle/>
@@ -7055,16 +7077,51 @@
             <a:r>
               <a:rPr lang="en-US" dirty="0"/>
               <a:t>Native country residents are more likely to be married</a:t>
+            </a:r>
+          </a:p>
+        </p:txBody>
+      </p:sp>
+      <p:sp>
+        <p:nvSpPr>
+          <p:cNvPr id="6" name="TextBox 5">
+            <a:extLst>
+              <a:ext uri="{FF2B5EF4-FFF2-40B4-BE49-F238E27FC236}">
+                <a16:creationId xmlns:a16="http://schemas.microsoft.com/office/drawing/2014/main" id="{51E97FB0-B51A-ADFE-D70A-7DEEB40CB6CA}"/>
+              </a:ext>
+            </a:extLst>
+          </p:cNvPr>
+          <p:cNvSpPr txBox="1"/>
+          <p:nvPr/>
+        </p:nvSpPr>
+        <p:spPr>
+          <a:xfrm>
+            <a:off x="5004816" y="1140897"/>
+            <a:ext cx="2182368" cy="369332"/>
+          </a:xfrm>
+          <a:prstGeom prst="rect">
+            <a:avLst/>
+          </a:prstGeom>
+          <a:noFill/>
+        </p:spPr>
+        <p:txBody>
+          <a:bodyPr wrap="square" rtlCol="0">
+            <a:spAutoFit/>
+          </a:bodyPr>
+          <a:lstStyle/>
+          <a:p>
+            <a:r>
+              <a:rPr lang="en-US" dirty="0"/>
+              <a:t>Proportion Married</a:t>
             </a:r>
           </a:p>
         </p:txBody>
       </p:sp>
       <p:pic>
         <p:nvPicPr>
-          <p:cNvPr id="4" name="Picture 3" descr="A black screen with colorful arrows and dots&#10;&#10;AI-generated content may be incorrect.">
-            <a:extLst>
-              <a:ext uri="{FF2B5EF4-FFF2-40B4-BE49-F238E27FC236}">
-                <a16:creationId xmlns:a16="http://schemas.microsoft.com/office/drawing/2014/main" id="{C68B82E7-3F68-751A-9B8B-1B6DACCC4454}"/>
+          <p:cNvPr id="3" name="Picture 2">
+            <a:extLst>
+              <a:ext uri="{FF2B5EF4-FFF2-40B4-BE49-F238E27FC236}">
+                <a16:creationId xmlns:a16="http://schemas.microsoft.com/office/drawing/2014/main" id="{89D0066F-205B-51FA-635E-4181FE10E8EC}"/>
               </a:ext>
             </a:extLst>
           </p:cNvPr>
@@ -7075,55 +7132,19 @@
         </p:nvPicPr>
         <p:blipFill>
           <a:blip r:embed="rId3"/>
-          <a:stretch>
-            <a:fillRect/>
-          </a:stretch>
+          <a:srcRect/>
+          <a:stretch/>
         </p:blipFill>
         <p:spPr>
           <a:xfrm>
-            <a:off x="1015186" y="1784935"/>
-            <a:ext cx="10161628" cy="5080814"/>
+            <a:off x="487680" y="1384432"/>
+            <a:ext cx="11216640" cy="5608320"/>
           </a:xfrm>
           <a:prstGeom prst="rect">
             <a:avLst/>
           </a:prstGeom>
         </p:spPr>
       </p:pic>
-      <p:sp>
-        <p:nvSpPr>
-          <p:cNvPr id="6" name="TextBox 5">
-            <a:extLst>
-              <a:ext uri="{FF2B5EF4-FFF2-40B4-BE49-F238E27FC236}">
-                <a16:creationId xmlns:a16="http://schemas.microsoft.com/office/drawing/2014/main" id="{51E97FB0-B51A-ADFE-D70A-7DEEB40CB6CA}"/>
-              </a:ext>
-            </a:extLst>
-          </p:cNvPr>
-          <p:cNvSpPr txBox="1"/>
-          <p:nvPr/>
-        </p:nvSpPr>
-        <p:spPr>
-          <a:xfrm>
-            <a:off x="5413248" y="1506022"/>
-            <a:ext cx="2182368" cy="369332"/>
-          </a:xfrm>
-          <a:prstGeom prst="rect">
-            <a:avLst/>
-          </a:prstGeom>
-          <a:noFill/>
-        </p:spPr>
-        <p:txBody>
-          <a:bodyPr wrap="square" rtlCol="0">
-            <a:spAutoFit/>
-          </a:bodyPr>
-          <a:lstStyle/>
-          <a:p>
-            <a:r>
-              <a:rPr lang="en-US" dirty="0"/>
-              <a:t>Proportion Married</a:t>
-            </a:r>
-          </a:p>
-        </p:txBody>
-      </p:sp>
     </p:spTree>
     <p:extLst>
       <p:ext uri="{BB962C8B-B14F-4D97-AF65-F5344CB8AC3E}">
@@ -7289,7 +7310,12 @@
             <p:ph type="title"/>
           </p:nvPr>
         </p:nvSpPr>
-        <p:spPr/>
+        <p:spPr>
+          <a:xfrm>
+            <a:off x="838200" y="58869"/>
+            <a:ext cx="10515600" cy="1325563"/>
+          </a:xfrm>
+        </p:spPr>
         <p:txBody>
           <a:bodyPr/>
           <a:lstStyle/>
@@ -7303,10 +7329,10 @@
       </p:sp>
       <p:pic>
         <p:nvPicPr>
-          <p:cNvPr id="7" name="Picture 6" descr="A screenshot of a video game&#10;&#10;AI-generated content may be incorrect.">
-            <a:extLst>
-              <a:ext uri="{FF2B5EF4-FFF2-40B4-BE49-F238E27FC236}">
-                <a16:creationId xmlns:a16="http://schemas.microsoft.com/office/drawing/2014/main" id="{665FDF90-A564-0209-DBE1-3A56FFF7CBB7}"/>
+          <p:cNvPr id="3" name="Picture 2">
+            <a:extLst>
+              <a:ext uri="{FF2B5EF4-FFF2-40B4-BE49-F238E27FC236}">
+                <a16:creationId xmlns:a16="http://schemas.microsoft.com/office/drawing/2014/main" id="{989D680E-9D4E-8B1D-39E9-0D7ED6DFDD26}"/>
               </a:ext>
             </a:extLst>
           </p:cNvPr>
@@ -7317,14 +7343,13 @@
         </p:nvPicPr>
         <p:blipFill>
           <a:blip r:embed="rId3"/>
-          <a:stretch>
-            <a:fillRect/>
-          </a:stretch>
+          <a:srcRect/>
+          <a:stretch/>
         </p:blipFill>
         <p:spPr>
           <a:xfrm>
-            <a:off x="957504" y="1719504"/>
-            <a:ext cx="10276991" cy="5138496"/>
+            <a:off x="487680" y="1384432"/>
+            <a:ext cx="11216640" cy="5608320"/>
           </a:xfrm>
           <a:prstGeom prst="rect">
             <a:avLst/>
@@ -10150,7 +10175,7 @@
             <p:nvPr/>
           </p:nvPicPr>
           <p:blipFill>
-            <a:blip r:embed="rId4">
+            <a:blip r:embed="rId3">
               <a:extLst>
                 <a:ext uri="{28A0092B-C50C-407E-A947-70E740481C1C}">
                   <a14:useLocalDpi xmlns:a14="http://schemas.microsoft.com/office/drawing/2010/main" val="0"/>
@@ -10236,7 +10261,7 @@
           <p:nvPr/>
         </p:nvPicPr>
         <p:blipFill>
-          <a:blip r:embed="rId5"/>
+          <a:blip r:embed="rId4"/>
           <a:srcRect/>
           <a:stretch/>
         </p:blipFill>
@@ -10260,11 +10285,6 @@
   <p:clrMapOvr>
     <a:masterClrMapping/>
   </p:clrMapOvr>
-  <p:extLst>
-    <p:ext uri="{6950BFC3-D8DA-4A85-94F7-54DA5524770B}">
-      <p188:commentRel xmlns:p188="http://schemas.microsoft.com/office/powerpoint/2018/8/main" r:id="rId3"/>
-    </p:ext>
-  </p:extLst>
 </p:sld>
 </file>
 
@@ -10345,37 +10365,8 @@
         </p:blipFill>
         <p:spPr>
           <a:xfrm>
-            <a:off x="0" y="1941385"/>
-            <a:ext cx="6096000" cy="4064000"/>
-          </a:xfrm>
-          <a:prstGeom prst="rect">
-            <a:avLst/>
-          </a:prstGeom>
-        </p:spPr>
-      </p:pic>
-      <p:pic>
-        <p:nvPicPr>
-          <p:cNvPr id="7" name="Picture 6">
-            <a:extLst>
-              <a:ext uri="{FF2B5EF4-FFF2-40B4-BE49-F238E27FC236}">
-                <a16:creationId xmlns:a16="http://schemas.microsoft.com/office/drawing/2014/main" id="{653F9FE6-BD59-4EC1-FB0B-A1C3F8C7FB7B}"/>
-              </a:ext>
-            </a:extLst>
-          </p:cNvPr>
-          <p:cNvPicPr>
-            <a:picLocks noChangeAspect="1"/>
-          </p:cNvPicPr>
-          <p:nvPr/>
-        </p:nvPicPr>
-        <p:blipFill>
-          <a:blip r:embed="rId4"/>
-          <a:srcRect/>
-          <a:stretch/>
-        </p:blipFill>
-        <p:spPr>
-          <a:xfrm>
-            <a:off x="6009275" y="1941386"/>
-            <a:ext cx="6095997" cy="4063998"/>
+            <a:off x="86728" y="2123868"/>
+            <a:ext cx="6009272" cy="4551490"/>
           </a:xfrm>
           <a:prstGeom prst="rect">
             <a:avLst/>
@@ -10487,7 +10478,7 @@
             <p:nvPr/>
           </p:nvPicPr>
           <p:blipFill>
-            <a:blip r:embed="rId5">
+            <a:blip r:embed="rId4">
               <a:extLst>
                 <a:ext uri="{28A0092B-C50C-407E-A947-70E740481C1C}">
                   <a14:useLocalDpi xmlns:a14="http://schemas.microsoft.com/office/drawing/2010/main" val="0"/>
@@ -10558,6 +10549,35 @@
           </p:txBody>
         </p:sp>
       </p:grpSp>
+      <p:pic>
+        <p:nvPicPr>
+          <p:cNvPr id="10" name="Picture 9">
+            <a:extLst>
+              <a:ext uri="{FF2B5EF4-FFF2-40B4-BE49-F238E27FC236}">
+                <a16:creationId xmlns:a16="http://schemas.microsoft.com/office/drawing/2014/main" id="{DEF8C3E0-2D5A-9362-9990-E515B527CE21}"/>
+              </a:ext>
+            </a:extLst>
+          </p:cNvPr>
+          <p:cNvPicPr>
+            <a:picLocks noChangeAspect="1"/>
+          </p:cNvPicPr>
+          <p:nvPr/>
+        </p:nvPicPr>
+        <p:blipFill>
+          <a:blip r:embed="rId5"/>
+          <a:srcRect/>
+          <a:stretch/>
+        </p:blipFill>
+        <p:spPr>
+          <a:xfrm>
+            <a:off x="6174678" y="2123868"/>
+            <a:ext cx="5851915" cy="4551490"/>
+          </a:xfrm>
+          <a:prstGeom prst="rect">
+            <a:avLst/>
+          </a:prstGeom>
+        </p:spPr>
+      </p:pic>
     </p:spTree>
     <p:extLst>
       <p:ext uri="{BB962C8B-B14F-4D97-AF65-F5344CB8AC3E}">
@@ -10623,35 +10643,6 @@
           </a:p>
         </p:txBody>
       </p:sp>
-      <p:pic>
-        <p:nvPicPr>
-          <p:cNvPr id="7" name="Picture 6">
-            <a:extLst>
-              <a:ext uri="{FF2B5EF4-FFF2-40B4-BE49-F238E27FC236}">
-                <a16:creationId xmlns:a16="http://schemas.microsoft.com/office/drawing/2014/main" id="{8A930419-F94E-3AA6-9FDB-D23A55E1424C}"/>
-              </a:ext>
-            </a:extLst>
-          </p:cNvPr>
-          <p:cNvPicPr>
-            <a:picLocks noChangeAspect="1"/>
-          </p:cNvPicPr>
-          <p:nvPr/>
-        </p:nvPicPr>
-        <p:blipFill>
-          <a:blip r:embed="rId3"/>
-          <a:srcRect/>
-          <a:stretch/>
-        </p:blipFill>
-        <p:spPr>
-          <a:xfrm>
-            <a:off x="2389632" y="1664542"/>
-            <a:ext cx="7784365" cy="5189576"/>
-          </a:xfrm>
-          <a:prstGeom prst="rect">
-            <a:avLst/>
-          </a:prstGeom>
-        </p:spPr>
-      </p:pic>
       <p:sp>
         <p:nvSpPr>
           <p:cNvPr id="3" name="TextBox 2">
@@ -10722,7 +10713,7 @@
             <p:nvPr/>
           </p:nvPicPr>
           <p:blipFill>
-            <a:blip r:embed="rId4">
+            <a:blip r:embed="rId3">
               <a:extLst>
                 <a:ext uri="{28A0092B-C50C-407E-A947-70E740481C1C}">
                   <a14:useLocalDpi xmlns:a14="http://schemas.microsoft.com/office/drawing/2010/main" val="0"/>
@@ -10795,6 +10786,36 @@
           </p:txBody>
         </p:sp>
       </p:grpSp>
+      <p:pic>
+        <p:nvPicPr>
+          <p:cNvPr id="10" name="Picture 9" descr="A graph with different colored squares&#10;&#10;AI-generated content may be incorrect.">
+            <a:extLst>
+              <a:ext uri="{FF2B5EF4-FFF2-40B4-BE49-F238E27FC236}">
+                <a16:creationId xmlns:a16="http://schemas.microsoft.com/office/drawing/2014/main" id="{4D2FC79A-AA1A-DAF3-6B89-F750E3C132CB}"/>
+              </a:ext>
+            </a:extLst>
+          </p:cNvPr>
+          <p:cNvPicPr>
+            <a:picLocks noChangeAspect="1"/>
+          </p:cNvPicPr>
+          <p:nvPr/>
+        </p:nvPicPr>
+        <p:blipFill>
+          <a:blip r:embed="rId4"/>
+          <a:stretch>
+            <a:fillRect/>
+          </a:stretch>
+        </p:blipFill>
+        <p:spPr>
+          <a:xfrm>
+            <a:off x="1020278" y="1928260"/>
+            <a:ext cx="9859478" cy="4929739"/>
+          </a:xfrm>
+          <a:prstGeom prst="rect">
+            <a:avLst/>
+          </a:prstGeom>
+        </p:spPr>
+      </p:pic>
     </p:spTree>
     <p:extLst>
       <p:ext uri="{BB962C8B-B14F-4D97-AF65-F5344CB8AC3E}">

--- a/presentation/PAA_2025.pptx
+++ b/presentation/PAA_2025.pptx
@@ -145,23 +145,45 @@
 
 <file path=ppt/comments/modernComment_101_160AA05C.xml><?xml version="1.0" encoding="utf-8"?>
 <p188:cmLst xmlns:a="http://schemas.openxmlformats.org/drawingml/2006/main" xmlns:r="http://schemas.openxmlformats.org/officeDocument/2006/relationships" xmlns:p188="http://schemas.microsoft.com/office/powerpoint/2018/8/main">
-  <p188:cm id="{01923662-F765-5649-9BD9-E37BD7B66E53}" authorId="{AFA1B2A6-432F-BDAD-8948-8605949700F2}" created="2025-04-04T17:00:47.172">
+  <p188:cm id="{87490955-8441-F444-885C-14D09A9B3C66}" authorId="{AFA1B2A6-432F-BDAD-8948-8605949700F2}" created="2025-04-09T17:24:25.921">
     <ac:txMkLst xmlns:ac="http://schemas.microsoft.com/office/drawing/2013/main/command">
       <pc:docMk xmlns:pc="http://schemas.microsoft.com/office/powerpoint/2013/main/command"/>
       <pc:sldMk xmlns:pc="http://schemas.microsoft.com/office/powerpoint/2013/main/command" cId="369795164" sldId="257"/>
       <ac:spMk id="3" creationId="{DA531385-67C5-A489-E34A-2D6E8D37FEF0}"/>
-      <ac:txMk cp="0">
-        <ac:context len="404" hash="3536195677"/>
+      <ac:txMk cp="87" len="72">
+        <ac:context len="407" hash="3965670693"/>
       </ac:txMk>
     </ac:txMkLst>
-    <p188:pos x="8849139" y="2309053"/>
+    <p188:pos x="10346356" y="1158208"/>
     <p188:txBody>
       <a:bodyPr/>
       <a:lstStyle/>
       <a:p>
         <a:r>
           <a:rPr lang="en-US"/>
-          <a:t>Animate in the points as you speak about them</a:t>
+          <a:t>Look for the specific citation to have in handy</a:t>
+        </a:r>
+      </a:p>
+    </p188:txBody>
+  </p188:cm>
+</p188:cmLst>
+</file>
+
+<file path=ppt/comments/modernComment_104_F3442793.xml><?xml version="1.0" encoding="utf-8"?>
+<p188:cmLst xmlns:a="http://schemas.openxmlformats.org/drawingml/2006/main" xmlns:r="http://schemas.openxmlformats.org/officeDocument/2006/relationships" xmlns:p188="http://schemas.microsoft.com/office/powerpoint/2018/8/main">
+  <p188:cm id="{2766AD07-B150-6449-9FE7-997F7C4E4519}" authorId="{AFA1B2A6-432F-BDAD-8948-8605949700F2}" created="2025-04-09T17:05:39.368">
+    <ac:deMkLst xmlns:ac="http://schemas.microsoft.com/office/drawing/2013/main/command">
+      <pc:docMk xmlns:pc="http://schemas.microsoft.com/office/powerpoint/2013/main/command"/>
+      <pc:sldMk xmlns:pc="http://schemas.microsoft.com/office/powerpoint/2013/main/command" cId="4081330067" sldId="260"/>
+      <ac:picMk id="7" creationId="{3BC4F2D5-3076-696E-92CA-1261689E7432}"/>
+    </ac:deMkLst>
+    <p188:txBody>
+      <a:bodyPr/>
+      <a:lstStyle/>
+      <a:p>
+        <a:r>
+          <a:rPr lang="en-US"/>
+          <a:t>Change legend so that order is consistent with other plots</a:t>
         </a:r>
       </a:p>
     </p188:txBody>
@@ -184,6 +206,28 @@
         <a:r>
           <a:rPr lang="en-US"/>
           <a:t>Two bars for country right next to each other</a:t>
+        </a:r>
+      </a:p>
+    </p188:txBody>
+  </p188:cm>
+</p188:cmLst>
+</file>
+
+<file path=ppt/comments/modernComment_117_3CE6AC4A.xml><?xml version="1.0" encoding="utf-8"?>
+<p188:cmLst xmlns:a="http://schemas.openxmlformats.org/drawingml/2006/main" xmlns:r="http://schemas.openxmlformats.org/officeDocument/2006/relationships" xmlns:p188="http://schemas.microsoft.com/office/powerpoint/2018/8/main">
+  <p188:cm id="{80B5E051-04BE-F34A-ACB4-3439CE548953}" authorId="{AFA1B2A6-432F-BDAD-8948-8605949700F2}" created="2025-04-09T16:46:38.798">
+    <ac:deMkLst xmlns:ac="http://schemas.microsoft.com/office/drawing/2013/main/command">
+      <pc:docMk xmlns:pc="http://schemas.microsoft.com/office/powerpoint/2013/main/command"/>
+      <pc:sldMk xmlns:pc="http://schemas.microsoft.com/office/powerpoint/2013/main/command" cId="1021750346" sldId="279"/>
+      <ac:picMk id="5" creationId="{29F97403-C0CE-B640-F61A-FFF0CA2E81B7}"/>
+    </ac:deMkLst>
+    <p188:txBody>
+      <a:bodyPr/>
+      <a:lstStyle/>
+      <a:p>
+        <a:r>
+          <a:rPr lang="en-US"/>
+          <a:t>Change to make same color as other plots</a:t>
         </a:r>
       </a:p>
     </p188:txBody>
@@ -584,16 +628,38 @@
           <a:bodyPr/>
           <a:lstStyle/>
           <a:p>
+            <a:r>
+              <a:rPr lang="en-US" dirty="0"/>
+              <a:t>Introduce self…</a:t>
+            </a:r>
+          </a:p>
+          <a:p>
             <a:endParaRPr lang="en-US" dirty="0"/>
           </a:p>
           <a:p>
+            <a:r>
+              <a:rPr lang="en-US" b="0" i="0" dirty="0">
+                <a:effectLst/>
+                <a:latin typeface="fkGroteskNeue"/>
+              </a:rPr>
+              <a:t>Today I'm going to present research in collaboration with William and Henry Dow on sociodemographic heterogeneity among older Hispanic adults in the United States, with a particular focus on comparing immigrants from different countries of origin.</a:t>
+            </a:r>
+          </a:p>
+          <a:p>
+            <a:endParaRPr lang="en-US" b="0" i="0" dirty="0">
+              <a:effectLst/>
+              <a:latin typeface="fkGroteskNeue"/>
+            </a:endParaRPr>
+          </a:p>
+          <a:p>
+            <a:r>
+              <a:rPr lang="en-US" b="0" i="0" dirty="0">
+                <a:effectLst/>
+                <a:latin typeface="fkGroteskNeue"/>
+              </a:rPr>
+              <a:t>Our goal is to highlight that these Hispanic migrant groups are different enough from each other to deserve their own spotlight in research and policy discussions.</a:t>
+            </a:r>
             <a:endParaRPr lang="en-US" dirty="0"/>
-          </a:p>
-          <a:p>
-            <a:r>
-              <a:rPr lang="en-US" dirty="0"/>
-              <a:t>However, a lot of the research on Hispanic migrant health is focused on Mexicans, in part because they are such a large segment of the migrant population. In fact, Mexican immigrants are about 44% of the Hispanic migrant population. However, Hispanic Caribbean migrants are also a large group, and together make just about 30% of the Hispanic migrants. </a:t>
-            </a:r>
           </a:p>
         </p:txBody>
       </p:sp>
@@ -614,7 +680,7 @@
           <a:p>
             <a:fld id="{6ADC826D-AAF9-3849-8641-F0AC1F9103F6}" type="slidenum">
               <a:rPr lang="en-US" smtClean="0"/>
-              <a:t>2</a:t>
+              <a:t>1</a:t>
             </a:fld>
             <a:endParaRPr lang="en-US"/>
           </a:p>
@@ -623,7 +689,7 @@
     </p:spTree>
     <p:extLst>
       <p:ext uri="{BB962C8B-B14F-4D97-AF65-F5344CB8AC3E}">
-        <p14:creationId xmlns:p14="http://schemas.microsoft.com/office/powerpoint/2010/main" val="217471622"/>
+        <p14:creationId xmlns:p14="http://schemas.microsoft.com/office/powerpoint/2010/main" val="909173233"/>
       </p:ext>
     </p:extLst>
   </p:cSld>
@@ -679,34 +745,7 @@
           <a:p>
             <a:r>
               <a:rPr lang="en-US" dirty="0"/>
-              <a:t>Here, I’m going to combine the previously shown education bars with bars bars of people only age 24 and above</a:t>
-            </a:r>
-          </a:p>
-          <a:p>
-            <a:endParaRPr lang="en-US" dirty="0"/>
-          </a:p>
-          <a:p>
-            <a:r>
-              <a:rPr lang="en-US" dirty="0"/>
-              <a:t>Education difference remains among those migrants who migrated after age 24 (also robust to regression controls)</a:t>
-            </a:r>
-          </a:p>
-          <a:p>
-            <a:endParaRPr lang="en-US" dirty="0"/>
-          </a:p>
-          <a:p>
-            <a:r>
-              <a:rPr lang="en-US" dirty="0"/>
-              <a:t>It’s not that certain groups are arriving at younger ages that explains the relationship</a:t>
-            </a:r>
-          </a:p>
-          <a:p>
-            <a:endParaRPr lang="en-US" dirty="0"/>
-          </a:p>
-          <a:p>
-            <a:r>
-              <a:rPr lang="en-US" dirty="0"/>
-              <a:t>Subtitle to the graph, results are changes when controlling </a:t>
+              <a:t>All of these are statistically significant </a:t>
             </a:r>
           </a:p>
         </p:txBody>
@@ -728,7 +767,7 @@
           <a:p>
             <a:fld id="{6ADC826D-AAF9-3849-8641-F0AC1F9103F6}" type="slidenum">
               <a:rPr lang="en-US" smtClean="0"/>
-              <a:t>11</a:t>
+              <a:t>10</a:t>
             </a:fld>
             <a:endParaRPr lang="en-US"/>
           </a:p>
@@ -737,7 +776,7 @@
     </p:spTree>
     <p:extLst>
       <p:ext uri="{BB962C8B-B14F-4D97-AF65-F5344CB8AC3E}">
-        <p14:creationId xmlns:p14="http://schemas.microsoft.com/office/powerpoint/2010/main" val="2819453133"/>
+        <p14:creationId xmlns:p14="http://schemas.microsoft.com/office/powerpoint/2010/main" val="3303427139"/>
       </p:ext>
     </p:extLst>
   </p:cSld>
@@ -793,13 +832,7 @@
           <a:p>
             <a:r>
               <a:rPr lang="en-US" dirty="0"/>
-              <a:t>In the less than primary DR is the most selective</a:t>
-            </a:r>
-          </a:p>
-          <a:p>
-            <a:r>
-              <a:rPr lang="en-US" dirty="0"/>
-              <a:t>Looking at secondary, CU is bigger selection</a:t>
+              <a:t>Here, I’m going to combine the previously shown education bars with bars bars of people only age 24 and above</a:t>
             </a:r>
           </a:p>
           <a:p>
@@ -808,37 +841,25 @@
           <a:p>
             <a:r>
               <a:rPr lang="en-US" dirty="0"/>
-              <a:t>1 Mexicans in Mexica have lower education</a:t>
-            </a:r>
-          </a:p>
-          <a:p>
-            <a:r>
-              <a:rPr lang="en-US" dirty="0"/>
-              <a:t>2. But Dominicans have lower education in their home country </a:t>
-            </a:r>
-          </a:p>
-          <a:p>
-            <a:r>
-              <a:rPr lang="en-US" dirty="0"/>
-              <a:t>3. Dominican migrants have more education than Mexican Migrants</a:t>
-            </a:r>
-          </a:p>
-          <a:p>
-            <a:r>
-              <a:rPr lang="en-US" dirty="0"/>
-              <a:t>4. Therefore education selectivity varies hugely across countries </a:t>
-            </a:r>
-          </a:p>
-          <a:p>
-            <a:r>
-              <a:rPr lang="en-US" dirty="0"/>
-              <a:t>5. Same thing about Cuba</a:t>
-            </a:r>
-          </a:p>
-          <a:p>
-            <a:r>
-              <a:rPr lang="en-US" dirty="0"/>
-              <a:t>6. Puerto Rico is opposite </a:t>
+              <a:t>Education difference remains among those migrants who migrated after age 24 (also robust to regression controls)</a:t>
+            </a:r>
+          </a:p>
+          <a:p>
+            <a:endParaRPr lang="en-US" dirty="0"/>
+          </a:p>
+          <a:p>
+            <a:r>
+              <a:rPr lang="en-US" dirty="0"/>
+              <a:t>It’s not that certain groups are arriving at younger ages that explains the relationship</a:t>
+            </a:r>
+          </a:p>
+          <a:p>
+            <a:endParaRPr lang="en-US" dirty="0"/>
+          </a:p>
+          <a:p>
+            <a:r>
+              <a:rPr lang="en-US" dirty="0"/>
+              <a:t>Subtitle to the graph, results are changes when controlling </a:t>
             </a:r>
           </a:p>
         </p:txBody>
@@ -860,7 +881,7 @@
           <a:p>
             <a:fld id="{6ADC826D-AAF9-3849-8641-F0AC1F9103F6}" type="slidenum">
               <a:rPr lang="en-US" smtClean="0"/>
-              <a:t>12</a:t>
+              <a:t>11</a:t>
             </a:fld>
             <a:endParaRPr lang="en-US"/>
           </a:p>
@@ -869,7 +890,7 @@
     </p:spTree>
     <p:extLst>
       <p:ext uri="{BB962C8B-B14F-4D97-AF65-F5344CB8AC3E}">
-        <p14:creationId xmlns:p14="http://schemas.microsoft.com/office/powerpoint/2010/main" val="3406478627"/>
+        <p14:creationId xmlns:p14="http://schemas.microsoft.com/office/powerpoint/2010/main" val="2819453133"/>
       </p:ext>
     </p:extLst>
   </p:cSld>
@@ -925,7 +946,13 @@
           <a:p>
             <a:r>
               <a:rPr lang="en-US" dirty="0"/>
-              <a:t>I don’t have time to walk through hypotheses on all these factors</a:t>
+              <a:t>In the less than primary DR is the most selective</a:t>
+            </a:r>
+          </a:p>
+          <a:p>
+            <a:r>
+              <a:rPr lang="en-US" dirty="0"/>
+              <a:t>Looking at secondary, CU is bigger selection</a:t>
             </a:r>
           </a:p>
           <a:p>
@@ -934,25 +961,37 @@
           <a:p>
             <a:r>
               <a:rPr lang="en-US" dirty="0"/>
-              <a:t>When it comes to household composition, Mexican migrants again stand out compared to Caribbean migrants.</a:t>
-            </a:r>
-          </a:p>
-          <a:p>
-            <a:endParaRPr lang="en-US" dirty="0"/>
-          </a:p>
-          <a:p>
-            <a:r>
-              <a:rPr lang="en-US" dirty="0"/>
-              <a:t>Only 16% of Mexican migrants above the age of 60 live alone. For comparison, Puerto Ricans are twice as likely to live alone.</a:t>
-            </a:r>
-          </a:p>
-          <a:p>
-            <a:endParaRPr lang="en-US" dirty="0"/>
-          </a:p>
-          <a:p>
-            <a:r>
-              <a:rPr lang="en-US" dirty="0"/>
-              <a:t>And a similar pattern shows for proportion married. The majority of Mexican migrants report being married, which is less common amongst the Caribbean migrants. </a:t>
+              <a:t>1 Mexicans in Mexica have lower education</a:t>
+            </a:r>
+          </a:p>
+          <a:p>
+            <a:r>
+              <a:rPr lang="en-US" dirty="0"/>
+              <a:t>2. But Dominicans have lower education in their home country </a:t>
+            </a:r>
+          </a:p>
+          <a:p>
+            <a:r>
+              <a:rPr lang="en-US" dirty="0"/>
+              <a:t>3. Dominican migrants have more education than Mexican Migrants</a:t>
+            </a:r>
+          </a:p>
+          <a:p>
+            <a:r>
+              <a:rPr lang="en-US" dirty="0"/>
+              <a:t>4. Therefore education selectivity varies hugely across countries </a:t>
+            </a:r>
+          </a:p>
+          <a:p>
+            <a:r>
+              <a:rPr lang="en-US" dirty="0"/>
+              <a:t>5. Same thing about Cuba</a:t>
+            </a:r>
+          </a:p>
+          <a:p>
+            <a:r>
+              <a:rPr lang="en-US" dirty="0"/>
+              <a:t>6. Puerto Rico is opposite </a:t>
             </a:r>
           </a:p>
         </p:txBody>
@@ -974,7 +1013,7 @@
           <a:p>
             <a:fld id="{6ADC826D-AAF9-3849-8641-F0AC1F9103F6}" type="slidenum">
               <a:rPr lang="en-US" smtClean="0"/>
-              <a:t>13</a:t>
+              <a:t>12</a:t>
             </a:fld>
             <a:endParaRPr lang="en-US"/>
           </a:p>
@@ -983,7 +1022,7 @@
     </p:spTree>
     <p:extLst>
       <p:ext uri="{BB962C8B-B14F-4D97-AF65-F5344CB8AC3E}">
-        <p14:creationId xmlns:p14="http://schemas.microsoft.com/office/powerpoint/2010/main" val="2705217225"/>
+        <p14:creationId xmlns:p14="http://schemas.microsoft.com/office/powerpoint/2010/main" val="3406478627"/>
       </p:ext>
     </p:extLst>
   </p:cSld>
@@ -1039,7 +1078,7 @@
           <a:p>
             <a:r>
               <a:rPr lang="en-US" dirty="0"/>
-              <a:t>Again, the biggest difference here is between Dominicans and Cubans</a:t>
+              <a:t>I don’t have time to walk through hypotheses on all these factors</a:t>
             </a:r>
           </a:p>
           <a:p>
@@ -1048,7 +1087,25 @@
           <a:p>
             <a:r>
               <a:rPr lang="en-US" dirty="0"/>
-              <a:t>These are averages for men and women combined, if we look at women separately we see they’re more likely to live alone, but the overall pattern is the same</a:t>
+              <a:t>When it comes to household composition, Mexican migrants again stand out compared to Caribbean migrants.</a:t>
+            </a:r>
+          </a:p>
+          <a:p>
+            <a:endParaRPr lang="en-US" dirty="0"/>
+          </a:p>
+          <a:p>
+            <a:r>
+              <a:rPr lang="en-US" dirty="0"/>
+              <a:t>Only 16% of Mexican migrants above the age of 60 live alone. For comparison, Puerto Ricans are twice as likely to live alone.</a:t>
+            </a:r>
+          </a:p>
+          <a:p>
+            <a:endParaRPr lang="en-US" dirty="0"/>
+          </a:p>
+          <a:p>
+            <a:r>
+              <a:rPr lang="en-US" dirty="0"/>
+              <a:t>And a similar pattern shows for proportion married. The majority of Mexican migrants report being married, which is less common amongst the Caribbean migrants. </a:t>
             </a:r>
           </a:p>
         </p:txBody>
@@ -1070,7 +1127,7 @@
           <a:p>
             <a:fld id="{6ADC826D-AAF9-3849-8641-F0AC1F9103F6}" type="slidenum">
               <a:rPr lang="en-US" smtClean="0"/>
-              <a:t>14</a:t>
+              <a:t>13</a:t>
             </a:fld>
             <a:endParaRPr lang="en-US"/>
           </a:p>
@@ -1079,7 +1136,7 @@
     </p:spTree>
     <p:extLst>
       <p:ext uri="{BB962C8B-B14F-4D97-AF65-F5344CB8AC3E}">
-        <p14:creationId xmlns:p14="http://schemas.microsoft.com/office/powerpoint/2010/main" val="2363512581"/>
+        <p14:creationId xmlns:p14="http://schemas.microsoft.com/office/powerpoint/2010/main" val="2705217225"/>
       </p:ext>
     </p:extLst>
   </p:cSld>
@@ -1135,7 +1192,7 @@
           <a:p>
             <a:r>
               <a:rPr lang="en-US" dirty="0"/>
-              <a:t>Last there’s marriage and whether people are more likely to live with a partner. </a:t>
+              <a:t>Again, the biggest difference here is between Dominicans and Cubans</a:t>
             </a:r>
           </a:p>
           <a:p>
@@ -1144,7 +1201,7 @@
           <a:p>
             <a:r>
               <a:rPr lang="en-US" dirty="0"/>
-              <a:t>Again, the biggest difference is between Dominican migrants in the US compared to Dominicans still residing in their country. </a:t>
+              <a:t>These are averages for men and women combined, if we look at women separately we see they’re more likely to live alone, but the overall pattern is the same</a:t>
             </a:r>
           </a:p>
         </p:txBody>
@@ -1166,7 +1223,7 @@
           <a:p>
             <a:fld id="{6ADC826D-AAF9-3849-8641-F0AC1F9103F6}" type="slidenum">
               <a:rPr lang="en-US" smtClean="0"/>
-              <a:t>15</a:t>
+              <a:t>14</a:t>
             </a:fld>
             <a:endParaRPr lang="en-US"/>
           </a:p>
@@ -1175,7 +1232,7 @@
     </p:spTree>
     <p:extLst>
       <p:ext uri="{BB962C8B-B14F-4D97-AF65-F5344CB8AC3E}">
-        <p14:creationId xmlns:p14="http://schemas.microsoft.com/office/powerpoint/2010/main" val="1870954806"/>
+        <p14:creationId xmlns:p14="http://schemas.microsoft.com/office/powerpoint/2010/main" val="2363512581"/>
       </p:ext>
     </p:extLst>
   </p:cSld>
@@ -1231,19 +1288,7 @@
           <a:p>
             <a:r>
               <a:rPr lang="en-US" dirty="0"/>
-              <a:t>Caribbean Hispanics very different migration patterns</a:t>
-            </a:r>
-          </a:p>
-          <a:p>
-            <a:r>
-              <a:rPr lang="en-US" dirty="0"/>
-              <a:t>Different Education and Social Isolation Patterns</a:t>
-            </a:r>
-          </a:p>
-          <a:p>
-            <a:r>
-              <a:rPr lang="en-US" dirty="0"/>
-              <a:t>Different Selectivity on Education Patterns</a:t>
+              <a:t>Last there’s marriage and whether people are more likely to live with a partner. </a:t>
             </a:r>
           </a:p>
           <a:p>
@@ -1252,55 +1297,8 @@
           <a:p>
             <a:r>
               <a:rPr lang="en-US" dirty="0"/>
-              <a:t>Implication is that we need to acknowledge these as separate groups because we would expect immigrant health to be very different</a:t>
-            </a:r>
-          </a:p>
-          <a:p>
-            <a:endParaRPr lang="en-US" dirty="0"/>
-          </a:p>
-          <a:p>
-            <a:r>
-              <a:rPr lang="en-US" dirty="0"/>
-              <a:t>The next step is to analyze a nationally representative sample that combines both these very important sociodemographic </a:t>
-            </a:r>
-          </a:p>
-          <a:p>
-            <a:endParaRPr lang="en-US" dirty="0"/>
-          </a:p>
-          <a:p>
-            <a:r>
-              <a:rPr lang="en-US" dirty="0"/>
-              <a:t>MHAS (Mexican Healthy Aging Survey)</a:t>
-            </a:r>
-          </a:p>
-          <a:p>
-            <a:endParaRPr lang="en-US" dirty="0"/>
-          </a:p>
-          <a:p>
-            <a:pPr marL="0" marR="0" lvl="0" indent="0" algn="l" defTabSz="914400" rtl="0" eaLnBrk="1" fontAlgn="auto" latinLnBrk="0" hangingPunct="1">
-              <a:lnSpc>
-                <a:spcPct val="100000"/>
-              </a:lnSpc>
-              <a:spcBef>
-                <a:spcPts val="0"/>
-              </a:spcBef>
-              <a:spcAft>
-                <a:spcPts val="0"/>
-              </a:spcAft>
-              <a:buClrTx/>
-              <a:buSzTx/>
-              <a:buFontTx/>
-              <a:buNone/>
-              <a:tabLst/>
-              <a:defRPr/>
-            </a:pPr>
-            <a:r>
-              <a:rPr lang="en-US" dirty="0"/>
-              <a:t>7. If education is this selective, then probably big selection on </a:t>
-            </a:r>
-          </a:p>
-          <a:p>
-            <a:endParaRPr lang="en-US" dirty="0"/>
+              <a:t>Again, the biggest difference is between Dominican migrants in the US compared to Dominicans still residing in their country. </a:t>
+            </a:r>
           </a:p>
         </p:txBody>
       </p:sp>
@@ -1321,7 +1319,7 @@
           <a:p>
             <a:fld id="{6ADC826D-AAF9-3849-8641-F0AC1F9103F6}" type="slidenum">
               <a:rPr lang="en-US" smtClean="0"/>
-              <a:t>16</a:t>
+              <a:t>15</a:t>
             </a:fld>
             <a:endParaRPr lang="en-US"/>
           </a:p>
@@ -1330,7 +1328,7 @@
     </p:spTree>
     <p:extLst>
       <p:ext uri="{BB962C8B-B14F-4D97-AF65-F5344CB8AC3E}">
-        <p14:creationId xmlns:p14="http://schemas.microsoft.com/office/powerpoint/2010/main" val="4199339182"/>
+        <p14:creationId xmlns:p14="http://schemas.microsoft.com/office/powerpoint/2010/main" val="1870954806"/>
       </p:ext>
     </p:extLst>
   </p:cSld>
@@ -1386,7 +1384,19 @@
           <a:p>
             <a:r>
               <a:rPr lang="en-US" dirty="0"/>
-              <a:t>Furthermore, Things are rapidly changing. When we compare these migrant groups in 2010 to 2020, we generally see that they’re becoming more educated. </a:t>
+              <a:t>Caribbean Hispanics very different migration patterns</a:t>
+            </a:r>
+          </a:p>
+          <a:p>
+            <a:r>
+              <a:rPr lang="en-US" dirty="0"/>
+              <a:t>Different Education and Social Isolation Patterns</a:t>
+            </a:r>
+          </a:p>
+          <a:p>
+            <a:r>
+              <a:rPr lang="en-US" dirty="0"/>
+              <a:t>Different Selectivity on Education Patterns</a:t>
             </a:r>
           </a:p>
           <a:p>
@@ -1395,7 +1405,7 @@
           <a:p>
             <a:r>
               <a:rPr lang="en-US" dirty="0"/>
-              <a:t>Again, this matters because education is such a strong predictor of dementia</a:t>
+              <a:t>Implication is that we need to acknowledge these as separate groups because we would expect immigrant health to be very different</a:t>
             </a:r>
           </a:p>
           <a:p>
@@ -1404,7 +1414,7 @@
           <a:p>
             <a:r>
               <a:rPr lang="en-US" dirty="0"/>
-              <a:t>This implies that studies that use data that’s not up to date might not reflect the true state of current migrant health given how quickly things are changing </a:t>
+              <a:t>The next step is to analyze a nationally representative sample that combines both these very important sociodemographic </a:t>
             </a:r>
           </a:p>
           <a:p>
@@ -1413,8 +1423,37 @@
           <a:p>
             <a:r>
               <a:rPr lang="en-US" dirty="0"/>
-              <a:t>In other words, if we want to understand the migrant population, we need current data not just on migrants but also on their native country resident counterparts</a:t>
-            </a:r>
+              <a:t>MHAS (Mexican Healthy Aging Survey)</a:t>
+            </a:r>
+          </a:p>
+          <a:p>
+            <a:endParaRPr lang="en-US" dirty="0"/>
+          </a:p>
+          <a:p>
+            <a:pPr marL="0" marR="0" lvl="0" indent="0" algn="l" defTabSz="914400" rtl="0" eaLnBrk="1" fontAlgn="auto" latinLnBrk="0" hangingPunct="1">
+              <a:lnSpc>
+                <a:spcPct val="100000"/>
+              </a:lnSpc>
+              <a:spcBef>
+                <a:spcPts val="0"/>
+              </a:spcBef>
+              <a:spcAft>
+                <a:spcPts val="0"/>
+              </a:spcAft>
+              <a:buClrTx/>
+              <a:buSzTx/>
+              <a:buFontTx/>
+              <a:buNone/>
+              <a:tabLst/>
+              <a:defRPr/>
+            </a:pPr>
+            <a:r>
+              <a:rPr lang="en-US" dirty="0"/>
+              <a:t>7. If education is this selective, then probably big selection on </a:t>
+            </a:r>
+          </a:p>
+          <a:p>
+            <a:endParaRPr lang="en-US" dirty="0"/>
           </a:p>
         </p:txBody>
       </p:sp>
@@ -1435,7 +1474,7 @@
           <a:p>
             <a:fld id="{6ADC826D-AAF9-3849-8641-F0AC1F9103F6}" type="slidenum">
               <a:rPr lang="en-US" smtClean="0"/>
-              <a:t>17</a:t>
+              <a:t>16</a:t>
             </a:fld>
             <a:endParaRPr lang="en-US"/>
           </a:p>
@@ -1444,7 +1483,7 @@
     </p:spTree>
     <p:extLst>
       <p:ext uri="{BB962C8B-B14F-4D97-AF65-F5344CB8AC3E}">
-        <p14:creationId xmlns:p14="http://schemas.microsoft.com/office/powerpoint/2010/main" val="1885095810"/>
+        <p14:creationId xmlns:p14="http://schemas.microsoft.com/office/powerpoint/2010/main" val="4199339182"/>
       </p:ext>
     </p:extLst>
   </p:cSld>
@@ -1498,18 +1537,9 @@
           <a:bodyPr/>
           <a:lstStyle/>
           <a:p>
-            <a:pPr algn="l">
-              <a:spcAft>
-                <a:spcPts val="225"/>
-              </a:spcAft>
-            </a:pPr>
-            <a:r>
-              <a:rPr lang="en-US" b="0" i="0" u="sng" dirty="0">
-                <a:effectLst/>
-                <a:latin typeface="Roboto" panose="02000000000000000000" pitchFamily="2" charset="0"/>
-                <a:hlinkClick r:id="rId3"/>
-              </a:rPr>
-              <a:t>HCAP Network | Harmonized Cognitive Assessment Protocol</a:t>
+            <a:r>
+              <a:rPr lang="en-US" dirty="0"/>
+              <a:t>Furthermore, Things are rapidly changing. When we compare these migrant groups in 2010 to 2020, we generally see that they’re becoming more educated. </a:t>
             </a:r>
           </a:p>
           <a:p>
@@ -1518,13 +1548,25 @@
           <a:p>
             <a:r>
               <a:rPr lang="en-US" dirty="0"/>
-              <a:t>Information on return migration</a:t>
-            </a:r>
-          </a:p>
-          <a:p>
-            <a:r>
-              <a:rPr lang="en-US" dirty="0"/>
-              <a:t>We don’t have information on health (in a nationally representative) </a:t>
+              <a:t>Again, this matters because education is such a strong predictor of dementia</a:t>
+            </a:r>
+          </a:p>
+          <a:p>
+            <a:endParaRPr lang="en-US" dirty="0"/>
+          </a:p>
+          <a:p>
+            <a:r>
+              <a:rPr lang="en-US" dirty="0"/>
+              <a:t>This implies that studies that use data that’s not up to date might not reflect the true state of current migrant health given how quickly things are changing </a:t>
+            </a:r>
+          </a:p>
+          <a:p>
+            <a:endParaRPr lang="en-US" dirty="0"/>
+          </a:p>
+          <a:p>
+            <a:r>
+              <a:rPr lang="en-US" dirty="0"/>
+              <a:t>In other words, if we want to understand the migrant population, we need current data not just on migrants but also on their native country resident counterparts</a:t>
             </a:r>
           </a:p>
         </p:txBody>
@@ -1546,7 +1588,7 @@
           <a:p>
             <a:fld id="{6ADC826D-AAF9-3849-8641-F0AC1F9103F6}" type="slidenum">
               <a:rPr lang="en-US" smtClean="0"/>
-              <a:t>19</a:t>
+              <a:t>17</a:t>
             </a:fld>
             <a:endParaRPr lang="en-US"/>
           </a:p>
@@ -1555,7 +1597,7 @@
     </p:spTree>
     <p:extLst>
       <p:ext uri="{BB962C8B-B14F-4D97-AF65-F5344CB8AC3E}">
-        <p14:creationId xmlns:p14="http://schemas.microsoft.com/office/powerpoint/2010/main" val="1490383593"/>
+        <p14:creationId xmlns:p14="http://schemas.microsoft.com/office/powerpoint/2010/main" val="1885095810"/>
       </p:ext>
     </p:extLst>
   </p:cSld>
@@ -1609,56 +1651,33 @@
           <a:bodyPr/>
           <a:lstStyle/>
           <a:p>
-            <a:r>
-              <a:rPr lang="en-US" dirty="0"/>
-              <a:t>That leads us to our research questions in this paper, which is entirely descriptive. </a:t>
+            <a:pPr algn="l">
+              <a:spcAft>
+                <a:spcPts val="225"/>
+              </a:spcAft>
+            </a:pPr>
+            <a:r>
+              <a:rPr lang="en-US" b="0" i="0" u="sng" dirty="0">
+                <a:effectLst/>
+                <a:latin typeface="Roboto" panose="02000000000000000000" pitchFamily="2" charset="0"/>
+                <a:hlinkClick r:id="rId3"/>
+              </a:rPr>
+              <a:t>HCAP Network | Harmonized Cognitive Assessment Protocol</a:t>
             </a:r>
           </a:p>
           <a:p>
             <a:endParaRPr lang="en-US" dirty="0"/>
           </a:p>
           <a:p>
-            <a:pPr marL="0" marR="0" lvl="0" indent="0" algn="l" defTabSz="914400" rtl="0" eaLnBrk="1" fontAlgn="auto" latinLnBrk="0" hangingPunct="1">
-              <a:lnSpc>
-                <a:spcPct val="100000"/>
-              </a:lnSpc>
-              <a:spcBef>
-                <a:spcPts val="0"/>
-              </a:spcBef>
-              <a:spcAft>
-                <a:spcPts val="0"/>
-              </a:spcAft>
-              <a:buClrTx/>
-              <a:buSzTx/>
-              <a:buFontTx/>
-              <a:buNone/>
-              <a:tabLst/>
-              <a:defRPr/>
-            </a:pPr>
-            <a:r>
-              <a:rPr lang="en-US" dirty="0"/>
-              <a:t>1. US Immigrants from Mexico compared to those from the Hispanic Caribbean (60+)</a:t>
-            </a:r>
-          </a:p>
-          <a:p>
-            <a:r>
-              <a:rPr lang="en-US" dirty="0"/>
-              <a:t>2. We wanted to compare these movers to their home country stayers to get a better sense of the selection mechanisms at play</a:t>
-            </a:r>
-          </a:p>
-          <a:p>
-            <a:r>
-              <a:rPr lang="en-US" dirty="0"/>
-              <a:t>3. Lastly, we wanted to see how these selection patterns are changing over time</a:t>
-            </a:r>
-          </a:p>
-          <a:p>
-            <a:endParaRPr lang="en-US" dirty="0"/>
-          </a:p>
-          <a:p>
-            <a:r>
-              <a:rPr lang="en-US" dirty="0"/>
-              <a:t>We’re going to compare these migrants from Mexico those those from Puerto Rico, the Dominican Republic, and Cuba.</a:t>
+            <a:r>
+              <a:rPr lang="en-US" dirty="0"/>
+              <a:t>Information on return migration</a:t>
+            </a:r>
+          </a:p>
+          <a:p>
+            <a:r>
+              <a:rPr lang="en-US" dirty="0"/>
+              <a:t>We don’t have information on health (in a nationally representative) </a:t>
             </a:r>
           </a:p>
         </p:txBody>
@@ -1680,7 +1699,7 @@
           <a:p>
             <a:fld id="{6ADC826D-AAF9-3849-8641-F0AC1F9103F6}" type="slidenum">
               <a:rPr lang="en-US" smtClean="0"/>
-              <a:t>21</a:t>
+              <a:t>19</a:t>
             </a:fld>
             <a:endParaRPr lang="en-US"/>
           </a:p>
@@ -1689,7 +1708,7 @@
     </p:spTree>
     <p:extLst>
       <p:ext uri="{BB962C8B-B14F-4D97-AF65-F5344CB8AC3E}">
-        <p14:creationId xmlns:p14="http://schemas.microsoft.com/office/powerpoint/2010/main" val="3372543243"/>
+        <p14:creationId xmlns:p14="http://schemas.microsoft.com/office/powerpoint/2010/main" val="1490383593"/>
       </p:ext>
     </p:extLst>
   </p:cSld>
@@ -1745,20 +1764,55 @@
           <a:p>
             <a:r>
               <a:rPr lang="en-US" dirty="0"/>
-              <a:t>Research that DOES focus on differences within Hispanic groups finds important differences. </a:t>
+              <a:t>That leads us to our research questions in this paper, which is entirely descriptive. </a:t>
             </a:r>
           </a:p>
           <a:p>
             <a:endParaRPr lang="en-US" dirty="0"/>
           </a:p>
           <a:p>
-            <a:r>
-              <a:rPr lang="en-US" dirty="0"/>
-              <a:t>Here we I’m showing data from the 10/66 study (which is not nationally representative and tends to skew towards urban residents), which finds that Hispanics in the Caribbean have generally higher rates of dementia despite having relatively higher life expectancies</a:t>
+            <a:pPr marL="0" marR="0" lvl="0" indent="0" algn="l" defTabSz="914400" rtl="0" eaLnBrk="1" fontAlgn="auto" latinLnBrk="0" hangingPunct="1">
+              <a:lnSpc>
+                <a:spcPct val="100000"/>
+              </a:lnSpc>
+              <a:spcBef>
+                <a:spcPts val="0"/>
+              </a:spcBef>
+              <a:spcAft>
+                <a:spcPts val="0"/>
+              </a:spcAft>
+              <a:buClrTx/>
+              <a:buSzTx/>
+              <a:buFontTx/>
+              <a:buNone/>
+              <a:tabLst/>
+              <a:defRPr/>
+            </a:pPr>
+            <a:r>
+              <a:rPr lang="en-US" dirty="0"/>
+              <a:t>1. US Immigrants from Mexico compared to those from the Hispanic Caribbean (60+)</a:t>
+            </a:r>
+          </a:p>
+          <a:p>
+            <a:r>
+              <a:rPr lang="en-US" dirty="0"/>
+              <a:t>2. We wanted to compare these movers to their home country stayers to get a better sense of the selection mechanisms at play</a:t>
+            </a:r>
+          </a:p>
+          <a:p>
+            <a:r>
+              <a:rPr lang="en-US" dirty="0"/>
+              <a:t>3. Lastly, we wanted to see how these selection patterns are changing over time</a:t>
             </a:r>
           </a:p>
           <a:p>
             <a:endParaRPr lang="en-US" dirty="0"/>
+          </a:p>
+          <a:p>
+            <a:r>
+              <a:rPr lang="en-US" dirty="0"/>
+              <a:t>We’re going to compare these migrants from Mexico those those from Puerto Rico, the Dominican Republic, and Cuba.</a:t>
+            </a:r>
           </a:p>
         </p:txBody>
       </p:sp>
@@ -1779,7 +1833,7 @@
           <a:p>
             <a:fld id="{6ADC826D-AAF9-3849-8641-F0AC1F9103F6}" type="slidenum">
               <a:rPr lang="en-US" smtClean="0"/>
-              <a:t>22</a:t>
+              <a:t>21</a:t>
             </a:fld>
             <a:endParaRPr lang="en-US"/>
           </a:p>
@@ -1788,7 +1842,7 @@
     </p:spTree>
     <p:extLst>
       <p:ext uri="{BB962C8B-B14F-4D97-AF65-F5344CB8AC3E}">
-        <p14:creationId xmlns:p14="http://schemas.microsoft.com/office/powerpoint/2010/main" val="3640223293"/>
+        <p14:creationId xmlns:p14="http://schemas.microsoft.com/office/powerpoint/2010/main" val="3372543243"/>
       </p:ext>
     </p:extLst>
   </p:cSld>
@@ -1843,18 +1897,42 @@
           <a:lstStyle/>
           <a:p>
             <a:r>
-              <a:rPr lang="en-US" dirty="0"/>
-              <a:t>It’s also important to note that the conditions in these countries have been rapidly changing, mostly for the better.  </a:t>
-            </a:r>
-          </a:p>
-          <a:p>
+              <a:rPr lang="en-US" b="0" i="0" dirty="0">
+                <a:effectLst/>
+                <a:latin typeface="fkGroteskNeue"/>
+              </a:rPr>
+              <a:t>While research on Hispanic migrant health has primarily focused on Mexican immigrants, who represent 44 percent of older US Hispanic immigrants, much less attention has been given to Hispanic Caribbean migrants. Migrants from Puerto Rico, Dominican Republic, and Cuba collectively make up about 30 percent of all older US Hispanic immigrants.</a:t>
+            </a:r>
+          </a:p>
+          <a:p>
+            <a:endParaRPr lang="en-US" b="0" i="0" dirty="0">
+              <a:effectLst/>
+              <a:latin typeface="fkGroteskNeue"/>
+            </a:endParaRPr>
+          </a:p>
+          <a:p>
+            <a:r>
+              <a:rPr lang="en-US" b="0" i="0" dirty="0">
+                <a:effectLst/>
+                <a:latin typeface="fkGroteskNeue"/>
+              </a:rPr>
+              <a:t>However, it’s not just important to highlight these groups because of their size, but also because they’re so different from each other other along the </a:t>
+            </a:r>
+            <a:r>
+              <a:rPr lang="en-US" b="0" i="0" dirty="0" err="1">
+                <a:effectLst/>
+                <a:latin typeface="fkGroteskNeue"/>
+              </a:rPr>
+              <a:t>sociodemographics</a:t>
+            </a:r>
+            <a:r>
+              <a:rPr lang="en-US" b="0" i="0" dirty="0">
+                <a:effectLst/>
+                <a:latin typeface="fkGroteskNeue"/>
+              </a:rPr>
+              <a:t> that are so important for healthy aging. </a:t>
+            </a:r>
             <a:endParaRPr lang="en-US" dirty="0"/>
-          </a:p>
-          <a:p>
-            <a:r>
-              <a:rPr lang="en-US" dirty="0"/>
-              <a:t>Here we plot the country’s infant mortality rate on the y axis and the year on the x axis just to show how these country conditions have changed over time. </a:t>
-            </a:r>
           </a:p>
         </p:txBody>
       </p:sp>
@@ -1875,7 +1953,7 @@
           <a:p>
             <a:fld id="{6ADC826D-AAF9-3849-8641-F0AC1F9103F6}" type="slidenum">
               <a:rPr lang="en-US" smtClean="0"/>
-              <a:t>3</a:t>
+              <a:t>2</a:t>
             </a:fld>
             <a:endParaRPr lang="en-US"/>
           </a:p>
@@ -1884,7 +1962,106 @@
     </p:spTree>
     <p:extLst>
       <p:ext uri="{BB962C8B-B14F-4D97-AF65-F5344CB8AC3E}">
-        <p14:creationId xmlns:p14="http://schemas.microsoft.com/office/powerpoint/2010/main" val="2753298777"/>
+        <p14:creationId xmlns:p14="http://schemas.microsoft.com/office/powerpoint/2010/main" val="217471622"/>
+      </p:ext>
+    </p:extLst>
+  </p:cSld>
+  <p:clrMapOvr>
+    <a:masterClrMapping/>
+  </p:clrMapOvr>
+</p:notes>
+</file>
+
+<file path=ppt/notesSlides/notesSlide20.xml><?xml version="1.0" encoding="utf-8"?>
+<p:notes xmlns:a="http://schemas.openxmlformats.org/drawingml/2006/main" xmlns:r="http://schemas.openxmlformats.org/officeDocument/2006/relationships" xmlns:p="http://schemas.openxmlformats.org/presentationml/2006/main">
+  <p:cSld>
+    <p:spTree>
+      <p:nvGrpSpPr>
+        <p:cNvPr id="1" name=""/>
+        <p:cNvGrpSpPr/>
+        <p:nvPr/>
+      </p:nvGrpSpPr>
+      <p:grpSpPr>
+        <a:xfrm>
+          <a:off x="0" y="0"/>
+          <a:ext cx="0" cy="0"/>
+          <a:chOff x="0" y="0"/>
+          <a:chExt cx="0" cy="0"/>
+        </a:xfrm>
+      </p:grpSpPr>
+      <p:sp>
+        <p:nvSpPr>
+          <p:cNvPr id="2" name="Slide Image Placeholder 1"/>
+          <p:cNvSpPr>
+            <a:spLocks noGrp="1" noRot="1" noChangeAspect="1"/>
+          </p:cNvSpPr>
+          <p:nvPr>
+            <p:ph type="sldImg"/>
+          </p:nvPr>
+        </p:nvSpPr>
+        <p:spPr/>
+      </p:sp>
+      <p:sp>
+        <p:nvSpPr>
+          <p:cNvPr id="3" name="Notes Placeholder 2"/>
+          <p:cNvSpPr>
+            <a:spLocks noGrp="1"/>
+          </p:cNvSpPr>
+          <p:nvPr>
+            <p:ph type="body" idx="1"/>
+          </p:nvPr>
+        </p:nvSpPr>
+        <p:spPr/>
+        <p:txBody>
+          <a:bodyPr/>
+          <a:lstStyle/>
+          <a:p>
+            <a:r>
+              <a:rPr lang="en-US" dirty="0"/>
+              <a:t>Research that DOES focus on differences within Hispanic groups finds important differences. </a:t>
+            </a:r>
+          </a:p>
+          <a:p>
+            <a:endParaRPr lang="en-US" dirty="0"/>
+          </a:p>
+          <a:p>
+            <a:r>
+              <a:rPr lang="en-US" dirty="0"/>
+              <a:t>Here we I’m showing data from the 10/66 study (which is not nationally representative and tends to skew towards urban residents), which finds that Hispanics in the Caribbean have generally higher rates of dementia despite having relatively higher life expectancies</a:t>
+            </a:r>
+          </a:p>
+          <a:p>
+            <a:endParaRPr lang="en-US" dirty="0"/>
+          </a:p>
+        </p:txBody>
+      </p:sp>
+      <p:sp>
+        <p:nvSpPr>
+          <p:cNvPr id="4" name="Slide Number Placeholder 3"/>
+          <p:cNvSpPr>
+            <a:spLocks noGrp="1"/>
+          </p:cNvSpPr>
+          <p:nvPr>
+            <p:ph type="sldNum" sz="quarter" idx="5"/>
+          </p:nvPr>
+        </p:nvSpPr>
+        <p:spPr/>
+        <p:txBody>
+          <a:bodyPr/>
+          <a:lstStyle/>
+          <a:p>
+            <a:fld id="{6ADC826D-AAF9-3849-8641-F0AC1F9103F6}" type="slidenum">
+              <a:rPr lang="en-US" smtClean="0"/>
+              <a:t>22</a:t>
+            </a:fld>
+            <a:endParaRPr lang="en-US"/>
+          </a:p>
+        </p:txBody>
+      </p:sp>
+    </p:spTree>
+    <p:extLst>
+      <p:ext uri="{BB962C8B-B14F-4D97-AF65-F5344CB8AC3E}">
+        <p14:creationId xmlns:p14="http://schemas.microsoft.com/office/powerpoint/2010/main" val="3640223293"/>
       </p:ext>
     </p:extLst>
   </p:cSld>
@@ -1938,153 +2115,68 @@
           <a:bodyPr/>
           <a:lstStyle/>
           <a:p>
-            <a:pPr marL="0" indent="0">
+            <a:r>
+              <a:rPr lang="en-US" b="0" i="0" dirty="0">
+                <a:effectLst/>
+                <a:latin typeface="fkGroteskNeue"/>
+              </a:rPr>
+              <a:t>These sociodemographic differences stem largely from distinct home country conditions. </a:t>
+            </a:r>
+          </a:p>
+          <a:p>
+            <a:endParaRPr lang="en-US" b="0" i="0" dirty="0">
+              <a:effectLst/>
+              <a:latin typeface="fkGroteskNeue"/>
+            </a:endParaRPr>
+          </a:p>
+          <a:p>
+            <a:r>
+              <a:rPr lang="en-US" b="0" i="0" dirty="0">
+                <a:effectLst/>
+                <a:latin typeface="fkGroteskNeue"/>
+              </a:rPr>
+              <a:t>Historical infant mortality rates clearly illustrate these disparities.</a:t>
+            </a:r>
+          </a:p>
+          <a:p>
+            <a:endParaRPr lang="en-US" b="0" i="0" dirty="0">
+              <a:effectLst/>
+              <a:latin typeface="fkGroteskNeue"/>
+            </a:endParaRPr>
+          </a:p>
+          <a:p>
+            <a:pPr algn="l">
               <a:buNone/>
             </a:pPr>
             <a:r>
-              <a:rPr lang="en-US" dirty="0"/>
-              <a:t>In this paper, we chose to focus on sociodemographic differences between migrants populations, specifically we were interested in comparing age 60 plus Mexican migrant populations to those from the Caribbean. </a:t>
-            </a:r>
-          </a:p>
-          <a:p>
-            <a:pPr marL="0" indent="0">
+              <a:rPr lang="en-US" b="0" i="0" dirty="0">
+                <a:effectLst/>
+                <a:latin typeface="fkGroteskNeue"/>
+              </a:rPr>
+              <a:t>Looking at this graph, where the x-axis shows time and the y-axis shows infant mortality rates, we see that in 1950, when many people in our study were born, we see dramatically different early childhood environments across these countries.</a:t>
+            </a:r>
+          </a:p>
+          <a:p>
+            <a:pPr algn="l">
               <a:buNone/>
             </a:pPr>
+            <a:endParaRPr lang="en-US" b="0" i="0" dirty="0">
+              <a:effectLst/>
+              <a:latin typeface="fkGroteskNeue"/>
+            </a:endParaRPr>
+          </a:p>
+          <a:p>
+            <a:pPr algn="l"/>
+            <a:r>
+              <a:rPr lang="en-US" b="0" i="0" dirty="0">
+                <a:effectLst/>
+                <a:latin typeface="fkGroteskNeue"/>
+              </a:rPr>
+              <a:t>These early life conditions are important because they will have significant implications for health in later life.</a:t>
+            </a:r>
+          </a:p>
+          <a:p>
             <a:endParaRPr lang="en-US" dirty="0"/>
-          </a:p>
-          <a:p>
-            <a:pPr marL="0" indent="0">
-              <a:buNone/>
-            </a:pPr>
-            <a:r>
-              <a:rPr lang="en-US" dirty="0"/>
-              <a:t>We chose sociodemographic differences because they’re important for understanding aging disparities between Hispanic migrant populations. </a:t>
-            </a:r>
-          </a:p>
-          <a:p>
-            <a:pPr marL="0" indent="0">
-              <a:buNone/>
-            </a:pPr>
-            <a:endParaRPr lang="en-US" dirty="0"/>
-          </a:p>
-          <a:p>
-            <a:pPr marL="0" indent="0">
-              <a:buNone/>
-            </a:pPr>
-            <a:r>
-              <a:rPr lang="en-US" dirty="0"/>
-              <a:t>And so, this is why if your goal is to understand aging health it’s so important to understand how migrants differ in things like education and social support</a:t>
-            </a:r>
-          </a:p>
-          <a:p>
-            <a:pPr marL="0" indent="0">
-              <a:buNone/>
-            </a:pPr>
-            <a:endParaRPr lang="en-US" dirty="0"/>
-          </a:p>
-          <a:p>
-            <a:pPr marL="0" indent="0">
-              <a:buNone/>
-            </a:pPr>
-            <a:r>
-              <a:rPr lang="en-US" dirty="0"/>
-              <a:t>Crimmins: https://</a:t>
-            </a:r>
-            <a:r>
-              <a:rPr lang="en-US" dirty="0" err="1"/>
-              <a:t>pubmed.ncbi.nlm.nih.gov</a:t>
-            </a:r>
-            <a:r>
-              <a:rPr lang="en-US" dirty="0"/>
-              <a:t>/32798771/</a:t>
-            </a:r>
-          </a:p>
-          <a:p>
-            <a:pPr marL="0" indent="0">
-              <a:buNone/>
-            </a:pPr>
-            <a:r>
-              <a:rPr lang="en-US" dirty="0" err="1"/>
-              <a:t>Rentsher</a:t>
-            </a:r>
-            <a:r>
-              <a:rPr lang="en-US" dirty="0"/>
-              <a:t>: https://www-</a:t>
-            </a:r>
-            <a:r>
-              <a:rPr lang="en-US" dirty="0" err="1"/>
-              <a:t>sciencedirect</a:t>
-            </a:r>
-            <a:r>
-              <a:rPr lang="en-US" dirty="0"/>
-              <a:t>-</a:t>
-            </a:r>
-            <a:r>
-              <a:rPr lang="en-US" dirty="0" err="1"/>
-              <a:t>com.libproxy.berkeley.edu</a:t>
-            </a:r>
-            <a:r>
-              <a:rPr lang="en-US" dirty="0"/>
-              <a:t>/science/article/</a:t>
-            </a:r>
-            <a:r>
-              <a:rPr lang="en-US" dirty="0" err="1"/>
-              <a:t>pii</a:t>
-            </a:r>
-            <a:r>
-              <a:rPr lang="en-US" dirty="0"/>
-              <a:t>/S0889159123002660?via%3Dihub</a:t>
-            </a:r>
-          </a:p>
-          <a:p>
-            <a:pPr marL="0" indent="0">
-              <a:buNone/>
-            </a:pPr>
-            <a:r>
-              <a:rPr lang="en-US" dirty="0"/>
-              <a:t>Barger (social support and telomere length): https://www-</a:t>
-            </a:r>
-            <a:r>
-              <a:rPr lang="en-US" dirty="0" err="1"/>
-              <a:t>sciencedirect</a:t>
-            </a:r>
-            <a:r>
-              <a:rPr lang="en-US" dirty="0"/>
-              <a:t>-</a:t>
-            </a:r>
-            <a:r>
-              <a:rPr lang="en-US" dirty="0" err="1"/>
-              <a:t>com.libproxy.berkeley.edu</a:t>
-            </a:r>
-            <a:r>
-              <a:rPr lang="en-US" dirty="0"/>
-              <a:t>/science/article/</a:t>
-            </a:r>
-            <a:r>
-              <a:rPr lang="en-US" dirty="0" err="1"/>
-              <a:t>pii</a:t>
-            </a:r>
-            <a:r>
-              <a:rPr lang="en-US" dirty="0"/>
-              <a:t>/S0301051116300035</a:t>
-            </a:r>
-          </a:p>
-          <a:p>
-            <a:pPr marL="0" indent="0">
-              <a:buNone/>
-            </a:pPr>
-            <a:r>
-              <a:rPr lang="en-US" dirty="0"/>
-              <a:t>Li: https://</a:t>
-            </a:r>
-            <a:r>
-              <a:rPr lang="en-US" dirty="0" err="1"/>
-              <a:t>pmc.ncbi.nlm.nih.gov</a:t>
-            </a:r>
-            <a:r>
-              <a:rPr lang="en-US" dirty="0"/>
-              <a:t>/articles/PMC8418669/pdf/TRC2-7-e12204.pdf</a:t>
-            </a:r>
           </a:p>
         </p:txBody>
       </p:sp>
@@ -2105,7 +2197,7 @@
           <a:p>
             <a:fld id="{6ADC826D-AAF9-3849-8641-F0AC1F9103F6}" type="slidenum">
               <a:rPr lang="en-US" smtClean="0"/>
-              <a:t>4</a:t>
+              <a:t>3</a:t>
             </a:fld>
             <a:endParaRPr lang="en-US"/>
           </a:p>
@@ -2114,7 +2206,7 @@
     </p:spTree>
     <p:extLst>
       <p:ext uri="{BB962C8B-B14F-4D97-AF65-F5344CB8AC3E}">
-        <p14:creationId xmlns:p14="http://schemas.microsoft.com/office/powerpoint/2010/main" val="957753569"/>
+        <p14:creationId xmlns:p14="http://schemas.microsoft.com/office/powerpoint/2010/main" val="2753298777"/>
       </p:ext>
     </p:extLst>
   </p:cSld>
@@ -2168,9 +2260,237 @@
           <a:bodyPr/>
           <a:lstStyle/>
           <a:p>
-            <a:r>
-              <a:rPr lang="en-US" dirty="0"/>
-              <a:t>- International </a:t>
+            <a:pPr algn="l">
+              <a:buNone/>
+            </a:pPr>
+            <a:r>
+              <a:rPr lang="en-US" b="0" i="0" dirty="0">
+                <a:effectLst/>
+                <a:latin typeface="fkGroteskNeue"/>
+              </a:rPr>
+              <a:t>While I mentioned these groups are understudied, there is a growing literature showing these Hispanic populations do differ significantly in health outcomes. </a:t>
+            </a:r>
+          </a:p>
+          <a:p>
+            <a:pPr algn="l">
+              <a:buNone/>
+            </a:pPr>
+            <a:endParaRPr lang="en-US" b="0" i="0" dirty="0">
+              <a:effectLst/>
+              <a:latin typeface="fkGroteskNeue"/>
+            </a:endParaRPr>
+          </a:p>
+          <a:p>
+            <a:pPr algn="l">
+              <a:buNone/>
+            </a:pPr>
+            <a:r>
+              <a:rPr lang="en-US" b="0" i="0" dirty="0">
+                <a:effectLst/>
+                <a:latin typeface="fkGroteskNeue"/>
+              </a:rPr>
+              <a:t>Researchers like our chair Marc Garcia (who ended up being quite influential to our research) have used the National Health Interview Survey to document important morbidity differences between these groups.</a:t>
+            </a:r>
+          </a:p>
+          <a:p>
+            <a:pPr algn="l">
+              <a:buNone/>
+            </a:pPr>
+            <a:endParaRPr lang="en-US" b="0" i="0" dirty="0">
+              <a:effectLst/>
+              <a:latin typeface="fkGroteskNeue"/>
+            </a:endParaRPr>
+          </a:p>
+          <a:p>
+            <a:pPr marL="0" marR="0" lvl="0" indent="0" algn="l" defTabSz="914400" rtl="0" eaLnBrk="1" fontAlgn="auto" latinLnBrk="0" hangingPunct="1">
+              <a:lnSpc>
+                <a:spcPct val="100000"/>
+              </a:lnSpc>
+              <a:spcBef>
+                <a:spcPts val="0"/>
+              </a:spcBef>
+              <a:spcAft>
+                <a:spcPts val="0"/>
+              </a:spcAft>
+              <a:buClrTx/>
+              <a:buSzTx/>
+              <a:buFontTx/>
+              <a:buNone/>
+              <a:tabLst/>
+              <a:defRPr/>
+            </a:pPr>
+            <a:r>
+              <a:rPr lang="en-US" b="0" i="0" dirty="0">
+                <a:effectLst/>
+                <a:latin typeface="fkGroteskNeue"/>
+              </a:rPr>
+              <a:t>However, the NHIS offers a relatively small sample size for these populations, requiring researchers to pool data across many years to obtain sufficient numbers - for example, just over 100 Dominican migrants even after pooling.</a:t>
+            </a:r>
+          </a:p>
+          <a:p>
+            <a:pPr marL="0" marR="0" lvl="0" indent="0" algn="l" defTabSz="914400" rtl="0" eaLnBrk="1" fontAlgn="auto" latinLnBrk="0" hangingPunct="1">
+              <a:lnSpc>
+                <a:spcPct val="100000"/>
+              </a:lnSpc>
+              <a:spcBef>
+                <a:spcPts val="0"/>
+              </a:spcBef>
+              <a:spcAft>
+                <a:spcPts val="0"/>
+              </a:spcAft>
+              <a:buClrTx/>
+              <a:buSzTx/>
+              <a:buFontTx/>
+              <a:buNone/>
+              <a:tabLst/>
+              <a:defRPr/>
+            </a:pPr>
+            <a:endParaRPr lang="en-US" b="0" i="0" dirty="0">
+              <a:effectLst/>
+              <a:latin typeface="fkGroteskNeue"/>
+            </a:endParaRPr>
+          </a:p>
+          <a:p>
+            <a:pPr marL="0" marR="0" lvl="0" indent="0" algn="l" defTabSz="914400" rtl="0" eaLnBrk="1" fontAlgn="auto" latinLnBrk="0" hangingPunct="1">
+              <a:lnSpc>
+                <a:spcPct val="100000"/>
+              </a:lnSpc>
+              <a:spcBef>
+                <a:spcPts val="0"/>
+              </a:spcBef>
+              <a:spcAft>
+                <a:spcPts val="0"/>
+              </a:spcAft>
+              <a:buClrTx/>
+              <a:buSzTx/>
+              <a:buFontTx/>
+              <a:buNone/>
+              <a:tabLst/>
+              <a:defRPr/>
+            </a:pPr>
+            <a:r>
+              <a:rPr lang="en-US" b="0" i="0" dirty="0">
+                <a:effectLst/>
+                <a:latin typeface="fkGroteskNeue"/>
+              </a:rPr>
+              <a:t>That's why we chose to analyze data from the 2016-20 American Community Survey, which gives us a much larger sample size and helps us support the health documented in previous research.</a:t>
+            </a:r>
+          </a:p>
+          <a:p>
+            <a:pPr marL="0" marR="0" lvl="0" indent="0" algn="l" defTabSz="914400" rtl="0" eaLnBrk="1" fontAlgn="auto" latinLnBrk="0" hangingPunct="1">
+              <a:lnSpc>
+                <a:spcPct val="100000"/>
+              </a:lnSpc>
+              <a:spcBef>
+                <a:spcPts val="0"/>
+              </a:spcBef>
+              <a:spcAft>
+                <a:spcPts val="0"/>
+              </a:spcAft>
+              <a:buClrTx/>
+              <a:buSzTx/>
+              <a:buFontTx/>
+              <a:buNone/>
+              <a:tabLst/>
+              <a:defRPr/>
+            </a:pPr>
+            <a:endParaRPr lang="en-US" b="0" i="0" dirty="0">
+              <a:effectLst/>
+              <a:latin typeface="fkGroteskNeue"/>
+            </a:endParaRPr>
+          </a:p>
+          <a:p>
+            <a:pPr algn="l">
+              <a:buNone/>
+            </a:pPr>
+            <a:r>
+              <a:rPr lang="en-US" b="0" i="0" dirty="0">
+                <a:effectLst/>
+                <a:latin typeface="fkGroteskNeue"/>
+              </a:rPr>
+              <a:t>More specifically</a:t>
+            </a:r>
+            <a:r>
+              <a:rPr lang="en-US" b="0" i="0">
+                <a:effectLst/>
+                <a:latin typeface="fkGroteskNeue"/>
+              </a:rPr>
+              <a:t>, in </a:t>
+            </a:r>
+            <a:r>
+              <a:rPr lang="en-US" b="0" i="0" dirty="0">
+                <a:effectLst/>
+                <a:latin typeface="fkGroteskNeue"/>
+              </a:rPr>
+              <a:t>our analysis, we focus on key sociodemographic factors in the ACS that influence healthy </a:t>
+            </a:r>
+            <a:r>
+              <a:rPr lang="en-US" b="0" i="0">
+                <a:effectLst/>
+                <a:latin typeface="fkGroteskNeue"/>
+              </a:rPr>
+              <a:t>aging:</a:t>
+            </a:r>
+          </a:p>
+          <a:p>
+            <a:pPr algn="l">
+              <a:buNone/>
+            </a:pPr>
+            <a:endParaRPr lang="en-US" b="0" i="0" dirty="0">
+              <a:effectLst/>
+              <a:latin typeface="fkGroteskNeue"/>
+            </a:endParaRPr>
+          </a:p>
+          <a:p>
+            <a:pPr algn="l">
+              <a:buFont typeface="Arial" panose="020B0604020202020204" pitchFamily="34" charset="0"/>
+              <a:buChar char="•"/>
+            </a:pPr>
+            <a:r>
+              <a:rPr lang="en-US" b="0" i="0" dirty="0">
+                <a:effectLst/>
+                <a:latin typeface="fkGroteskNeue"/>
+              </a:rPr>
+              <a:t>Migration timing (year and age of migration)</a:t>
+            </a:r>
+          </a:p>
+          <a:p>
+            <a:pPr algn="l">
+              <a:buFont typeface="Arial" panose="020B0604020202020204" pitchFamily="34" charset="0"/>
+              <a:buChar char="•"/>
+            </a:pPr>
+            <a:r>
+              <a:rPr lang="en-US" b="0" i="0" dirty="0">
+                <a:effectLst/>
+                <a:latin typeface="fkGroteskNeue"/>
+              </a:rPr>
+              <a:t>Educational attainment</a:t>
+            </a:r>
+          </a:p>
+          <a:p>
+            <a:pPr algn="l">
+              <a:buFont typeface="Arial" panose="020B0604020202020204" pitchFamily="34" charset="0"/>
+              <a:buChar char="•"/>
+            </a:pPr>
+            <a:r>
+              <a:rPr lang="en-US" b="0" i="0" dirty="0">
+                <a:effectLst/>
+                <a:latin typeface="fkGroteskNeue"/>
+              </a:rPr>
+              <a:t>Social isolation (marital status and living arrangements)</a:t>
+            </a:r>
+          </a:p>
+          <a:p>
+            <a:pPr algn="l">
+              <a:buFont typeface="Arial" panose="020B0604020202020204" pitchFamily="34" charset="0"/>
+              <a:buChar char="•"/>
+            </a:pPr>
+            <a:r>
+              <a:rPr lang="en-US" b="0" i="0" dirty="0">
+                <a:effectLst/>
+                <a:latin typeface="fkGroteskNeue"/>
+              </a:rPr>
+              <a:t>Acculturation (English speaking ability and citizenship status)</a:t>
             </a:r>
           </a:p>
         </p:txBody>
@@ -2192,7 +2512,7 @@
           <a:p>
             <a:fld id="{6ADC826D-AAF9-3849-8641-F0AC1F9103F6}" type="slidenum">
               <a:rPr lang="en-US" smtClean="0"/>
-              <a:t>5</a:t>
+              <a:t>4</a:t>
             </a:fld>
             <a:endParaRPr lang="en-US"/>
           </a:p>
@@ -2201,7 +2521,7 @@
     </p:spTree>
     <p:extLst>
       <p:ext uri="{BB962C8B-B14F-4D97-AF65-F5344CB8AC3E}">
-        <p14:creationId xmlns:p14="http://schemas.microsoft.com/office/powerpoint/2010/main" val="1953118807"/>
+        <p14:creationId xmlns:p14="http://schemas.microsoft.com/office/powerpoint/2010/main" val="957753569"/>
       </p:ext>
     </p:extLst>
   </p:cSld>
@@ -2255,34 +2575,9 @@
           <a:bodyPr/>
           <a:lstStyle/>
           <a:p>
-            <a:pPr marL="0" indent="0">
-              <a:buNone/>
-            </a:pPr>
-            <a:r>
-              <a:rPr lang="en-US" dirty="0"/>
-              <a:t>Say these verbally</a:t>
-            </a:r>
-          </a:p>
-          <a:p>
-            <a:pPr marL="0" indent="0">
-              <a:buNone/>
-            </a:pPr>
-            <a:endParaRPr lang="en-US" dirty="0"/>
-          </a:p>
-          <a:p>
-            <a:r>
-              <a:rPr lang="en-US" dirty="0"/>
-              <a:t>Puerto Rico became a US territory in 1898. In 1917 they were granted US citizenship.</a:t>
-            </a:r>
-            <a:br>
-              <a:rPr lang="en-US" dirty="0"/>
-            </a:br>
-            <a:endParaRPr lang="en-US" dirty="0"/>
-          </a:p>
-          <a:p>
-            <a:r>
-              <a:rPr lang="en-US" dirty="0"/>
-              <a:t>Cuban Revolution in 1959 sparked one of the largest refugee movement in US history (Duany 2017). In 1966, given path to US residency. </a:t>
+            <a:r>
+              <a:rPr lang="en-US" dirty="0"/>
+              <a:t>- International </a:t>
             </a:r>
           </a:p>
         </p:txBody>
@@ -2304,7 +2599,7 @@
           <a:p>
             <a:fld id="{6ADC826D-AAF9-3849-8641-F0AC1F9103F6}" type="slidenum">
               <a:rPr lang="en-US" smtClean="0"/>
-              <a:t>6</a:t>
+              <a:t>5</a:t>
             </a:fld>
             <a:endParaRPr lang="en-US"/>
           </a:p>
@@ -2313,7 +2608,7 @@
     </p:spTree>
     <p:extLst>
       <p:ext uri="{BB962C8B-B14F-4D97-AF65-F5344CB8AC3E}">
-        <p14:creationId xmlns:p14="http://schemas.microsoft.com/office/powerpoint/2010/main" val="1660434206"/>
+        <p14:creationId xmlns:p14="http://schemas.microsoft.com/office/powerpoint/2010/main" val="1953118807"/>
       </p:ext>
     </p:extLst>
   </p:cSld>
@@ -2367,6 +2662,118 @@
           <a:bodyPr/>
           <a:lstStyle/>
           <a:p>
+            <a:pPr marL="0" indent="0">
+              <a:buNone/>
+            </a:pPr>
+            <a:r>
+              <a:rPr lang="en-US" dirty="0"/>
+              <a:t>Say these verbally</a:t>
+            </a:r>
+          </a:p>
+          <a:p>
+            <a:pPr marL="0" indent="0">
+              <a:buNone/>
+            </a:pPr>
+            <a:endParaRPr lang="en-US" dirty="0"/>
+          </a:p>
+          <a:p>
+            <a:r>
+              <a:rPr lang="en-US" dirty="0"/>
+              <a:t>Puerto Rico became a US territory in 1898. In 1917 they were granted US citizenship.</a:t>
+            </a:r>
+            <a:br>
+              <a:rPr lang="en-US" dirty="0"/>
+            </a:br>
+            <a:endParaRPr lang="en-US" dirty="0"/>
+          </a:p>
+          <a:p>
+            <a:r>
+              <a:rPr lang="en-US" dirty="0"/>
+              <a:t>Cuban Revolution in 1959 sparked one of the largest refugee movement in US history (Duany 2017). In 1966, given path to US residency. </a:t>
+            </a:r>
+          </a:p>
+        </p:txBody>
+      </p:sp>
+      <p:sp>
+        <p:nvSpPr>
+          <p:cNvPr id="4" name="Slide Number Placeholder 3"/>
+          <p:cNvSpPr>
+            <a:spLocks noGrp="1"/>
+          </p:cNvSpPr>
+          <p:nvPr>
+            <p:ph type="sldNum" sz="quarter" idx="5"/>
+          </p:nvPr>
+        </p:nvSpPr>
+        <p:spPr/>
+        <p:txBody>
+          <a:bodyPr/>
+          <a:lstStyle/>
+          <a:p>
+            <a:fld id="{6ADC826D-AAF9-3849-8641-F0AC1F9103F6}" type="slidenum">
+              <a:rPr lang="en-US" smtClean="0"/>
+              <a:t>6</a:t>
+            </a:fld>
+            <a:endParaRPr lang="en-US"/>
+          </a:p>
+        </p:txBody>
+      </p:sp>
+    </p:spTree>
+    <p:extLst>
+      <p:ext uri="{BB962C8B-B14F-4D97-AF65-F5344CB8AC3E}">
+        <p14:creationId xmlns:p14="http://schemas.microsoft.com/office/powerpoint/2010/main" val="1660434206"/>
+      </p:ext>
+    </p:extLst>
+  </p:cSld>
+  <p:clrMapOvr>
+    <a:masterClrMapping/>
+  </p:clrMapOvr>
+</p:notes>
+</file>
+
+<file path=ppt/notesSlides/notesSlide7.xml><?xml version="1.0" encoding="utf-8"?>
+<p:notes xmlns:a="http://schemas.openxmlformats.org/drawingml/2006/main" xmlns:r="http://schemas.openxmlformats.org/officeDocument/2006/relationships" xmlns:p="http://schemas.openxmlformats.org/presentationml/2006/main">
+  <p:cSld>
+    <p:spTree>
+      <p:nvGrpSpPr>
+        <p:cNvPr id="1" name=""/>
+        <p:cNvGrpSpPr/>
+        <p:nvPr/>
+      </p:nvGrpSpPr>
+      <p:grpSpPr>
+        <a:xfrm>
+          <a:off x="0" y="0"/>
+          <a:ext cx="0" cy="0"/>
+          <a:chOff x="0" y="0"/>
+          <a:chExt cx="0" cy="0"/>
+        </a:xfrm>
+      </p:grpSpPr>
+      <p:sp>
+        <p:nvSpPr>
+          <p:cNvPr id="2" name="Slide Image Placeholder 1"/>
+          <p:cNvSpPr>
+            <a:spLocks noGrp="1" noRot="1" noChangeAspect="1"/>
+          </p:cNvSpPr>
+          <p:nvPr>
+            <p:ph type="sldImg"/>
+          </p:nvPr>
+        </p:nvSpPr>
+        <p:spPr/>
+      </p:sp>
+      <p:sp>
+        <p:nvSpPr>
+          <p:cNvPr id="3" name="Notes Placeholder 2"/>
+          <p:cNvSpPr>
+            <a:spLocks noGrp="1"/>
+          </p:cNvSpPr>
+          <p:nvPr>
+            <p:ph type="body" idx="1"/>
+          </p:nvPr>
+        </p:nvSpPr>
+        <p:spPr/>
+        <p:txBody>
+          <a:bodyPr/>
+          <a:lstStyle/>
+          <a:p>
             <a:r>
               <a:rPr lang="en-US" dirty="0"/>
               <a:t>Key points:</a:t>
@@ -2446,7 +2853,7 @@
 </p:notes>
 </file>
 
-<file path=ppt/notesSlides/notesSlide7.xml><?xml version="1.0" encoding="utf-8"?>
+<file path=ppt/notesSlides/notesSlide8.xml><?xml version="1.0" encoding="utf-8"?>
 <p:notes xmlns:a="http://schemas.openxmlformats.org/drawingml/2006/main" xmlns:r="http://schemas.openxmlformats.org/officeDocument/2006/relationships" xmlns:p="http://schemas.openxmlformats.org/presentationml/2006/main">
   <p:cSld>
     <p:spTree>
@@ -2565,115 +2972,6 @@
     <p:extLst>
       <p:ext uri="{BB962C8B-B14F-4D97-AF65-F5344CB8AC3E}">
         <p14:creationId xmlns:p14="http://schemas.microsoft.com/office/powerpoint/2010/main" val="2364996275"/>
-      </p:ext>
-    </p:extLst>
-  </p:cSld>
-  <p:clrMapOvr>
-    <a:masterClrMapping/>
-  </p:clrMapOvr>
-</p:notes>
-</file>
-
-<file path=ppt/notesSlides/notesSlide8.xml><?xml version="1.0" encoding="utf-8"?>
-<p:notes xmlns:a="http://schemas.openxmlformats.org/drawingml/2006/main" xmlns:r="http://schemas.openxmlformats.org/officeDocument/2006/relationships" xmlns:p="http://schemas.openxmlformats.org/presentationml/2006/main">
-  <p:cSld>
-    <p:spTree>
-      <p:nvGrpSpPr>
-        <p:cNvPr id="1" name=""/>
-        <p:cNvGrpSpPr/>
-        <p:nvPr/>
-      </p:nvGrpSpPr>
-      <p:grpSpPr>
-        <a:xfrm>
-          <a:off x="0" y="0"/>
-          <a:ext cx="0" cy="0"/>
-          <a:chOff x="0" y="0"/>
-          <a:chExt cx="0" cy="0"/>
-        </a:xfrm>
-      </p:grpSpPr>
-      <p:sp>
-        <p:nvSpPr>
-          <p:cNvPr id="2" name="Slide Image Placeholder 1"/>
-          <p:cNvSpPr>
-            <a:spLocks noGrp="1" noRot="1" noChangeAspect="1"/>
-          </p:cNvSpPr>
-          <p:nvPr>
-            <p:ph type="sldImg"/>
-          </p:nvPr>
-        </p:nvSpPr>
-        <p:spPr/>
-      </p:sp>
-      <p:sp>
-        <p:nvSpPr>
-          <p:cNvPr id="3" name="Notes Placeholder 2"/>
-          <p:cNvSpPr>
-            <a:spLocks noGrp="1"/>
-          </p:cNvSpPr>
-          <p:nvPr>
-            <p:ph type="body" idx="1"/>
-          </p:nvPr>
-        </p:nvSpPr>
-        <p:spPr/>
-        <p:txBody>
-          <a:bodyPr/>
-          <a:lstStyle/>
-          <a:p>
-            <a:r>
-              <a:rPr lang="en-US" dirty="0"/>
-              <a:t>These are really different groups, then how much of that is related to what’s going in their home countries </a:t>
-            </a:r>
-          </a:p>
-          <a:p>
-            <a:endParaRPr lang="en-US" dirty="0"/>
-          </a:p>
-          <a:p>
-            <a:r>
-              <a:rPr lang="en-US" dirty="0"/>
-              <a:t>What stands out</a:t>
-            </a:r>
-            <a:br>
-              <a:rPr lang="en-US" dirty="0"/>
-            </a:br>
-            <a:r>
-              <a:rPr lang="en-US" dirty="0"/>
-              <a:t>- Mexican migrants are the least likely to get at least a secondary degree, which is lower than the average for migrant from the Caribbean</a:t>
-            </a:r>
-          </a:p>
-          <a:p>
-            <a:r>
-              <a:rPr lang="en-US" dirty="0"/>
-              <a:t>- Specifically, Cuban migrants are the most likely to have at least a high school degree followed by Puerto Ricans, and lastly Dominicans</a:t>
-            </a:r>
-          </a:p>
-        </p:txBody>
-      </p:sp>
-      <p:sp>
-        <p:nvSpPr>
-          <p:cNvPr id="4" name="Slide Number Placeholder 3"/>
-          <p:cNvSpPr>
-            <a:spLocks noGrp="1"/>
-          </p:cNvSpPr>
-          <p:nvPr>
-            <p:ph type="sldNum" sz="quarter" idx="5"/>
-          </p:nvPr>
-        </p:nvSpPr>
-        <p:spPr/>
-        <p:txBody>
-          <a:bodyPr/>
-          <a:lstStyle/>
-          <a:p>
-            <a:fld id="{6ADC826D-AAF9-3849-8641-F0AC1F9103F6}" type="slidenum">
-              <a:rPr lang="en-US" smtClean="0"/>
-              <a:t>9</a:t>
-            </a:fld>
-            <a:endParaRPr lang="en-US"/>
-          </a:p>
-        </p:txBody>
-      </p:sp>
-    </p:spTree>
-    <p:extLst>
-      <p:ext uri="{BB962C8B-B14F-4D97-AF65-F5344CB8AC3E}">
-        <p14:creationId xmlns:p14="http://schemas.microsoft.com/office/powerpoint/2010/main" val="884276519"/>
       </p:ext>
     </p:extLst>
   </p:cSld>
@@ -2729,7 +3027,29 @@
           <a:p>
             <a:r>
               <a:rPr lang="en-US" dirty="0"/>
-              <a:t>All of these are statistically significant </a:t>
+              <a:t>These are really different groups, then how much of that is related to what’s going in their home countries </a:t>
+            </a:r>
+          </a:p>
+          <a:p>
+            <a:endParaRPr lang="en-US" dirty="0"/>
+          </a:p>
+          <a:p>
+            <a:r>
+              <a:rPr lang="en-US" dirty="0"/>
+              <a:t>What stands out</a:t>
+            </a:r>
+            <a:br>
+              <a:rPr lang="en-US" dirty="0"/>
+            </a:br>
+            <a:r>
+              <a:rPr lang="en-US" dirty="0"/>
+              <a:t>- Mexican migrants are the least likely to get at least a secondary degree, which is lower than the average for migrant from the Caribbean</a:t>
+            </a:r>
+          </a:p>
+          <a:p>
+            <a:r>
+              <a:rPr lang="en-US" dirty="0"/>
+              <a:t>- Specifically, Cuban migrants are the most likely to have at least a high school degree followed by Puerto Ricans, and lastly Dominicans</a:t>
             </a:r>
           </a:p>
         </p:txBody>
@@ -2751,7 +3071,7 @@
           <a:p>
             <a:fld id="{6ADC826D-AAF9-3849-8641-F0AC1F9103F6}" type="slidenum">
               <a:rPr lang="en-US" smtClean="0"/>
-              <a:t>10</a:t>
+              <a:t>9</a:t>
             </a:fld>
             <a:endParaRPr lang="en-US"/>
           </a:p>
@@ -2760,7 +3080,7 @@
     </p:spTree>
     <p:extLst>
       <p:ext uri="{BB962C8B-B14F-4D97-AF65-F5344CB8AC3E}">
-        <p14:creationId xmlns:p14="http://schemas.microsoft.com/office/powerpoint/2010/main" val="3303427139"/>
+        <p14:creationId xmlns:p14="http://schemas.microsoft.com/office/powerpoint/2010/main" val="884276519"/>
       </p:ext>
     </p:extLst>
   </p:cSld>
@@ -6088,7 +6408,7 @@
           <p:nvPr/>
         </p:nvPicPr>
         <p:blipFill>
-          <a:blip r:embed="rId2">
+          <a:blip r:embed="rId3">
             <a:extLst>
               <a:ext uri="{28A0092B-C50C-407E-A947-70E740481C1C}">
                 <a14:useLocalDpi xmlns:a14="http://schemas.microsoft.com/office/drawing/2010/main" val="0"/>
@@ -6289,93 +6609,6 @@
       </p:sp>
       <p:pic>
         <p:nvPicPr>
-          <p:cNvPr id="6" name="Picture 2" descr="American Community Survey (ACS) – Roadmap to the 2030 Census">
-            <a:extLst>
-              <a:ext uri="{FF2B5EF4-FFF2-40B4-BE49-F238E27FC236}">
-                <a16:creationId xmlns:a16="http://schemas.microsoft.com/office/drawing/2014/main" id="{158C7D5C-2D11-2AF4-6497-7539D41DBAC3}"/>
-              </a:ext>
-            </a:extLst>
-          </p:cNvPr>
-          <p:cNvPicPr>
-            <a:picLocks noChangeAspect="1" noChangeArrowheads="1"/>
-          </p:cNvPicPr>
-          <p:nvPr/>
-        </p:nvPicPr>
-        <p:blipFill>
-          <a:blip r:embed="rId3">
-            <a:extLst>
-              <a:ext uri="{28A0092B-C50C-407E-A947-70E740481C1C}">
-                <a14:useLocalDpi xmlns:a14="http://schemas.microsoft.com/office/drawing/2010/main" val="0"/>
-              </a:ext>
-            </a:extLst>
-          </a:blip>
-          <a:srcRect/>
-          <a:stretch>
-            <a:fillRect/>
-          </a:stretch>
-        </p:blipFill>
-        <p:spPr bwMode="auto">
-          <a:xfrm>
-            <a:off x="11214652" y="132392"/>
-            <a:ext cx="750376" cy="750376"/>
-          </a:xfrm>
-          <a:prstGeom prst="rect">
-            <a:avLst/>
-          </a:prstGeom>
-          <a:noFill/>
-          <a:extLst>
-            <a:ext uri="{909E8E84-426E-40DD-AFC4-6F175D3DCCD1}">
-              <a14:hiddenFill xmlns:a14="http://schemas.microsoft.com/office/drawing/2010/main">
-                <a:solidFill>
-                  <a:srgbClr val="FFFFFF"/>
-                </a:solidFill>
-              </a14:hiddenFill>
-            </a:ext>
-          </a:extLst>
-        </p:spPr>
-      </p:pic>
-      <p:sp>
-        <p:nvSpPr>
-          <p:cNvPr id="7" name="TextBox 6">
-            <a:extLst>
-              <a:ext uri="{FF2B5EF4-FFF2-40B4-BE49-F238E27FC236}">
-                <a16:creationId xmlns:a16="http://schemas.microsoft.com/office/drawing/2014/main" id="{DB4AE0DD-146E-AD04-0576-1E6704BE55FC}"/>
-              </a:ext>
-            </a:extLst>
-          </p:cNvPr>
-          <p:cNvSpPr txBox="1"/>
-          <p:nvPr/>
-        </p:nvSpPr>
-        <p:spPr>
-          <a:xfrm>
-            <a:off x="11299066" y="894258"/>
-            <a:ext cx="704294" cy="338554"/>
-          </a:xfrm>
-          <a:prstGeom prst="rect">
-            <a:avLst/>
-          </a:prstGeom>
-          <a:noFill/>
-        </p:spPr>
-        <p:txBody>
-          <a:bodyPr wrap="square" rtlCol="0">
-            <a:spAutoFit/>
-          </a:bodyPr>
-          <a:lstStyle/>
-          <a:p>
-            <a:r>
-              <a:rPr lang="en-US" sz="1600" dirty="0">
-                <a:latin typeface="Abadi MT Condensed Light" panose="020B0306030101010103" pitchFamily="34" charset="77"/>
-              </a:rPr>
-              <a:t>2020</a:t>
-            </a:r>
-            <a:endParaRPr lang="en-US" dirty="0">
-              <a:latin typeface="Abadi MT Condensed Light" panose="020B0306030101010103" pitchFamily="34" charset="77"/>
-            </a:endParaRPr>
-          </a:p>
-        </p:txBody>
-      </p:sp>
-      <p:pic>
-        <p:nvPicPr>
           <p:cNvPr id="8" name="Picture 7">
             <a:extLst>
               <a:ext uri="{FF2B5EF4-FFF2-40B4-BE49-F238E27FC236}">
@@ -6389,7 +6622,7 @@
           <p:nvPr/>
         </p:nvPicPr>
         <p:blipFill>
-          <a:blip r:embed="rId4"/>
+          <a:blip r:embed="rId3"/>
           <a:srcRect/>
           <a:stretch/>
         </p:blipFill>
@@ -6403,6 +6636,114 @@
           </a:prstGeom>
         </p:spPr>
       </p:pic>
+      <p:grpSp>
+        <p:nvGrpSpPr>
+          <p:cNvPr id="9" name="Group 8">
+            <a:extLst>
+              <a:ext uri="{FF2B5EF4-FFF2-40B4-BE49-F238E27FC236}">
+                <a16:creationId xmlns:a16="http://schemas.microsoft.com/office/drawing/2014/main" id="{1F5F76A4-293C-D908-2052-E3426A0C13BF}"/>
+              </a:ext>
+            </a:extLst>
+          </p:cNvPr>
+          <p:cNvGrpSpPr/>
+          <p:nvPr/>
+        </p:nvGrpSpPr>
+        <p:grpSpPr>
+          <a:xfrm>
+            <a:off x="11296650" y="182642"/>
+            <a:ext cx="904830" cy="1090894"/>
+            <a:chOff x="11296650" y="182642"/>
+            <a:chExt cx="904830" cy="1090894"/>
+          </a:xfrm>
+        </p:grpSpPr>
+        <p:pic>
+          <p:nvPicPr>
+            <p:cNvPr id="10" name="Picture 2" descr="American Community Survey (ACS) – Roadmap to the 2030 Census">
+              <a:extLst>
+                <a:ext uri="{FF2B5EF4-FFF2-40B4-BE49-F238E27FC236}">
+                  <a16:creationId xmlns:a16="http://schemas.microsoft.com/office/drawing/2014/main" id="{BBF3C708-A389-1325-B859-8D8400A97113}"/>
+                </a:ext>
+              </a:extLst>
+            </p:cNvPr>
+            <p:cNvPicPr>
+              <a:picLocks noChangeAspect="1" noChangeArrowheads="1"/>
+            </p:cNvPicPr>
+            <p:nvPr/>
+          </p:nvPicPr>
+          <p:blipFill>
+            <a:blip r:embed="rId4">
+              <a:extLst>
+                <a:ext uri="{28A0092B-C50C-407E-A947-70E740481C1C}">
+                  <a14:useLocalDpi xmlns:a14="http://schemas.microsoft.com/office/drawing/2010/main" val="0"/>
+                </a:ext>
+              </a:extLst>
+            </a:blip>
+            <a:srcRect/>
+            <a:stretch>
+              <a:fillRect/>
+            </a:stretch>
+          </p:blipFill>
+          <p:spPr bwMode="auto">
+            <a:xfrm>
+              <a:off x="11308814" y="182642"/>
+              <a:ext cx="750376" cy="750376"/>
+            </a:xfrm>
+            <a:prstGeom prst="rect">
+              <a:avLst/>
+            </a:prstGeom>
+            <a:noFill/>
+            <a:extLst>
+              <a:ext uri="{909E8E84-426E-40DD-AFC4-6F175D3DCCD1}">
+                <a14:hiddenFill xmlns:a14="http://schemas.microsoft.com/office/drawing/2010/main">
+                  <a:solidFill>
+                    <a:srgbClr val="FFFFFF"/>
+                  </a:solidFill>
+                </a14:hiddenFill>
+              </a:ext>
+            </a:extLst>
+          </p:spPr>
+        </p:pic>
+        <p:sp>
+          <p:nvSpPr>
+            <p:cNvPr id="11" name="TextBox 10">
+              <a:extLst>
+                <a:ext uri="{FF2B5EF4-FFF2-40B4-BE49-F238E27FC236}">
+                  <a16:creationId xmlns:a16="http://schemas.microsoft.com/office/drawing/2014/main" id="{49681A25-A2B8-53D1-2193-561225C9BA41}"/>
+                </a:ext>
+              </a:extLst>
+            </p:cNvPr>
+            <p:cNvSpPr txBox="1"/>
+            <p:nvPr/>
+          </p:nvSpPr>
+          <p:spPr>
+            <a:xfrm>
+              <a:off x="11296650" y="934982"/>
+              <a:ext cx="904830" cy="338554"/>
+            </a:xfrm>
+            <a:prstGeom prst="rect">
+              <a:avLst/>
+            </a:prstGeom>
+            <a:noFill/>
+          </p:spPr>
+          <p:txBody>
+            <a:bodyPr wrap="square" rtlCol="0">
+              <a:spAutoFit/>
+            </a:bodyPr>
+            <a:lstStyle/>
+            <a:p>
+              <a:r>
+                <a:rPr lang="en-US" sz="1600" dirty="0">
+                  <a:latin typeface="Abadi MT Condensed Light" panose="020B0306030101010103" pitchFamily="34" charset="77"/>
+                </a:rPr>
+                <a:t>2016-20</a:t>
+              </a:r>
+              <a:endParaRPr lang="en-US" dirty="0">
+                <a:latin typeface="Abadi MT Condensed Light" panose="020B0306030101010103" pitchFamily="34" charset="77"/>
+              </a:endParaRPr>
+            </a:p>
+          </p:txBody>
+        </p:sp>
+      </p:grpSp>
     </p:spTree>
     <p:extLst>
       <p:ext uri="{BB962C8B-B14F-4D97-AF65-F5344CB8AC3E}">
@@ -6527,8 +6868,8 @@
         </p:nvSpPr>
         <p:spPr>
           <a:xfrm>
-            <a:off x="11299066" y="894258"/>
-            <a:ext cx="704294" cy="338554"/>
+            <a:off x="11180362" y="914686"/>
+            <a:ext cx="904830" cy="338554"/>
           </a:xfrm>
           <a:prstGeom prst="rect">
             <a:avLst/>
@@ -6545,7 +6886,7 @@
               <a:rPr lang="en-US" sz="1600" dirty="0">
                 <a:latin typeface="Abadi MT Condensed Light" panose="020B0306030101010103" pitchFamily="34" charset="77"/>
               </a:rPr>
-              <a:t>2020</a:t>
+              <a:t>2008-10</a:t>
             </a:r>
             <a:endParaRPr lang="en-US" dirty="0">
               <a:latin typeface="Abadi MT Condensed Light" panose="020B0306030101010103" pitchFamily="34" charset="77"/>
@@ -6715,12 +7056,70 @@
           </a:p>
         </p:txBody>
       </p:sp>
+      <p:pic>
+        <p:nvPicPr>
+          <p:cNvPr id="10" name="Picture 9">
+            <a:extLst>
+              <a:ext uri="{FF2B5EF4-FFF2-40B4-BE49-F238E27FC236}">
+                <a16:creationId xmlns:a16="http://schemas.microsoft.com/office/drawing/2014/main" id="{FE02F409-2D7B-8138-8751-7DE5A754EDAF}"/>
+              </a:ext>
+            </a:extLst>
+          </p:cNvPr>
+          <p:cNvPicPr>
+            <a:picLocks noChangeAspect="1"/>
+          </p:cNvPicPr>
+          <p:nvPr/>
+        </p:nvPicPr>
+        <p:blipFill>
+          <a:blip r:embed="rId3"/>
+          <a:srcRect/>
+          <a:stretch/>
+        </p:blipFill>
+        <p:spPr>
+          <a:xfrm>
+            <a:off x="165406" y="2123868"/>
+            <a:ext cx="5851915" cy="4551490"/>
+          </a:xfrm>
+          <a:prstGeom prst="rect">
+            <a:avLst/>
+          </a:prstGeom>
+        </p:spPr>
+      </p:pic>
+      <p:pic>
+        <p:nvPicPr>
+          <p:cNvPr id="11" name="Picture 10">
+            <a:extLst>
+              <a:ext uri="{FF2B5EF4-FFF2-40B4-BE49-F238E27FC236}">
+                <a16:creationId xmlns:a16="http://schemas.microsoft.com/office/drawing/2014/main" id="{4B30DD27-E1A1-1370-C3DF-FA3BF8F8F358}"/>
+              </a:ext>
+            </a:extLst>
+          </p:cNvPr>
+          <p:cNvPicPr>
+            <a:picLocks noChangeAspect="1"/>
+          </p:cNvPicPr>
+          <p:nvPr/>
+        </p:nvPicPr>
+        <p:blipFill>
+          <a:blip r:embed="rId4"/>
+          <a:srcRect/>
+          <a:stretch/>
+        </p:blipFill>
+        <p:spPr>
+          <a:xfrm>
+            <a:off x="6174678" y="2123868"/>
+            <a:ext cx="5851915" cy="4551489"/>
+          </a:xfrm>
+          <a:prstGeom prst="rect">
+            <a:avLst/>
+          </a:prstGeom>
+        </p:spPr>
+      </p:pic>
       <p:grpSp>
         <p:nvGrpSpPr>
-          <p:cNvPr id="6" name="Group 5">
-            <a:extLst>
-              <a:ext uri="{FF2B5EF4-FFF2-40B4-BE49-F238E27FC236}">
-                <a16:creationId xmlns:a16="http://schemas.microsoft.com/office/drawing/2014/main" id="{3F0DC971-75D8-CEB8-94BD-1F189E286CF4}"/>
+          <p:cNvPr id="12" name="Group 11">
+            <a:extLst>
+              <a:ext uri="{FF2B5EF4-FFF2-40B4-BE49-F238E27FC236}">
+                <a16:creationId xmlns:a16="http://schemas.microsoft.com/office/drawing/2014/main" id="{7C9E2573-BFD8-07E0-20B8-CA31BC968332}"/>
               </a:ext>
             </a:extLst>
           </p:cNvPr>
@@ -6729,18 +7128,18 @@
         </p:nvGrpSpPr>
         <p:grpSpPr>
           <a:xfrm>
-            <a:off x="11286858" y="114427"/>
-            <a:ext cx="796458" cy="1088930"/>
-            <a:chOff x="10951180" y="240224"/>
-            <a:chExt cx="796458" cy="1088930"/>
+            <a:off x="11296650" y="182642"/>
+            <a:ext cx="904830" cy="1090894"/>
+            <a:chOff x="11296650" y="182642"/>
+            <a:chExt cx="904830" cy="1090894"/>
           </a:xfrm>
         </p:grpSpPr>
         <p:pic>
           <p:nvPicPr>
-            <p:cNvPr id="8" name="Picture 2" descr="American Community Survey (ACS) – Roadmap to the 2030 Census">
+            <p:cNvPr id="13" name="Picture 2" descr="American Community Survey (ACS) – Roadmap to the 2030 Census">
               <a:extLst>
                 <a:ext uri="{FF2B5EF4-FFF2-40B4-BE49-F238E27FC236}">
-                  <a16:creationId xmlns:a16="http://schemas.microsoft.com/office/drawing/2014/main" id="{729B9A9A-F980-8077-C9EA-84C1567A8040}"/>
+                  <a16:creationId xmlns:a16="http://schemas.microsoft.com/office/drawing/2014/main" id="{B77A0F5B-AAC8-8410-AAC9-4D104BCE1852}"/>
                 </a:ext>
               </a:extLst>
             </p:cNvPr>
@@ -6750,7 +7149,7 @@
             <p:nvPr/>
           </p:nvPicPr>
           <p:blipFill>
-            <a:blip r:embed="rId3">
+            <a:blip r:embed="rId5">
               <a:extLst>
                 <a:ext uri="{28A0092B-C50C-407E-A947-70E740481C1C}">
                   <a14:useLocalDpi xmlns:a14="http://schemas.microsoft.com/office/drawing/2010/main" val="0"/>
@@ -6764,7 +7163,7 @@
           </p:blipFill>
           <p:spPr bwMode="auto">
             <a:xfrm>
-              <a:off x="10951180" y="240224"/>
+              <a:off x="11308814" y="182642"/>
               <a:ext cx="750376" cy="750376"/>
             </a:xfrm>
             <a:prstGeom prst="rect">
@@ -6784,10 +7183,10 @@
         </p:pic>
         <p:sp>
           <p:nvSpPr>
-            <p:cNvPr id="9" name="TextBox 8">
+            <p:cNvPr id="14" name="TextBox 13">
               <a:extLst>
                 <a:ext uri="{FF2B5EF4-FFF2-40B4-BE49-F238E27FC236}">
-                  <a16:creationId xmlns:a16="http://schemas.microsoft.com/office/drawing/2014/main" id="{DFE456F3-8ED0-A469-4093-F7DDB3E36480}"/>
+                  <a16:creationId xmlns:a16="http://schemas.microsoft.com/office/drawing/2014/main" id="{04AE5A0F-8EB3-F818-1D23-B783E7DE5079}"/>
                 </a:ext>
               </a:extLst>
             </p:cNvPr>
@@ -6796,8 +7195,8 @@
           </p:nvSpPr>
           <p:spPr>
             <a:xfrm>
-              <a:off x="11043344" y="990600"/>
-              <a:ext cx="704294" cy="338554"/>
+              <a:off x="11296650" y="934982"/>
+              <a:ext cx="904830" cy="338554"/>
             </a:xfrm>
             <a:prstGeom prst="rect">
               <a:avLst/>
@@ -6814,71 +7213,15 @@
                 <a:rPr lang="en-US" sz="1600" dirty="0">
                   <a:latin typeface="Abadi MT Condensed Light" panose="020B0306030101010103" pitchFamily="34" charset="77"/>
                 </a:rPr>
-                <a:t>2020</a:t>
+                <a:t>2016-20</a:t>
               </a:r>
-              <a:endParaRPr lang="en-US" dirty="0"/>
+              <a:endParaRPr lang="en-US" dirty="0">
+                <a:latin typeface="Abadi MT Condensed Light" panose="020B0306030101010103" pitchFamily="34" charset="77"/>
+              </a:endParaRPr>
             </a:p>
           </p:txBody>
         </p:sp>
       </p:grpSp>
-      <p:pic>
-        <p:nvPicPr>
-          <p:cNvPr id="10" name="Picture 9">
-            <a:extLst>
-              <a:ext uri="{FF2B5EF4-FFF2-40B4-BE49-F238E27FC236}">
-                <a16:creationId xmlns:a16="http://schemas.microsoft.com/office/drawing/2014/main" id="{FE02F409-2D7B-8138-8751-7DE5A754EDAF}"/>
-              </a:ext>
-            </a:extLst>
-          </p:cNvPr>
-          <p:cNvPicPr>
-            <a:picLocks noChangeAspect="1"/>
-          </p:cNvPicPr>
-          <p:nvPr/>
-        </p:nvPicPr>
-        <p:blipFill>
-          <a:blip r:embed="rId4"/>
-          <a:srcRect/>
-          <a:stretch/>
-        </p:blipFill>
-        <p:spPr>
-          <a:xfrm>
-            <a:off x="165406" y="2123868"/>
-            <a:ext cx="5851915" cy="4551490"/>
-          </a:xfrm>
-          <a:prstGeom prst="rect">
-            <a:avLst/>
-          </a:prstGeom>
-        </p:spPr>
-      </p:pic>
-      <p:pic>
-        <p:nvPicPr>
-          <p:cNvPr id="11" name="Picture 10">
-            <a:extLst>
-              <a:ext uri="{FF2B5EF4-FFF2-40B4-BE49-F238E27FC236}">
-                <a16:creationId xmlns:a16="http://schemas.microsoft.com/office/drawing/2014/main" id="{4B30DD27-E1A1-1370-C3DF-FA3BF8F8F358}"/>
-              </a:ext>
-            </a:extLst>
-          </p:cNvPr>
-          <p:cNvPicPr>
-            <a:picLocks noChangeAspect="1"/>
-          </p:cNvPicPr>
-          <p:nvPr/>
-        </p:nvPicPr>
-        <p:blipFill>
-          <a:blip r:embed="rId5"/>
-          <a:srcRect/>
-          <a:stretch/>
-        </p:blipFill>
-        <p:spPr>
-          <a:xfrm>
-            <a:off x="6174678" y="2123868"/>
-            <a:ext cx="5851915" cy="4551489"/>
-          </a:xfrm>
-          <a:prstGeom prst="rect">
-            <a:avLst/>
-          </a:prstGeom>
-        </p:spPr>
-      </p:pic>
     </p:spTree>
     <p:extLst>
       <p:ext uri="{BB962C8B-B14F-4D97-AF65-F5344CB8AC3E}">
@@ -7012,6 +7355,93 @@
           </a:prstGeom>
         </p:spPr>
       </p:pic>
+      <p:pic>
+        <p:nvPicPr>
+          <p:cNvPr id="6" name="Picture 5" descr="American Community Survey (ACS) – Roadmap to the 2030 Census">
+            <a:extLst>
+              <a:ext uri="{FF2B5EF4-FFF2-40B4-BE49-F238E27FC236}">
+                <a16:creationId xmlns:a16="http://schemas.microsoft.com/office/drawing/2014/main" id="{0F94385F-C9BD-A804-C948-F31FB2B738B5}"/>
+              </a:ext>
+            </a:extLst>
+          </p:cNvPr>
+          <p:cNvPicPr>
+            <a:picLocks noChangeAspect="1" noChangeArrowheads="1"/>
+          </p:cNvPicPr>
+          <p:nvPr/>
+        </p:nvPicPr>
+        <p:blipFill>
+          <a:blip r:embed="rId4">
+            <a:extLst>
+              <a:ext uri="{28A0092B-C50C-407E-A947-70E740481C1C}">
+                <a14:useLocalDpi xmlns:a14="http://schemas.microsoft.com/office/drawing/2010/main" val="0"/>
+              </a:ext>
+            </a:extLst>
+          </a:blip>
+          <a:srcRect/>
+          <a:stretch>
+            <a:fillRect/>
+          </a:stretch>
+        </p:blipFill>
+        <p:spPr bwMode="auto">
+          <a:xfrm>
+            <a:off x="11214652" y="132392"/>
+            <a:ext cx="750376" cy="750376"/>
+          </a:xfrm>
+          <a:prstGeom prst="rect">
+            <a:avLst/>
+          </a:prstGeom>
+          <a:noFill/>
+          <a:extLst>
+            <a:ext uri="{909E8E84-426E-40DD-AFC4-6F175D3DCCD1}">
+              <a14:hiddenFill xmlns:a14="http://schemas.microsoft.com/office/drawing/2010/main">
+                <a:solidFill>
+                  <a:srgbClr val="FFFFFF"/>
+                </a:solidFill>
+              </a14:hiddenFill>
+            </a:ext>
+          </a:extLst>
+        </p:spPr>
+      </p:pic>
+      <p:sp>
+        <p:nvSpPr>
+          <p:cNvPr id="7" name="TextBox 6">
+            <a:extLst>
+              <a:ext uri="{FF2B5EF4-FFF2-40B4-BE49-F238E27FC236}">
+                <a16:creationId xmlns:a16="http://schemas.microsoft.com/office/drawing/2014/main" id="{9AD79318-2819-87CA-1944-9C203CA65AFB}"/>
+              </a:ext>
+            </a:extLst>
+          </p:cNvPr>
+          <p:cNvSpPr txBox="1"/>
+          <p:nvPr/>
+        </p:nvSpPr>
+        <p:spPr>
+          <a:xfrm>
+            <a:off x="11180362" y="914686"/>
+            <a:ext cx="904830" cy="338554"/>
+          </a:xfrm>
+          <a:prstGeom prst="rect">
+            <a:avLst/>
+          </a:prstGeom>
+          <a:noFill/>
+        </p:spPr>
+        <p:txBody>
+          <a:bodyPr wrap="square" rtlCol="0">
+            <a:spAutoFit/>
+          </a:bodyPr>
+          <a:lstStyle/>
+          <a:p>
+            <a:r>
+              <a:rPr lang="en-US" sz="1600" dirty="0">
+                <a:latin typeface="Abadi MT Condensed Light" panose="020B0306030101010103" pitchFamily="34" charset="77"/>
+              </a:rPr>
+              <a:t>2008-10</a:t>
+            </a:r>
+            <a:endParaRPr lang="en-US" dirty="0">
+              <a:latin typeface="Abadi MT Condensed Light" panose="020B0306030101010103" pitchFamily="34" charset="77"/>
+            </a:endParaRPr>
+          </a:p>
+        </p:txBody>
+      </p:sp>
     </p:spTree>
     <p:extLst>
       <p:ext uri="{BB962C8B-B14F-4D97-AF65-F5344CB8AC3E}">
@@ -7095,7 +7525,7 @@
         </p:nvSpPr>
         <p:spPr>
           <a:xfrm>
-            <a:off x="5004816" y="1140897"/>
+            <a:off x="5004816" y="985666"/>
             <a:ext cx="2182368" cy="369332"/>
           </a:xfrm>
           <a:prstGeom prst="rect">
@@ -7145,6 +7575,93 @@
           </a:prstGeom>
         </p:spPr>
       </p:pic>
+      <p:pic>
+        <p:nvPicPr>
+          <p:cNvPr id="5" name="Picture 4" descr="American Community Survey (ACS) – Roadmap to the 2030 Census">
+            <a:extLst>
+              <a:ext uri="{FF2B5EF4-FFF2-40B4-BE49-F238E27FC236}">
+                <a16:creationId xmlns:a16="http://schemas.microsoft.com/office/drawing/2014/main" id="{0C5151A4-C2C1-0D33-928D-4509A0193BA9}"/>
+              </a:ext>
+            </a:extLst>
+          </p:cNvPr>
+          <p:cNvPicPr>
+            <a:picLocks noChangeAspect="1" noChangeArrowheads="1"/>
+          </p:cNvPicPr>
+          <p:nvPr/>
+        </p:nvPicPr>
+        <p:blipFill>
+          <a:blip r:embed="rId4">
+            <a:extLst>
+              <a:ext uri="{28A0092B-C50C-407E-A947-70E740481C1C}">
+                <a14:useLocalDpi xmlns:a14="http://schemas.microsoft.com/office/drawing/2010/main" val="0"/>
+              </a:ext>
+            </a:extLst>
+          </a:blip>
+          <a:srcRect/>
+          <a:stretch>
+            <a:fillRect/>
+          </a:stretch>
+        </p:blipFill>
+        <p:spPr bwMode="auto">
+          <a:xfrm>
+            <a:off x="11214652" y="132392"/>
+            <a:ext cx="750376" cy="750376"/>
+          </a:xfrm>
+          <a:prstGeom prst="rect">
+            <a:avLst/>
+          </a:prstGeom>
+          <a:noFill/>
+          <a:extLst>
+            <a:ext uri="{909E8E84-426E-40DD-AFC4-6F175D3DCCD1}">
+              <a14:hiddenFill xmlns:a14="http://schemas.microsoft.com/office/drawing/2010/main">
+                <a:solidFill>
+                  <a:srgbClr val="FFFFFF"/>
+                </a:solidFill>
+              </a14:hiddenFill>
+            </a:ext>
+          </a:extLst>
+        </p:spPr>
+      </p:pic>
+      <p:sp>
+        <p:nvSpPr>
+          <p:cNvPr id="7" name="TextBox 6">
+            <a:extLst>
+              <a:ext uri="{FF2B5EF4-FFF2-40B4-BE49-F238E27FC236}">
+                <a16:creationId xmlns:a16="http://schemas.microsoft.com/office/drawing/2014/main" id="{B974C7A4-D242-2E3C-C372-378718665824}"/>
+              </a:ext>
+            </a:extLst>
+          </p:cNvPr>
+          <p:cNvSpPr txBox="1"/>
+          <p:nvPr/>
+        </p:nvSpPr>
+        <p:spPr>
+          <a:xfrm>
+            <a:off x="11180362" y="914686"/>
+            <a:ext cx="904830" cy="338554"/>
+          </a:xfrm>
+          <a:prstGeom prst="rect">
+            <a:avLst/>
+          </a:prstGeom>
+          <a:noFill/>
+        </p:spPr>
+        <p:txBody>
+          <a:bodyPr wrap="square" rtlCol="0">
+            <a:spAutoFit/>
+          </a:bodyPr>
+          <a:lstStyle/>
+          <a:p>
+            <a:r>
+              <a:rPr lang="en-US" sz="1600" dirty="0">
+                <a:latin typeface="Abadi MT Condensed Light" panose="020B0306030101010103" pitchFamily="34" charset="77"/>
+              </a:rPr>
+              <a:t>2008-10</a:t>
+            </a:r>
+            <a:endParaRPr lang="en-US" dirty="0">
+              <a:latin typeface="Abadi MT Condensed Light" panose="020B0306030101010103" pitchFamily="34" charset="77"/>
+            </a:endParaRPr>
+          </a:p>
+        </p:txBody>
+      </p:sp>
     </p:spTree>
     <p:extLst>
       <p:ext uri="{BB962C8B-B14F-4D97-AF65-F5344CB8AC3E}">
@@ -7989,7 +8506,12 @@
             <p:ph idx="1"/>
           </p:nvPr>
         </p:nvSpPr>
-        <p:spPr/>
+        <p:spPr>
+          <a:xfrm>
+            <a:off x="838200" y="1604244"/>
+            <a:ext cx="10515600" cy="4351338"/>
+          </a:xfrm>
+        </p:spPr>
         <p:txBody>
           <a:bodyPr/>
           <a:lstStyle/>
@@ -8002,7 +8524,7 @@
           <a:p>
             <a:r>
               <a:rPr lang="en-US" dirty="0"/>
-              <a:t>But Caribbean </a:t>
+              <a:t>Caribbean </a:t>
             </a:r>
             <a:r>
               <a:rPr lang="en-US" dirty="0" err="1"/>
@@ -8032,7 +8554,7 @@
         </p:nvGrpSpPr>
         <p:grpSpPr>
           <a:xfrm>
-            <a:off x="2146515" y="2812171"/>
+            <a:off x="2175391" y="2600415"/>
             <a:ext cx="8020373" cy="4351337"/>
             <a:chOff x="254000" y="3529739"/>
             <a:chExt cx="6238067" cy="3119033"/>
@@ -8053,7 +8575,7 @@
             <p:nvPr/>
           </p:nvPicPr>
           <p:blipFill>
-            <a:blip r:embed="rId3"/>
+            <a:blip r:embed="rId4"/>
             <a:srcRect/>
             <a:stretch/>
           </p:blipFill>
@@ -8128,7 +8650,7 @@
           </p:nvSpPr>
           <p:spPr>
             <a:xfrm>
-              <a:off x="3874579" y="4409957"/>
+              <a:off x="4016819" y="4425375"/>
               <a:ext cx="914400" cy="369332"/>
             </a:xfrm>
             <a:prstGeom prst="rect">
@@ -8163,7 +8685,7 @@
           </p:nvSpPr>
           <p:spPr>
             <a:xfrm>
-              <a:off x="984790" y="4409957"/>
+              <a:off x="1029814" y="4432133"/>
               <a:ext cx="914400" cy="369332"/>
             </a:xfrm>
             <a:prstGeom prst="rect">
@@ -8195,6 +8717,11 @@
   <p:clrMapOvr>
     <a:masterClrMapping/>
   </p:clrMapOvr>
+  <p:extLst>
+    <p:ext uri="{6950BFC3-D8DA-4A85-94F7-54DA5524770B}">
+      <p188:commentRel xmlns:p188="http://schemas.microsoft.com/office/powerpoint/2018/8/main" r:id="rId3"/>
+    </p:ext>
+  </p:extLst>
 </p:sld>
 </file>
 
@@ -9563,7 +10090,7 @@
           <p:nvPr/>
         </p:nvPicPr>
         <p:blipFill>
-          <a:blip r:embed="rId3"/>
+          <a:blip r:embed="rId4"/>
           <a:stretch>
             <a:fillRect/>
           </a:stretch>
@@ -9634,6 +10161,89 @@
   <p:clrMapOvr>
     <a:masterClrMapping/>
   </p:clrMapOvr>
+  <p:timing>
+    <p:tnLst>
+      <p:par>
+        <p:cTn id="1" dur="indefinite" restart="never" nodeType="tmRoot">
+          <p:childTnLst>
+            <p:seq concurrent="1" nextAc="seek">
+              <p:cTn id="2" dur="indefinite" nodeType="mainSeq">
+                <p:childTnLst>
+                  <p:par>
+                    <p:cTn id="3" fill="hold">
+                      <p:stCondLst>
+                        <p:cond delay="indefinite"/>
+                      </p:stCondLst>
+                      <p:childTnLst>
+                        <p:par>
+                          <p:cTn id="4" fill="hold">
+                            <p:stCondLst>
+                              <p:cond delay="0"/>
+                            </p:stCondLst>
+                            <p:childTnLst>
+                              <p:par>
+                                <p:cTn id="5" presetID="1" presetClass="entr" presetSubtype="0" fill="hold" grpId="0" nodeType="clickEffect">
+                                  <p:stCondLst>
+                                    <p:cond delay="0"/>
+                                  </p:stCondLst>
+                                  <p:childTnLst>
+                                    <p:set>
+                                      <p:cBhvr>
+                                        <p:cTn id="6" dur="1" fill="hold">
+                                          <p:stCondLst>
+                                            <p:cond delay="0"/>
+                                          </p:stCondLst>
+                                        </p:cTn>
+                                        <p:tgtEl>
+                                          <p:spTgt spid="4"/>
+                                        </p:tgtEl>
+                                        <p:attrNameLst>
+                                          <p:attrName>style.visibility</p:attrName>
+                                        </p:attrNameLst>
+                                      </p:cBhvr>
+                                      <p:to>
+                                        <p:strVal val="visible"/>
+                                      </p:to>
+                                    </p:set>
+                                  </p:childTnLst>
+                                </p:cTn>
+                              </p:par>
+                            </p:childTnLst>
+                          </p:cTn>
+                        </p:par>
+                      </p:childTnLst>
+                    </p:cTn>
+                  </p:par>
+                </p:childTnLst>
+              </p:cTn>
+              <p:prevCondLst>
+                <p:cond evt="onPrev" delay="0">
+                  <p:tgtEl>
+                    <p:sldTgt/>
+                  </p:tgtEl>
+                </p:cond>
+              </p:prevCondLst>
+              <p:nextCondLst>
+                <p:cond evt="onNext" delay="0">
+                  <p:tgtEl>
+                    <p:sldTgt/>
+                  </p:tgtEl>
+                </p:cond>
+              </p:nextCondLst>
+            </p:seq>
+          </p:childTnLst>
+        </p:cTn>
+      </p:par>
+    </p:tnLst>
+    <p:bldLst>
+      <p:bldP spid="4" grpId="0" animBg="1"/>
+    </p:bldLst>
+  </p:timing>
+  <p:extLst>
+    <p:ext uri="{6950BFC3-D8DA-4A85-94F7-54DA5524770B}">
+      <p188:commentRel xmlns:p188="http://schemas.microsoft.com/office/powerpoint/2018/8/main" r:id="rId3"/>
+    </p:ext>
+  </p:extLst>
 </p:sld>
 </file>
 
@@ -9718,12 +10328,8 @@
           <a:p>
             <a:pPr lvl="1"/>
             <a:r>
-              <a:rPr lang="en-US" dirty="0" err="1"/>
-              <a:t>Eg</a:t>
-            </a:r>
-            <a:r>
-              <a:rPr lang="en-US" dirty="0"/>
-              <a:t> using NHIS to look at morbidity differences smaller samples though</a:t>
+              <a:rPr lang="en-US" dirty="0"/>
+              <a:t>E.g., using NHIS to look at morbidity differences smaller samples though</a:t>
             </a:r>
           </a:p>
           <a:p>
@@ -9781,6 +10387,307 @@
   <p:clrMapOvr>
     <a:masterClrMapping/>
   </p:clrMapOvr>
+  <p:timing>
+    <p:tnLst>
+      <p:par>
+        <p:cTn id="1" dur="indefinite" restart="never" nodeType="tmRoot">
+          <p:childTnLst>
+            <p:seq concurrent="1" nextAc="seek">
+              <p:cTn id="2" dur="indefinite" nodeType="mainSeq">
+                <p:childTnLst>
+                  <p:par>
+                    <p:cTn id="3" fill="hold">
+                      <p:stCondLst>
+                        <p:cond delay="indefinite"/>
+                      </p:stCondLst>
+                      <p:childTnLst>
+                        <p:par>
+                          <p:cTn id="4" fill="hold">
+                            <p:stCondLst>
+                              <p:cond delay="0"/>
+                            </p:stCondLst>
+                            <p:childTnLst>
+                              <p:par>
+                                <p:cTn id="5" presetID="1" presetClass="entr" presetSubtype="0" fill="hold" nodeType="clickEffect">
+                                  <p:stCondLst>
+                                    <p:cond delay="0"/>
+                                  </p:stCondLst>
+                                  <p:childTnLst>
+                                    <p:set>
+                                      <p:cBhvr>
+                                        <p:cTn id="6" dur="1" fill="hold">
+                                          <p:stCondLst>
+                                            <p:cond delay="0"/>
+                                          </p:stCondLst>
+                                        </p:cTn>
+                                        <p:tgtEl>
+                                          <p:spTgt spid="3">
+                                            <p:txEl>
+                                              <p:pRg st="1" end="1"/>
+                                            </p:txEl>
+                                          </p:spTgt>
+                                        </p:tgtEl>
+                                        <p:attrNameLst>
+                                          <p:attrName>style.visibility</p:attrName>
+                                        </p:attrNameLst>
+                                      </p:cBhvr>
+                                      <p:to>
+                                        <p:strVal val="visible"/>
+                                      </p:to>
+                                    </p:set>
+                                  </p:childTnLst>
+                                </p:cTn>
+                              </p:par>
+                            </p:childTnLst>
+                          </p:cTn>
+                        </p:par>
+                      </p:childTnLst>
+                    </p:cTn>
+                  </p:par>
+                  <p:par>
+                    <p:cTn id="7" fill="hold">
+                      <p:stCondLst>
+                        <p:cond delay="indefinite"/>
+                      </p:stCondLst>
+                      <p:childTnLst>
+                        <p:par>
+                          <p:cTn id="8" fill="hold">
+                            <p:stCondLst>
+                              <p:cond delay="0"/>
+                            </p:stCondLst>
+                            <p:childTnLst>
+                              <p:par>
+                                <p:cTn id="9" presetID="1" presetClass="entr" presetSubtype="0" fill="hold" nodeType="clickEffect">
+                                  <p:stCondLst>
+                                    <p:cond delay="0"/>
+                                  </p:stCondLst>
+                                  <p:childTnLst>
+                                    <p:set>
+                                      <p:cBhvr>
+                                        <p:cTn id="10" dur="1" fill="hold">
+                                          <p:stCondLst>
+                                            <p:cond delay="0"/>
+                                          </p:stCondLst>
+                                        </p:cTn>
+                                        <p:tgtEl>
+                                          <p:spTgt spid="3">
+                                            <p:txEl>
+                                              <p:pRg st="2" end="2"/>
+                                            </p:txEl>
+                                          </p:spTgt>
+                                        </p:tgtEl>
+                                        <p:attrNameLst>
+                                          <p:attrName>style.visibility</p:attrName>
+                                        </p:attrNameLst>
+                                      </p:cBhvr>
+                                      <p:to>
+                                        <p:strVal val="visible"/>
+                                      </p:to>
+                                    </p:set>
+                                  </p:childTnLst>
+                                </p:cTn>
+                              </p:par>
+                            </p:childTnLst>
+                          </p:cTn>
+                        </p:par>
+                      </p:childTnLst>
+                    </p:cTn>
+                  </p:par>
+                  <p:par>
+                    <p:cTn id="11" fill="hold">
+                      <p:stCondLst>
+                        <p:cond delay="indefinite"/>
+                      </p:stCondLst>
+                      <p:childTnLst>
+                        <p:par>
+                          <p:cTn id="12" fill="hold">
+                            <p:stCondLst>
+                              <p:cond delay="0"/>
+                            </p:stCondLst>
+                            <p:childTnLst>
+                              <p:par>
+                                <p:cTn id="13" presetID="1" presetClass="entr" presetSubtype="0" fill="hold" nodeType="clickEffect">
+                                  <p:stCondLst>
+                                    <p:cond delay="0"/>
+                                  </p:stCondLst>
+                                  <p:childTnLst>
+                                    <p:set>
+                                      <p:cBhvr>
+                                        <p:cTn id="14" dur="1" fill="hold">
+                                          <p:stCondLst>
+                                            <p:cond delay="0"/>
+                                          </p:stCondLst>
+                                        </p:cTn>
+                                        <p:tgtEl>
+                                          <p:spTgt spid="3">
+                                            <p:txEl>
+                                              <p:pRg st="3" end="3"/>
+                                            </p:txEl>
+                                          </p:spTgt>
+                                        </p:tgtEl>
+                                        <p:attrNameLst>
+                                          <p:attrName>style.visibility</p:attrName>
+                                        </p:attrNameLst>
+                                      </p:cBhvr>
+                                      <p:to>
+                                        <p:strVal val="visible"/>
+                                      </p:to>
+                                    </p:set>
+                                  </p:childTnLst>
+                                </p:cTn>
+                              </p:par>
+                              <p:par>
+                                <p:cTn id="15" presetID="1" presetClass="entr" presetSubtype="0" fill="hold" nodeType="withEffect">
+                                  <p:stCondLst>
+                                    <p:cond delay="0"/>
+                                  </p:stCondLst>
+                                  <p:childTnLst>
+                                    <p:set>
+                                      <p:cBhvr>
+                                        <p:cTn id="16" dur="1" fill="hold">
+                                          <p:stCondLst>
+                                            <p:cond delay="0"/>
+                                          </p:stCondLst>
+                                        </p:cTn>
+                                        <p:tgtEl>
+                                          <p:spTgt spid="3">
+                                            <p:txEl>
+                                              <p:pRg st="4" end="4"/>
+                                            </p:txEl>
+                                          </p:spTgt>
+                                        </p:tgtEl>
+                                        <p:attrNameLst>
+                                          <p:attrName>style.visibility</p:attrName>
+                                        </p:attrNameLst>
+                                      </p:cBhvr>
+                                      <p:to>
+                                        <p:strVal val="visible"/>
+                                      </p:to>
+                                    </p:set>
+                                  </p:childTnLst>
+                                </p:cTn>
+                              </p:par>
+                              <p:par>
+                                <p:cTn id="17" presetID="1" presetClass="entr" presetSubtype="0" fill="hold" nodeType="withEffect">
+                                  <p:stCondLst>
+                                    <p:cond delay="0"/>
+                                  </p:stCondLst>
+                                  <p:childTnLst>
+                                    <p:set>
+                                      <p:cBhvr>
+                                        <p:cTn id="18" dur="1" fill="hold">
+                                          <p:stCondLst>
+                                            <p:cond delay="0"/>
+                                          </p:stCondLst>
+                                        </p:cTn>
+                                        <p:tgtEl>
+                                          <p:spTgt spid="3">
+                                            <p:txEl>
+                                              <p:pRg st="5" end="5"/>
+                                            </p:txEl>
+                                          </p:spTgt>
+                                        </p:tgtEl>
+                                        <p:attrNameLst>
+                                          <p:attrName>style.visibility</p:attrName>
+                                        </p:attrNameLst>
+                                      </p:cBhvr>
+                                      <p:to>
+                                        <p:strVal val="visible"/>
+                                      </p:to>
+                                    </p:set>
+                                  </p:childTnLst>
+                                </p:cTn>
+                              </p:par>
+                              <p:par>
+                                <p:cTn id="19" presetID="1" presetClass="entr" presetSubtype="0" fill="hold" nodeType="withEffect">
+                                  <p:stCondLst>
+                                    <p:cond delay="0"/>
+                                  </p:stCondLst>
+                                  <p:childTnLst>
+                                    <p:set>
+                                      <p:cBhvr>
+                                        <p:cTn id="20" dur="1" fill="hold">
+                                          <p:stCondLst>
+                                            <p:cond delay="0"/>
+                                          </p:stCondLst>
+                                        </p:cTn>
+                                        <p:tgtEl>
+                                          <p:spTgt spid="3">
+                                            <p:txEl>
+                                              <p:pRg st="6" end="6"/>
+                                            </p:txEl>
+                                          </p:spTgt>
+                                        </p:tgtEl>
+                                        <p:attrNameLst>
+                                          <p:attrName>style.visibility</p:attrName>
+                                        </p:attrNameLst>
+                                      </p:cBhvr>
+                                      <p:to>
+                                        <p:strVal val="visible"/>
+                                      </p:to>
+                                    </p:set>
+                                  </p:childTnLst>
+                                </p:cTn>
+                              </p:par>
+                              <p:par>
+                                <p:cTn id="21" presetID="1" presetClass="entr" presetSubtype="0" fill="hold" nodeType="withEffect">
+                                  <p:stCondLst>
+                                    <p:cond delay="0"/>
+                                  </p:stCondLst>
+                                  <p:childTnLst>
+                                    <p:set>
+                                      <p:cBhvr>
+                                        <p:cTn id="22" dur="1" fill="hold">
+                                          <p:stCondLst>
+                                            <p:cond delay="0"/>
+                                          </p:stCondLst>
+                                        </p:cTn>
+                                        <p:tgtEl>
+                                          <p:spTgt spid="3">
+                                            <p:txEl>
+                                              <p:pRg st="7" end="7"/>
+                                            </p:txEl>
+                                          </p:spTgt>
+                                        </p:tgtEl>
+                                        <p:attrNameLst>
+                                          <p:attrName>style.visibility</p:attrName>
+                                        </p:attrNameLst>
+                                      </p:cBhvr>
+                                      <p:to>
+                                        <p:strVal val="visible"/>
+                                      </p:to>
+                                    </p:set>
+                                  </p:childTnLst>
+                                </p:cTn>
+                              </p:par>
+                            </p:childTnLst>
+                          </p:cTn>
+                        </p:par>
+                      </p:childTnLst>
+                    </p:cTn>
+                  </p:par>
+                </p:childTnLst>
+              </p:cTn>
+              <p:prevCondLst>
+                <p:cond evt="onPrev" delay="0">
+                  <p:tgtEl>
+                    <p:sldTgt/>
+                  </p:tgtEl>
+                </p:cond>
+              </p:prevCondLst>
+              <p:nextCondLst>
+                <p:cond evt="onNext" delay="0">
+                  <p:tgtEl>
+                    <p:sldTgt/>
+                  </p:tgtEl>
+                </p:cond>
+              </p:nextCondLst>
+            </p:seq>
+          </p:childTnLst>
+        </p:cTn>
+      </p:par>
+    </p:tnLst>
+  </p:timing>
   <p:extLst>
     <p:ext uri="{6950BFC3-D8DA-4A85-94F7-54DA5524770B}">
       <p188:commentRel xmlns:p188="http://schemas.microsoft.com/office/powerpoint/2018/8/main" r:id="rId3"/>
@@ -10075,6 +10982,114 @@
           </a:prstGeom>
         </p:spPr>
       </p:pic>
+      <p:grpSp>
+        <p:nvGrpSpPr>
+          <p:cNvPr id="9" name="Group 8">
+            <a:extLst>
+              <a:ext uri="{FF2B5EF4-FFF2-40B4-BE49-F238E27FC236}">
+                <a16:creationId xmlns:a16="http://schemas.microsoft.com/office/drawing/2014/main" id="{4312DEAB-D003-C39D-6527-102D9FD213EF}"/>
+              </a:ext>
+            </a:extLst>
+          </p:cNvPr>
+          <p:cNvGrpSpPr/>
+          <p:nvPr/>
+        </p:nvGrpSpPr>
+        <p:grpSpPr>
+          <a:xfrm>
+            <a:off x="11296650" y="182642"/>
+            <a:ext cx="904830" cy="1090894"/>
+            <a:chOff x="11296650" y="182642"/>
+            <a:chExt cx="904830" cy="1090894"/>
+          </a:xfrm>
+        </p:grpSpPr>
+        <p:pic>
+          <p:nvPicPr>
+            <p:cNvPr id="6" name="Picture 2" descr="American Community Survey (ACS) – Roadmap to the 2030 Census">
+              <a:extLst>
+                <a:ext uri="{FF2B5EF4-FFF2-40B4-BE49-F238E27FC236}">
+                  <a16:creationId xmlns:a16="http://schemas.microsoft.com/office/drawing/2014/main" id="{D4250FAF-4A00-729A-BFBF-0CC257D406F0}"/>
+                </a:ext>
+              </a:extLst>
+            </p:cNvPr>
+            <p:cNvPicPr>
+              <a:picLocks noChangeAspect="1" noChangeArrowheads="1"/>
+            </p:cNvPicPr>
+            <p:nvPr/>
+          </p:nvPicPr>
+          <p:blipFill>
+            <a:blip r:embed="rId4">
+              <a:extLst>
+                <a:ext uri="{28A0092B-C50C-407E-A947-70E740481C1C}">
+                  <a14:useLocalDpi xmlns:a14="http://schemas.microsoft.com/office/drawing/2010/main" val="0"/>
+                </a:ext>
+              </a:extLst>
+            </a:blip>
+            <a:srcRect/>
+            <a:stretch>
+              <a:fillRect/>
+            </a:stretch>
+          </p:blipFill>
+          <p:spPr bwMode="auto">
+            <a:xfrm>
+              <a:off x="11308814" y="182642"/>
+              <a:ext cx="750376" cy="750376"/>
+            </a:xfrm>
+            <a:prstGeom prst="rect">
+              <a:avLst/>
+            </a:prstGeom>
+            <a:noFill/>
+            <a:extLst>
+              <a:ext uri="{909E8E84-426E-40DD-AFC4-6F175D3DCCD1}">
+                <a14:hiddenFill xmlns:a14="http://schemas.microsoft.com/office/drawing/2010/main">
+                  <a:solidFill>
+                    <a:srgbClr val="FFFFFF"/>
+                  </a:solidFill>
+                </a14:hiddenFill>
+              </a:ext>
+            </a:extLst>
+          </p:spPr>
+        </p:pic>
+        <p:sp>
+          <p:nvSpPr>
+            <p:cNvPr id="8" name="TextBox 7">
+              <a:extLst>
+                <a:ext uri="{FF2B5EF4-FFF2-40B4-BE49-F238E27FC236}">
+                  <a16:creationId xmlns:a16="http://schemas.microsoft.com/office/drawing/2014/main" id="{486FFC01-6145-D124-06D1-95BAAB7E4478}"/>
+                </a:ext>
+              </a:extLst>
+            </p:cNvPr>
+            <p:cNvSpPr txBox="1"/>
+            <p:nvPr/>
+          </p:nvSpPr>
+          <p:spPr>
+            <a:xfrm>
+              <a:off x="11296650" y="934982"/>
+              <a:ext cx="904830" cy="338554"/>
+            </a:xfrm>
+            <a:prstGeom prst="rect">
+              <a:avLst/>
+            </a:prstGeom>
+            <a:noFill/>
+          </p:spPr>
+          <p:txBody>
+            <a:bodyPr wrap="square" rtlCol="0">
+              <a:spAutoFit/>
+            </a:bodyPr>
+            <a:lstStyle/>
+            <a:p>
+              <a:r>
+                <a:rPr lang="en-US" sz="1600" dirty="0">
+                  <a:latin typeface="Abadi MT Condensed Light" panose="020B0306030101010103" pitchFamily="34" charset="77"/>
+                </a:rPr>
+                <a:t>2016-20</a:t>
+              </a:r>
+              <a:endParaRPr lang="en-US" dirty="0">
+                <a:latin typeface="Abadi MT Condensed Light" panose="020B0306030101010103" pitchFamily="34" charset="77"/>
+              </a:endParaRPr>
+            </a:p>
+          </p:txBody>
+        </p:sp>
+      </p:grpSp>
     </p:spTree>
     <p:extLst>
       <p:ext uri="{BB962C8B-B14F-4D97-AF65-F5344CB8AC3E}">
@@ -10140,12 +11155,41 @@
           </a:p>
         </p:txBody>
       </p:sp>
+      <p:pic>
+        <p:nvPicPr>
+          <p:cNvPr id="8" name="Picture 7">
+            <a:extLst>
+              <a:ext uri="{FF2B5EF4-FFF2-40B4-BE49-F238E27FC236}">
+                <a16:creationId xmlns:a16="http://schemas.microsoft.com/office/drawing/2014/main" id="{4497AAAA-15E1-3643-4B70-8F75550F6E48}"/>
+              </a:ext>
+            </a:extLst>
+          </p:cNvPr>
+          <p:cNvPicPr>
+            <a:picLocks noChangeAspect="1"/>
+          </p:cNvPicPr>
+          <p:nvPr/>
+        </p:nvPicPr>
+        <p:blipFill>
+          <a:blip r:embed="rId3"/>
+          <a:srcRect/>
+          <a:stretch/>
+        </p:blipFill>
+        <p:spPr>
+          <a:xfrm>
+            <a:off x="487680" y="1249680"/>
+            <a:ext cx="11216640" cy="5608320"/>
+          </a:xfrm>
+          <a:prstGeom prst="rect">
+            <a:avLst/>
+          </a:prstGeom>
+        </p:spPr>
+      </p:pic>
       <p:grpSp>
         <p:nvGrpSpPr>
-          <p:cNvPr id="21" name="Group 20">
-            <a:extLst>
-              <a:ext uri="{FF2B5EF4-FFF2-40B4-BE49-F238E27FC236}">
-                <a16:creationId xmlns:a16="http://schemas.microsoft.com/office/drawing/2014/main" id="{F733472E-F5FC-B479-8BDB-848400D2B901}"/>
+          <p:cNvPr id="3" name="Group 2">
+            <a:extLst>
+              <a:ext uri="{FF2B5EF4-FFF2-40B4-BE49-F238E27FC236}">
+                <a16:creationId xmlns:a16="http://schemas.microsoft.com/office/drawing/2014/main" id="{6EBBC8D8-50C1-DEB4-0B1A-0FC770EEA1A2}"/>
               </a:ext>
             </a:extLst>
           </p:cNvPr>
@@ -10154,18 +11198,18 @@
         </p:nvGrpSpPr>
         <p:grpSpPr>
           <a:xfrm>
-            <a:off x="11308814" y="182642"/>
-            <a:ext cx="796458" cy="1088930"/>
-            <a:chOff x="10951180" y="240224"/>
-            <a:chExt cx="796458" cy="1088930"/>
+            <a:off x="11296650" y="182642"/>
+            <a:ext cx="904830" cy="1090894"/>
+            <a:chOff x="11296650" y="182642"/>
+            <a:chExt cx="904830" cy="1090894"/>
           </a:xfrm>
         </p:grpSpPr>
         <p:pic>
           <p:nvPicPr>
-            <p:cNvPr id="22" name="Picture 2" descr="American Community Survey (ACS) – Roadmap to the 2030 Census">
+            <p:cNvPr id="4" name="Picture 2" descr="American Community Survey (ACS) – Roadmap to the 2030 Census">
               <a:extLst>
                 <a:ext uri="{FF2B5EF4-FFF2-40B4-BE49-F238E27FC236}">
-                  <a16:creationId xmlns:a16="http://schemas.microsoft.com/office/drawing/2014/main" id="{0EC57513-768B-44B6-30AA-1F369C9D3E27}"/>
+                  <a16:creationId xmlns:a16="http://schemas.microsoft.com/office/drawing/2014/main" id="{606D3571-7630-812D-857E-DFC6B8A88F9D}"/>
                 </a:ext>
               </a:extLst>
             </p:cNvPr>
@@ -10175,7 +11219,7 @@
             <p:nvPr/>
           </p:nvPicPr>
           <p:blipFill>
-            <a:blip r:embed="rId3">
+            <a:blip r:embed="rId4">
               <a:extLst>
                 <a:ext uri="{28A0092B-C50C-407E-A947-70E740481C1C}">
                   <a14:useLocalDpi xmlns:a14="http://schemas.microsoft.com/office/drawing/2010/main" val="0"/>
@@ -10189,7 +11233,7 @@
           </p:blipFill>
           <p:spPr bwMode="auto">
             <a:xfrm>
-              <a:off x="10951180" y="240224"/>
+              <a:off x="11308814" y="182642"/>
               <a:ext cx="750376" cy="750376"/>
             </a:xfrm>
             <a:prstGeom prst="rect">
@@ -10209,10 +11253,10 @@
         </p:pic>
         <p:sp>
           <p:nvSpPr>
-            <p:cNvPr id="23" name="TextBox 22">
+            <p:cNvPr id="5" name="TextBox 4">
               <a:extLst>
                 <a:ext uri="{FF2B5EF4-FFF2-40B4-BE49-F238E27FC236}">
-                  <a16:creationId xmlns:a16="http://schemas.microsoft.com/office/drawing/2014/main" id="{17CAC53A-2941-088A-5742-A4117BF9C25B}"/>
+                  <a16:creationId xmlns:a16="http://schemas.microsoft.com/office/drawing/2014/main" id="{5AEBA771-EF82-DC00-5A85-73BD8F0B8998}"/>
                 </a:ext>
               </a:extLst>
             </p:cNvPr>
@@ -10221,8 +11265,8 @@
           </p:nvSpPr>
           <p:spPr>
             <a:xfrm>
-              <a:off x="11043344" y="990600"/>
-              <a:ext cx="704294" cy="338554"/>
+              <a:off x="11296650" y="934982"/>
+              <a:ext cx="904830" cy="338554"/>
             </a:xfrm>
             <a:prstGeom prst="rect">
               <a:avLst/>
@@ -10239,42 +11283,15 @@
                 <a:rPr lang="en-US" sz="1600" dirty="0">
                   <a:latin typeface="Abadi MT Condensed Light" panose="020B0306030101010103" pitchFamily="34" charset="77"/>
                 </a:rPr>
-                <a:t>2020</a:t>
+                <a:t>2016-20</a:t>
               </a:r>
-              <a:endParaRPr lang="en-US" dirty="0"/>
+              <a:endParaRPr lang="en-US" dirty="0">
+                <a:latin typeface="Abadi MT Condensed Light" panose="020B0306030101010103" pitchFamily="34" charset="77"/>
+              </a:endParaRPr>
             </a:p>
           </p:txBody>
         </p:sp>
       </p:grpSp>
-      <p:pic>
-        <p:nvPicPr>
-          <p:cNvPr id="8" name="Picture 7">
-            <a:extLst>
-              <a:ext uri="{FF2B5EF4-FFF2-40B4-BE49-F238E27FC236}">
-                <a16:creationId xmlns:a16="http://schemas.microsoft.com/office/drawing/2014/main" id="{4497AAAA-15E1-3643-4B70-8F75550F6E48}"/>
-              </a:ext>
-            </a:extLst>
-          </p:cNvPr>
-          <p:cNvPicPr>
-            <a:picLocks noChangeAspect="1"/>
-          </p:cNvPicPr>
-          <p:nvPr/>
-        </p:nvPicPr>
-        <p:blipFill>
-          <a:blip r:embed="rId4"/>
-          <a:srcRect/>
-          <a:stretch/>
-        </p:blipFill>
-        <p:spPr>
-          <a:xfrm>
-            <a:off x="487680" y="1249680"/>
-            <a:ext cx="11216640" cy="5608320"/>
-          </a:xfrm>
-          <a:prstGeom prst="rect">
-            <a:avLst/>
-          </a:prstGeom>
-        </p:spPr>
-      </p:pic>
     </p:spTree>
     <p:extLst>
       <p:ext uri="{BB962C8B-B14F-4D97-AF65-F5344CB8AC3E}">
@@ -10443,12 +11460,41 @@
           </a:p>
         </p:txBody>
       </p:sp>
+      <p:pic>
+        <p:nvPicPr>
+          <p:cNvPr id="10" name="Picture 9">
+            <a:extLst>
+              <a:ext uri="{FF2B5EF4-FFF2-40B4-BE49-F238E27FC236}">
+                <a16:creationId xmlns:a16="http://schemas.microsoft.com/office/drawing/2014/main" id="{DEF8C3E0-2D5A-9362-9990-E515B527CE21}"/>
+              </a:ext>
+            </a:extLst>
+          </p:cNvPr>
+          <p:cNvPicPr>
+            <a:picLocks noChangeAspect="1"/>
+          </p:cNvPicPr>
+          <p:nvPr/>
+        </p:nvPicPr>
+        <p:blipFill>
+          <a:blip r:embed="rId4"/>
+          <a:srcRect/>
+          <a:stretch/>
+        </p:blipFill>
+        <p:spPr>
+          <a:xfrm>
+            <a:off x="6174678" y="2123868"/>
+            <a:ext cx="5851915" cy="4551490"/>
+          </a:xfrm>
+          <a:prstGeom prst="rect">
+            <a:avLst/>
+          </a:prstGeom>
+        </p:spPr>
+      </p:pic>
       <p:grpSp>
         <p:nvGrpSpPr>
-          <p:cNvPr id="6" name="Group 5">
-            <a:extLst>
-              <a:ext uri="{FF2B5EF4-FFF2-40B4-BE49-F238E27FC236}">
-                <a16:creationId xmlns:a16="http://schemas.microsoft.com/office/drawing/2014/main" id="{619E7C62-EDD6-FF2F-2AB3-3632706493D9}"/>
+          <p:cNvPr id="11" name="Group 10">
+            <a:extLst>
+              <a:ext uri="{FF2B5EF4-FFF2-40B4-BE49-F238E27FC236}">
+                <a16:creationId xmlns:a16="http://schemas.microsoft.com/office/drawing/2014/main" id="{6F31834E-7325-72CB-B60B-A36735DDB993}"/>
               </a:ext>
             </a:extLst>
           </p:cNvPr>
@@ -10457,18 +11503,18 @@
         </p:nvGrpSpPr>
         <p:grpSpPr>
           <a:xfrm>
-            <a:off x="11308814" y="182642"/>
-            <a:ext cx="796458" cy="1088930"/>
-            <a:chOff x="10951180" y="240224"/>
-            <a:chExt cx="796458" cy="1088930"/>
+            <a:off x="11296650" y="182642"/>
+            <a:ext cx="904830" cy="1090894"/>
+            <a:chOff x="11296650" y="182642"/>
+            <a:chExt cx="904830" cy="1090894"/>
           </a:xfrm>
         </p:grpSpPr>
         <p:pic>
           <p:nvPicPr>
-            <p:cNvPr id="8" name="Picture 2" descr="American Community Survey (ACS) – Roadmap to the 2030 Census">
+            <p:cNvPr id="12" name="Picture 2" descr="American Community Survey (ACS) – Roadmap to the 2030 Census">
               <a:extLst>
                 <a:ext uri="{FF2B5EF4-FFF2-40B4-BE49-F238E27FC236}">
-                  <a16:creationId xmlns:a16="http://schemas.microsoft.com/office/drawing/2014/main" id="{EC48EE0F-8982-CEEB-FFE2-A917688FC860}"/>
+                  <a16:creationId xmlns:a16="http://schemas.microsoft.com/office/drawing/2014/main" id="{43DEA240-C76D-1AFE-5E4D-5BEE1D9474AC}"/>
                 </a:ext>
               </a:extLst>
             </p:cNvPr>
@@ -10478,7 +11524,7 @@
             <p:nvPr/>
           </p:nvPicPr>
           <p:blipFill>
-            <a:blip r:embed="rId4">
+            <a:blip r:embed="rId5">
               <a:extLst>
                 <a:ext uri="{28A0092B-C50C-407E-A947-70E740481C1C}">
                   <a14:useLocalDpi xmlns:a14="http://schemas.microsoft.com/office/drawing/2010/main" val="0"/>
@@ -10492,7 +11538,7 @@
           </p:blipFill>
           <p:spPr bwMode="auto">
             <a:xfrm>
-              <a:off x="10951180" y="240224"/>
+              <a:off x="11308814" y="182642"/>
               <a:ext cx="750376" cy="750376"/>
             </a:xfrm>
             <a:prstGeom prst="rect">
@@ -10512,10 +11558,10 @@
         </p:pic>
         <p:sp>
           <p:nvSpPr>
-            <p:cNvPr id="9" name="TextBox 8">
+            <p:cNvPr id="13" name="TextBox 12">
               <a:extLst>
                 <a:ext uri="{FF2B5EF4-FFF2-40B4-BE49-F238E27FC236}">
-                  <a16:creationId xmlns:a16="http://schemas.microsoft.com/office/drawing/2014/main" id="{90FBB281-7AE0-9352-917C-87AEAE5B751F}"/>
+                  <a16:creationId xmlns:a16="http://schemas.microsoft.com/office/drawing/2014/main" id="{0B7D3204-4F11-9675-34C4-AE14B9346F65}"/>
                 </a:ext>
               </a:extLst>
             </p:cNvPr>
@@ -10524,8 +11570,8 @@
           </p:nvSpPr>
           <p:spPr>
             <a:xfrm>
-              <a:off x="11043344" y="990600"/>
-              <a:ext cx="704294" cy="338554"/>
+              <a:off x="11296650" y="934982"/>
+              <a:ext cx="904830" cy="338554"/>
             </a:xfrm>
             <a:prstGeom prst="rect">
               <a:avLst/>
@@ -10542,42 +11588,15 @@
                 <a:rPr lang="en-US" sz="1600" dirty="0">
                   <a:latin typeface="Abadi MT Condensed Light" panose="020B0306030101010103" pitchFamily="34" charset="77"/>
                 </a:rPr>
-                <a:t>2020</a:t>
+                <a:t>2016-20</a:t>
               </a:r>
-              <a:endParaRPr lang="en-US" dirty="0"/>
+              <a:endParaRPr lang="en-US" dirty="0">
+                <a:latin typeface="Abadi MT Condensed Light" panose="020B0306030101010103" pitchFamily="34" charset="77"/>
+              </a:endParaRPr>
             </a:p>
           </p:txBody>
         </p:sp>
       </p:grpSp>
-      <p:pic>
-        <p:nvPicPr>
-          <p:cNvPr id="10" name="Picture 9">
-            <a:extLst>
-              <a:ext uri="{FF2B5EF4-FFF2-40B4-BE49-F238E27FC236}">
-                <a16:creationId xmlns:a16="http://schemas.microsoft.com/office/drawing/2014/main" id="{DEF8C3E0-2D5A-9362-9990-E515B527CE21}"/>
-              </a:ext>
-            </a:extLst>
-          </p:cNvPr>
-          <p:cNvPicPr>
-            <a:picLocks noChangeAspect="1"/>
-          </p:cNvPicPr>
-          <p:nvPr/>
-        </p:nvPicPr>
-        <p:blipFill>
-          <a:blip r:embed="rId5"/>
-          <a:srcRect/>
-          <a:stretch/>
-        </p:blipFill>
-        <p:spPr>
-          <a:xfrm>
-            <a:off x="6174678" y="2123868"/>
-            <a:ext cx="5851915" cy="4551490"/>
-          </a:xfrm>
-          <a:prstGeom prst="rect">
-            <a:avLst/>
-          </a:prstGeom>
-        </p:spPr>
-      </p:pic>
     </p:spTree>
     <p:extLst>
       <p:ext uri="{BB962C8B-B14F-4D97-AF65-F5344CB8AC3E}">
@@ -10678,12 +11697,42 @@
           </a:p>
         </p:txBody>
       </p:sp>
+      <p:pic>
+        <p:nvPicPr>
+          <p:cNvPr id="10" name="Picture 9" descr="A graph with different colored squares&#10;&#10;AI-generated content may be incorrect.">
+            <a:extLst>
+              <a:ext uri="{FF2B5EF4-FFF2-40B4-BE49-F238E27FC236}">
+                <a16:creationId xmlns:a16="http://schemas.microsoft.com/office/drawing/2014/main" id="{4D2FC79A-AA1A-DAF3-6B89-F750E3C132CB}"/>
+              </a:ext>
+            </a:extLst>
+          </p:cNvPr>
+          <p:cNvPicPr>
+            <a:picLocks noChangeAspect="1"/>
+          </p:cNvPicPr>
+          <p:nvPr/>
+        </p:nvPicPr>
+        <p:blipFill>
+          <a:blip r:embed="rId3"/>
+          <a:stretch>
+            <a:fillRect/>
+          </a:stretch>
+        </p:blipFill>
+        <p:spPr>
+          <a:xfrm>
+            <a:off x="1020278" y="1928260"/>
+            <a:ext cx="9859478" cy="4929739"/>
+          </a:xfrm>
+          <a:prstGeom prst="rect">
+            <a:avLst/>
+          </a:prstGeom>
+        </p:spPr>
+      </p:pic>
       <p:grpSp>
         <p:nvGrpSpPr>
-          <p:cNvPr id="5" name="Group 4">
-            <a:extLst>
-              <a:ext uri="{FF2B5EF4-FFF2-40B4-BE49-F238E27FC236}">
-                <a16:creationId xmlns:a16="http://schemas.microsoft.com/office/drawing/2014/main" id="{2CF4DA50-70D5-6336-650E-37AF11C837CB}"/>
+          <p:cNvPr id="17" name="Group 16">
+            <a:extLst>
+              <a:ext uri="{FF2B5EF4-FFF2-40B4-BE49-F238E27FC236}">
+                <a16:creationId xmlns:a16="http://schemas.microsoft.com/office/drawing/2014/main" id="{C92D5170-78D1-8ED5-A793-9C4D8CF37793}"/>
               </a:ext>
             </a:extLst>
           </p:cNvPr>
@@ -10692,18 +11741,18 @@
         </p:nvGrpSpPr>
         <p:grpSpPr>
           <a:xfrm>
-            <a:off x="11214652" y="132392"/>
-            <a:ext cx="788708" cy="1100420"/>
-            <a:chOff x="10951180" y="240224"/>
-            <a:chExt cx="788708" cy="1100420"/>
+            <a:off x="11296650" y="182642"/>
+            <a:ext cx="904830" cy="1090894"/>
+            <a:chOff x="11296650" y="182642"/>
+            <a:chExt cx="904830" cy="1090894"/>
           </a:xfrm>
         </p:grpSpPr>
         <p:pic>
           <p:nvPicPr>
-            <p:cNvPr id="5122" name="Picture 2" descr="American Community Survey (ACS) – Roadmap to the 2030 Census">
+            <p:cNvPr id="18" name="Picture 2" descr="American Community Survey (ACS) – Roadmap to the 2030 Census">
               <a:extLst>
                 <a:ext uri="{FF2B5EF4-FFF2-40B4-BE49-F238E27FC236}">
-                  <a16:creationId xmlns:a16="http://schemas.microsoft.com/office/drawing/2014/main" id="{347DA099-9011-C72F-97EE-0BD73E1F2634}"/>
+                  <a16:creationId xmlns:a16="http://schemas.microsoft.com/office/drawing/2014/main" id="{4EA59C40-4A3E-39F3-9E7D-4D48A8D76314}"/>
                 </a:ext>
               </a:extLst>
             </p:cNvPr>
@@ -10713,7 +11762,7 @@
             <p:nvPr/>
           </p:nvPicPr>
           <p:blipFill>
-            <a:blip r:embed="rId3">
+            <a:blip r:embed="rId4">
               <a:extLst>
                 <a:ext uri="{28A0092B-C50C-407E-A947-70E740481C1C}">
                   <a14:useLocalDpi xmlns:a14="http://schemas.microsoft.com/office/drawing/2010/main" val="0"/>
@@ -10727,7 +11776,7 @@
           </p:blipFill>
           <p:spPr bwMode="auto">
             <a:xfrm>
-              <a:off x="10951180" y="240224"/>
+              <a:off x="11308814" y="182642"/>
               <a:ext cx="750376" cy="750376"/>
             </a:xfrm>
             <a:prstGeom prst="rect">
@@ -10747,10 +11796,10 @@
         </p:pic>
         <p:sp>
           <p:nvSpPr>
-            <p:cNvPr id="4" name="TextBox 3">
+            <p:cNvPr id="19" name="TextBox 18">
               <a:extLst>
                 <a:ext uri="{FF2B5EF4-FFF2-40B4-BE49-F238E27FC236}">
-                  <a16:creationId xmlns:a16="http://schemas.microsoft.com/office/drawing/2014/main" id="{BE26AC53-CE31-75D6-6B9D-2A0CA83C3DE0}"/>
+                  <a16:creationId xmlns:a16="http://schemas.microsoft.com/office/drawing/2014/main" id="{59541BD6-F40D-C5E4-4B20-96D8D2F311E4}"/>
                 </a:ext>
               </a:extLst>
             </p:cNvPr>
@@ -10759,8 +11808,8 @@
           </p:nvSpPr>
           <p:spPr>
             <a:xfrm>
-              <a:off x="11035594" y="1002090"/>
-              <a:ext cx="704294" cy="338554"/>
+              <a:off x="11296650" y="934982"/>
+              <a:ext cx="904830" cy="338554"/>
             </a:xfrm>
             <a:prstGeom prst="rect">
               <a:avLst/>
@@ -10777,7 +11826,7 @@
                 <a:rPr lang="en-US" sz="1600" dirty="0">
                   <a:latin typeface="Abadi MT Condensed Light" panose="020B0306030101010103" pitchFamily="34" charset="77"/>
                 </a:rPr>
-                <a:t>2020</a:t>
+                <a:t>2016-20</a:t>
               </a:r>
               <a:endParaRPr lang="en-US" dirty="0">
                 <a:latin typeface="Abadi MT Condensed Light" panose="020B0306030101010103" pitchFamily="34" charset="77"/>
@@ -10786,36 +11835,6 @@
           </p:txBody>
         </p:sp>
       </p:grpSp>
-      <p:pic>
-        <p:nvPicPr>
-          <p:cNvPr id="10" name="Picture 9" descr="A graph with different colored squares&#10;&#10;AI-generated content may be incorrect.">
-            <a:extLst>
-              <a:ext uri="{FF2B5EF4-FFF2-40B4-BE49-F238E27FC236}">
-                <a16:creationId xmlns:a16="http://schemas.microsoft.com/office/drawing/2014/main" id="{4D2FC79A-AA1A-DAF3-6B89-F750E3C132CB}"/>
-              </a:ext>
-            </a:extLst>
-          </p:cNvPr>
-          <p:cNvPicPr>
-            <a:picLocks noChangeAspect="1"/>
-          </p:cNvPicPr>
-          <p:nvPr/>
-        </p:nvPicPr>
-        <p:blipFill>
-          <a:blip r:embed="rId4"/>
-          <a:stretch>
-            <a:fillRect/>
-          </a:stretch>
-        </p:blipFill>
-        <p:spPr>
-          <a:xfrm>
-            <a:off x="1020278" y="1928260"/>
-            <a:ext cx="9859478" cy="4929739"/>
-          </a:xfrm>
-          <a:prstGeom prst="rect">
-            <a:avLst/>
-          </a:prstGeom>
-        </p:spPr>
-      </p:pic>
     </p:spTree>
     <p:extLst>
       <p:ext uri="{BB962C8B-B14F-4D97-AF65-F5344CB8AC3E}">
